--- a/Presentation.pptx
+++ b/Presentation.pptx
@@ -3352,10 +3352,9 @@
         <a:lstStyle/>
         <a:p>
           <a:r>
-            <a:rPr lang="pt-PT" i="1" dirty="0" err="1"/>
-            <a:t>Stacks</a:t>
+            <a:rPr lang="pt-PT" i="0" dirty="0"/>
+            <a:t>Lista</a:t>
           </a:r>
-          <a:endParaRPr lang="pt-PT" i="1" dirty="0"/>
         </a:p>
       </dgm:t>
     </dgm:pt>
@@ -5192,10 +5191,9 @@
             <a:buNone/>
           </a:pPr>
           <a:r>
-            <a:rPr lang="pt-PT" sz="4300" i="1" kern="1200" dirty="0" err="1"/>
-            <a:t>Stacks</a:t>
+            <a:rPr lang="pt-PT" sz="4300" i="0" kern="1200" dirty="0"/>
+            <a:t>Lista</a:t>
           </a:r>
-          <a:endParaRPr lang="pt-PT" sz="4300" i="1" kern="1200" dirty="0"/>
         </a:p>
       </dsp:txBody>
       <dsp:txXfrm>
@@ -15473,7 +15471,7 @@
             </a:extLst>
           </p:cNvPr>
           <p:cNvSpPr>
-            <a:spLocks noGrp="1" noChangeArrowheads="1"/>
+            <a:spLocks noGrp="1" noRot="1" noChangeAspect="1" noChangeArrowheads="1"/>
           </p:cNvSpPr>
           <p:nvPr>
             <p:ph type="sldImg"/>
@@ -15988,7 +15986,7 @@
             </a:extLst>
           </p:cNvPr>
           <p:cNvSpPr txBox="1">
-            <a:spLocks noChangeArrowheads="1"/>
+            <a:spLocks noGrp="1" noRot="1" noChangeAspect="1" noChangeArrowheads="1"/>
           </p:cNvSpPr>
           <p:nvPr>
             <p:ph type="sldImg"/>
@@ -16036,7 +16034,7 @@
             </a:extLst>
           </p:cNvPr>
           <p:cNvSpPr txBox="1">
-            <a:spLocks noChangeArrowheads="1"/>
+            <a:spLocks noGrp="1" noChangeArrowheads="1"/>
           </p:cNvSpPr>
           <p:nvPr>
             <p:ph type="body" idx="1"/>
@@ -16164,7 +16162,7 @@
             </a:extLst>
           </p:cNvPr>
           <p:cNvSpPr txBox="1">
-            <a:spLocks noChangeArrowheads="1"/>
+            <a:spLocks noGrp="1" noRot="1" noChangeAspect="1" noChangeArrowheads="1"/>
           </p:cNvSpPr>
           <p:nvPr>
             <p:ph type="sldImg"/>
@@ -16212,7 +16210,7 @@
             </a:extLst>
           </p:cNvPr>
           <p:cNvSpPr txBox="1">
-            <a:spLocks noChangeArrowheads="1"/>
+            <a:spLocks noGrp="1" noChangeArrowheads="1"/>
           </p:cNvSpPr>
           <p:nvPr>
             <p:ph type="body" idx="1"/>
@@ -16340,7 +16338,7 @@
             </a:extLst>
           </p:cNvPr>
           <p:cNvSpPr txBox="1">
-            <a:spLocks noChangeArrowheads="1"/>
+            <a:spLocks noGrp="1" noRot="1" noChangeAspect="1" noChangeArrowheads="1"/>
           </p:cNvSpPr>
           <p:nvPr>
             <p:ph type="sldImg"/>
@@ -16388,7 +16386,7 @@
             </a:extLst>
           </p:cNvPr>
           <p:cNvSpPr txBox="1">
-            <a:spLocks noChangeArrowheads="1"/>
+            <a:spLocks noGrp="1" noChangeArrowheads="1"/>
           </p:cNvSpPr>
           <p:nvPr>
             <p:ph type="body" idx="1"/>
@@ -16516,7 +16514,7 @@
             </a:extLst>
           </p:cNvPr>
           <p:cNvSpPr txBox="1">
-            <a:spLocks noChangeArrowheads="1"/>
+            <a:spLocks noGrp="1" noRot="1" noChangeAspect="1" noChangeArrowheads="1"/>
           </p:cNvSpPr>
           <p:nvPr>
             <p:ph type="sldImg"/>
@@ -16564,7 +16562,7 @@
             </a:extLst>
           </p:cNvPr>
           <p:cNvSpPr txBox="1">
-            <a:spLocks noChangeArrowheads="1"/>
+            <a:spLocks noGrp="1" noChangeArrowheads="1"/>
           </p:cNvSpPr>
           <p:nvPr>
             <p:ph type="body" idx="1"/>
@@ -16692,7 +16690,7 @@
             </a:extLst>
           </p:cNvPr>
           <p:cNvSpPr txBox="1">
-            <a:spLocks noChangeArrowheads="1"/>
+            <a:spLocks noGrp="1" noRot="1" noChangeAspect="1" noChangeArrowheads="1"/>
           </p:cNvSpPr>
           <p:nvPr>
             <p:ph type="sldImg"/>
@@ -16740,7 +16738,7 @@
             </a:extLst>
           </p:cNvPr>
           <p:cNvSpPr txBox="1">
-            <a:spLocks noChangeArrowheads="1"/>
+            <a:spLocks noGrp="1" noChangeArrowheads="1"/>
           </p:cNvSpPr>
           <p:nvPr>
             <p:ph type="body" idx="1"/>
@@ -16868,7 +16866,7 @@
             </a:extLst>
           </p:cNvPr>
           <p:cNvSpPr txBox="1">
-            <a:spLocks noChangeArrowheads="1"/>
+            <a:spLocks noGrp="1" noRot="1" noChangeAspect="1" noChangeArrowheads="1"/>
           </p:cNvSpPr>
           <p:nvPr>
             <p:ph type="sldImg"/>
@@ -16916,7 +16914,7 @@
             </a:extLst>
           </p:cNvPr>
           <p:cNvSpPr txBox="1">
-            <a:spLocks noChangeArrowheads="1"/>
+            <a:spLocks noGrp="1" noChangeArrowheads="1"/>
           </p:cNvSpPr>
           <p:nvPr>
             <p:ph type="body" idx="1"/>
@@ -17044,7 +17042,7 @@
             </a:extLst>
           </p:cNvPr>
           <p:cNvSpPr txBox="1">
-            <a:spLocks noChangeArrowheads="1"/>
+            <a:spLocks noGrp="1" noRot="1" noChangeAspect="1" noChangeArrowheads="1"/>
           </p:cNvSpPr>
           <p:nvPr>
             <p:ph type="sldImg"/>
@@ -17092,7 +17090,7 @@
             </a:extLst>
           </p:cNvPr>
           <p:cNvSpPr txBox="1">
-            <a:spLocks noChangeArrowheads="1"/>
+            <a:spLocks noGrp="1" noChangeArrowheads="1"/>
           </p:cNvSpPr>
           <p:nvPr>
             <p:ph type="body" idx="1"/>
@@ -25066,27 +25064,8 @@
                 <a:ea typeface="+mj-ea"/>
                 <a:cs typeface="+mj-cs"/>
               </a:rPr>
-              <a:t>		Grafos e </a:t>
+              <a:t>		Grafos e Listas</a:t>
             </a:r>
-            <a:r>
-              <a:rPr lang="pt-PT" i="1" dirty="0" err="1">
-                <a:solidFill>
-                  <a:srgbClr val="010122"/>
-                </a:solidFill>
-                <a:latin typeface="+mj-lt"/>
-                <a:ea typeface="+mj-ea"/>
-                <a:cs typeface="+mj-cs"/>
-              </a:rPr>
-              <a:t>Stacks</a:t>
-            </a:r>
-            <a:endParaRPr lang="pt-PT" i="1" dirty="0">
-              <a:solidFill>
-                <a:srgbClr val="010122"/>
-              </a:solidFill>
-              <a:latin typeface="+mj-lt"/>
-              <a:ea typeface="+mj-ea"/>
-              <a:cs typeface="+mj-cs"/>
-            </a:endParaRPr>
           </a:p>
         </p:txBody>
       </p:sp>
@@ -25103,7 +25082,7 @@
           <p:nvPr>
             <p:extLst>
               <p:ext uri="{D42A27DB-BD31-4B8C-83A1-F6EECF244321}">
-                <p14:modId xmlns:p14="http://schemas.microsoft.com/office/powerpoint/2010/main" val="555791080"/>
+                <p14:modId xmlns:p14="http://schemas.microsoft.com/office/powerpoint/2010/main" val="3953747680"/>
               </p:ext>
             </p:extLst>
           </p:nvPr>
@@ -26306,868 +26285,17 @@
               </a:tabLst>
             </a:pPr>
             <a:r>
-              <a:rPr lang="en-US" altLang="pt-PT" sz="2800">
+              <a:rPr lang="en-US" altLang="pt-PT" sz="2800" dirty="0" err="1">
                 <a:solidFill>
                   <a:srgbClr val="000000"/>
                 </a:solidFill>
               </a:rPr>
-              <a:t>Stacks de Pessoas e Objetos</a:t>
+              <a:t>Bateria</a:t>
             </a:r>
-          </a:p>
-        </p:txBody>
-      </p:sp>
-      <p:grpSp>
-        <p:nvGrpSpPr>
-          <p:cNvPr id="22" name="Agrupar 21">
-            <a:extLst>
-              <a:ext uri="{FF2B5EF4-FFF2-40B4-BE49-F238E27FC236}">
-                <a16:creationId xmlns:a16="http://schemas.microsoft.com/office/drawing/2014/main" id="{29A49071-4C4F-46A1-8D00-21E2B74CA38E}"/>
-              </a:ext>
-            </a:extLst>
-          </p:cNvPr>
-          <p:cNvGrpSpPr/>
-          <p:nvPr/>
-        </p:nvGrpSpPr>
-        <p:grpSpPr>
-          <a:xfrm>
-            <a:off x="1259632" y="2348880"/>
-            <a:ext cx="1872208" cy="3546078"/>
-            <a:chOff x="1259632" y="2348880"/>
-            <a:chExt cx="1872208" cy="3546078"/>
-          </a:xfrm>
-        </p:grpSpPr>
-        <p:sp>
-          <p:nvSpPr>
-            <p:cNvPr id="16" name="Parênteses 15">
-              <a:extLst>
-                <a:ext uri="{FF2B5EF4-FFF2-40B4-BE49-F238E27FC236}">
-                  <a16:creationId xmlns:a16="http://schemas.microsoft.com/office/drawing/2014/main" id="{283FB0D4-208D-479C-B913-BB4EC8EC2CB7}"/>
-                </a:ext>
-              </a:extLst>
-            </p:cNvPr>
-            <p:cNvSpPr/>
-            <p:nvPr/>
-          </p:nvSpPr>
-          <p:spPr bwMode="auto">
-            <a:xfrm>
-              <a:off x="1259632" y="2348880"/>
-              <a:ext cx="1872208" cy="3546078"/>
-            </a:xfrm>
-            <a:prstGeom prst="bracketPair">
-              <a:avLst/>
-            </a:prstGeom>
-            <a:noFill/>
-            <a:ln w="9525" cap="flat" cmpd="sng" algn="ctr">
+            <a:endParaRPr lang="en-US" altLang="pt-PT" sz="2800" dirty="0">
               <a:solidFill>
-                <a:schemeClr val="tx1"/>
+                <a:srgbClr val="000000"/>
               </a:solidFill>
-              <a:prstDash val="solid"/>
-              <a:round/>
-              <a:headEnd type="none" w="med" len="med"/>
-              <a:tailEnd type="none" w="med" len="med"/>
-            </a:ln>
-            <a:effectLst/>
-          </p:spPr>
-          <p:txBody>
-            <a:bodyPr vert="horz" wrap="square" lIns="91440" tIns="45720" rIns="91440" bIns="45720" numCol="1" rtlCol="0" anchor="t" anchorCtr="0" compatLnSpc="1">
-              <a:prstTxWarp prst="textNoShape">
-                <a:avLst/>
-              </a:prstTxWarp>
-            </a:bodyPr>
-            <a:lstStyle/>
-            <a:p>
-              <a:pPr marL="0" marR="0" indent="0" algn="l" defTabSz="457200" rtl="0" eaLnBrk="0" fontAlgn="base" latinLnBrk="0" hangingPunct="0">
-                <a:lnSpc>
-                  <a:spcPct val="100000"/>
-                </a:lnSpc>
-                <a:spcBef>
-                  <a:spcPct val="0"/>
-                </a:spcBef>
-                <a:spcAft>
-                  <a:spcPct val="0"/>
-                </a:spcAft>
-                <a:buClr>
-                  <a:srgbClr val="000000"/>
-                </a:buClr>
-                <a:buSzPct val="100000"/>
-                <a:buFont typeface="Times New Roman" panose="02020603050405020304" pitchFamily="18" charset="0"/>
-                <a:buNone/>
-                <a:tabLst/>
-              </a:pPr>
-              <a:endParaRPr kumimoji="0" lang="pt-PT" sz="1800" b="0" i="0" u="none" strike="noStrike" cap="none" normalizeH="0" baseline="0">
-                <a:ln>
-                  <a:noFill/>
-                </a:ln>
-                <a:solidFill>
-                  <a:schemeClr val="bg1"/>
-                </a:solidFill>
-                <a:effectLst/>
-                <a:latin typeface="Arial" panose="020B0604020202020204" pitchFamily="34" charset="0"/>
-                <a:cs typeface="Bitstream Vera Sans" charset="0"/>
-              </a:endParaRPr>
-            </a:p>
-          </p:txBody>
-        </p:sp>
-        <p:cxnSp>
-          <p:nvCxnSpPr>
-            <p:cNvPr id="18" name="Conexão reta 17">
-              <a:extLst>
-                <a:ext uri="{FF2B5EF4-FFF2-40B4-BE49-F238E27FC236}">
-                  <a16:creationId xmlns:a16="http://schemas.microsoft.com/office/drawing/2014/main" id="{C3FB4543-8ED5-4675-BC09-AEEF0C304660}"/>
-                </a:ext>
-              </a:extLst>
-            </p:cNvPr>
-            <p:cNvCxnSpPr/>
-            <p:nvPr/>
-          </p:nvCxnSpPr>
-          <p:spPr bwMode="auto">
-            <a:xfrm>
-              <a:off x="1547664" y="5894958"/>
-              <a:ext cx="1296144" cy="0"/>
-            </a:xfrm>
-            <a:prstGeom prst="line">
-              <a:avLst/>
-            </a:prstGeom>
-            <a:solidFill>
-              <a:srgbClr val="00B8FF"/>
-            </a:solidFill>
-            <a:ln w="9525" cap="flat" cmpd="sng" algn="ctr">
-              <a:solidFill>
-                <a:schemeClr val="tx1"/>
-              </a:solidFill>
-              <a:prstDash val="solid"/>
-              <a:round/>
-              <a:headEnd type="none" w="med" len="med"/>
-              <a:tailEnd type="none" w="med" len="med"/>
-            </a:ln>
-            <a:effectLst/>
-            <a:extLst>
-              <a:ext uri="{AF507438-7753-43E0-B8FC-AC1667EBCBE1}">
-                <a14:hiddenEffects xmlns:a14="http://schemas.microsoft.com/office/drawing/2010/main">
-                  <a:effectLst>
-                    <a:outerShdw dist="35921" dir="2700000" algn="ctr" rotWithShape="0">
-                      <a:schemeClr val="bg2"/>
-                    </a:outerShdw>
-                  </a:effectLst>
-                </a14:hiddenEffects>
-              </a:ext>
-            </a:extLst>
-          </p:spPr>
-        </p:cxnSp>
-      </p:grpSp>
-      <p:grpSp>
-        <p:nvGrpSpPr>
-          <p:cNvPr id="28" name="Agrupar 27">
-            <a:extLst>
-              <a:ext uri="{FF2B5EF4-FFF2-40B4-BE49-F238E27FC236}">
-                <a16:creationId xmlns:a16="http://schemas.microsoft.com/office/drawing/2014/main" id="{CA346E6B-F8EA-48FB-B53D-5435B5FF4C7C}"/>
-              </a:ext>
-            </a:extLst>
-          </p:cNvPr>
-          <p:cNvGrpSpPr/>
-          <p:nvPr/>
-        </p:nvGrpSpPr>
-        <p:grpSpPr>
-          <a:xfrm>
-            <a:off x="5996176" y="2348880"/>
-            <a:ext cx="1872208" cy="3546078"/>
-            <a:chOff x="1259632" y="2348880"/>
-            <a:chExt cx="1872208" cy="3546078"/>
-          </a:xfrm>
-        </p:grpSpPr>
-        <p:sp>
-          <p:nvSpPr>
-            <p:cNvPr id="29" name="Parênteses 28">
-              <a:extLst>
-                <a:ext uri="{FF2B5EF4-FFF2-40B4-BE49-F238E27FC236}">
-                  <a16:creationId xmlns:a16="http://schemas.microsoft.com/office/drawing/2014/main" id="{A8AF87A0-09A6-4713-B2EB-37DF630B28F4}"/>
-                </a:ext>
-              </a:extLst>
-            </p:cNvPr>
-            <p:cNvSpPr/>
-            <p:nvPr/>
-          </p:nvSpPr>
-          <p:spPr bwMode="auto">
-            <a:xfrm>
-              <a:off x="1259632" y="2348880"/>
-              <a:ext cx="1872208" cy="3546078"/>
-            </a:xfrm>
-            <a:prstGeom prst="bracketPair">
-              <a:avLst/>
-            </a:prstGeom>
-            <a:noFill/>
-            <a:ln w="9525" cap="flat" cmpd="sng" algn="ctr">
-              <a:solidFill>
-                <a:schemeClr val="tx1"/>
-              </a:solidFill>
-              <a:prstDash val="solid"/>
-              <a:round/>
-              <a:headEnd type="none" w="med" len="med"/>
-              <a:tailEnd type="none" w="med" len="med"/>
-            </a:ln>
-            <a:effectLst/>
-          </p:spPr>
-          <p:txBody>
-            <a:bodyPr vert="horz" wrap="square" lIns="91440" tIns="45720" rIns="91440" bIns="45720" numCol="1" rtlCol="0" anchor="t" anchorCtr="0" compatLnSpc="1">
-              <a:prstTxWarp prst="textNoShape">
-                <a:avLst/>
-              </a:prstTxWarp>
-            </a:bodyPr>
-            <a:lstStyle/>
-            <a:p>
-              <a:pPr marL="0" marR="0" indent="0" algn="l" defTabSz="457200" rtl="0" eaLnBrk="0" fontAlgn="base" latinLnBrk="0" hangingPunct="0">
-                <a:lnSpc>
-                  <a:spcPct val="100000"/>
-                </a:lnSpc>
-                <a:spcBef>
-                  <a:spcPct val="0"/>
-                </a:spcBef>
-                <a:spcAft>
-                  <a:spcPct val="0"/>
-                </a:spcAft>
-                <a:buClr>
-                  <a:srgbClr val="000000"/>
-                </a:buClr>
-                <a:buSzPct val="100000"/>
-                <a:buFont typeface="Times New Roman" panose="02020603050405020304" pitchFamily="18" charset="0"/>
-                <a:buNone/>
-                <a:tabLst/>
-              </a:pPr>
-              <a:endParaRPr kumimoji="0" lang="pt-PT" sz="1800" b="0" i="0" u="none" strike="noStrike" cap="none" normalizeH="0" baseline="0">
-                <a:ln>
-                  <a:noFill/>
-                </a:ln>
-                <a:solidFill>
-                  <a:schemeClr val="bg1"/>
-                </a:solidFill>
-                <a:effectLst/>
-                <a:latin typeface="Arial" panose="020B0604020202020204" pitchFamily="34" charset="0"/>
-                <a:cs typeface="Bitstream Vera Sans" charset="0"/>
-              </a:endParaRPr>
-            </a:p>
-          </p:txBody>
-        </p:sp>
-        <p:cxnSp>
-          <p:nvCxnSpPr>
-            <p:cNvPr id="30" name="Conexão reta 29">
-              <a:extLst>
-                <a:ext uri="{FF2B5EF4-FFF2-40B4-BE49-F238E27FC236}">
-                  <a16:creationId xmlns:a16="http://schemas.microsoft.com/office/drawing/2014/main" id="{BD671066-F055-4770-8843-F230726A391E}"/>
-                </a:ext>
-              </a:extLst>
-            </p:cNvPr>
-            <p:cNvCxnSpPr/>
-            <p:nvPr/>
-          </p:nvCxnSpPr>
-          <p:spPr bwMode="auto">
-            <a:xfrm>
-              <a:off x="1547664" y="5894958"/>
-              <a:ext cx="1296144" cy="0"/>
-            </a:xfrm>
-            <a:prstGeom prst="line">
-              <a:avLst/>
-            </a:prstGeom>
-            <a:solidFill>
-              <a:srgbClr val="00B8FF"/>
-            </a:solidFill>
-            <a:ln w="9525" cap="flat" cmpd="sng" algn="ctr">
-              <a:solidFill>
-                <a:schemeClr val="tx1"/>
-              </a:solidFill>
-              <a:prstDash val="solid"/>
-              <a:round/>
-              <a:headEnd type="none" w="med" len="med"/>
-              <a:tailEnd type="none" w="med" len="med"/>
-            </a:ln>
-            <a:effectLst/>
-            <a:extLst>
-              <a:ext uri="{AF507438-7753-43E0-B8FC-AC1667EBCBE1}">
-                <a14:hiddenEffects xmlns:a14="http://schemas.microsoft.com/office/drawing/2010/main">
-                  <a:effectLst>
-                    <a:outerShdw dist="35921" dir="2700000" algn="ctr" rotWithShape="0">
-                      <a:schemeClr val="bg2"/>
-                    </a:outerShdw>
-                  </a:effectLst>
-                </a14:hiddenEffects>
-              </a:ext>
-            </a:extLst>
-          </p:spPr>
-        </p:cxnSp>
-      </p:grpSp>
-      <p:sp>
-        <p:nvSpPr>
-          <p:cNvPr id="23" name="CaixaDeTexto 22">
-            <a:extLst>
-              <a:ext uri="{FF2B5EF4-FFF2-40B4-BE49-F238E27FC236}">
-                <a16:creationId xmlns:a16="http://schemas.microsoft.com/office/drawing/2014/main" id="{1D644BA9-AAD6-409C-82DF-D112A77DA27C}"/>
-              </a:ext>
-            </a:extLst>
-          </p:cNvPr>
-          <p:cNvSpPr txBox="1"/>
-          <p:nvPr/>
-        </p:nvSpPr>
-        <p:spPr>
-          <a:xfrm>
-            <a:off x="1706659" y="5939393"/>
-            <a:ext cx="978153" cy="369332"/>
-          </a:xfrm>
-          <a:prstGeom prst="rect">
-            <a:avLst/>
-          </a:prstGeom>
-          <a:noFill/>
-        </p:spPr>
-        <p:txBody>
-          <a:bodyPr wrap="none" rtlCol="0">
-            <a:spAutoFit/>
-          </a:bodyPr>
-          <a:lstStyle/>
-          <a:p>
-            <a:r>
-              <a:rPr lang="pt-PT" dirty="0">
-                <a:solidFill>
-                  <a:schemeClr val="tx1"/>
-                </a:solidFill>
-                <a:latin typeface="+mn-lt"/>
-              </a:rPr>
-              <a:t>Pessoas</a:t>
-            </a:r>
-          </a:p>
-        </p:txBody>
-      </p:sp>
-      <p:sp>
-        <p:nvSpPr>
-          <p:cNvPr id="32" name="CaixaDeTexto 31">
-            <a:extLst>
-              <a:ext uri="{FF2B5EF4-FFF2-40B4-BE49-F238E27FC236}">
-                <a16:creationId xmlns:a16="http://schemas.microsoft.com/office/drawing/2014/main" id="{6A3B8069-2A0D-476E-AB72-692525105866}"/>
-              </a:ext>
-            </a:extLst>
-          </p:cNvPr>
-          <p:cNvSpPr txBox="1"/>
-          <p:nvPr/>
-        </p:nvSpPr>
-        <p:spPr>
-          <a:xfrm>
-            <a:off x="6363008" y="5939393"/>
-            <a:ext cx="1074333" cy="369332"/>
-          </a:xfrm>
-          <a:prstGeom prst="rect">
-            <a:avLst/>
-          </a:prstGeom>
-          <a:noFill/>
-        </p:spPr>
-        <p:txBody>
-          <a:bodyPr wrap="none" rtlCol="0">
-            <a:spAutoFit/>
-          </a:bodyPr>
-          <a:lstStyle/>
-          <a:p>
-            <a:r>
-              <a:rPr lang="pt-PT" dirty="0" err="1">
-                <a:solidFill>
-                  <a:schemeClr val="tx1"/>
-                </a:solidFill>
-                <a:latin typeface="+mn-lt"/>
-              </a:rPr>
-              <a:t>Objectos</a:t>
-            </a:r>
-            <a:endParaRPr lang="pt-PT" dirty="0">
-              <a:solidFill>
-                <a:schemeClr val="tx1"/>
-              </a:solidFill>
-              <a:latin typeface="+mn-lt"/>
-            </a:endParaRPr>
-          </a:p>
-        </p:txBody>
-      </p:sp>
-      <p:sp>
-        <p:nvSpPr>
-          <p:cNvPr id="24" name="Retângulo 23">
-            <a:extLst>
-              <a:ext uri="{FF2B5EF4-FFF2-40B4-BE49-F238E27FC236}">
-                <a16:creationId xmlns:a16="http://schemas.microsoft.com/office/drawing/2014/main" id="{A714BCAB-5560-43F3-8E1F-F8BA02E6A7B4}"/>
-              </a:ext>
-            </a:extLst>
-          </p:cNvPr>
-          <p:cNvSpPr/>
-          <p:nvPr/>
-        </p:nvSpPr>
-        <p:spPr bwMode="auto">
-          <a:xfrm>
-            <a:off x="1432073" y="4869160"/>
-            <a:ext cx="1527324" cy="774550"/>
-          </a:xfrm>
-          <a:prstGeom prst="rect">
-            <a:avLst/>
-          </a:prstGeom>
-          <a:solidFill>
-            <a:srgbClr val="212E67"/>
-          </a:solidFill>
-          <a:ln>
-            <a:headEnd type="none" w="med" len="med"/>
-            <a:tailEnd type="none" w="med" len="med"/>
-          </a:ln>
-        </p:spPr>
-        <p:style>
-          <a:lnRef idx="2">
-            <a:schemeClr val="dk1"/>
-          </a:lnRef>
-          <a:fillRef idx="1">
-            <a:schemeClr val="lt1"/>
-          </a:fillRef>
-          <a:effectRef idx="0">
-            <a:schemeClr val="dk1"/>
-          </a:effectRef>
-          <a:fontRef idx="minor">
-            <a:schemeClr val="dk1"/>
-          </a:fontRef>
-        </p:style>
-        <p:txBody>
-          <a:bodyPr vert="horz" wrap="square" lIns="91440" tIns="45720" rIns="91440" bIns="45720" numCol="1" rtlCol="0" anchor="t" anchorCtr="0" compatLnSpc="1">
-            <a:prstTxWarp prst="textNoShape">
-              <a:avLst/>
-            </a:prstTxWarp>
-          </a:bodyPr>
-          <a:lstStyle/>
-          <a:p>
-            <a:pPr marL="0" marR="0" indent="0" algn="l" defTabSz="457200" rtl="0" eaLnBrk="0" fontAlgn="base" latinLnBrk="0" hangingPunct="0">
-              <a:lnSpc>
-                <a:spcPct val="100000"/>
-              </a:lnSpc>
-              <a:spcBef>
-                <a:spcPct val="0"/>
-              </a:spcBef>
-              <a:spcAft>
-                <a:spcPct val="0"/>
-              </a:spcAft>
-              <a:buClr>
-                <a:srgbClr val="000000"/>
-              </a:buClr>
-              <a:buSzPct val="100000"/>
-              <a:buFont typeface="Times New Roman" panose="02020603050405020304" pitchFamily="18" charset="0"/>
-              <a:buNone/>
-              <a:tabLst/>
-            </a:pPr>
-            <a:endParaRPr kumimoji="0" lang="pt-PT" sz="1800" b="0" i="0" u="none" strike="noStrike" cap="none" normalizeH="0" baseline="0">
-              <a:ln>
-                <a:noFill/>
-              </a:ln>
-              <a:solidFill>
-                <a:schemeClr val="bg1"/>
-              </a:solidFill>
-              <a:effectLst/>
-              <a:latin typeface="Arial" panose="020B0604020202020204" pitchFamily="34" charset="0"/>
-              <a:cs typeface="Bitstream Vera Sans" charset="0"/>
-            </a:endParaRPr>
-          </a:p>
-        </p:txBody>
-      </p:sp>
-      <p:sp>
-        <p:nvSpPr>
-          <p:cNvPr id="34" name="Retângulo 33">
-            <a:extLst>
-              <a:ext uri="{FF2B5EF4-FFF2-40B4-BE49-F238E27FC236}">
-                <a16:creationId xmlns:a16="http://schemas.microsoft.com/office/drawing/2014/main" id="{62FF6AC8-649D-42D5-9DA2-B87A5C47FFE4}"/>
-              </a:ext>
-            </a:extLst>
-          </p:cNvPr>
-          <p:cNvSpPr/>
-          <p:nvPr/>
-        </p:nvSpPr>
-        <p:spPr bwMode="auto">
-          <a:xfrm>
-            <a:off x="1432073" y="3968986"/>
-            <a:ext cx="1527324" cy="774550"/>
-          </a:xfrm>
-          <a:prstGeom prst="rect">
-            <a:avLst/>
-          </a:prstGeom>
-          <a:solidFill>
-            <a:srgbClr val="212E67"/>
-          </a:solidFill>
-          <a:ln>
-            <a:headEnd type="none" w="med" len="med"/>
-            <a:tailEnd type="none" w="med" len="med"/>
-          </a:ln>
-        </p:spPr>
-        <p:style>
-          <a:lnRef idx="2">
-            <a:schemeClr val="dk1"/>
-          </a:lnRef>
-          <a:fillRef idx="1">
-            <a:schemeClr val="lt1"/>
-          </a:fillRef>
-          <a:effectRef idx="0">
-            <a:schemeClr val="dk1"/>
-          </a:effectRef>
-          <a:fontRef idx="minor">
-            <a:schemeClr val="dk1"/>
-          </a:fontRef>
-        </p:style>
-        <p:txBody>
-          <a:bodyPr vert="horz" wrap="square" lIns="91440" tIns="45720" rIns="91440" bIns="45720" numCol="1" rtlCol="0" anchor="t" anchorCtr="0" compatLnSpc="1">
-            <a:prstTxWarp prst="textNoShape">
-              <a:avLst/>
-            </a:prstTxWarp>
-          </a:bodyPr>
-          <a:lstStyle/>
-          <a:p>
-            <a:pPr marL="0" marR="0" indent="0" algn="l" defTabSz="457200" rtl="0" eaLnBrk="0" fontAlgn="base" latinLnBrk="0" hangingPunct="0">
-              <a:lnSpc>
-                <a:spcPct val="100000"/>
-              </a:lnSpc>
-              <a:spcBef>
-                <a:spcPct val="0"/>
-              </a:spcBef>
-              <a:spcAft>
-                <a:spcPct val="0"/>
-              </a:spcAft>
-              <a:buClr>
-                <a:srgbClr val="000000"/>
-              </a:buClr>
-              <a:buSzPct val="100000"/>
-              <a:buFont typeface="Times New Roman" panose="02020603050405020304" pitchFamily="18" charset="0"/>
-              <a:buNone/>
-              <a:tabLst/>
-            </a:pPr>
-            <a:endParaRPr kumimoji="0" lang="pt-PT" sz="1800" b="0" i="0" u="none" strike="noStrike" cap="none" normalizeH="0" baseline="0">
-              <a:ln>
-                <a:noFill/>
-              </a:ln>
-              <a:solidFill>
-                <a:schemeClr val="bg1"/>
-              </a:solidFill>
-              <a:effectLst/>
-              <a:latin typeface="Arial" panose="020B0604020202020204" pitchFamily="34" charset="0"/>
-              <a:cs typeface="Bitstream Vera Sans" charset="0"/>
-            </a:endParaRPr>
-          </a:p>
-        </p:txBody>
-      </p:sp>
-      <p:sp>
-        <p:nvSpPr>
-          <p:cNvPr id="35" name="Retângulo 34">
-            <a:extLst>
-              <a:ext uri="{FF2B5EF4-FFF2-40B4-BE49-F238E27FC236}">
-                <a16:creationId xmlns:a16="http://schemas.microsoft.com/office/drawing/2014/main" id="{689867E1-BACB-4B19-9626-86EB9D49B775}"/>
-              </a:ext>
-            </a:extLst>
-          </p:cNvPr>
-          <p:cNvSpPr/>
-          <p:nvPr/>
-        </p:nvSpPr>
-        <p:spPr bwMode="auto">
-          <a:xfrm>
-            <a:off x="1432073" y="3068812"/>
-            <a:ext cx="1527324" cy="774550"/>
-          </a:xfrm>
-          <a:prstGeom prst="rect">
-            <a:avLst/>
-          </a:prstGeom>
-          <a:solidFill>
-            <a:srgbClr val="212E67"/>
-          </a:solidFill>
-          <a:ln>
-            <a:headEnd type="none" w="med" len="med"/>
-            <a:tailEnd type="none" w="med" len="med"/>
-          </a:ln>
-        </p:spPr>
-        <p:style>
-          <a:lnRef idx="2">
-            <a:schemeClr val="dk1"/>
-          </a:lnRef>
-          <a:fillRef idx="1">
-            <a:schemeClr val="lt1"/>
-          </a:fillRef>
-          <a:effectRef idx="0">
-            <a:schemeClr val="dk1"/>
-          </a:effectRef>
-          <a:fontRef idx="minor">
-            <a:schemeClr val="dk1"/>
-          </a:fontRef>
-        </p:style>
-        <p:txBody>
-          <a:bodyPr vert="horz" wrap="square" lIns="91440" tIns="45720" rIns="91440" bIns="45720" numCol="1" rtlCol="0" anchor="t" anchorCtr="0" compatLnSpc="1">
-            <a:prstTxWarp prst="textNoShape">
-              <a:avLst/>
-            </a:prstTxWarp>
-          </a:bodyPr>
-          <a:lstStyle/>
-          <a:p>
-            <a:pPr marL="0" marR="0" indent="0" algn="l" defTabSz="457200" rtl="0" eaLnBrk="0" fontAlgn="base" latinLnBrk="0" hangingPunct="0">
-              <a:lnSpc>
-                <a:spcPct val="100000"/>
-              </a:lnSpc>
-              <a:spcBef>
-                <a:spcPct val="0"/>
-              </a:spcBef>
-              <a:spcAft>
-                <a:spcPct val="0"/>
-              </a:spcAft>
-              <a:buClr>
-                <a:srgbClr val="000000"/>
-              </a:buClr>
-              <a:buSzPct val="100000"/>
-              <a:buFont typeface="Times New Roman" panose="02020603050405020304" pitchFamily="18" charset="0"/>
-              <a:buNone/>
-              <a:tabLst/>
-            </a:pPr>
-            <a:endParaRPr kumimoji="0" lang="pt-PT" sz="1800" b="0" i="0" u="none" strike="noStrike" cap="none" normalizeH="0" baseline="0">
-              <a:ln>
-                <a:noFill/>
-              </a:ln>
-              <a:solidFill>
-                <a:schemeClr val="bg1"/>
-              </a:solidFill>
-              <a:effectLst/>
-              <a:latin typeface="Arial" panose="020B0604020202020204" pitchFamily="34" charset="0"/>
-              <a:cs typeface="Bitstream Vera Sans" charset="0"/>
-            </a:endParaRPr>
-          </a:p>
-        </p:txBody>
-      </p:sp>
-      <p:sp>
-        <p:nvSpPr>
-          <p:cNvPr id="36" name="Retângulo 35">
-            <a:extLst>
-              <a:ext uri="{FF2B5EF4-FFF2-40B4-BE49-F238E27FC236}">
-                <a16:creationId xmlns:a16="http://schemas.microsoft.com/office/drawing/2014/main" id="{4B8A8900-3739-4A49-99A7-C52C7ACB37B4}"/>
-              </a:ext>
-            </a:extLst>
-          </p:cNvPr>
-          <p:cNvSpPr/>
-          <p:nvPr/>
-        </p:nvSpPr>
-        <p:spPr bwMode="auto">
-          <a:xfrm>
-            <a:off x="6184603" y="4869160"/>
-            <a:ext cx="1527324" cy="774550"/>
-          </a:xfrm>
-          <a:prstGeom prst="rect">
-            <a:avLst/>
-          </a:prstGeom>
-          <a:solidFill>
-            <a:srgbClr val="212E67"/>
-          </a:solidFill>
-          <a:ln>
-            <a:headEnd type="none" w="med" len="med"/>
-            <a:tailEnd type="none" w="med" len="med"/>
-          </a:ln>
-        </p:spPr>
-        <p:style>
-          <a:lnRef idx="2">
-            <a:schemeClr val="dk1"/>
-          </a:lnRef>
-          <a:fillRef idx="1">
-            <a:schemeClr val="lt1"/>
-          </a:fillRef>
-          <a:effectRef idx="0">
-            <a:schemeClr val="dk1"/>
-          </a:effectRef>
-          <a:fontRef idx="minor">
-            <a:schemeClr val="dk1"/>
-          </a:fontRef>
-        </p:style>
-        <p:txBody>
-          <a:bodyPr vert="horz" wrap="square" lIns="91440" tIns="45720" rIns="91440" bIns="45720" numCol="1" rtlCol="0" anchor="t" anchorCtr="0" compatLnSpc="1">
-            <a:prstTxWarp prst="textNoShape">
-              <a:avLst/>
-            </a:prstTxWarp>
-          </a:bodyPr>
-          <a:lstStyle/>
-          <a:p>
-            <a:pPr marL="0" marR="0" indent="0" algn="l" defTabSz="457200" rtl="0" eaLnBrk="0" fontAlgn="base" latinLnBrk="0" hangingPunct="0">
-              <a:lnSpc>
-                <a:spcPct val="100000"/>
-              </a:lnSpc>
-              <a:spcBef>
-                <a:spcPct val="0"/>
-              </a:spcBef>
-              <a:spcAft>
-                <a:spcPct val="0"/>
-              </a:spcAft>
-              <a:buClr>
-                <a:srgbClr val="000000"/>
-              </a:buClr>
-              <a:buSzPct val="100000"/>
-              <a:buFont typeface="Times New Roman" panose="02020603050405020304" pitchFamily="18" charset="0"/>
-              <a:buNone/>
-              <a:tabLst/>
-            </a:pPr>
-            <a:endParaRPr kumimoji="0" lang="pt-PT" sz="1800" b="0" i="0" u="none" strike="noStrike" cap="none" normalizeH="0" baseline="0">
-              <a:ln>
-                <a:noFill/>
-              </a:ln>
-              <a:solidFill>
-                <a:schemeClr val="bg1"/>
-              </a:solidFill>
-              <a:effectLst/>
-              <a:latin typeface="Arial" panose="020B0604020202020204" pitchFamily="34" charset="0"/>
-              <a:cs typeface="Bitstream Vera Sans" charset="0"/>
-            </a:endParaRPr>
-          </a:p>
-        </p:txBody>
-      </p:sp>
-      <p:sp>
-        <p:nvSpPr>
-          <p:cNvPr id="37" name="Retângulo 36">
-            <a:extLst>
-              <a:ext uri="{FF2B5EF4-FFF2-40B4-BE49-F238E27FC236}">
-                <a16:creationId xmlns:a16="http://schemas.microsoft.com/office/drawing/2014/main" id="{5C9F7C07-7971-454F-9B04-8AEDF987624C}"/>
-              </a:ext>
-            </a:extLst>
-          </p:cNvPr>
-          <p:cNvSpPr/>
-          <p:nvPr/>
-        </p:nvSpPr>
-        <p:spPr bwMode="auto">
-          <a:xfrm>
-            <a:off x="6187594" y="3968986"/>
-            <a:ext cx="1527324" cy="774550"/>
-          </a:xfrm>
-          <a:prstGeom prst="rect">
-            <a:avLst/>
-          </a:prstGeom>
-          <a:solidFill>
-            <a:srgbClr val="212E67"/>
-          </a:solidFill>
-          <a:ln>
-            <a:headEnd type="none" w="med" len="med"/>
-            <a:tailEnd type="none" w="med" len="med"/>
-          </a:ln>
-        </p:spPr>
-        <p:style>
-          <a:lnRef idx="2">
-            <a:schemeClr val="dk1"/>
-          </a:lnRef>
-          <a:fillRef idx="1">
-            <a:schemeClr val="lt1"/>
-          </a:fillRef>
-          <a:effectRef idx="0">
-            <a:schemeClr val="dk1"/>
-          </a:effectRef>
-          <a:fontRef idx="minor">
-            <a:schemeClr val="dk1"/>
-          </a:fontRef>
-        </p:style>
-        <p:txBody>
-          <a:bodyPr vert="horz" wrap="square" lIns="91440" tIns="45720" rIns="91440" bIns="45720" numCol="1" rtlCol="0" anchor="t" anchorCtr="0" compatLnSpc="1">
-            <a:prstTxWarp prst="textNoShape">
-              <a:avLst/>
-            </a:prstTxWarp>
-          </a:bodyPr>
-          <a:lstStyle/>
-          <a:p>
-            <a:pPr marL="0" marR="0" indent="0" algn="l" defTabSz="457200" rtl="0" eaLnBrk="0" fontAlgn="base" latinLnBrk="0" hangingPunct="0">
-              <a:lnSpc>
-                <a:spcPct val="100000"/>
-              </a:lnSpc>
-              <a:spcBef>
-                <a:spcPct val="0"/>
-              </a:spcBef>
-              <a:spcAft>
-                <a:spcPct val="0"/>
-              </a:spcAft>
-              <a:buClr>
-                <a:srgbClr val="000000"/>
-              </a:buClr>
-              <a:buSzPct val="100000"/>
-              <a:buFont typeface="Times New Roman" panose="02020603050405020304" pitchFamily="18" charset="0"/>
-              <a:buNone/>
-              <a:tabLst/>
-            </a:pPr>
-            <a:endParaRPr kumimoji="0" lang="pt-PT" sz="1800" b="0" i="0" u="none" strike="noStrike" cap="none" normalizeH="0" baseline="0">
-              <a:ln>
-                <a:noFill/>
-              </a:ln>
-              <a:solidFill>
-                <a:schemeClr val="bg1"/>
-              </a:solidFill>
-              <a:effectLst/>
-              <a:latin typeface="Arial" panose="020B0604020202020204" pitchFamily="34" charset="0"/>
-              <a:cs typeface="Bitstream Vera Sans" charset="0"/>
-            </a:endParaRPr>
-          </a:p>
-        </p:txBody>
-      </p:sp>
-      <p:sp>
-        <p:nvSpPr>
-          <p:cNvPr id="38" name="Retângulo 37">
-            <a:extLst>
-              <a:ext uri="{FF2B5EF4-FFF2-40B4-BE49-F238E27FC236}">
-                <a16:creationId xmlns:a16="http://schemas.microsoft.com/office/drawing/2014/main" id="{04A8135E-CE99-4059-9B0F-6FB024FBBC9C}"/>
-              </a:ext>
-            </a:extLst>
-          </p:cNvPr>
-          <p:cNvSpPr/>
-          <p:nvPr/>
-        </p:nvSpPr>
-        <p:spPr bwMode="auto">
-          <a:xfrm>
-            <a:off x="6184603" y="3041725"/>
-            <a:ext cx="1527324" cy="774550"/>
-          </a:xfrm>
-          <a:prstGeom prst="rect">
-            <a:avLst/>
-          </a:prstGeom>
-          <a:solidFill>
-            <a:srgbClr val="212E67"/>
-          </a:solidFill>
-          <a:ln>
-            <a:headEnd type="none" w="med" len="med"/>
-            <a:tailEnd type="none" w="med" len="med"/>
-          </a:ln>
-        </p:spPr>
-        <p:style>
-          <a:lnRef idx="2">
-            <a:schemeClr val="dk1"/>
-          </a:lnRef>
-          <a:fillRef idx="1">
-            <a:schemeClr val="lt1"/>
-          </a:fillRef>
-          <a:effectRef idx="0">
-            <a:schemeClr val="dk1"/>
-          </a:effectRef>
-          <a:fontRef idx="minor">
-            <a:schemeClr val="dk1"/>
-          </a:fontRef>
-        </p:style>
-        <p:txBody>
-          <a:bodyPr vert="horz" wrap="square" lIns="91440" tIns="45720" rIns="91440" bIns="45720" numCol="1" rtlCol="0" anchor="t" anchorCtr="0" compatLnSpc="1">
-            <a:prstTxWarp prst="textNoShape">
-              <a:avLst/>
-            </a:prstTxWarp>
-          </a:bodyPr>
-          <a:lstStyle/>
-          <a:p>
-            <a:pPr marL="0" marR="0" indent="0" algn="l" defTabSz="457200" rtl="0" eaLnBrk="0" fontAlgn="base" latinLnBrk="0" hangingPunct="0">
-              <a:lnSpc>
-                <a:spcPct val="100000"/>
-              </a:lnSpc>
-              <a:spcBef>
-                <a:spcPct val="0"/>
-              </a:spcBef>
-              <a:spcAft>
-                <a:spcPct val="0"/>
-              </a:spcAft>
-              <a:buClr>
-                <a:srgbClr val="000000"/>
-              </a:buClr>
-              <a:buSzPct val="100000"/>
-              <a:buFont typeface="Times New Roman" panose="02020603050405020304" pitchFamily="18" charset="0"/>
-              <a:buNone/>
-              <a:tabLst/>
-            </a:pPr>
-            <a:endParaRPr kumimoji="0" lang="pt-PT" sz="1800" b="0" i="0" u="none" strike="noStrike" cap="none" normalizeH="0" baseline="0">
-              <a:ln>
-                <a:noFill/>
-              </a:ln>
-              <a:solidFill>
-                <a:schemeClr val="bg1"/>
-              </a:solidFill>
-              <a:effectLst/>
-              <a:latin typeface="Arial" panose="020B0604020202020204" pitchFamily="34" charset="0"/>
-              <a:cs typeface="Bitstream Vera Sans" charset="0"/>
             </a:endParaRPr>
           </a:p>
         </p:txBody>

--- a/Presentation.pptx
+++ b/Presentation.pptx
@@ -2443,753 +2443,6 @@
 </dgm:colorsDef>
 </file>
 
-<file path=ppt/diagrams/colors4.xml><?xml version="1.0" encoding="utf-8"?>
-<dgm:colorsDef xmlns:dgm="http://schemas.openxmlformats.org/drawingml/2006/diagram" xmlns:a="http://schemas.openxmlformats.org/drawingml/2006/main" uniqueId="urn:microsoft.com/office/officeart/2005/8/colors/accent1_2">
-  <dgm:title val=""/>
-  <dgm:desc val=""/>
-  <dgm:catLst>
-    <dgm:cat type="accent1" pri="11200"/>
-  </dgm:catLst>
-  <dgm:styleLbl name="node0">
-    <dgm:fillClrLst meth="repeat">
-      <a:schemeClr val="accent1"/>
-    </dgm:fillClrLst>
-    <dgm:linClrLst meth="repeat">
-      <a:schemeClr val="lt1"/>
-    </dgm:linClrLst>
-    <dgm:effectClrLst/>
-    <dgm:txLinClrLst/>
-    <dgm:txFillClrLst/>
-    <dgm:txEffectClrLst/>
-  </dgm:styleLbl>
-  <dgm:styleLbl name="alignNode1">
-    <dgm:fillClrLst meth="repeat">
-      <a:schemeClr val="accent1"/>
-    </dgm:fillClrLst>
-    <dgm:linClrLst meth="repeat">
-      <a:schemeClr val="accent1"/>
-    </dgm:linClrLst>
-    <dgm:effectClrLst/>
-    <dgm:txLinClrLst/>
-    <dgm:txFillClrLst/>
-    <dgm:txEffectClrLst/>
-  </dgm:styleLbl>
-  <dgm:styleLbl name="node1">
-    <dgm:fillClrLst meth="repeat">
-      <a:schemeClr val="accent1"/>
-    </dgm:fillClrLst>
-    <dgm:linClrLst meth="repeat">
-      <a:schemeClr val="lt1"/>
-    </dgm:linClrLst>
-    <dgm:effectClrLst/>
-    <dgm:txLinClrLst/>
-    <dgm:txFillClrLst/>
-    <dgm:txEffectClrLst/>
-  </dgm:styleLbl>
-  <dgm:styleLbl name="lnNode1">
-    <dgm:fillClrLst meth="repeat">
-      <a:schemeClr val="accent1"/>
-    </dgm:fillClrLst>
-    <dgm:linClrLst meth="repeat">
-      <a:schemeClr val="lt1"/>
-    </dgm:linClrLst>
-    <dgm:effectClrLst/>
-    <dgm:txLinClrLst/>
-    <dgm:txFillClrLst/>
-    <dgm:txEffectClrLst/>
-  </dgm:styleLbl>
-  <dgm:styleLbl name="vennNode1">
-    <dgm:fillClrLst meth="repeat">
-      <a:schemeClr val="accent1">
-        <a:alpha val="50000"/>
-      </a:schemeClr>
-    </dgm:fillClrLst>
-    <dgm:linClrLst meth="repeat">
-      <a:schemeClr val="lt1"/>
-    </dgm:linClrLst>
-    <dgm:effectClrLst/>
-    <dgm:txLinClrLst/>
-    <dgm:txFillClrLst/>
-    <dgm:txEffectClrLst/>
-  </dgm:styleLbl>
-  <dgm:styleLbl name="node2">
-    <dgm:fillClrLst meth="repeat">
-      <a:schemeClr val="accent1"/>
-    </dgm:fillClrLst>
-    <dgm:linClrLst meth="repeat">
-      <a:schemeClr val="lt1"/>
-    </dgm:linClrLst>
-    <dgm:effectClrLst/>
-    <dgm:txLinClrLst/>
-    <dgm:txFillClrLst/>
-    <dgm:txEffectClrLst/>
-  </dgm:styleLbl>
-  <dgm:styleLbl name="node3">
-    <dgm:fillClrLst meth="repeat">
-      <a:schemeClr val="accent1"/>
-    </dgm:fillClrLst>
-    <dgm:linClrLst meth="repeat">
-      <a:schemeClr val="lt1"/>
-    </dgm:linClrLst>
-    <dgm:effectClrLst/>
-    <dgm:txLinClrLst/>
-    <dgm:txFillClrLst/>
-    <dgm:txEffectClrLst/>
-  </dgm:styleLbl>
-  <dgm:styleLbl name="node4">
-    <dgm:fillClrLst meth="repeat">
-      <a:schemeClr val="accent1"/>
-    </dgm:fillClrLst>
-    <dgm:linClrLst meth="repeat">
-      <a:schemeClr val="lt1"/>
-    </dgm:linClrLst>
-    <dgm:effectClrLst/>
-    <dgm:txLinClrLst/>
-    <dgm:txFillClrLst/>
-    <dgm:txEffectClrLst/>
-  </dgm:styleLbl>
-  <dgm:styleLbl name="fgImgPlace1">
-    <dgm:fillClrLst meth="repeat">
-      <a:schemeClr val="accent1">
-        <a:tint val="50000"/>
-      </a:schemeClr>
-    </dgm:fillClrLst>
-    <dgm:linClrLst meth="repeat">
-      <a:schemeClr val="lt1"/>
-    </dgm:linClrLst>
-    <dgm:effectClrLst/>
-    <dgm:txLinClrLst/>
-    <dgm:txFillClrLst meth="repeat">
-      <a:schemeClr val="lt1"/>
-    </dgm:txFillClrLst>
-    <dgm:txEffectClrLst/>
-  </dgm:styleLbl>
-  <dgm:styleLbl name="alignImgPlace1">
-    <dgm:fillClrLst meth="repeat">
-      <a:schemeClr val="accent1">
-        <a:tint val="50000"/>
-      </a:schemeClr>
-    </dgm:fillClrLst>
-    <dgm:linClrLst meth="repeat">
-      <a:schemeClr val="lt1"/>
-    </dgm:linClrLst>
-    <dgm:effectClrLst/>
-    <dgm:txLinClrLst/>
-    <dgm:txFillClrLst meth="repeat">
-      <a:schemeClr val="lt1"/>
-    </dgm:txFillClrLst>
-    <dgm:txEffectClrLst/>
-  </dgm:styleLbl>
-  <dgm:styleLbl name="bgImgPlace1">
-    <dgm:fillClrLst meth="repeat">
-      <a:schemeClr val="accent1">
-        <a:tint val="50000"/>
-      </a:schemeClr>
-    </dgm:fillClrLst>
-    <dgm:linClrLst meth="repeat">
-      <a:schemeClr val="lt1"/>
-    </dgm:linClrLst>
-    <dgm:effectClrLst/>
-    <dgm:txLinClrLst/>
-    <dgm:txFillClrLst meth="repeat">
-      <a:schemeClr val="lt1"/>
-    </dgm:txFillClrLst>
-    <dgm:txEffectClrLst/>
-  </dgm:styleLbl>
-  <dgm:styleLbl name="sibTrans2D1">
-    <dgm:fillClrLst meth="repeat">
-      <a:schemeClr val="accent1">
-        <a:tint val="60000"/>
-      </a:schemeClr>
-    </dgm:fillClrLst>
-    <dgm:linClrLst meth="repeat">
-      <a:schemeClr val="accent1">
-        <a:tint val="60000"/>
-      </a:schemeClr>
-    </dgm:linClrLst>
-    <dgm:effectClrLst/>
-    <dgm:txLinClrLst/>
-    <dgm:txFillClrLst/>
-    <dgm:txEffectClrLst/>
-  </dgm:styleLbl>
-  <dgm:styleLbl name="fgSibTrans2D1">
-    <dgm:fillClrLst meth="repeat">
-      <a:schemeClr val="accent1">
-        <a:tint val="60000"/>
-      </a:schemeClr>
-    </dgm:fillClrLst>
-    <dgm:linClrLst meth="repeat">
-      <a:schemeClr val="accent1">
-        <a:tint val="60000"/>
-      </a:schemeClr>
-    </dgm:linClrLst>
-    <dgm:effectClrLst/>
-    <dgm:txLinClrLst/>
-    <dgm:txFillClrLst/>
-    <dgm:txEffectClrLst/>
-  </dgm:styleLbl>
-  <dgm:styleLbl name="bgSibTrans2D1">
-    <dgm:fillClrLst meth="repeat">
-      <a:schemeClr val="accent1">
-        <a:tint val="60000"/>
-      </a:schemeClr>
-    </dgm:fillClrLst>
-    <dgm:linClrLst meth="repeat">
-      <a:schemeClr val="accent1">
-        <a:tint val="60000"/>
-      </a:schemeClr>
-    </dgm:linClrLst>
-    <dgm:effectClrLst/>
-    <dgm:txLinClrLst/>
-    <dgm:txFillClrLst/>
-    <dgm:txEffectClrLst/>
-  </dgm:styleLbl>
-  <dgm:styleLbl name="sibTrans1D1">
-    <dgm:fillClrLst meth="repeat">
-      <a:schemeClr val="accent1"/>
-    </dgm:fillClrLst>
-    <dgm:linClrLst meth="repeat">
-      <a:schemeClr val="accent1"/>
-    </dgm:linClrLst>
-    <dgm:effectClrLst/>
-    <dgm:txLinClrLst/>
-    <dgm:txFillClrLst meth="repeat">
-      <a:schemeClr val="tx1"/>
-    </dgm:txFillClrLst>
-    <dgm:txEffectClrLst/>
-  </dgm:styleLbl>
-  <dgm:styleLbl name="callout">
-    <dgm:fillClrLst meth="repeat">
-      <a:schemeClr val="accent1"/>
-    </dgm:fillClrLst>
-    <dgm:linClrLst meth="repeat">
-      <a:schemeClr val="accent1">
-        <a:tint val="50000"/>
-      </a:schemeClr>
-    </dgm:linClrLst>
-    <dgm:effectClrLst/>
-    <dgm:txLinClrLst/>
-    <dgm:txFillClrLst meth="repeat">
-      <a:schemeClr val="tx1"/>
-    </dgm:txFillClrLst>
-    <dgm:txEffectClrLst/>
-  </dgm:styleLbl>
-  <dgm:styleLbl name="asst0">
-    <dgm:fillClrLst meth="repeat">
-      <a:schemeClr val="accent1"/>
-    </dgm:fillClrLst>
-    <dgm:linClrLst meth="repeat">
-      <a:schemeClr val="lt1"/>
-    </dgm:linClrLst>
-    <dgm:effectClrLst/>
-    <dgm:txLinClrLst/>
-    <dgm:txFillClrLst/>
-    <dgm:txEffectClrLst/>
-  </dgm:styleLbl>
-  <dgm:styleLbl name="asst1">
-    <dgm:fillClrLst meth="repeat">
-      <a:schemeClr val="accent1"/>
-    </dgm:fillClrLst>
-    <dgm:linClrLst meth="repeat">
-      <a:schemeClr val="lt1"/>
-    </dgm:linClrLst>
-    <dgm:effectClrLst/>
-    <dgm:txLinClrLst/>
-    <dgm:txFillClrLst/>
-    <dgm:txEffectClrLst/>
-  </dgm:styleLbl>
-  <dgm:styleLbl name="asst2">
-    <dgm:fillClrLst meth="repeat">
-      <a:schemeClr val="accent1"/>
-    </dgm:fillClrLst>
-    <dgm:linClrLst meth="repeat">
-      <a:schemeClr val="lt1"/>
-    </dgm:linClrLst>
-    <dgm:effectClrLst/>
-    <dgm:txLinClrLst/>
-    <dgm:txFillClrLst/>
-    <dgm:txEffectClrLst/>
-  </dgm:styleLbl>
-  <dgm:styleLbl name="asst3">
-    <dgm:fillClrLst meth="repeat">
-      <a:schemeClr val="accent1"/>
-    </dgm:fillClrLst>
-    <dgm:linClrLst meth="repeat">
-      <a:schemeClr val="lt1"/>
-    </dgm:linClrLst>
-    <dgm:effectClrLst/>
-    <dgm:txLinClrLst/>
-    <dgm:txFillClrLst/>
-    <dgm:txEffectClrLst/>
-  </dgm:styleLbl>
-  <dgm:styleLbl name="asst4">
-    <dgm:fillClrLst meth="repeat">
-      <a:schemeClr val="accent1"/>
-    </dgm:fillClrLst>
-    <dgm:linClrLst meth="repeat">
-      <a:schemeClr val="lt1"/>
-    </dgm:linClrLst>
-    <dgm:effectClrLst/>
-    <dgm:txLinClrLst/>
-    <dgm:txFillClrLst/>
-    <dgm:txEffectClrLst/>
-  </dgm:styleLbl>
-  <dgm:styleLbl name="parChTrans2D1">
-    <dgm:fillClrLst meth="repeat">
-      <a:schemeClr val="accent1">
-        <a:tint val="60000"/>
-      </a:schemeClr>
-    </dgm:fillClrLst>
-    <dgm:linClrLst meth="repeat">
-      <a:schemeClr val="accent1">
-        <a:tint val="60000"/>
-      </a:schemeClr>
-    </dgm:linClrLst>
-    <dgm:effectClrLst/>
-    <dgm:txLinClrLst/>
-    <dgm:txFillClrLst meth="repeat">
-      <a:schemeClr val="lt1"/>
-    </dgm:txFillClrLst>
-    <dgm:txEffectClrLst/>
-  </dgm:styleLbl>
-  <dgm:styleLbl name="parChTrans2D2">
-    <dgm:fillClrLst meth="repeat">
-      <a:schemeClr val="accent1"/>
-    </dgm:fillClrLst>
-    <dgm:linClrLst meth="repeat">
-      <a:schemeClr val="accent1"/>
-    </dgm:linClrLst>
-    <dgm:effectClrLst/>
-    <dgm:txLinClrLst/>
-    <dgm:txFillClrLst meth="repeat">
-      <a:schemeClr val="lt1"/>
-    </dgm:txFillClrLst>
-    <dgm:txEffectClrLst/>
-  </dgm:styleLbl>
-  <dgm:styleLbl name="parChTrans2D3">
-    <dgm:fillClrLst meth="repeat">
-      <a:schemeClr val="accent1"/>
-    </dgm:fillClrLst>
-    <dgm:linClrLst meth="repeat">
-      <a:schemeClr val="accent1"/>
-    </dgm:linClrLst>
-    <dgm:effectClrLst/>
-    <dgm:txLinClrLst/>
-    <dgm:txFillClrLst meth="repeat">
-      <a:schemeClr val="lt1"/>
-    </dgm:txFillClrLst>
-    <dgm:txEffectClrLst/>
-  </dgm:styleLbl>
-  <dgm:styleLbl name="parChTrans2D4">
-    <dgm:fillClrLst meth="repeat">
-      <a:schemeClr val="accent1"/>
-    </dgm:fillClrLst>
-    <dgm:linClrLst meth="repeat">
-      <a:schemeClr val="accent1"/>
-    </dgm:linClrLst>
-    <dgm:effectClrLst/>
-    <dgm:txLinClrLst/>
-    <dgm:txFillClrLst meth="repeat">
-      <a:schemeClr val="lt1"/>
-    </dgm:txFillClrLst>
-    <dgm:txEffectClrLst/>
-  </dgm:styleLbl>
-  <dgm:styleLbl name="parChTrans1D1">
-    <dgm:fillClrLst meth="repeat">
-      <a:schemeClr val="accent1"/>
-    </dgm:fillClrLst>
-    <dgm:linClrLst meth="repeat">
-      <a:schemeClr val="accent1">
-        <a:shade val="60000"/>
-      </a:schemeClr>
-    </dgm:linClrLst>
-    <dgm:effectClrLst/>
-    <dgm:txLinClrLst/>
-    <dgm:txFillClrLst meth="repeat">
-      <a:schemeClr val="tx1"/>
-    </dgm:txFillClrLst>
-    <dgm:txEffectClrLst/>
-  </dgm:styleLbl>
-  <dgm:styleLbl name="parChTrans1D2">
-    <dgm:fillClrLst meth="repeat">
-      <a:schemeClr val="accent1"/>
-    </dgm:fillClrLst>
-    <dgm:linClrLst meth="repeat">
-      <a:schemeClr val="accent1">
-        <a:shade val="60000"/>
-      </a:schemeClr>
-    </dgm:linClrLst>
-    <dgm:effectClrLst/>
-    <dgm:txLinClrLst/>
-    <dgm:txFillClrLst meth="repeat">
-      <a:schemeClr val="tx1"/>
-    </dgm:txFillClrLst>
-    <dgm:txEffectClrLst/>
-  </dgm:styleLbl>
-  <dgm:styleLbl name="parChTrans1D3">
-    <dgm:fillClrLst meth="repeat">
-      <a:schemeClr val="accent1"/>
-    </dgm:fillClrLst>
-    <dgm:linClrLst meth="repeat">
-      <a:schemeClr val="accent1">
-        <a:shade val="80000"/>
-      </a:schemeClr>
-    </dgm:linClrLst>
-    <dgm:effectClrLst/>
-    <dgm:txLinClrLst/>
-    <dgm:txFillClrLst meth="repeat">
-      <a:schemeClr val="tx1"/>
-    </dgm:txFillClrLst>
-    <dgm:txEffectClrLst/>
-  </dgm:styleLbl>
-  <dgm:styleLbl name="parChTrans1D4">
-    <dgm:fillClrLst meth="repeat">
-      <a:schemeClr val="accent1"/>
-    </dgm:fillClrLst>
-    <dgm:linClrLst meth="repeat">
-      <a:schemeClr val="accent1">
-        <a:shade val="80000"/>
-      </a:schemeClr>
-    </dgm:linClrLst>
-    <dgm:effectClrLst/>
-    <dgm:txLinClrLst/>
-    <dgm:txFillClrLst meth="repeat">
-      <a:schemeClr val="tx1"/>
-    </dgm:txFillClrLst>
-    <dgm:txEffectClrLst/>
-  </dgm:styleLbl>
-  <dgm:styleLbl name="fgAcc1">
-    <dgm:fillClrLst meth="repeat">
-      <a:schemeClr val="lt1">
-        <a:alpha val="90000"/>
-      </a:schemeClr>
-    </dgm:fillClrLst>
-    <dgm:linClrLst meth="repeat">
-      <a:schemeClr val="accent1"/>
-    </dgm:linClrLst>
-    <dgm:effectClrLst/>
-    <dgm:txLinClrLst/>
-    <dgm:txFillClrLst meth="repeat">
-      <a:schemeClr val="dk1"/>
-    </dgm:txFillClrLst>
-    <dgm:txEffectClrLst/>
-  </dgm:styleLbl>
-  <dgm:styleLbl name="conFgAcc1">
-    <dgm:fillClrLst meth="repeat">
-      <a:schemeClr val="lt1">
-        <a:alpha val="90000"/>
-      </a:schemeClr>
-    </dgm:fillClrLst>
-    <dgm:linClrLst meth="repeat">
-      <a:schemeClr val="accent1"/>
-    </dgm:linClrLst>
-    <dgm:effectClrLst/>
-    <dgm:txLinClrLst/>
-    <dgm:txFillClrLst meth="repeat">
-      <a:schemeClr val="dk1"/>
-    </dgm:txFillClrLst>
-    <dgm:txEffectClrLst/>
-  </dgm:styleLbl>
-  <dgm:styleLbl name="alignAcc1">
-    <dgm:fillClrLst meth="repeat">
-      <a:schemeClr val="lt1">
-        <a:alpha val="90000"/>
-      </a:schemeClr>
-    </dgm:fillClrLst>
-    <dgm:linClrLst meth="repeat">
-      <a:schemeClr val="accent1"/>
-    </dgm:linClrLst>
-    <dgm:effectClrLst/>
-    <dgm:txLinClrLst/>
-    <dgm:txFillClrLst meth="repeat">
-      <a:schemeClr val="dk1"/>
-    </dgm:txFillClrLst>
-    <dgm:txEffectClrLst/>
-  </dgm:styleLbl>
-  <dgm:styleLbl name="trAlignAcc1">
-    <dgm:fillClrLst meth="repeat">
-      <a:schemeClr val="lt1">
-        <a:alpha val="40000"/>
-      </a:schemeClr>
-    </dgm:fillClrLst>
-    <dgm:linClrLst meth="repeat">
-      <a:schemeClr val="accent1"/>
-    </dgm:linClrLst>
-    <dgm:effectClrLst/>
-    <dgm:txLinClrLst/>
-    <dgm:txFillClrLst meth="repeat">
-      <a:schemeClr val="dk1"/>
-    </dgm:txFillClrLst>
-    <dgm:txEffectClrLst/>
-  </dgm:styleLbl>
-  <dgm:styleLbl name="bgAcc1">
-    <dgm:fillClrLst meth="repeat">
-      <a:schemeClr val="lt1">
-        <a:alpha val="90000"/>
-      </a:schemeClr>
-    </dgm:fillClrLst>
-    <dgm:linClrLst meth="repeat">
-      <a:schemeClr val="accent1"/>
-    </dgm:linClrLst>
-    <dgm:effectClrLst/>
-    <dgm:txLinClrLst/>
-    <dgm:txFillClrLst meth="repeat">
-      <a:schemeClr val="dk1"/>
-    </dgm:txFillClrLst>
-    <dgm:txEffectClrLst/>
-  </dgm:styleLbl>
-  <dgm:styleLbl name="solidFgAcc1">
-    <dgm:fillClrLst meth="repeat">
-      <a:schemeClr val="lt1"/>
-    </dgm:fillClrLst>
-    <dgm:linClrLst meth="repeat">
-      <a:schemeClr val="accent1"/>
-    </dgm:linClrLst>
-    <dgm:effectClrLst/>
-    <dgm:txLinClrLst/>
-    <dgm:txFillClrLst meth="repeat">
-      <a:schemeClr val="dk1"/>
-    </dgm:txFillClrLst>
-    <dgm:txEffectClrLst/>
-  </dgm:styleLbl>
-  <dgm:styleLbl name="solidAlignAcc1">
-    <dgm:fillClrLst meth="repeat">
-      <a:schemeClr val="lt1"/>
-    </dgm:fillClrLst>
-    <dgm:linClrLst meth="repeat">
-      <a:schemeClr val="accent1"/>
-    </dgm:linClrLst>
-    <dgm:effectClrLst/>
-    <dgm:txLinClrLst/>
-    <dgm:txFillClrLst meth="repeat">
-      <a:schemeClr val="dk1"/>
-    </dgm:txFillClrLst>
-    <dgm:txEffectClrLst/>
-  </dgm:styleLbl>
-  <dgm:styleLbl name="solidBgAcc1">
-    <dgm:fillClrLst meth="repeat">
-      <a:schemeClr val="lt1"/>
-    </dgm:fillClrLst>
-    <dgm:linClrLst meth="repeat">
-      <a:schemeClr val="accent1"/>
-    </dgm:linClrLst>
-    <dgm:effectClrLst/>
-    <dgm:txLinClrLst/>
-    <dgm:txFillClrLst meth="repeat">
-      <a:schemeClr val="dk1"/>
-    </dgm:txFillClrLst>
-    <dgm:txEffectClrLst/>
-  </dgm:styleLbl>
-  <dgm:styleLbl name="fgAccFollowNode1">
-    <dgm:fillClrLst meth="repeat">
-      <a:schemeClr val="accent1">
-        <a:alpha val="90000"/>
-        <a:tint val="40000"/>
-      </a:schemeClr>
-    </dgm:fillClrLst>
-    <dgm:linClrLst meth="repeat">
-      <a:schemeClr val="accent1">
-        <a:alpha val="90000"/>
-        <a:tint val="40000"/>
-      </a:schemeClr>
-    </dgm:linClrLst>
-    <dgm:effectClrLst/>
-    <dgm:txLinClrLst/>
-    <dgm:txFillClrLst meth="repeat">
-      <a:schemeClr val="dk1"/>
-    </dgm:txFillClrLst>
-    <dgm:txEffectClrLst/>
-  </dgm:styleLbl>
-  <dgm:styleLbl name="alignAccFollowNode1">
-    <dgm:fillClrLst meth="repeat">
-      <a:schemeClr val="accent1">
-        <a:alpha val="90000"/>
-        <a:tint val="40000"/>
-      </a:schemeClr>
-    </dgm:fillClrLst>
-    <dgm:linClrLst meth="repeat">
-      <a:schemeClr val="accent1">
-        <a:alpha val="90000"/>
-        <a:tint val="40000"/>
-      </a:schemeClr>
-    </dgm:linClrLst>
-    <dgm:effectClrLst/>
-    <dgm:txLinClrLst/>
-    <dgm:txFillClrLst meth="repeat">
-      <a:schemeClr val="dk1"/>
-    </dgm:txFillClrLst>
-    <dgm:txEffectClrLst/>
-  </dgm:styleLbl>
-  <dgm:styleLbl name="bgAccFollowNode1">
-    <dgm:fillClrLst meth="repeat">
-      <a:schemeClr val="accent1">
-        <a:alpha val="90000"/>
-        <a:tint val="40000"/>
-      </a:schemeClr>
-    </dgm:fillClrLst>
-    <dgm:linClrLst meth="repeat">
-      <a:schemeClr val="accent1">
-        <a:alpha val="90000"/>
-        <a:tint val="40000"/>
-      </a:schemeClr>
-    </dgm:linClrLst>
-    <dgm:effectClrLst/>
-    <dgm:txLinClrLst/>
-    <dgm:txFillClrLst meth="repeat">
-      <a:schemeClr val="dk1"/>
-    </dgm:txFillClrLst>
-    <dgm:txEffectClrLst/>
-  </dgm:styleLbl>
-  <dgm:styleLbl name="fgAcc0">
-    <dgm:fillClrLst meth="repeat">
-      <a:schemeClr val="lt1">
-        <a:alpha val="90000"/>
-      </a:schemeClr>
-    </dgm:fillClrLst>
-    <dgm:linClrLst meth="repeat">
-      <a:schemeClr val="accent1"/>
-    </dgm:linClrLst>
-    <dgm:effectClrLst/>
-    <dgm:txLinClrLst/>
-    <dgm:txFillClrLst meth="repeat">
-      <a:schemeClr val="dk1"/>
-    </dgm:txFillClrLst>
-    <dgm:txEffectClrLst/>
-  </dgm:styleLbl>
-  <dgm:styleLbl name="fgAcc2">
-    <dgm:fillClrLst meth="repeat">
-      <a:schemeClr val="lt1">
-        <a:alpha val="90000"/>
-      </a:schemeClr>
-    </dgm:fillClrLst>
-    <dgm:linClrLst meth="repeat">
-      <a:schemeClr val="accent1"/>
-    </dgm:linClrLst>
-    <dgm:effectClrLst/>
-    <dgm:txLinClrLst/>
-    <dgm:txFillClrLst meth="repeat">
-      <a:schemeClr val="dk1"/>
-    </dgm:txFillClrLst>
-    <dgm:txEffectClrLst/>
-  </dgm:styleLbl>
-  <dgm:styleLbl name="fgAcc3">
-    <dgm:fillClrLst meth="repeat">
-      <a:schemeClr val="lt1">
-        <a:alpha val="90000"/>
-      </a:schemeClr>
-    </dgm:fillClrLst>
-    <dgm:linClrLst meth="repeat">
-      <a:schemeClr val="accent1"/>
-    </dgm:linClrLst>
-    <dgm:effectClrLst/>
-    <dgm:txLinClrLst/>
-    <dgm:txFillClrLst meth="repeat">
-      <a:schemeClr val="dk1"/>
-    </dgm:txFillClrLst>
-    <dgm:txEffectClrLst/>
-  </dgm:styleLbl>
-  <dgm:styleLbl name="fgAcc4">
-    <dgm:fillClrLst meth="repeat">
-      <a:schemeClr val="lt1">
-        <a:alpha val="90000"/>
-      </a:schemeClr>
-    </dgm:fillClrLst>
-    <dgm:linClrLst meth="repeat">
-      <a:schemeClr val="accent1"/>
-    </dgm:linClrLst>
-    <dgm:effectClrLst/>
-    <dgm:txLinClrLst/>
-    <dgm:txFillClrLst meth="repeat">
-      <a:schemeClr val="dk1"/>
-    </dgm:txFillClrLst>
-    <dgm:txEffectClrLst/>
-  </dgm:styleLbl>
-  <dgm:styleLbl name="bgShp">
-    <dgm:fillClrLst meth="repeat">
-      <a:schemeClr val="accent1">
-        <a:tint val="40000"/>
-      </a:schemeClr>
-    </dgm:fillClrLst>
-    <dgm:linClrLst meth="repeat">
-      <a:schemeClr val="accent1"/>
-    </dgm:linClrLst>
-    <dgm:effectClrLst/>
-    <dgm:txLinClrLst/>
-    <dgm:txFillClrLst meth="repeat">
-      <a:schemeClr val="dk1"/>
-    </dgm:txFillClrLst>
-    <dgm:txEffectClrLst/>
-  </dgm:styleLbl>
-  <dgm:styleLbl name="dkBgShp">
-    <dgm:fillClrLst meth="repeat">
-      <a:schemeClr val="accent1">
-        <a:shade val="80000"/>
-      </a:schemeClr>
-    </dgm:fillClrLst>
-    <dgm:linClrLst meth="repeat">
-      <a:schemeClr val="accent1"/>
-    </dgm:linClrLst>
-    <dgm:effectClrLst/>
-    <dgm:txLinClrLst/>
-    <dgm:txFillClrLst meth="repeat">
-      <a:schemeClr val="lt1"/>
-    </dgm:txFillClrLst>
-    <dgm:txEffectClrLst/>
-  </dgm:styleLbl>
-  <dgm:styleLbl name="trBgShp">
-    <dgm:fillClrLst meth="repeat">
-      <a:schemeClr val="accent1">
-        <a:tint val="50000"/>
-        <a:alpha val="40000"/>
-      </a:schemeClr>
-    </dgm:fillClrLst>
-    <dgm:linClrLst meth="repeat">
-      <a:schemeClr val="accent1"/>
-    </dgm:linClrLst>
-    <dgm:effectClrLst/>
-    <dgm:txLinClrLst/>
-    <dgm:txFillClrLst meth="repeat">
-      <a:schemeClr val="lt1"/>
-    </dgm:txFillClrLst>
-    <dgm:txEffectClrLst/>
-  </dgm:styleLbl>
-  <dgm:styleLbl name="fgShp">
-    <dgm:fillClrLst meth="repeat">
-      <a:schemeClr val="accent1">
-        <a:tint val="60000"/>
-      </a:schemeClr>
-    </dgm:fillClrLst>
-    <dgm:linClrLst meth="repeat">
-      <a:schemeClr val="lt1"/>
-    </dgm:linClrLst>
-    <dgm:effectClrLst/>
-    <dgm:txLinClrLst/>
-    <dgm:txFillClrLst meth="repeat">
-      <a:schemeClr val="dk1"/>
-    </dgm:txFillClrLst>
-    <dgm:txEffectClrLst/>
-  </dgm:styleLbl>
-  <dgm:styleLbl name="revTx">
-    <dgm:fillClrLst meth="repeat">
-      <a:schemeClr val="lt1">
-        <a:alpha val="0"/>
-      </a:schemeClr>
-    </dgm:fillClrLst>
-    <dgm:linClrLst meth="repeat">
-      <a:schemeClr val="dk1">
-        <a:alpha val="0"/>
-      </a:schemeClr>
-    </dgm:linClrLst>
-    <dgm:effectClrLst/>
-    <dgm:txLinClrLst/>
-    <dgm:txFillClrLst meth="repeat">
-      <a:schemeClr val="tx1"/>
-    </dgm:txFillClrLst>
-    <dgm:txEffectClrLst/>
-  </dgm:styleLbl>
-</dgm:colorsDef>
-</file>
-
 <file path=ppt/diagrams/data1.xml><?xml version="1.0" encoding="utf-8"?>
 <dgm:dataModel xmlns:dgm="http://schemas.openxmlformats.org/drawingml/2006/diagram" xmlns:a="http://schemas.openxmlformats.org/drawingml/2006/main">
   <dgm:ptLst>
@@ -3259,7 +2512,7 @@
         <a:p>
           <a:r>
             <a:rPr lang="pt-PT" dirty="0"/>
-            <a:t>Grafo para divisões</a:t>
+            <a:t>Grafo para mundo</a:t>
           </a:r>
         </a:p>
       </dgm:t>
@@ -3307,8 +2560,13 @@
         <a:p>
           <a:r>
             <a:rPr lang="pt-PT" dirty="0"/>
-            <a:t>Grafo para caminho</a:t>
+            <a:t>Grafo para </a:t>
           </a:r>
+          <a:r>
+            <a:rPr lang="pt-PT" i="1" dirty="0" err="1"/>
+            <a:t>pathfinding</a:t>
+          </a:r>
+          <a:endParaRPr lang="pt-PT" i="1" dirty="0"/>
         </a:p>
       </dgm:t>
     </dgm:pt>
@@ -3650,6 +2908,15 @@
             <a:alpha val="90000"/>
           </a:schemeClr>
         </a:solidFill>
+        <a:ln>
+          <a:solidFill>
+            <a:schemeClr val="tx1">
+              <a:lumMod val="95000"/>
+              <a:lumOff val="5000"/>
+              <a:alpha val="90000"/>
+            </a:schemeClr>
+          </a:solidFill>
+        </a:ln>
       </dgm:spPr>
       <dgm:t>
         <a:bodyPr/>
@@ -3693,6 +2960,15 @@
             <a:alpha val="90000"/>
           </a:schemeClr>
         </a:solidFill>
+        <a:ln>
+          <a:solidFill>
+            <a:schemeClr val="tx1">
+              <a:lumMod val="95000"/>
+              <a:lumOff val="5000"/>
+              <a:alpha val="90000"/>
+            </a:schemeClr>
+          </a:solidFill>
+        </a:ln>
       </dgm:spPr>
       <dgm:t>
         <a:bodyPr/>
@@ -3847,6 +3123,48 @@
         </a:p>
       </dgm:t>
     </dgm:pt>
+    <dgm:pt modelId="{C0E22AB5-1CB5-4FFE-8AF0-FFB74DD2C159}">
+      <dgm:prSet phldrT="[Texto]"/>
+      <dgm:spPr>
+        <a:solidFill>
+          <a:srgbClr val="002060">
+            <a:alpha val="90000"/>
+          </a:srgbClr>
+        </a:solidFill>
+      </dgm:spPr>
+      <dgm:t>
+        <a:bodyPr/>
+        <a:lstStyle/>
+        <a:p>
+          <a:r>
+            <a:rPr lang="pt-PT" dirty="0"/>
+            <a:t>Representação Exata do Mundo</a:t>
+          </a:r>
+        </a:p>
+      </dgm:t>
+    </dgm:pt>
+    <dgm:pt modelId="{41283D8D-659F-4EF4-AFA5-B59D5CE73029}" type="parTrans" cxnId="{8D7B0CB9-EF2D-432D-894C-A48EC2DCF853}">
+      <dgm:prSet/>
+      <dgm:spPr/>
+      <dgm:t>
+        <a:bodyPr/>
+        <a:lstStyle/>
+        <a:p>
+          <a:endParaRPr lang="pt-PT"/>
+        </a:p>
+      </dgm:t>
+    </dgm:pt>
+    <dgm:pt modelId="{FA5AD2F0-9B57-40A5-8DA0-F14A931EB63D}" type="sibTrans" cxnId="{8D7B0CB9-EF2D-432D-894C-A48EC2DCF853}">
+      <dgm:prSet/>
+      <dgm:spPr/>
+      <dgm:t>
+        <a:bodyPr/>
+        <a:lstStyle/>
+        <a:p>
+          <a:endParaRPr lang="pt-PT"/>
+        </a:p>
+      </dgm:t>
+    </dgm:pt>
     <dgm:pt modelId="{A44C5DCE-68BE-4DDD-B00C-FC5790D9E146}" type="pres">
       <dgm:prSet presAssocID="{C37E1F30-298F-40A5-8381-265EBE8C8953}" presName="outerComposite" presStyleCnt="0">
         <dgm:presLayoutVars>
@@ -3898,10 +3216,19 @@
             <a:alpha val="90000"/>
           </a:schemeClr>
         </a:solidFill>
+        <a:ln>
+          <a:solidFill>
+            <a:schemeClr val="tx1">
+              <a:lumMod val="95000"/>
+              <a:lumOff val="5000"/>
+              <a:alpha val="90000"/>
+            </a:schemeClr>
+          </a:solidFill>
+        </a:ln>
       </dgm:spPr>
     </dgm:pt>
-    <dgm:pt modelId="{123DCB0A-A449-44DF-BC55-1854948D7D4D}" type="pres">
-      <dgm:prSet presAssocID="{C37E1F30-298F-40A5-8381-265EBE8C8953}" presName="balance_03" presStyleLbl="alignAccFollowNode1" presStyleIdx="3" presStyleCnt="4">
+    <dgm:pt modelId="{16D59347-8BD9-4D43-BAC7-D4E592F918EE}" type="pres">
+      <dgm:prSet presAssocID="{C37E1F30-298F-40A5-8381-265EBE8C8953}" presName="balance_13" presStyleLbl="alignAccFollowNode1" presStyleIdx="3" presStyleCnt="4">
         <dgm:presLayoutVars>
           <dgm:bulletEnabled val="1"/>
         </dgm:presLayoutVars>
@@ -3913,26 +3240,43 @@
             <a:alpha val="90000"/>
           </a:schemeClr>
         </a:solidFill>
+        <a:ln>
+          <a:solidFill>
+            <a:schemeClr val="tx1">
+              <a:lumMod val="95000"/>
+              <a:lumOff val="5000"/>
+              <a:alpha val="90000"/>
+            </a:schemeClr>
+          </a:solidFill>
+        </a:ln>
       </dgm:spPr>
     </dgm:pt>
-    <dgm:pt modelId="{9347F6BC-68F7-4209-A436-538C9DE6E0C1}" type="pres">
-      <dgm:prSet presAssocID="{C37E1F30-298F-40A5-8381-265EBE8C8953}" presName="right_03_1" presStyleLbl="node1" presStyleIdx="0" presStyleCnt="3">
+    <dgm:pt modelId="{B7BB7091-B99C-4F33-A32F-E8D490A49492}" type="pres">
+      <dgm:prSet presAssocID="{C37E1F30-298F-40A5-8381-265EBE8C8953}" presName="right_13_1" presStyleLbl="node1" presStyleIdx="0" presStyleCnt="4">
         <dgm:presLayoutVars>
           <dgm:bulletEnabled val="1"/>
         </dgm:presLayoutVars>
       </dgm:prSet>
       <dgm:spPr/>
     </dgm:pt>
-    <dgm:pt modelId="{72D95B6D-7EBD-46DC-9E40-C5584D877783}" type="pres">
-      <dgm:prSet presAssocID="{C37E1F30-298F-40A5-8381-265EBE8C8953}" presName="right_03_2" presStyleLbl="node1" presStyleIdx="1" presStyleCnt="3">
+    <dgm:pt modelId="{35A28155-9CFA-46C2-8080-A24D4BA9541D}" type="pres">
+      <dgm:prSet presAssocID="{C37E1F30-298F-40A5-8381-265EBE8C8953}" presName="right_13_2" presStyleLbl="node1" presStyleIdx="1" presStyleCnt="4">
         <dgm:presLayoutVars>
           <dgm:bulletEnabled val="1"/>
         </dgm:presLayoutVars>
       </dgm:prSet>
       <dgm:spPr/>
     </dgm:pt>
-    <dgm:pt modelId="{3C48B8DB-017B-477D-AACC-09FFBDAB59D6}" type="pres">
-      <dgm:prSet presAssocID="{C37E1F30-298F-40A5-8381-265EBE8C8953}" presName="right_03_3" presStyleLbl="node1" presStyleIdx="2" presStyleCnt="3">
+    <dgm:pt modelId="{B8E924AF-F0BD-425F-A376-CA4422CBE16A}" type="pres">
+      <dgm:prSet presAssocID="{C37E1F30-298F-40A5-8381-265EBE8C8953}" presName="right_13_3" presStyleLbl="node1" presStyleIdx="2" presStyleCnt="4">
+        <dgm:presLayoutVars>
+          <dgm:bulletEnabled val="1"/>
+        </dgm:presLayoutVars>
+      </dgm:prSet>
+      <dgm:spPr/>
+    </dgm:pt>
+    <dgm:pt modelId="{7915E9E0-D751-4C3E-9FB4-4031D609F1E2}" type="pres">
+      <dgm:prSet presAssocID="{C37E1F30-298F-40A5-8381-265EBE8C8953}" presName="left_13_1" presStyleLbl="node1" presStyleIdx="3" presStyleCnt="4">
         <dgm:presLayoutVars>
           <dgm:bulletEnabled val="1"/>
         </dgm:presLayoutVars>
@@ -3941,16 +3285,18 @@
     </dgm:pt>
   </dgm:ptLst>
   <dgm:cxnLst>
+    <dgm:cxn modelId="{BA32B608-85A9-42C8-BF95-4E23823BBC56}" type="presOf" srcId="{5D929B13-A141-4B1D-982D-E094077CD9F5}" destId="{35A28155-9CFA-46C2-8080-A24D4BA9541D}" srcOrd="0" destOrd="0" presId="urn:microsoft.com/office/officeart/2005/8/layout/balance1"/>
     <dgm:cxn modelId="{2ACCF90B-E681-4C86-9F9F-77495A8B5F08}" srcId="{C073467F-D179-4543-8617-B9300439D4B4}" destId="{CAF2275B-A958-46ED-8D56-9C7E54809862}" srcOrd="2" destOrd="0" parTransId="{EBB67233-20C1-4569-8296-5661496E3C22}" sibTransId="{8436FFB9-9524-4477-9EA8-F751F2B4AF6E}"/>
-    <dgm:cxn modelId="{639CDF1B-93FC-46A1-8E10-0211969D81CD}" type="presOf" srcId="{C073467F-D179-4543-8617-B9300439D4B4}" destId="{C70601EF-04A9-484A-9E4F-46226F87D944}" srcOrd="0" destOrd="0" presId="urn:microsoft.com/office/officeart/2005/8/layout/balance1"/>
+    <dgm:cxn modelId="{84B4182B-3735-4AAC-8E89-0AE6F0543788}" type="presOf" srcId="{69125A35-979E-40CE-9F17-3E9368A7D1D2}" destId="{B7BB7091-B99C-4F33-A32F-E8D490A49492}" srcOrd="0" destOrd="0" presId="urn:microsoft.com/office/officeart/2005/8/layout/balance1"/>
     <dgm:cxn modelId="{28E32A32-C93E-4A78-8CE1-73FB3B43C33B}" srcId="{C37E1F30-298F-40A5-8381-265EBE8C8953}" destId="{B3BA3387-879E-42A4-A5F2-72BE75562E68}" srcOrd="0" destOrd="0" parTransId="{FAD2279E-0A43-4C3C-88B3-6ABF6FBF7FF3}" sibTransId="{78342ED1-6027-4CDD-B009-235A7898D747}"/>
     <dgm:cxn modelId="{E400A56A-3F75-4765-A747-2A9CF1C7258C}" srcId="{C37E1F30-298F-40A5-8381-265EBE8C8953}" destId="{C073467F-D179-4543-8617-B9300439D4B4}" srcOrd="1" destOrd="0" parTransId="{94BE56CA-F84F-4ED0-AC41-A3386F6E5CDB}" sibTransId="{06889CC6-3EB0-4487-9F9A-7370E3D74640}"/>
-    <dgm:cxn modelId="{22FECE6A-6722-4CD3-9DBA-5B71CC2E0691}" type="presOf" srcId="{CAF2275B-A958-46ED-8D56-9C7E54809862}" destId="{3C48B8DB-017B-477D-AACC-09FFBDAB59D6}" srcOrd="0" destOrd="0" presId="urn:microsoft.com/office/officeart/2005/8/layout/balance1"/>
-    <dgm:cxn modelId="{64B50A4F-FEA8-45F5-AE8C-8296680C93B8}" type="presOf" srcId="{69125A35-979E-40CE-9F17-3E9368A7D1D2}" destId="{9347F6BC-68F7-4209-A436-538C9DE6E0C1}" srcOrd="0" destOrd="0" presId="urn:microsoft.com/office/officeart/2005/8/layout/balance1"/>
     <dgm:cxn modelId="{DACDAF57-1315-49F4-9BEE-4B00C08F1636}" srcId="{C073467F-D179-4543-8617-B9300439D4B4}" destId="{69125A35-979E-40CE-9F17-3E9368A7D1D2}" srcOrd="0" destOrd="0" parTransId="{638646D5-7206-4C2F-BD2C-81C733710D90}" sibTransId="{90ADBA91-08BD-4A64-BFF7-07703B9A15A1}"/>
+    <dgm:cxn modelId="{3FBC23A4-DEEC-4946-9002-586E6C03AD96}" type="presOf" srcId="{CAF2275B-A958-46ED-8D56-9C7E54809862}" destId="{B8E924AF-F0BD-425F-A376-CA4422CBE16A}" srcOrd="0" destOrd="0" presId="urn:microsoft.com/office/officeart/2005/8/layout/balance1"/>
     <dgm:cxn modelId="{153A8FAB-723C-4DA8-8052-96C994124874}" srcId="{C073467F-D179-4543-8617-B9300439D4B4}" destId="{5D929B13-A141-4B1D-982D-E094077CD9F5}" srcOrd="1" destOrd="0" parTransId="{DD5B0512-B30F-4F0A-B3B0-8DE50B26B3D5}" sibTransId="{EBC40E87-2DE9-4E3A-9235-68F350AB3962}"/>
-    <dgm:cxn modelId="{47530AAE-2579-4CC3-A41F-1411E7719302}" type="presOf" srcId="{5D929B13-A141-4B1D-982D-E094077CD9F5}" destId="{72D95B6D-7EBD-46DC-9E40-C5584D877783}" srcOrd="0" destOrd="0" presId="urn:microsoft.com/office/officeart/2005/8/layout/balance1"/>
     <dgm:cxn modelId="{794F3AB8-87E1-4146-B220-CAB5271A6EDC}" type="presOf" srcId="{C37E1F30-298F-40A5-8381-265EBE8C8953}" destId="{A44C5DCE-68BE-4DDD-B00C-FC5790D9E146}" srcOrd="0" destOrd="0" presId="urn:microsoft.com/office/officeart/2005/8/layout/balance1"/>
+    <dgm:cxn modelId="{8D7B0CB9-EF2D-432D-894C-A48EC2DCF853}" srcId="{B3BA3387-879E-42A4-A5F2-72BE75562E68}" destId="{C0E22AB5-1CB5-4FFE-8AF0-FFB74DD2C159}" srcOrd="0" destOrd="0" parTransId="{41283D8D-659F-4EF4-AFA5-B59D5CE73029}" sibTransId="{FA5AD2F0-9B57-40A5-8DA0-F14A931EB63D}"/>
+    <dgm:cxn modelId="{D4168BBE-7CD3-46F0-8738-BD7DEA35DE7A}" type="presOf" srcId="{C073467F-D179-4543-8617-B9300439D4B4}" destId="{C70601EF-04A9-484A-9E4F-46226F87D944}" srcOrd="0" destOrd="0" presId="urn:microsoft.com/office/officeart/2005/8/layout/balance1"/>
+    <dgm:cxn modelId="{429965EC-44F1-48CE-A149-CCFD34A874F1}" type="presOf" srcId="{C0E22AB5-1CB5-4FFE-8AF0-FFB74DD2C159}" destId="{7915E9E0-D751-4C3E-9FB4-4031D609F1E2}" srcOrd="0" destOrd="0" presId="urn:microsoft.com/office/officeart/2005/8/layout/balance1"/>
     <dgm:cxn modelId="{05BB05F7-DF61-4D62-B0E6-006A3728B58C}" type="presOf" srcId="{B3BA3387-879E-42A4-A5F2-72BE75562E68}" destId="{3BFD8218-E79B-4B0E-B759-49BD9322C7F1}" srcOrd="0" destOrd="0" presId="urn:microsoft.com/office/officeart/2005/8/layout/balance1"/>
     <dgm:cxn modelId="{D856819E-FF30-48A3-8042-EE088D78144E}" type="presParOf" srcId="{A44C5DCE-68BE-4DDD-B00C-FC5790D9E146}" destId="{EBCE4D2A-3156-495A-AF37-9722A4DFFCDA}" srcOrd="0" destOrd="0" presId="urn:microsoft.com/office/officeart/2005/8/layout/balance1"/>
     <dgm:cxn modelId="{5C0D4BDF-BA24-4A1B-B823-0215FDE91C1D}" type="presParOf" srcId="{A44C5DCE-68BE-4DDD-B00C-FC5790D9E146}" destId="{759EF444-0B5C-4366-8A89-F0C007BB0F77}" srcOrd="1" destOrd="0" presId="urn:microsoft.com/office/officeart/2005/8/layout/balance1"/>
@@ -3959,10 +3305,11 @@
     <dgm:cxn modelId="{6239BA17-7C36-466C-88F3-BE647CDCE382}" type="presParOf" srcId="{A44C5DCE-68BE-4DDD-B00C-FC5790D9E146}" destId="{9473D2AF-EC6F-4640-9D94-1ECD579614D0}" srcOrd="2" destOrd="0" presId="urn:microsoft.com/office/officeart/2005/8/layout/balance1"/>
     <dgm:cxn modelId="{79A3DBCF-EFDA-42FA-9B89-0C91AF493D26}" type="presParOf" srcId="{9473D2AF-EC6F-4640-9D94-1ECD579614D0}" destId="{6A45F039-5985-4175-954D-53F1BA74CC07}" srcOrd="0" destOrd="0" presId="urn:microsoft.com/office/officeart/2005/8/layout/balance1"/>
     <dgm:cxn modelId="{27DA087A-C5D7-4BB3-8174-60C3159AD3A7}" type="presParOf" srcId="{9473D2AF-EC6F-4640-9D94-1ECD579614D0}" destId="{FE135A2C-2329-4D71-BE99-6778F26DE568}" srcOrd="1" destOrd="0" presId="urn:microsoft.com/office/officeart/2005/8/layout/balance1"/>
-    <dgm:cxn modelId="{86F04671-80CD-42EE-8C1C-A368206D11D8}" type="presParOf" srcId="{9473D2AF-EC6F-4640-9D94-1ECD579614D0}" destId="{123DCB0A-A449-44DF-BC55-1854948D7D4D}" srcOrd="2" destOrd="0" presId="urn:microsoft.com/office/officeart/2005/8/layout/balance1"/>
-    <dgm:cxn modelId="{054ED861-329B-4E11-A67B-979A4531CAD5}" type="presParOf" srcId="{9473D2AF-EC6F-4640-9D94-1ECD579614D0}" destId="{9347F6BC-68F7-4209-A436-538C9DE6E0C1}" srcOrd="3" destOrd="0" presId="urn:microsoft.com/office/officeart/2005/8/layout/balance1"/>
-    <dgm:cxn modelId="{1EF46BF5-4BA7-4C3E-98CA-439848942119}" type="presParOf" srcId="{9473D2AF-EC6F-4640-9D94-1ECD579614D0}" destId="{72D95B6D-7EBD-46DC-9E40-C5584D877783}" srcOrd="4" destOrd="0" presId="urn:microsoft.com/office/officeart/2005/8/layout/balance1"/>
-    <dgm:cxn modelId="{F7812123-753D-4F31-B00B-8D979B66FD4F}" type="presParOf" srcId="{9473D2AF-EC6F-4640-9D94-1ECD579614D0}" destId="{3C48B8DB-017B-477D-AACC-09FFBDAB59D6}" srcOrd="5" destOrd="0" presId="urn:microsoft.com/office/officeart/2005/8/layout/balance1"/>
+    <dgm:cxn modelId="{A0EFF412-54E0-4D47-80DF-F3CC79A67A78}" type="presParOf" srcId="{9473D2AF-EC6F-4640-9D94-1ECD579614D0}" destId="{16D59347-8BD9-4D43-BAC7-D4E592F918EE}" srcOrd="2" destOrd="0" presId="urn:microsoft.com/office/officeart/2005/8/layout/balance1"/>
+    <dgm:cxn modelId="{0E3E60D4-8E0B-479E-BF50-C2B987D9C65B}" type="presParOf" srcId="{9473D2AF-EC6F-4640-9D94-1ECD579614D0}" destId="{B7BB7091-B99C-4F33-A32F-E8D490A49492}" srcOrd="3" destOrd="0" presId="urn:microsoft.com/office/officeart/2005/8/layout/balance1"/>
+    <dgm:cxn modelId="{82D5C4DF-D6F2-4386-90A3-6CE4705B92B0}" type="presParOf" srcId="{9473D2AF-EC6F-4640-9D94-1ECD579614D0}" destId="{35A28155-9CFA-46C2-8080-A24D4BA9541D}" srcOrd="4" destOrd="0" presId="urn:microsoft.com/office/officeart/2005/8/layout/balance1"/>
+    <dgm:cxn modelId="{4019D583-526B-4535-B5DA-BF9CC8D5F80F}" type="presParOf" srcId="{9473D2AF-EC6F-4640-9D94-1ECD579614D0}" destId="{B8E924AF-F0BD-425F-A376-CA4422CBE16A}" srcOrd="5" destOrd="0" presId="urn:microsoft.com/office/officeart/2005/8/layout/balance1"/>
+    <dgm:cxn modelId="{043B5884-52CB-438C-BD18-696ACC2A22F1}" type="presParOf" srcId="{9473D2AF-EC6F-4640-9D94-1ECD579614D0}" destId="{7915E9E0-D751-4C3E-9FB4-4031D609F1E2}" srcOrd="6" destOrd="0" presId="urn:microsoft.com/office/officeart/2005/8/layout/balance1"/>
   </dgm:cxnLst>
   <dgm:bg/>
   <dgm:whole/>
@@ -3975,396 +3322,6 @@
 </file>
 
 <file path=ppt/diagrams/data3.xml><?xml version="1.0" encoding="utf-8"?>
-<dgm:dataModel xmlns:dgm="http://schemas.openxmlformats.org/drawingml/2006/diagram" xmlns:a="http://schemas.openxmlformats.org/drawingml/2006/main">
-  <dgm:ptLst>
-    <dgm:pt modelId="{8EAAA76B-2624-4DCB-9D9F-20B0EEF962A1}" type="doc">
-      <dgm:prSet loTypeId="urn:microsoft.com/office/officeart/2005/8/layout/lProcess2" loCatId="relationship" qsTypeId="urn:microsoft.com/office/officeart/2005/8/quickstyle/simple1" qsCatId="simple" csTypeId="urn:microsoft.com/office/officeart/2005/8/colors/accent1_2" csCatId="accent1" phldr="1"/>
-      <dgm:spPr/>
-      <dgm:t>
-        <a:bodyPr/>
-        <a:lstStyle/>
-        <a:p>
-          <a:endParaRPr lang="pt-PT"/>
-        </a:p>
-      </dgm:t>
-    </dgm:pt>
-    <dgm:pt modelId="{9470DE1C-073E-4BA9-ACA7-529697C61AF0}">
-      <dgm:prSet phldrT="[Texto]"/>
-      <dgm:spPr>
-        <a:solidFill>
-          <a:schemeClr val="bg1">
-            <a:lumMod val="85000"/>
-          </a:schemeClr>
-        </a:solidFill>
-      </dgm:spPr>
-      <dgm:t>
-        <a:bodyPr/>
-        <a:lstStyle/>
-        <a:p>
-          <a:r>
-            <a:rPr lang="pt-PT" dirty="0"/>
-            <a:t>Probabilidades Condicionadas</a:t>
-          </a:r>
-        </a:p>
-      </dgm:t>
-    </dgm:pt>
-    <dgm:pt modelId="{80793A3F-82C2-4D8D-8438-50C7CA49F35E}" type="parTrans" cxnId="{462F6977-A253-4C28-8FC9-2AE7486A7430}">
-      <dgm:prSet/>
-      <dgm:spPr/>
-      <dgm:t>
-        <a:bodyPr/>
-        <a:lstStyle/>
-        <a:p>
-          <a:endParaRPr lang="pt-PT"/>
-        </a:p>
-      </dgm:t>
-    </dgm:pt>
-    <dgm:pt modelId="{4742B74B-49B0-436D-8957-0C6ECE671F1E}" type="sibTrans" cxnId="{462F6977-A253-4C28-8FC9-2AE7486A7430}">
-      <dgm:prSet/>
-      <dgm:spPr/>
-      <dgm:t>
-        <a:bodyPr/>
-        <a:lstStyle/>
-        <a:p>
-          <a:endParaRPr lang="pt-PT"/>
-        </a:p>
-      </dgm:t>
-    </dgm:pt>
-    <dgm:pt modelId="{32E76DEB-CEC7-4111-9F7B-F04F1BF4A3D6}">
-      <dgm:prSet phldrT="[Texto]" phldr="1"/>
-      <dgm:spPr>
-        <a:solidFill>
-          <a:srgbClr val="212E67"/>
-        </a:solidFill>
-      </dgm:spPr>
-      <dgm:t>
-        <a:bodyPr/>
-        <a:lstStyle/>
-        <a:p>
-          <a:endParaRPr lang="pt-PT" dirty="0"/>
-        </a:p>
-      </dgm:t>
-    </dgm:pt>
-    <dgm:pt modelId="{6C4B0AA6-2574-4027-BFE8-3ABBA75DD211}" type="parTrans" cxnId="{58C56A9E-6DC3-4CD6-AA8A-08950C26BED4}">
-      <dgm:prSet/>
-      <dgm:spPr/>
-      <dgm:t>
-        <a:bodyPr/>
-        <a:lstStyle/>
-        <a:p>
-          <a:endParaRPr lang="pt-PT"/>
-        </a:p>
-      </dgm:t>
-    </dgm:pt>
-    <dgm:pt modelId="{90F85B1D-19BC-46DB-A766-8B4AA9547D36}" type="sibTrans" cxnId="{58C56A9E-6DC3-4CD6-AA8A-08950C26BED4}">
-      <dgm:prSet/>
-      <dgm:spPr/>
-      <dgm:t>
-        <a:bodyPr/>
-        <a:lstStyle/>
-        <a:p>
-          <a:endParaRPr lang="pt-PT"/>
-        </a:p>
-      </dgm:t>
-    </dgm:pt>
-    <dgm:pt modelId="{F49DC6EE-FD1F-4196-932E-45CBB9DCCCC1}">
-      <dgm:prSet phldrT="[Texto]" phldr="1"/>
-      <dgm:spPr>
-        <a:solidFill>
-          <a:srgbClr val="212E67"/>
-        </a:solidFill>
-      </dgm:spPr>
-      <dgm:t>
-        <a:bodyPr/>
-        <a:lstStyle/>
-        <a:p>
-          <a:endParaRPr lang="pt-PT"/>
-        </a:p>
-      </dgm:t>
-    </dgm:pt>
-    <dgm:pt modelId="{C7043DBB-43D8-4AA1-893D-1A04162D4F8B}" type="parTrans" cxnId="{8ABCD0BC-527A-4B51-B792-493321948BF5}">
-      <dgm:prSet/>
-      <dgm:spPr/>
-      <dgm:t>
-        <a:bodyPr/>
-        <a:lstStyle/>
-        <a:p>
-          <a:endParaRPr lang="pt-PT"/>
-        </a:p>
-      </dgm:t>
-    </dgm:pt>
-    <dgm:pt modelId="{2F10538A-D39A-459D-AEA7-5ADC9BA4280D}" type="sibTrans" cxnId="{8ABCD0BC-527A-4B51-B792-493321948BF5}">
-      <dgm:prSet/>
-      <dgm:spPr/>
-      <dgm:t>
-        <a:bodyPr/>
-        <a:lstStyle/>
-        <a:p>
-          <a:endParaRPr lang="pt-PT"/>
-        </a:p>
-      </dgm:t>
-    </dgm:pt>
-    <dgm:pt modelId="{5CECDB47-6D52-4D61-95CB-379F39EF32DD}">
-      <dgm:prSet phldrT="[Texto]"/>
-      <dgm:spPr>
-        <a:solidFill>
-          <a:schemeClr val="bg1">
-            <a:lumMod val="85000"/>
-          </a:schemeClr>
-        </a:solidFill>
-      </dgm:spPr>
-      <dgm:t>
-        <a:bodyPr/>
-        <a:lstStyle/>
-        <a:p>
-          <a:r>
-            <a:rPr lang="pt-PT" dirty="0"/>
-            <a:t>Aprendizagem </a:t>
-          </a:r>
-          <a:r>
-            <a:rPr lang="pt-PT" i="1" dirty="0" err="1"/>
-            <a:t>Bayesiana</a:t>
-          </a:r>
-          <a:endParaRPr lang="pt-PT" i="1" dirty="0"/>
-        </a:p>
-      </dgm:t>
-    </dgm:pt>
-    <dgm:pt modelId="{B6F893F5-93BD-4967-88D9-2E44EE4D2CF1}" type="parTrans" cxnId="{FFCB2471-BF17-4620-8F89-B00B9542D9CC}">
-      <dgm:prSet/>
-      <dgm:spPr/>
-      <dgm:t>
-        <a:bodyPr/>
-        <a:lstStyle/>
-        <a:p>
-          <a:endParaRPr lang="pt-PT"/>
-        </a:p>
-      </dgm:t>
-    </dgm:pt>
-    <dgm:pt modelId="{0D911EFB-DA6B-4EB5-9FDC-2B67712FDF72}" type="sibTrans" cxnId="{FFCB2471-BF17-4620-8F89-B00B9542D9CC}">
-      <dgm:prSet/>
-      <dgm:spPr/>
-      <dgm:t>
-        <a:bodyPr/>
-        <a:lstStyle/>
-        <a:p>
-          <a:endParaRPr lang="pt-PT"/>
-        </a:p>
-      </dgm:t>
-    </dgm:pt>
-    <dgm:pt modelId="{2C2A7A91-94D9-4A36-B135-F204109B19B1}">
-      <dgm:prSet phldrT="[Texto]" phldr="1"/>
-      <dgm:spPr>
-        <a:solidFill>
-          <a:srgbClr val="212E67"/>
-        </a:solidFill>
-      </dgm:spPr>
-      <dgm:t>
-        <a:bodyPr/>
-        <a:lstStyle/>
-        <a:p>
-          <a:endParaRPr lang="pt-PT"/>
-        </a:p>
-      </dgm:t>
-    </dgm:pt>
-    <dgm:pt modelId="{F6B5AC18-4247-47FE-94DB-3B8531D42DB7}" type="parTrans" cxnId="{2B0A996B-A18D-41C0-B031-72523A6A5565}">
-      <dgm:prSet/>
-      <dgm:spPr/>
-      <dgm:t>
-        <a:bodyPr/>
-        <a:lstStyle/>
-        <a:p>
-          <a:endParaRPr lang="pt-PT"/>
-        </a:p>
-      </dgm:t>
-    </dgm:pt>
-    <dgm:pt modelId="{2F289F53-6401-45EC-A233-6875EA166C25}" type="sibTrans" cxnId="{2B0A996B-A18D-41C0-B031-72523A6A5565}">
-      <dgm:prSet/>
-      <dgm:spPr/>
-      <dgm:t>
-        <a:bodyPr/>
-        <a:lstStyle/>
-        <a:p>
-          <a:endParaRPr lang="pt-PT"/>
-        </a:p>
-      </dgm:t>
-    </dgm:pt>
-    <dgm:pt modelId="{212009EB-1807-44EE-9846-8165D478C70C}">
-      <dgm:prSet phldrT="[Texto]" phldr="1"/>
-      <dgm:spPr>
-        <a:solidFill>
-          <a:srgbClr val="212E67"/>
-        </a:solidFill>
-      </dgm:spPr>
-      <dgm:t>
-        <a:bodyPr/>
-        <a:lstStyle/>
-        <a:p>
-          <a:endParaRPr lang="pt-PT"/>
-        </a:p>
-      </dgm:t>
-    </dgm:pt>
-    <dgm:pt modelId="{939BD3A5-4870-4BFA-8F9C-1164431A7A12}" type="parTrans" cxnId="{2D52F5FA-FCC6-4B91-B6E8-5E0FFB43F49D}">
-      <dgm:prSet/>
-      <dgm:spPr/>
-      <dgm:t>
-        <a:bodyPr/>
-        <a:lstStyle/>
-        <a:p>
-          <a:endParaRPr lang="pt-PT"/>
-        </a:p>
-      </dgm:t>
-    </dgm:pt>
-    <dgm:pt modelId="{494CF4D8-C537-4350-8160-C6133002649D}" type="sibTrans" cxnId="{2D52F5FA-FCC6-4B91-B6E8-5E0FFB43F49D}">
-      <dgm:prSet/>
-      <dgm:spPr/>
-      <dgm:t>
-        <a:bodyPr/>
-        <a:lstStyle/>
-        <a:p>
-          <a:endParaRPr lang="pt-PT"/>
-        </a:p>
-      </dgm:t>
-    </dgm:pt>
-    <dgm:pt modelId="{305215F9-05B4-4AF9-83B9-13BFB72F3611}" type="pres">
-      <dgm:prSet presAssocID="{8EAAA76B-2624-4DCB-9D9F-20B0EEF962A1}" presName="theList" presStyleCnt="0">
-        <dgm:presLayoutVars>
-          <dgm:dir/>
-          <dgm:animLvl val="lvl"/>
-          <dgm:resizeHandles val="exact"/>
-        </dgm:presLayoutVars>
-      </dgm:prSet>
-      <dgm:spPr/>
-    </dgm:pt>
-    <dgm:pt modelId="{6275C35F-E0F2-4B34-BBBE-B6D9E6D38A77}" type="pres">
-      <dgm:prSet presAssocID="{9470DE1C-073E-4BA9-ACA7-529697C61AF0}" presName="compNode" presStyleCnt="0"/>
-      <dgm:spPr/>
-    </dgm:pt>
-    <dgm:pt modelId="{988F6353-DAEE-4016-BF0C-D56635E61628}" type="pres">
-      <dgm:prSet presAssocID="{9470DE1C-073E-4BA9-ACA7-529697C61AF0}" presName="aNode" presStyleLbl="bgShp" presStyleIdx="0" presStyleCnt="2"/>
-      <dgm:spPr/>
-    </dgm:pt>
-    <dgm:pt modelId="{802831B2-B860-4DB9-978A-F88300BE7B79}" type="pres">
-      <dgm:prSet presAssocID="{9470DE1C-073E-4BA9-ACA7-529697C61AF0}" presName="textNode" presStyleLbl="bgShp" presStyleIdx="0" presStyleCnt="2"/>
-      <dgm:spPr/>
-    </dgm:pt>
-    <dgm:pt modelId="{86C07967-3C51-42A0-A184-FCF71A0445E8}" type="pres">
-      <dgm:prSet presAssocID="{9470DE1C-073E-4BA9-ACA7-529697C61AF0}" presName="compChildNode" presStyleCnt="0"/>
-      <dgm:spPr/>
-    </dgm:pt>
-    <dgm:pt modelId="{C40D77A6-CDDD-4AD7-BE54-A432B1389965}" type="pres">
-      <dgm:prSet presAssocID="{9470DE1C-073E-4BA9-ACA7-529697C61AF0}" presName="theInnerList" presStyleCnt="0"/>
-      <dgm:spPr/>
-    </dgm:pt>
-    <dgm:pt modelId="{1C3DEC8A-AEDD-4879-97CB-2780AB15F771}" type="pres">
-      <dgm:prSet presAssocID="{32E76DEB-CEC7-4111-9F7B-F04F1BF4A3D6}" presName="childNode" presStyleLbl="node1" presStyleIdx="0" presStyleCnt="4">
-        <dgm:presLayoutVars>
-          <dgm:bulletEnabled val="1"/>
-        </dgm:presLayoutVars>
-      </dgm:prSet>
-      <dgm:spPr/>
-    </dgm:pt>
-    <dgm:pt modelId="{A12B85FC-0335-4B18-997F-1C1AE2FF8AE9}" type="pres">
-      <dgm:prSet presAssocID="{32E76DEB-CEC7-4111-9F7B-F04F1BF4A3D6}" presName="aSpace2" presStyleCnt="0"/>
-      <dgm:spPr/>
-    </dgm:pt>
-    <dgm:pt modelId="{EEFFFF87-5402-4ED8-AA3A-7047546211ED}" type="pres">
-      <dgm:prSet presAssocID="{F49DC6EE-FD1F-4196-932E-45CBB9DCCCC1}" presName="childNode" presStyleLbl="node1" presStyleIdx="1" presStyleCnt="4">
-        <dgm:presLayoutVars>
-          <dgm:bulletEnabled val="1"/>
-        </dgm:presLayoutVars>
-      </dgm:prSet>
-      <dgm:spPr/>
-    </dgm:pt>
-    <dgm:pt modelId="{E6220BC4-B8B5-4404-A63E-C2004A98BAE4}" type="pres">
-      <dgm:prSet presAssocID="{9470DE1C-073E-4BA9-ACA7-529697C61AF0}" presName="aSpace" presStyleCnt="0"/>
-      <dgm:spPr/>
-    </dgm:pt>
-    <dgm:pt modelId="{B9621D36-C4B9-433C-9DB7-AA0AC4203DCF}" type="pres">
-      <dgm:prSet presAssocID="{5CECDB47-6D52-4D61-95CB-379F39EF32DD}" presName="compNode" presStyleCnt="0"/>
-      <dgm:spPr/>
-    </dgm:pt>
-    <dgm:pt modelId="{7F5CE365-FF30-41DE-B2A5-D8669D68286F}" type="pres">
-      <dgm:prSet presAssocID="{5CECDB47-6D52-4D61-95CB-379F39EF32DD}" presName="aNode" presStyleLbl="bgShp" presStyleIdx="1" presStyleCnt="2" custLinFactNeighborX="5414" custLinFactNeighborY="0"/>
-      <dgm:spPr/>
-    </dgm:pt>
-    <dgm:pt modelId="{925A2943-59CD-47E0-A1ED-5123672C1CA1}" type="pres">
-      <dgm:prSet presAssocID="{5CECDB47-6D52-4D61-95CB-379F39EF32DD}" presName="textNode" presStyleLbl="bgShp" presStyleIdx="1" presStyleCnt="2"/>
-      <dgm:spPr/>
-    </dgm:pt>
-    <dgm:pt modelId="{474A11E6-27DB-4F02-B0D1-587B6F4E8CF8}" type="pres">
-      <dgm:prSet presAssocID="{5CECDB47-6D52-4D61-95CB-379F39EF32DD}" presName="compChildNode" presStyleCnt="0"/>
-      <dgm:spPr/>
-    </dgm:pt>
-    <dgm:pt modelId="{91AD5B46-8DCC-4246-8898-44B9C1503BAC}" type="pres">
-      <dgm:prSet presAssocID="{5CECDB47-6D52-4D61-95CB-379F39EF32DD}" presName="theInnerList" presStyleCnt="0"/>
-      <dgm:spPr/>
-    </dgm:pt>
-    <dgm:pt modelId="{BB9E7424-2586-4E36-A800-6F8D977A804D}" type="pres">
-      <dgm:prSet presAssocID="{2C2A7A91-94D9-4A36-B135-F204109B19B1}" presName="childNode" presStyleLbl="node1" presStyleIdx="2" presStyleCnt="4">
-        <dgm:presLayoutVars>
-          <dgm:bulletEnabled val="1"/>
-        </dgm:presLayoutVars>
-      </dgm:prSet>
-      <dgm:spPr/>
-    </dgm:pt>
-    <dgm:pt modelId="{6964D059-4169-40D5-A7C2-35863FB04DFB}" type="pres">
-      <dgm:prSet presAssocID="{2C2A7A91-94D9-4A36-B135-F204109B19B1}" presName="aSpace2" presStyleCnt="0"/>
-      <dgm:spPr/>
-    </dgm:pt>
-    <dgm:pt modelId="{79D9C518-78D1-41AB-B81A-46EED6463E3F}" type="pres">
-      <dgm:prSet presAssocID="{212009EB-1807-44EE-9846-8165D478C70C}" presName="childNode" presStyleLbl="node1" presStyleIdx="3" presStyleCnt="4">
-        <dgm:presLayoutVars>
-          <dgm:bulletEnabled val="1"/>
-        </dgm:presLayoutVars>
-      </dgm:prSet>
-      <dgm:spPr/>
-    </dgm:pt>
-  </dgm:ptLst>
-  <dgm:cxnLst>
-    <dgm:cxn modelId="{D5589112-0A13-440F-B911-A3F702AB446E}" type="presOf" srcId="{F49DC6EE-FD1F-4196-932E-45CBB9DCCCC1}" destId="{EEFFFF87-5402-4ED8-AA3A-7047546211ED}" srcOrd="0" destOrd="0" presId="urn:microsoft.com/office/officeart/2005/8/layout/lProcess2"/>
-    <dgm:cxn modelId="{8891731B-FC53-41F6-91CC-23280E24DB35}" type="presOf" srcId="{9470DE1C-073E-4BA9-ACA7-529697C61AF0}" destId="{802831B2-B860-4DB9-978A-F88300BE7B79}" srcOrd="1" destOrd="0" presId="urn:microsoft.com/office/officeart/2005/8/layout/lProcess2"/>
-    <dgm:cxn modelId="{C0E22C4A-EEB4-4A6F-AF46-5C96161F49FA}" type="presOf" srcId="{5CECDB47-6D52-4D61-95CB-379F39EF32DD}" destId="{925A2943-59CD-47E0-A1ED-5123672C1CA1}" srcOrd="1" destOrd="0" presId="urn:microsoft.com/office/officeart/2005/8/layout/lProcess2"/>
-    <dgm:cxn modelId="{2B0A996B-A18D-41C0-B031-72523A6A5565}" srcId="{5CECDB47-6D52-4D61-95CB-379F39EF32DD}" destId="{2C2A7A91-94D9-4A36-B135-F204109B19B1}" srcOrd="0" destOrd="0" parTransId="{F6B5AC18-4247-47FE-94DB-3B8531D42DB7}" sibTransId="{2F289F53-6401-45EC-A233-6875EA166C25}"/>
-    <dgm:cxn modelId="{8A762C4D-6717-4C15-B192-B041F8FC9CB5}" type="presOf" srcId="{8EAAA76B-2624-4DCB-9D9F-20B0EEF962A1}" destId="{305215F9-05B4-4AF9-83B9-13BFB72F3611}" srcOrd="0" destOrd="0" presId="urn:microsoft.com/office/officeart/2005/8/layout/lProcess2"/>
-    <dgm:cxn modelId="{FFCB2471-BF17-4620-8F89-B00B9542D9CC}" srcId="{8EAAA76B-2624-4DCB-9D9F-20B0EEF962A1}" destId="{5CECDB47-6D52-4D61-95CB-379F39EF32DD}" srcOrd="1" destOrd="0" parTransId="{B6F893F5-93BD-4967-88D9-2E44EE4D2CF1}" sibTransId="{0D911EFB-DA6B-4EB5-9FDC-2B67712FDF72}"/>
-    <dgm:cxn modelId="{462F6977-A253-4C28-8FC9-2AE7486A7430}" srcId="{8EAAA76B-2624-4DCB-9D9F-20B0EEF962A1}" destId="{9470DE1C-073E-4BA9-ACA7-529697C61AF0}" srcOrd="0" destOrd="0" parTransId="{80793A3F-82C2-4D8D-8438-50C7CA49F35E}" sibTransId="{4742B74B-49B0-436D-8957-0C6ECE671F1E}"/>
-    <dgm:cxn modelId="{58C56A9E-6DC3-4CD6-AA8A-08950C26BED4}" srcId="{9470DE1C-073E-4BA9-ACA7-529697C61AF0}" destId="{32E76DEB-CEC7-4111-9F7B-F04F1BF4A3D6}" srcOrd="0" destOrd="0" parTransId="{6C4B0AA6-2574-4027-BFE8-3ABBA75DD211}" sibTransId="{90F85B1D-19BC-46DB-A766-8B4AA9547D36}"/>
-    <dgm:cxn modelId="{B68D3AB1-F8C1-4EED-B6EE-7A4AD07D427C}" type="presOf" srcId="{5CECDB47-6D52-4D61-95CB-379F39EF32DD}" destId="{7F5CE365-FF30-41DE-B2A5-D8669D68286F}" srcOrd="0" destOrd="0" presId="urn:microsoft.com/office/officeart/2005/8/layout/lProcess2"/>
-    <dgm:cxn modelId="{8ABCD0BC-527A-4B51-B792-493321948BF5}" srcId="{9470DE1C-073E-4BA9-ACA7-529697C61AF0}" destId="{F49DC6EE-FD1F-4196-932E-45CBB9DCCCC1}" srcOrd="1" destOrd="0" parTransId="{C7043DBB-43D8-4AA1-893D-1A04162D4F8B}" sibTransId="{2F10538A-D39A-459D-AEA7-5ADC9BA4280D}"/>
-    <dgm:cxn modelId="{03CF97BE-9C7E-47BE-B93C-9EB3DE6E8941}" type="presOf" srcId="{9470DE1C-073E-4BA9-ACA7-529697C61AF0}" destId="{988F6353-DAEE-4016-BF0C-D56635E61628}" srcOrd="0" destOrd="0" presId="urn:microsoft.com/office/officeart/2005/8/layout/lProcess2"/>
-    <dgm:cxn modelId="{F4456CBF-01A2-4618-84EB-94C41883FD42}" type="presOf" srcId="{2C2A7A91-94D9-4A36-B135-F204109B19B1}" destId="{BB9E7424-2586-4E36-A800-6F8D977A804D}" srcOrd="0" destOrd="0" presId="urn:microsoft.com/office/officeart/2005/8/layout/lProcess2"/>
-    <dgm:cxn modelId="{547E4FC8-21F3-4CEF-8E4F-80B3D6474382}" type="presOf" srcId="{32E76DEB-CEC7-4111-9F7B-F04F1BF4A3D6}" destId="{1C3DEC8A-AEDD-4879-97CB-2780AB15F771}" srcOrd="0" destOrd="0" presId="urn:microsoft.com/office/officeart/2005/8/layout/lProcess2"/>
-    <dgm:cxn modelId="{F6C39BF1-D401-469C-8B01-DB2D6D77A616}" type="presOf" srcId="{212009EB-1807-44EE-9846-8165D478C70C}" destId="{79D9C518-78D1-41AB-B81A-46EED6463E3F}" srcOrd="0" destOrd="0" presId="urn:microsoft.com/office/officeart/2005/8/layout/lProcess2"/>
-    <dgm:cxn modelId="{2D52F5FA-FCC6-4B91-B6E8-5E0FFB43F49D}" srcId="{5CECDB47-6D52-4D61-95CB-379F39EF32DD}" destId="{212009EB-1807-44EE-9846-8165D478C70C}" srcOrd="1" destOrd="0" parTransId="{939BD3A5-4870-4BFA-8F9C-1164431A7A12}" sibTransId="{494CF4D8-C537-4350-8160-C6133002649D}"/>
-    <dgm:cxn modelId="{1A9FF558-4F16-4B3F-A723-4173B6F3C767}" type="presParOf" srcId="{305215F9-05B4-4AF9-83B9-13BFB72F3611}" destId="{6275C35F-E0F2-4B34-BBBE-B6D9E6D38A77}" srcOrd="0" destOrd="0" presId="urn:microsoft.com/office/officeart/2005/8/layout/lProcess2"/>
-    <dgm:cxn modelId="{A8DAAE56-DF76-4336-B18F-184AA23CCB9F}" type="presParOf" srcId="{6275C35F-E0F2-4B34-BBBE-B6D9E6D38A77}" destId="{988F6353-DAEE-4016-BF0C-D56635E61628}" srcOrd="0" destOrd="0" presId="urn:microsoft.com/office/officeart/2005/8/layout/lProcess2"/>
-    <dgm:cxn modelId="{C2793706-9C9E-47A5-A413-688DCC0374E3}" type="presParOf" srcId="{6275C35F-E0F2-4B34-BBBE-B6D9E6D38A77}" destId="{802831B2-B860-4DB9-978A-F88300BE7B79}" srcOrd="1" destOrd="0" presId="urn:microsoft.com/office/officeart/2005/8/layout/lProcess2"/>
-    <dgm:cxn modelId="{DB92B012-BEE4-4B75-95B0-F381E18F2E54}" type="presParOf" srcId="{6275C35F-E0F2-4B34-BBBE-B6D9E6D38A77}" destId="{86C07967-3C51-42A0-A184-FCF71A0445E8}" srcOrd="2" destOrd="0" presId="urn:microsoft.com/office/officeart/2005/8/layout/lProcess2"/>
-    <dgm:cxn modelId="{A06B180A-126C-4910-B2DF-2CB6DEBA2F4D}" type="presParOf" srcId="{86C07967-3C51-42A0-A184-FCF71A0445E8}" destId="{C40D77A6-CDDD-4AD7-BE54-A432B1389965}" srcOrd="0" destOrd="0" presId="urn:microsoft.com/office/officeart/2005/8/layout/lProcess2"/>
-    <dgm:cxn modelId="{E16F16C4-D114-42FC-8859-ADAEB785E568}" type="presParOf" srcId="{C40D77A6-CDDD-4AD7-BE54-A432B1389965}" destId="{1C3DEC8A-AEDD-4879-97CB-2780AB15F771}" srcOrd="0" destOrd="0" presId="urn:microsoft.com/office/officeart/2005/8/layout/lProcess2"/>
-    <dgm:cxn modelId="{2F7A7064-4E8A-4C7F-B506-DB337E452595}" type="presParOf" srcId="{C40D77A6-CDDD-4AD7-BE54-A432B1389965}" destId="{A12B85FC-0335-4B18-997F-1C1AE2FF8AE9}" srcOrd="1" destOrd="0" presId="urn:microsoft.com/office/officeart/2005/8/layout/lProcess2"/>
-    <dgm:cxn modelId="{116D6DCC-DA00-44F7-B2F0-2A31804EAD6B}" type="presParOf" srcId="{C40D77A6-CDDD-4AD7-BE54-A432B1389965}" destId="{EEFFFF87-5402-4ED8-AA3A-7047546211ED}" srcOrd="2" destOrd="0" presId="urn:microsoft.com/office/officeart/2005/8/layout/lProcess2"/>
-    <dgm:cxn modelId="{5A14C41E-6570-4551-8D89-FD274F27DE9A}" type="presParOf" srcId="{305215F9-05B4-4AF9-83B9-13BFB72F3611}" destId="{E6220BC4-B8B5-4404-A63E-C2004A98BAE4}" srcOrd="1" destOrd="0" presId="urn:microsoft.com/office/officeart/2005/8/layout/lProcess2"/>
-    <dgm:cxn modelId="{A6970F37-54F2-4939-9F04-416CD202A71F}" type="presParOf" srcId="{305215F9-05B4-4AF9-83B9-13BFB72F3611}" destId="{B9621D36-C4B9-433C-9DB7-AA0AC4203DCF}" srcOrd="2" destOrd="0" presId="urn:microsoft.com/office/officeart/2005/8/layout/lProcess2"/>
-    <dgm:cxn modelId="{DB4D018A-044D-42F5-A2B5-976E1C6E2222}" type="presParOf" srcId="{B9621D36-C4B9-433C-9DB7-AA0AC4203DCF}" destId="{7F5CE365-FF30-41DE-B2A5-D8669D68286F}" srcOrd="0" destOrd="0" presId="urn:microsoft.com/office/officeart/2005/8/layout/lProcess2"/>
-    <dgm:cxn modelId="{6439B8C7-FAFC-4F3B-BD08-EACFCC64D938}" type="presParOf" srcId="{B9621D36-C4B9-433C-9DB7-AA0AC4203DCF}" destId="{925A2943-59CD-47E0-A1ED-5123672C1CA1}" srcOrd="1" destOrd="0" presId="urn:microsoft.com/office/officeart/2005/8/layout/lProcess2"/>
-    <dgm:cxn modelId="{41F53C2E-852A-49D0-A1AC-C3E8981A13F1}" type="presParOf" srcId="{B9621D36-C4B9-433C-9DB7-AA0AC4203DCF}" destId="{474A11E6-27DB-4F02-B0D1-587B6F4E8CF8}" srcOrd="2" destOrd="0" presId="urn:microsoft.com/office/officeart/2005/8/layout/lProcess2"/>
-    <dgm:cxn modelId="{11254E80-EA2B-49A3-B1C6-9C96C28FE6E2}" type="presParOf" srcId="{474A11E6-27DB-4F02-B0D1-587B6F4E8CF8}" destId="{91AD5B46-8DCC-4246-8898-44B9C1503BAC}" srcOrd="0" destOrd="0" presId="urn:microsoft.com/office/officeart/2005/8/layout/lProcess2"/>
-    <dgm:cxn modelId="{36DFD9D8-A360-4537-8004-08546D0673D7}" type="presParOf" srcId="{91AD5B46-8DCC-4246-8898-44B9C1503BAC}" destId="{BB9E7424-2586-4E36-A800-6F8D977A804D}" srcOrd="0" destOrd="0" presId="urn:microsoft.com/office/officeart/2005/8/layout/lProcess2"/>
-    <dgm:cxn modelId="{1E1F1ED3-6048-4B1D-B244-C8800A549266}" type="presParOf" srcId="{91AD5B46-8DCC-4246-8898-44B9C1503BAC}" destId="{6964D059-4169-40D5-A7C2-35863FB04DFB}" srcOrd="1" destOrd="0" presId="urn:microsoft.com/office/officeart/2005/8/layout/lProcess2"/>
-    <dgm:cxn modelId="{9ED293D7-665C-4D87-9A55-68509AB8EC5E}" type="presParOf" srcId="{91AD5B46-8DCC-4246-8898-44B9C1503BAC}" destId="{79D9C518-78D1-41AB-B81A-46EED6463E3F}" srcOrd="2" destOrd="0" presId="urn:microsoft.com/office/officeart/2005/8/layout/lProcess2"/>
-  </dgm:cxnLst>
-  <dgm:bg/>
-  <dgm:whole/>
-  <dgm:extLst>
-    <a:ext uri="http://schemas.microsoft.com/office/drawing/2008/diagram">
-      <dsp:dataModelExt xmlns:dsp="http://schemas.microsoft.com/office/drawing/2008/diagram" relId="rId7" minVer="http://schemas.openxmlformats.org/drawingml/2006/diagram"/>
-    </a:ext>
-  </dgm:extLst>
-</dgm:dataModel>
-</file>
-
-<file path=ppt/diagrams/data4.xml><?xml version="1.0" encoding="utf-8"?>
 <dgm:dataModel xmlns:dgm="http://schemas.openxmlformats.org/drawingml/2006/diagram" xmlns:a="http://schemas.openxmlformats.org/drawingml/2006/main">
   <dgm:ptLst>
     <dgm:pt modelId="{DD781F7E-0AF8-4CD4-BFD4-56EF5322F035}" type="doc">
@@ -4414,46 +3371,6 @@
         </a:p>
       </dgm:t>
     </dgm:pt>
-    <dgm:pt modelId="{3FF1A7DF-E0C3-47AC-B60A-DBF19BB58EB4}">
-      <dgm:prSet phldrT="[Texto]"/>
-      <dgm:spPr/>
-      <dgm:t>
-        <a:bodyPr/>
-        <a:lstStyle/>
-        <a:p>
-          <a:pPr>
-            <a:buFont typeface="Arial" panose="020B0604020202020204" pitchFamily="34" charset="0"/>
-            <a:buNone/>
-          </a:pPr>
-          <a:r>
-            <a:rPr lang="pt-PT" dirty="0"/>
-            <a:t>Tempo Bateria</a:t>
-          </a:r>
-        </a:p>
-      </dgm:t>
-    </dgm:pt>
-    <dgm:pt modelId="{4C29E3F1-5A74-40F4-A435-9FF142518474}" type="parTrans" cxnId="{83FFDAFA-EE31-402E-A596-AE9BC0C0DDD7}">
-      <dgm:prSet/>
-      <dgm:spPr/>
-      <dgm:t>
-        <a:bodyPr/>
-        <a:lstStyle/>
-        <a:p>
-          <a:endParaRPr lang="pt-PT"/>
-        </a:p>
-      </dgm:t>
-    </dgm:pt>
-    <dgm:pt modelId="{67B68CD5-3B62-495A-A6F1-0E970083FA75}" type="sibTrans" cxnId="{83FFDAFA-EE31-402E-A596-AE9BC0C0DDD7}">
-      <dgm:prSet/>
-      <dgm:spPr/>
-      <dgm:t>
-        <a:bodyPr/>
-        <a:lstStyle/>
-        <a:p>
-          <a:endParaRPr lang="pt-PT"/>
-        </a:p>
-      </dgm:t>
-    </dgm:pt>
     <dgm:pt modelId="{CE73D8DC-EDCD-404F-93DB-3CDF1EFDA41C}">
       <dgm:prSet phldrT="[Texto]"/>
       <dgm:spPr/>
@@ -4490,8 +3407,26 @@
         </a:p>
       </dgm:t>
     </dgm:pt>
-    <dgm:pt modelId="{65882187-381E-4C5E-A757-C35B733A04F2}">
-      <dgm:prSet phldrT="[Texto]" phldr="1"/>
+    <dgm:pt modelId="{3FF1A7DF-E0C3-47AC-B60A-DBF19BB58EB4}">
+      <dgm:prSet phldrT="[Texto]" custT="1"/>
+      <dgm:spPr/>
+      <dgm:t>
+        <a:bodyPr/>
+        <a:lstStyle/>
+        <a:p>
+          <a:pPr>
+            <a:buFont typeface="Arial" panose="020B0604020202020204" pitchFamily="34" charset="0"/>
+            <a:buNone/>
+          </a:pPr>
+          <a:r>
+            <a:rPr lang="pt-PT" sz="1800" dirty="0"/>
+            <a:t>- Tempo Bateria</a:t>
+          </a:r>
+        </a:p>
+      </dgm:t>
+    </dgm:pt>
+    <dgm:pt modelId="{67B68CD5-3B62-495A-A6F1-0E970083FA75}" type="sibTrans" cxnId="{83FFDAFA-EE31-402E-A596-AE9BC0C0DDD7}">
+      <dgm:prSet/>
       <dgm:spPr/>
       <dgm:t>
         <a:bodyPr/>
@@ -4501,7 +3436,7 @@
         </a:p>
       </dgm:t>
     </dgm:pt>
-    <dgm:pt modelId="{52C5EEE9-3A97-44F9-B79F-77A6B662F1E4}" type="parTrans" cxnId="{1BD40FE2-56FE-4282-8984-6E60080B5937}">
+    <dgm:pt modelId="{4C29E3F1-5A74-40F4-A435-9FF142518474}" type="parTrans" cxnId="{83FFDAFA-EE31-402E-A596-AE9BC0C0DDD7}">
       <dgm:prSet/>
       <dgm:spPr/>
       <dgm:t>
@@ -4509,6 +3444,184 @@
         <a:lstStyle/>
         <a:p>
           <a:endParaRPr lang="pt-PT"/>
+        </a:p>
+      </dgm:t>
+    </dgm:pt>
+    <dgm:pt modelId="{4110345D-E1FD-4E62-96DF-DC5A47A78981}">
+      <dgm:prSet phldrT="[Texto]" custT="1"/>
+      <dgm:spPr/>
+      <dgm:t>
+        <a:bodyPr/>
+        <a:lstStyle/>
+        <a:p>
+          <a:pPr>
+            <a:buFont typeface="Arial" panose="020B0604020202020204" pitchFamily="34" charset="0"/>
+            <a:buChar char="•"/>
+          </a:pPr>
+          <a:r>
+            <a:rPr lang="pt-PT" sz="1800" i="1" dirty="0"/>
+            <a:t>- Bug</a:t>
+          </a:r>
+          <a:r>
+            <a:rPr lang="pt-PT" sz="1800" dirty="0"/>
+            <a:t> nos limites dos corredores</a:t>
+          </a:r>
+        </a:p>
+      </dgm:t>
+    </dgm:pt>
+    <dgm:pt modelId="{CBDED0C0-4F84-4430-9B12-42F4CEA9E12E}" type="sibTrans" cxnId="{B76BA5AD-4DA3-45A8-A560-6A6AB8B2D477}">
+      <dgm:prSet/>
+      <dgm:spPr/>
+      <dgm:t>
+        <a:bodyPr/>
+        <a:lstStyle/>
+        <a:p>
+          <a:endParaRPr lang="pt-PT"/>
+        </a:p>
+      </dgm:t>
+    </dgm:pt>
+    <dgm:pt modelId="{D0C25B6A-2C19-42B2-9CAA-6C7BC08777A0}" type="parTrans" cxnId="{B76BA5AD-4DA3-45A8-A560-6A6AB8B2D477}">
+      <dgm:prSet/>
+      <dgm:spPr/>
+      <dgm:t>
+        <a:bodyPr/>
+        <a:lstStyle/>
+        <a:p>
+          <a:endParaRPr lang="pt-PT"/>
+        </a:p>
+      </dgm:t>
+    </dgm:pt>
+    <dgm:pt modelId="{F8AA74C3-3FA5-4F22-A22A-A8FF1E35E9EB}">
+      <dgm:prSet phldrT="[Texto]" custT="1"/>
+      <dgm:spPr/>
+      <dgm:t>
+        <a:bodyPr/>
+        <a:lstStyle/>
+        <a:p>
+          <a:pPr>
+            <a:buFont typeface="Arial" panose="020B0604020202020204" pitchFamily="34" charset="0"/>
+            <a:buChar char="•"/>
+          </a:pPr>
+          <a:r>
+            <a:rPr lang="pt-PT" sz="1800" dirty="0"/>
+            <a:t>- Dúvida Probabilidades</a:t>
+          </a:r>
+        </a:p>
+      </dgm:t>
+    </dgm:pt>
+    <dgm:pt modelId="{46E56BC5-7596-4FCB-BBE2-D989AB0113EE}" type="sibTrans" cxnId="{6655F8B8-12F8-42DA-9333-4BCF3AB7ECE9}">
+      <dgm:prSet/>
+      <dgm:spPr/>
+      <dgm:t>
+        <a:bodyPr/>
+        <a:lstStyle/>
+        <a:p>
+          <a:endParaRPr lang="pt-PT"/>
+        </a:p>
+      </dgm:t>
+    </dgm:pt>
+    <dgm:pt modelId="{BCE1C21B-C9BE-4E61-9011-F6799FBB5C6C}" type="parTrans" cxnId="{6655F8B8-12F8-42DA-9333-4BCF3AB7ECE9}">
+      <dgm:prSet/>
+      <dgm:spPr/>
+      <dgm:t>
+        <a:bodyPr/>
+        <a:lstStyle/>
+        <a:p>
+          <a:endParaRPr lang="pt-PT"/>
+        </a:p>
+      </dgm:t>
+    </dgm:pt>
+    <dgm:pt modelId="{E1D04510-6958-4920-91BC-32825320B9A1}">
+      <dgm:prSet phldrT="[Texto]" custT="1"/>
+      <dgm:spPr/>
+      <dgm:t>
+        <a:bodyPr/>
+        <a:lstStyle/>
+        <a:p>
+          <a:pPr>
+            <a:buFont typeface="Arial" panose="020B0604020202020204" pitchFamily="34" charset="0"/>
+            <a:buChar char="•"/>
+          </a:pPr>
+          <a:r>
+            <a:rPr lang="pt-PT" sz="1800" dirty="0"/>
+            <a:t>- A* lento em matrizes</a:t>
+          </a:r>
+        </a:p>
+      </dgm:t>
+    </dgm:pt>
+    <dgm:pt modelId="{80655F24-CBEC-4C9C-98F2-610953B0555B}" type="sibTrans" cxnId="{B3B208AC-8A5B-44AC-93CC-AE5C6B75569E}">
+      <dgm:prSet/>
+      <dgm:spPr/>
+      <dgm:t>
+        <a:bodyPr/>
+        <a:lstStyle/>
+        <a:p>
+          <a:endParaRPr lang="pt-PT"/>
+        </a:p>
+      </dgm:t>
+    </dgm:pt>
+    <dgm:pt modelId="{3ED800F7-5E80-4504-96AD-D4092E85B4AA}" type="parTrans" cxnId="{B3B208AC-8A5B-44AC-93CC-AE5C6B75569E}">
+      <dgm:prSet/>
+      <dgm:spPr/>
+      <dgm:t>
+        <a:bodyPr/>
+        <a:lstStyle/>
+        <a:p>
+          <a:endParaRPr lang="pt-PT"/>
+        </a:p>
+      </dgm:t>
+    </dgm:pt>
+    <dgm:pt modelId="{65882187-381E-4C5E-A757-C35B733A04F2}">
+      <dgm:prSet phldrT="[Texto]" custT="1"/>
+      <dgm:spPr/>
+      <dgm:t>
+        <a:bodyPr/>
+        <a:lstStyle/>
+        <a:p>
+          <a:pPr>
+            <a:buNone/>
+          </a:pPr>
+          <a:r>
+            <a:rPr lang="pt-PT" sz="1800" dirty="0"/>
+            <a:t>- Função Linear</a:t>
+          </a:r>
+        </a:p>
+        <a:p>
+          <a:pPr>
+            <a:buNone/>
+          </a:pPr>
+          <a:r>
+            <a:rPr lang="pt-PT" sz="1800" dirty="0"/>
+            <a:t>- Direção do </a:t>
+          </a:r>
+          <a:r>
+            <a:rPr lang="pt-PT" sz="1800" i="1" dirty="0"/>
+            <a:t>robot</a:t>
+          </a:r>
+          <a:endParaRPr lang="pt-PT" sz="1800" dirty="0"/>
+        </a:p>
+        <a:p>
+          <a:pPr>
+            <a:buNone/>
+          </a:pPr>
+          <a:r>
+            <a:rPr lang="pt-PT" sz="1800" dirty="0"/>
+            <a:t>- Rede </a:t>
+          </a:r>
+          <a:r>
+            <a:rPr lang="pt-PT" sz="1800" i="1" dirty="0" err="1"/>
+            <a:t>Bayesiana</a:t>
+          </a:r>
+          <a:endParaRPr lang="pt-PT" sz="1800" i="1" dirty="0"/>
+        </a:p>
+        <a:p>
+          <a:pPr>
+            <a:buNone/>
+          </a:pPr>
+          <a:r>
+            <a:rPr lang="pt-PT" sz="1800" dirty="0"/>
+            <a:t>- Implementação de Grafos</a:t>
+          </a:r>
         </a:p>
       </dgm:t>
     </dgm:pt>
@@ -4523,113 +3636,7 @@
         </a:p>
       </dgm:t>
     </dgm:pt>
-    <dgm:pt modelId="{F8AA74C3-3FA5-4F22-A22A-A8FF1E35E9EB}">
-      <dgm:prSet phldrT="[Texto]"/>
-      <dgm:spPr/>
-      <dgm:t>
-        <a:bodyPr/>
-        <a:lstStyle/>
-        <a:p>
-          <a:pPr>
-            <a:buNone/>
-          </a:pPr>
-          <a:r>
-            <a:rPr lang="pt-PT" dirty="0"/>
-            <a:t>Dúvida Probabilidades</a:t>
-          </a:r>
-        </a:p>
-      </dgm:t>
-    </dgm:pt>
-    <dgm:pt modelId="{BCE1C21B-C9BE-4E61-9011-F6799FBB5C6C}" type="parTrans" cxnId="{6655F8B8-12F8-42DA-9333-4BCF3AB7ECE9}">
-      <dgm:prSet/>
-      <dgm:spPr/>
-      <dgm:t>
-        <a:bodyPr/>
-        <a:lstStyle/>
-        <a:p>
-          <a:endParaRPr lang="pt-PT"/>
-        </a:p>
-      </dgm:t>
-    </dgm:pt>
-    <dgm:pt modelId="{46E56BC5-7596-4FCB-BBE2-D989AB0113EE}" type="sibTrans" cxnId="{6655F8B8-12F8-42DA-9333-4BCF3AB7ECE9}">
-      <dgm:prSet/>
-      <dgm:spPr/>
-      <dgm:t>
-        <a:bodyPr/>
-        <a:lstStyle/>
-        <a:p>
-          <a:endParaRPr lang="pt-PT"/>
-        </a:p>
-      </dgm:t>
-    </dgm:pt>
-    <dgm:pt modelId="{4110345D-E1FD-4E62-96DF-DC5A47A78981}">
-      <dgm:prSet phldrT="[Texto]"/>
-      <dgm:spPr/>
-      <dgm:t>
-        <a:bodyPr/>
-        <a:lstStyle/>
-        <a:p>
-          <a:pPr>
-            <a:buNone/>
-          </a:pPr>
-          <a:r>
-            <a:rPr lang="pt-PT" dirty="0"/>
-            <a:t>Bug nos limites dos corredores</a:t>
-          </a:r>
-        </a:p>
-      </dgm:t>
-    </dgm:pt>
-    <dgm:pt modelId="{D0C25B6A-2C19-42B2-9CAA-6C7BC08777A0}" type="parTrans" cxnId="{B76BA5AD-4DA3-45A8-A560-6A6AB8B2D477}">
-      <dgm:prSet/>
-      <dgm:spPr/>
-      <dgm:t>
-        <a:bodyPr/>
-        <a:lstStyle/>
-        <a:p>
-          <a:endParaRPr lang="pt-PT"/>
-        </a:p>
-      </dgm:t>
-    </dgm:pt>
-    <dgm:pt modelId="{CBDED0C0-4F84-4430-9B12-42F4CEA9E12E}" type="sibTrans" cxnId="{B76BA5AD-4DA3-45A8-A560-6A6AB8B2D477}">
-      <dgm:prSet/>
-      <dgm:spPr/>
-      <dgm:t>
-        <a:bodyPr/>
-        <a:lstStyle/>
-        <a:p>
-          <a:endParaRPr lang="pt-PT"/>
-        </a:p>
-      </dgm:t>
-    </dgm:pt>
-    <dgm:pt modelId="{E1D04510-6958-4920-91BC-32825320B9A1}">
-      <dgm:prSet phldrT="[Texto]"/>
-      <dgm:spPr/>
-      <dgm:t>
-        <a:bodyPr/>
-        <a:lstStyle/>
-        <a:p>
-          <a:pPr>
-            <a:buNone/>
-          </a:pPr>
-          <a:r>
-            <a:rPr lang="pt-PT" dirty="0"/>
-            <a:t>A* lento em matrizes</a:t>
-          </a:r>
-        </a:p>
-      </dgm:t>
-    </dgm:pt>
-    <dgm:pt modelId="{3ED800F7-5E80-4504-96AD-D4092E85B4AA}" type="parTrans" cxnId="{B3B208AC-8A5B-44AC-93CC-AE5C6B75569E}">
-      <dgm:prSet/>
-      <dgm:spPr/>
-      <dgm:t>
-        <a:bodyPr/>
-        <a:lstStyle/>
-        <a:p>
-          <a:endParaRPr lang="pt-PT"/>
-        </a:p>
-      </dgm:t>
-    </dgm:pt>
-    <dgm:pt modelId="{80655F24-CBEC-4C9C-98F2-610953B0555B}" type="sibTrans" cxnId="{B3B208AC-8A5B-44AC-93CC-AE5C6B75569E}">
+    <dgm:pt modelId="{52C5EEE9-3A97-44F9-B79F-77A6B662F1E4}" type="parTrans" cxnId="{1BD40FE2-56FE-4282-8984-6E60080B5937}">
       <dgm:prSet/>
       <dgm:spPr/>
       <dgm:t>
@@ -4680,7 +3687,7 @@
       </dgm:spPr>
     </dgm:pt>
     <dgm:pt modelId="{7C0092AA-14D3-4E93-A784-0BF47A9A7A8D}" type="pres">
-      <dgm:prSet presAssocID="{4501F950-DECB-4764-91EE-A9E3A752B69B}" presName="Child" presStyleLbl="revTx" presStyleIdx="0" presStyleCnt="4">
+      <dgm:prSet presAssocID="{4501F950-DECB-4764-91EE-A9E3A752B69B}" presName="Child" presStyleLbl="revTx" presStyleIdx="0" presStyleCnt="4" custScaleY="66621" custLinFactNeighborX="-17114" custLinFactNeighborY="202">
         <dgm:presLayoutVars>
           <dgm:chMax val="0"/>
           <dgm:chPref val="0"/>
@@ -4731,7 +3738,7 @@
       </dgm:spPr>
     </dgm:pt>
     <dgm:pt modelId="{536E96E5-A6BC-4A97-B83A-A5DB3DA43F28}" type="pres">
-      <dgm:prSet presAssocID="{CE73D8DC-EDCD-404F-93DB-3CDF1EFDA41C}" presName="Child" presStyleLbl="revTx" presStyleIdx="2" presStyleCnt="4">
+      <dgm:prSet presAssocID="{CE73D8DC-EDCD-404F-93DB-3CDF1EFDA41C}" presName="Child" presStyleLbl="revTx" presStyleIdx="2" presStyleCnt="4" custScaleY="53734" custLinFactNeighborX="-21704" custLinFactNeighborY="-4681">
         <dgm:presLayoutVars>
           <dgm:chMax val="0"/>
           <dgm:chPref val="0"/>
@@ -4971,12 +3978,12 @@
         <a:fontRef idx="minor"/>
       </dsp:style>
       <dsp:txBody>
-        <a:bodyPr spcFirstLastPara="0" vert="horz" wrap="square" lIns="41910" tIns="27940" rIns="41910" bIns="27940" numCol="1" spcCol="1270" anchor="ctr" anchorCtr="0">
+        <a:bodyPr spcFirstLastPara="0" vert="horz" wrap="square" lIns="36195" tIns="24130" rIns="36195" bIns="24130" numCol="1" spcCol="1270" anchor="ctr" anchorCtr="0">
           <a:noAutofit/>
         </a:bodyPr>
         <a:lstStyle/>
         <a:p>
-          <a:pPr marL="0" lvl="0" indent="0" algn="ctr" defTabSz="977900">
+          <a:pPr marL="0" lvl="0" indent="0" algn="ctr" defTabSz="844550">
             <a:lnSpc>
               <a:spcPct val="90000"/>
             </a:lnSpc>
@@ -4989,8 +3996,8 @@
             <a:buNone/>
           </a:pPr>
           <a:r>
-            <a:rPr lang="pt-PT" sz="2200" kern="1200" dirty="0"/>
-            <a:t>Grafo para divisões</a:t>
+            <a:rPr lang="pt-PT" sz="1900" kern="1200" dirty="0"/>
+            <a:t>Grafo para mundo</a:t>
           </a:r>
         </a:p>
       </dsp:txBody>
@@ -5098,12 +4105,12 @@
         <a:fontRef idx="minor"/>
       </dsp:style>
       <dsp:txBody>
-        <a:bodyPr spcFirstLastPara="0" vert="horz" wrap="square" lIns="41910" tIns="27940" rIns="41910" bIns="27940" numCol="1" spcCol="1270" anchor="ctr" anchorCtr="0">
+        <a:bodyPr spcFirstLastPara="0" vert="horz" wrap="square" lIns="36195" tIns="24130" rIns="36195" bIns="24130" numCol="1" spcCol="1270" anchor="ctr" anchorCtr="0">
           <a:noAutofit/>
         </a:bodyPr>
         <a:lstStyle/>
         <a:p>
-          <a:pPr marL="0" lvl="0" indent="0" algn="ctr" defTabSz="977900">
+          <a:pPr marL="0" lvl="0" indent="0" algn="ctr" defTabSz="844550">
             <a:lnSpc>
               <a:spcPct val="90000"/>
             </a:lnSpc>
@@ -5116,9 +4123,14 @@
             <a:buNone/>
           </a:pPr>
           <a:r>
-            <a:rPr lang="pt-PT" sz="2200" kern="1200" dirty="0"/>
-            <a:t>Grafo para caminho</a:t>
+            <a:rPr lang="pt-PT" sz="1900" kern="1200" dirty="0"/>
+            <a:t>Grafo para </a:t>
           </a:r>
+          <a:r>
+            <a:rPr lang="pt-PT" sz="1900" i="1" kern="1200" dirty="0" err="1"/>
+            <a:t>pathfinding</a:t>
+          </a:r>
+          <a:endParaRPr lang="pt-PT" sz="1900" i="1" kern="1200" dirty="0"/>
         </a:p>
       </dsp:txBody>
       <dsp:txXfrm>
@@ -5300,12 +4312,12 @@
         <a:fontRef idx="minor"/>
       </dsp:style>
       <dsp:txBody>
-        <a:bodyPr spcFirstLastPara="0" vert="horz" wrap="square" lIns="41910" tIns="27940" rIns="41910" bIns="27940" numCol="1" spcCol="1270" anchor="ctr" anchorCtr="0">
+        <a:bodyPr spcFirstLastPara="0" vert="horz" wrap="square" lIns="36195" tIns="24130" rIns="36195" bIns="24130" numCol="1" spcCol="1270" anchor="ctr" anchorCtr="0">
           <a:noAutofit/>
         </a:bodyPr>
         <a:lstStyle/>
         <a:p>
-          <a:pPr marL="0" lvl="0" indent="0" algn="ctr" defTabSz="977900">
+          <a:pPr marL="0" lvl="0" indent="0" algn="ctr" defTabSz="844550">
             <a:lnSpc>
               <a:spcPct val="90000"/>
             </a:lnSpc>
@@ -5318,7 +4330,7 @@
             <a:buNone/>
           </a:pPr>
           <a:r>
-            <a:rPr lang="pt-PT" sz="2200" kern="1200" dirty="0"/>
+            <a:rPr lang="pt-PT" sz="1900" kern="1200" dirty="0"/>
             <a:t>Pessoas</a:t>
           </a:r>
         </a:p>
@@ -5427,12 +4439,12 @@
         <a:fontRef idx="minor"/>
       </dsp:style>
       <dsp:txBody>
-        <a:bodyPr spcFirstLastPara="0" vert="horz" wrap="square" lIns="41910" tIns="27940" rIns="41910" bIns="27940" numCol="1" spcCol="1270" anchor="ctr" anchorCtr="0">
+        <a:bodyPr spcFirstLastPara="0" vert="horz" wrap="square" lIns="36195" tIns="24130" rIns="36195" bIns="24130" numCol="1" spcCol="1270" anchor="ctr" anchorCtr="0">
           <a:noAutofit/>
         </a:bodyPr>
         <a:lstStyle/>
         <a:p>
-          <a:pPr marL="0" lvl="0" indent="0" algn="ctr" defTabSz="977900">
+          <a:pPr marL="0" lvl="0" indent="0" algn="ctr" defTabSz="844550">
             <a:lnSpc>
               <a:spcPct val="90000"/>
             </a:lnSpc>
@@ -5445,10 +4457,10 @@
             <a:buNone/>
           </a:pPr>
           <a:r>
-            <a:rPr lang="pt-PT" sz="2200" kern="1200" dirty="0" err="1"/>
+            <a:rPr lang="pt-PT" sz="1900" kern="1200" dirty="0" err="1"/>
             <a:t>Objectos</a:t>
           </a:r>
-          <a:endParaRPr lang="pt-PT" sz="2200" kern="1200" dirty="0"/>
+          <a:endParaRPr lang="pt-PT" sz="1900" kern="1200" dirty="0"/>
         </a:p>
       </dsp:txBody>
       <dsp:txXfrm>
@@ -5491,13 +4503,10 @@
         </a:solidFill>
         <a:ln w="12700" cap="flat" cmpd="sng" algn="ctr">
           <a:solidFill>
-            <a:schemeClr val="accent1">
+            <a:schemeClr val="tx1">
+              <a:lumMod val="95000"/>
+              <a:lumOff val="5000"/>
               <a:alpha val="90000"/>
-              <a:tint val="40000"/>
-              <a:hueOff val="0"/>
-              <a:satOff val="0"/>
-              <a:lumOff val="0"/>
-              <a:alphaOff val="0"/>
             </a:schemeClr>
           </a:solidFill>
           <a:prstDash val="solid"/>
@@ -5569,13 +4578,10 @@
         </a:solidFill>
         <a:ln w="12700" cap="flat" cmpd="sng" algn="ctr">
           <a:solidFill>
-            <a:schemeClr val="accent1">
+            <a:schemeClr val="tx1">
+              <a:lumMod val="95000"/>
+              <a:lumOff val="5000"/>
               <a:alpha val="90000"/>
-              <a:tint val="40000"/>
-              <a:hueOff val="0"/>
-              <a:satOff val="0"/>
-              <a:lumOff val="0"/>
-              <a:alphaOff val="0"/>
             </a:schemeClr>
           </a:solidFill>
           <a:prstDash val="solid"/>
@@ -5645,13 +4651,10 @@
         </a:solidFill>
         <a:ln w="12700" cap="flat" cmpd="sng" algn="ctr">
           <a:solidFill>
-            <a:schemeClr val="accent1">
+            <a:schemeClr val="tx1">
+              <a:lumMod val="95000"/>
+              <a:lumOff val="5000"/>
               <a:alpha val="90000"/>
-              <a:tint val="40000"/>
-              <a:hueOff val="0"/>
-              <a:satOff val="0"/>
-              <a:lumOff val="0"/>
-              <a:alphaOff val="0"/>
             </a:schemeClr>
           </a:solidFill>
           <a:prstDash val="solid"/>
@@ -5672,7 +4675,7 @@
         <a:fontRef idx="minor"/>
       </dsp:style>
     </dsp:sp>
-    <dsp:sp modelId="{123DCB0A-A449-44DF-BC55-1854948D7D4D}">
+    <dsp:sp modelId="{16D59347-8BD9-4D43-BAC7-D4E592F918EE}">
       <dsp:nvSpPr>
         <dsp:cNvPr id="0" name=""/>
         <dsp:cNvSpPr/>
@@ -5693,13 +4696,10 @@
         </a:solidFill>
         <a:ln w="12700" cap="flat" cmpd="sng" algn="ctr">
           <a:solidFill>
-            <a:schemeClr val="accent1">
+            <a:schemeClr val="tx1">
+              <a:lumMod val="95000"/>
+              <a:lumOff val="5000"/>
               <a:alpha val="90000"/>
-              <a:tint val="40000"/>
-              <a:hueOff val="0"/>
-              <a:satOff val="0"/>
-              <a:lumOff val="0"/>
-              <a:alphaOff val="0"/>
             </a:schemeClr>
           </a:solidFill>
           <a:prstDash val="solid"/>
@@ -5720,7 +4720,7 @@
         <a:fontRef idx="minor"/>
       </dsp:style>
     </dsp:sp>
-    <dsp:sp modelId="{9347F6BC-68F7-4209-A436-538C9DE6E0C1}">
+    <dsp:sp modelId="{B7BB7091-B99C-4F33-A32F-E8D490A49492}">
       <dsp:nvSpPr>
         <dsp:cNvPr id="0" name=""/>
         <dsp:cNvSpPr/>
@@ -5765,12 +4765,12 @@
         </a:fontRef>
       </dsp:style>
       <dsp:txBody>
-        <a:bodyPr spcFirstLastPara="0" vert="horz" wrap="square" lIns="64770" tIns="64770" rIns="64770" bIns="64770" numCol="1" spcCol="1270" anchor="ctr" anchorCtr="0">
+        <a:bodyPr spcFirstLastPara="0" vert="horz" wrap="square" lIns="49530" tIns="49530" rIns="49530" bIns="49530" numCol="1" spcCol="1270" anchor="ctr" anchorCtr="0">
           <a:noAutofit/>
         </a:bodyPr>
         <a:lstStyle/>
         <a:p>
-          <a:pPr marL="0" lvl="0" indent="0" algn="ctr" defTabSz="755650">
+          <a:pPr marL="0" lvl="0" indent="0" algn="ctr" defTabSz="577850">
             <a:lnSpc>
               <a:spcPct val="90000"/>
             </a:lnSpc>
@@ -5783,7 +4783,7 @@
             <a:buNone/>
           </a:pPr>
           <a:r>
-            <a:rPr lang="pt-PT" sz="1700" kern="1200" dirty="0"/>
+            <a:rPr lang="pt-PT" sz="1300" kern="1200" dirty="0"/>
             <a:t>Atributos</a:t>
           </a:r>
         </a:p>
@@ -5793,7 +4793,7 @@
         <a:ext cx="1393393" cy="613714"/>
       </dsp:txXfrm>
     </dsp:sp>
-    <dsp:sp modelId="{72D95B6D-7EBD-46DC-9E40-C5584D877783}">
+    <dsp:sp modelId="{35A28155-9CFA-46C2-8080-A24D4BA9541D}">
       <dsp:nvSpPr>
         <dsp:cNvPr id="0" name=""/>
         <dsp:cNvSpPr/>
@@ -5838,12 +4838,12 @@
         </a:fontRef>
       </dsp:style>
       <dsp:txBody>
-        <a:bodyPr spcFirstLastPara="0" vert="horz" wrap="square" lIns="64770" tIns="64770" rIns="64770" bIns="64770" numCol="1" spcCol="1270" anchor="ctr" anchorCtr="0">
+        <a:bodyPr spcFirstLastPara="0" vert="horz" wrap="square" lIns="49530" tIns="49530" rIns="49530" bIns="49530" numCol="1" spcCol="1270" anchor="ctr" anchorCtr="0">
           <a:noAutofit/>
         </a:bodyPr>
         <a:lstStyle/>
         <a:p>
-          <a:pPr marL="0" lvl="0" indent="0" algn="ctr" defTabSz="755650">
+          <a:pPr marL="0" lvl="0" indent="0" algn="ctr" defTabSz="577850">
             <a:lnSpc>
               <a:spcPct val="90000"/>
             </a:lnSpc>
@@ -5856,7 +4856,7 @@
             <a:buNone/>
           </a:pPr>
           <a:r>
-            <a:rPr lang="pt-PT" sz="1700" kern="1200" dirty="0"/>
+            <a:rPr lang="pt-PT" sz="1300" kern="1200" dirty="0"/>
             <a:t>Melhor Organização</a:t>
           </a:r>
         </a:p>
@@ -5866,7 +4866,7 @@
         <a:ext cx="1393393" cy="613714"/>
       </dsp:txXfrm>
     </dsp:sp>
-    <dsp:sp modelId="{3C48B8DB-017B-477D-AACC-09FFBDAB59D6}">
+    <dsp:sp modelId="{B8E924AF-F0BD-425F-A376-CA4422CBE16A}">
       <dsp:nvSpPr>
         <dsp:cNvPr id="0" name=""/>
         <dsp:cNvSpPr/>
@@ -5911,12 +4911,12 @@
         </a:fontRef>
       </dsp:style>
       <dsp:txBody>
-        <a:bodyPr spcFirstLastPara="0" vert="horz" wrap="square" lIns="64770" tIns="64770" rIns="64770" bIns="64770" numCol="1" spcCol="1270" anchor="ctr" anchorCtr="0">
+        <a:bodyPr spcFirstLastPara="0" vert="horz" wrap="square" lIns="49530" tIns="49530" rIns="49530" bIns="49530" numCol="1" spcCol="1270" anchor="ctr" anchorCtr="0">
           <a:noAutofit/>
         </a:bodyPr>
         <a:lstStyle/>
         <a:p>
-          <a:pPr marL="0" lvl="0" indent="0" algn="ctr" defTabSz="755650">
+          <a:pPr marL="0" lvl="0" indent="0" algn="ctr" defTabSz="577850">
             <a:lnSpc>
               <a:spcPct val="90000"/>
             </a:lnSpc>
@@ -5929,7 +4929,7 @@
             <a:buNone/>
           </a:pPr>
           <a:r>
-            <a:rPr lang="pt-PT" sz="1700" kern="1200" dirty="0"/>
+            <a:rPr lang="pt-PT" sz="1300" kern="1200" dirty="0"/>
             <a:t>A* mais rápido</a:t>
           </a:r>
         </a:p>
@@ -5939,101 +4939,23 @@
         <a:ext cx="1393393" cy="613714"/>
       </dsp:txXfrm>
     </dsp:sp>
-  </dsp:spTree>
-</dsp:drawing>
-</file>
-
-<file path=ppt/diagrams/drawing3.xml><?xml version="1.0" encoding="utf-8"?>
-<dsp:drawing xmlns:dgm="http://schemas.openxmlformats.org/drawingml/2006/diagram" xmlns:dsp="http://schemas.microsoft.com/office/drawing/2008/diagram" xmlns:a="http://schemas.openxmlformats.org/drawingml/2006/main">
-  <dsp:spTree>
-    <dsp:nvGrpSpPr>
-      <dsp:cNvPr id="0" name=""/>
-      <dsp:cNvGrpSpPr/>
-    </dsp:nvGrpSpPr>
-    <dsp:grpSpPr/>
-    <dsp:sp modelId="{988F6353-DAEE-4016-BF0C-D56635E61628}">
+    <dsp:sp modelId="{7915E9E0-D751-4C3E-9FB4-4031D609F1E2}">
       <dsp:nvSpPr>
         <dsp:cNvPr id="0" name=""/>
         <dsp:cNvSpPr/>
       </dsp:nvSpPr>
       <dsp:spPr>
-        <a:xfrm>
-          <a:off x="2450" y="0"/>
-          <a:ext cx="2357418" cy="4064000"/>
+        <a:xfrm rot="240000">
+          <a:off x="1322423" y="2407206"/>
+          <a:ext cx="1459793" cy="680114"/>
         </a:xfrm>
         <a:prstGeom prst="roundRect">
-          <a:avLst>
-            <a:gd name="adj" fmla="val 10000"/>
-          </a:avLst>
+          <a:avLst/>
         </a:prstGeom>
         <a:solidFill>
-          <a:schemeClr val="bg1">
-            <a:lumMod val="85000"/>
-          </a:schemeClr>
-        </a:solidFill>
-        <a:ln>
-          <a:noFill/>
-        </a:ln>
-        <a:effectLst/>
-      </dsp:spPr>
-      <dsp:style>
-        <a:lnRef idx="0">
-          <a:scrgbClr r="0" g="0" b="0"/>
-        </a:lnRef>
-        <a:fillRef idx="1">
-          <a:scrgbClr r="0" g="0" b="0"/>
-        </a:fillRef>
-        <a:effectRef idx="0">
-          <a:scrgbClr r="0" g="0" b="0"/>
-        </a:effectRef>
-        <a:fontRef idx="minor"/>
-      </dsp:style>
-      <dsp:txBody>
-        <a:bodyPr spcFirstLastPara="0" vert="horz" wrap="square" lIns="95250" tIns="95250" rIns="95250" bIns="95250" numCol="1" spcCol="1270" anchor="ctr" anchorCtr="0">
-          <a:noAutofit/>
-        </a:bodyPr>
-        <a:lstStyle/>
-        <a:p>
-          <a:pPr marL="0" lvl="0" indent="0" algn="ctr" defTabSz="1111250">
-            <a:lnSpc>
-              <a:spcPct val="90000"/>
-            </a:lnSpc>
-            <a:spcBef>
-              <a:spcPct val="0"/>
-            </a:spcBef>
-            <a:spcAft>
-              <a:spcPct val="35000"/>
-            </a:spcAft>
-            <a:buNone/>
-          </a:pPr>
-          <a:r>
-            <a:rPr lang="pt-PT" sz="2500" kern="1200" dirty="0"/>
-            <a:t>Probabilidades Condicionadas</a:t>
-          </a:r>
-        </a:p>
-      </dsp:txBody>
-      <dsp:txXfrm>
-        <a:off x="2450" y="0"/>
-        <a:ext cx="2357418" cy="1219200"/>
-      </dsp:txXfrm>
-    </dsp:sp>
-    <dsp:sp modelId="{1C3DEC8A-AEDD-4879-97CB-2780AB15F771}">
-      <dsp:nvSpPr>
-        <dsp:cNvPr id="0" name=""/>
-        <dsp:cNvSpPr/>
-      </dsp:nvSpPr>
-      <dsp:spPr>
-        <a:xfrm>
-          <a:off x="238192" y="1220390"/>
-          <a:ext cx="1885934" cy="1225351"/>
-        </a:xfrm>
-        <a:prstGeom prst="roundRect">
-          <a:avLst>
-            <a:gd name="adj" fmla="val 10000"/>
-          </a:avLst>
-        </a:prstGeom>
-        <a:solidFill>
-          <a:srgbClr val="212E67"/>
+          <a:srgbClr val="002060">
+            <a:alpha val="90000"/>
+          </a:srgbClr>
         </a:solidFill>
         <a:ln w="12700" cap="flat" cmpd="sng" algn="ctr">
           <a:solidFill>
@@ -6064,147 +4986,12 @@
         </a:fontRef>
       </dsp:style>
       <dsp:txBody>
-        <a:bodyPr spcFirstLastPara="0" vert="horz" wrap="square" lIns="99060" tIns="74295" rIns="99060" bIns="74295" numCol="1" spcCol="1270" anchor="ctr" anchorCtr="0">
+        <a:bodyPr spcFirstLastPara="0" vert="horz" wrap="square" lIns="49530" tIns="49530" rIns="49530" bIns="49530" numCol="1" spcCol="1270" anchor="ctr" anchorCtr="0">
           <a:noAutofit/>
         </a:bodyPr>
         <a:lstStyle/>
         <a:p>
-          <a:pPr marL="0" lvl="0" indent="0" algn="ctr" defTabSz="1733550">
-            <a:lnSpc>
-              <a:spcPct val="90000"/>
-            </a:lnSpc>
-            <a:spcBef>
-              <a:spcPct val="0"/>
-            </a:spcBef>
-            <a:spcAft>
-              <a:spcPct val="35000"/>
-            </a:spcAft>
-            <a:buNone/>
-          </a:pPr>
-          <a:endParaRPr lang="pt-PT" sz="3900" kern="1200" dirty="0"/>
-        </a:p>
-      </dsp:txBody>
-      <dsp:txXfrm>
-        <a:off x="274081" y="1256279"/>
-        <a:ext cx="1814156" cy="1153573"/>
-      </dsp:txXfrm>
-    </dsp:sp>
-    <dsp:sp modelId="{EEFFFF87-5402-4ED8-AA3A-7047546211ED}">
-      <dsp:nvSpPr>
-        <dsp:cNvPr id="0" name=""/>
-        <dsp:cNvSpPr/>
-      </dsp:nvSpPr>
-      <dsp:spPr>
-        <a:xfrm>
-          <a:off x="238192" y="2634257"/>
-          <a:ext cx="1885934" cy="1225351"/>
-        </a:xfrm>
-        <a:prstGeom prst="roundRect">
-          <a:avLst>
-            <a:gd name="adj" fmla="val 10000"/>
-          </a:avLst>
-        </a:prstGeom>
-        <a:solidFill>
-          <a:srgbClr val="212E67"/>
-        </a:solidFill>
-        <a:ln w="12700" cap="flat" cmpd="sng" algn="ctr">
-          <a:solidFill>
-            <a:schemeClr val="lt1">
-              <a:hueOff val="0"/>
-              <a:satOff val="0"/>
-              <a:lumOff val="0"/>
-              <a:alphaOff val="0"/>
-            </a:schemeClr>
-          </a:solidFill>
-          <a:prstDash val="solid"/>
-          <a:miter lim="800000"/>
-        </a:ln>
-        <a:effectLst/>
-      </dsp:spPr>
-      <dsp:style>
-        <a:lnRef idx="2">
-          <a:scrgbClr r="0" g="0" b="0"/>
-        </a:lnRef>
-        <a:fillRef idx="1">
-          <a:scrgbClr r="0" g="0" b="0"/>
-        </a:fillRef>
-        <a:effectRef idx="0">
-          <a:scrgbClr r="0" g="0" b="0"/>
-        </a:effectRef>
-        <a:fontRef idx="minor">
-          <a:schemeClr val="lt1"/>
-        </a:fontRef>
-      </dsp:style>
-      <dsp:txBody>
-        <a:bodyPr spcFirstLastPara="0" vert="horz" wrap="square" lIns="99060" tIns="74295" rIns="99060" bIns="74295" numCol="1" spcCol="1270" anchor="ctr" anchorCtr="0">
-          <a:noAutofit/>
-        </a:bodyPr>
-        <a:lstStyle/>
-        <a:p>
-          <a:pPr marL="0" lvl="0" indent="0" algn="ctr" defTabSz="1733550">
-            <a:lnSpc>
-              <a:spcPct val="90000"/>
-            </a:lnSpc>
-            <a:spcBef>
-              <a:spcPct val="0"/>
-            </a:spcBef>
-            <a:spcAft>
-              <a:spcPct val="35000"/>
-            </a:spcAft>
-            <a:buNone/>
-          </a:pPr>
-          <a:endParaRPr lang="pt-PT" sz="3900" kern="1200"/>
-        </a:p>
-      </dsp:txBody>
-      <dsp:txXfrm>
-        <a:off x="274081" y="2670146"/>
-        <a:ext cx="1814156" cy="1153573"/>
-      </dsp:txXfrm>
-    </dsp:sp>
-    <dsp:sp modelId="{7F5CE365-FF30-41DE-B2A5-D8669D68286F}">
-      <dsp:nvSpPr>
-        <dsp:cNvPr id="0" name=""/>
-        <dsp:cNvSpPr/>
-      </dsp:nvSpPr>
-      <dsp:spPr>
-        <a:xfrm>
-          <a:off x="2539125" y="0"/>
-          <a:ext cx="2357418" cy="4064000"/>
-        </a:xfrm>
-        <a:prstGeom prst="roundRect">
-          <a:avLst>
-            <a:gd name="adj" fmla="val 10000"/>
-          </a:avLst>
-        </a:prstGeom>
-        <a:solidFill>
-          <a:schemeClr val="bg1">
-            <a:lumMod val="85000"/>
-          </a:schemeClr>
-        </a:solidFill>
-        <a:ln>
-          <a:noFill/>
-        </a:ln>
-        <a:effectLst/>
-      </dsp:spPr>
-      <dsp:style>
-        <a:lnRef idx="0">
-          <a:scrgbClr r="0" g="0" b="0"/>
-        </a:lnRef>
-        <a:fillRef idx="1">
-          <a:scrgbClr r="0" g="0" b="0"/>
-        </a:fillRef>
-        <a:effectRef idx="0">
-          <a:scrgbClr r="0" g="0" b="0"/>
-        </a:effectRef>
-        <a:fontRef idx="minor"/>
-      </dsp:style>
-      <dsp:txBody>
-        <a:bodyPr spcFirstLastPara="0" vert="horz" wrap="square" lIns="95250" tIns="95250" rIns="95250" bIns="95250" numCol="1" spcCol="1270" anchor="ctr" anchorCtr="0">
-          <a:noAutofit/>
-        </a:bodyPr>
-        <a:lstStyle/>
-        <a:p>
-          <a:pPr marL="0" lvl="0" indent="0" algn="ctr" defTabSz="1111250">
+          <a:pPr marL="0" lvl="0" indent="0" algn="ctr" defTabSz="577850">
             <a:lnSpc>
               <a:spcPct val="90000"/>
             </a:lnSpc>
@@ -6217,170 +5004,21 @@
             <a:buNone/>
           </a:pPr>
           <a:r>
-            <a:rPr lang="pt-PT" sz="2500" kern="1200" dirty="0"/>
-            <a:t>Aprendizagem </a:t>
+            <a:rPr lang="pt-PT" sz="1300" kern="1200" dirty="0"/>
+            <a:t>Representação Exata do Mundo</a:t>
           </a:r>
-          <a:r>
-            <a:rPr lang="pt-PT" sz="2500" i="1" kern="1200" dirty="0" err="1"/>
-            <a:t>Bayesiana</a:t>
-          </a:r>
-          <a:endParaRPr lang="pt-PT" sz="2500" i="1" kern="1200" dirty="0"/>
         </a:p>
       </dsp:txBody>
       <dsp:txXfrm>
-        <a:off x="2539125" y="0"/>
-        <a:ext cx="2357418" cy="1219200"/>
-      </dsp:txXfrm>
-    </dsp:sp>
-    <dsp:sp modelId="{BB9E7424-2586-4E36-A800-6F8D977A804D}">
-      <dsp:nvSpPr>
-        <dsp:cNvPr id="0" name=""/>
-        <dsp:cNvSpPr/>
-      </dsp:nvSpPr>
-      <dsp:spPr>
-        <a:xfrm>
-          <a:off x="2772416" y="1220390"/>
-          <a:ext cx="1885934" cy="1225351"/>
-        </a:xfrm>
-        <a:prstGeom prst="roundRect">
-          <a:avLst>
-            <a:gd name="adj" fmla="val 10000"/>
-          </a:avLst>
-        </a:prstGeom>
-        <a:solidFill>
-          <a:srgbClr val="212E67"/>
-        </a:solidFill>
-        <a:ln w="12700" cap="flat" cmpd="sng" algn="ctr">
-          <a:solidFill>
-            <a:schemeClr val="lt1">
-              <a:hueOff val="0"/>
-              <a:satOff val="0"/>
-              <a:lumOff val="0"/>
-              <a:alphaOff val="0"/>
-            </a:schemeClr>
-          </a:solidFill>
-          <a:prstDash val="solid"/>
-          <a:miter lim="800000"/>
-        </a:ln>
-        <a:effectLst/>
-      </dsp:spPr>
-      <dsp:style>
-        <a:lnRef idx="2">
-          <a:scrgbClr r="0" g="0" b="0"/>
-        </a:lnRef>
-        <a:fillRef idx="1">
-          <a:scrgbClr r="0" g="0" b="0"/>
-        </a:fillRef>
-        <a:effectRef idx="0">
-          <a:scrgbClr r="0" g="0" b="0"/>
-        </a:effectRef>
-        <a:fontRef idx="minor">
-          <a:schemeClr val="lt1"/>
-        </a:fontRef>
-      </dsp:style>
-      <dsp:txBody>
-        <a:bodyPr spcFirstLastPara="0" vert="horz" wrap="square" lIns="99060" tIns="74295" rIns="99060" bIns="74295" numCol="1" spcCol="1270" anchor="ctr" anchorCtr="0">
-          <a:noAutofit/>
-        </a:bodyPr>
-        <a:lstStyle/>
-        <a:p>
-          <a:pPr marL="0" lvl="0" indent="0" algn="ctr" defTabSz="1733550">
-            <a:lnSpc>
-              <a:spcPct val="90000"/>
-            </a:lnSpc>
-            <a:spcBef>
-              <a:spcPct val="0"/>
-            </a:spcBef>
-            <a:spcAft>
-              <a:spcPct val="35000"/>
-            </a:spcAft>
-            <a:buNone/>
-          </a:pPr>
-          <a:endParaRPr lang="pt-PT" sz="3900" kern="1200"/>
-        </a:p>
-      </dsp:txBody>
-      <dsp:txXfrm>
-        <a:off x="2808305" y="1256279"/>
-        <a:ext cx="1814156" cy="1153573"/>
-      </dsp:txXfrm>
-    </dsp:sp>
-    <dsp:sp modelId="{79D9C518-78D1-41AB-B81A-46EED6463E3F}">
-      <dsp:nvSpPr>
-        <dsp:cNvPr id="0" name=""/>
-        <dsp:cNvSpPr/>
-      </dsp:nvSpPr>
-      <dsp:spPr>
-        <a:xfrm>
-          <a:off x="2772416" y="2634257"/>
-          <a:ext cx="1885934" cy="1225351"/>
-        </a:xfrm>
-        <a:prstGeom prst="roundRect">
-          <a:avLst>
-            <a:gd name="adj" fmla="val 10000"/>
-          </a:avLst>
-        </a:prstGeom>
-        <a:solidFill>
-          <a:srgbClr val="212E67"/>
-        </a:solidFill>
-        <a:ln w="12700" cap="flat" cmpd="sng" algn="ctr">
-          <a:solidFill>
-            <a:schemeClr val="lt1">
-              <a:hueOff val="0"/>
-              <a:satOff val="0"/>
-              <a:lumOff val="0"/>
-              <a:alphaOff val="0"/>
-            </a:schemeClr>
-          </a:solidFill>
-          <a:prstDash val="solid"/>
-          <a:miter lim="800000"/>
-        </a:ln>
-        <a:effectLst/>
-      </dsp:spPr>
-      <dsp:style>
-        <a:lnRef idx="2">
-          <a:scrgbClr r="0" g="0" b="0"/>
-        </a:lnRef>
-        <a:fillRef idx="1">
-          <a:scrgbClr r="0" g="0" b="0"/>
-        </a:fillRef>
-        <a:effectRef idx="0">
-          <a:scrgbClr r="0" g="0" b="0"/>
-        </a:effectRef>
-        <a:fontRef idx="minor">
-          <a:schemeClr val="lt1"/>
-        </a:fontRef>
-      </dsp:style>
-      <dsp:txBody>
-        <a:bodyPr spcFirstLastPara="0" vert="horz" wrap="square" lIns="99060" tIns="74295" rIns="99060" bIns="74295" numCol="1" spcCol="1270" anchor="ctr" anchorCtr="0">
-          <a:noAutofit/>
-        </a:bodyPr>
-        <a:lstStyle/>
-        <a:p>
-          <a:pPr marL="0" lvl="0" indent="0" algn="ctr" defTabSz="1733550">
-            <a:lnSpc>
-              <a:spcPct val="90000"/>
-            </a:lnSpc>
-            <a:spcBef>
-              <a:spcPct val="0"/>
-            </a:spcBef>
-            <a:spcAft>
-              <a:spcPct val="35000"/>
-            </a:spcAft>
-            <a:buNone/>
-          </a:pPr>
-          <a:endParaRPr lang="pt-PT" sz="3900" kern="1200"/>
-        </a:p>
-      </dsp:txBody>
-      <dsp:txXfrm>
-        <a:off x="2808305" y="2670146"/>
-        <a:ext cx="1814156" cy="1153573"/>
+        <a:off x="1355623" y="2440406"/>
+        <a:ext cx="1393393" cy="613714"/>
       </dsp:txXfrm>
     </dsp:sp>
   </dsp:spTree>
 </dsp:drawing>
 </file>
 
-<file path=ppt/diagrams/drawing4.xml><?xml version="1.0" encoding="utf-8"?>
+<file path=ppt/diagrams/drawing3.xml><?xml version="1.0" encoding="utf-8"?>
 <dsp:drawing xmlns:dgm="http://schemas.openxmlformats.org/drawingml/2006/diagram" xmlns:dsp="http://schemas.microsoft.com/office/drawing/2008/diagram" xmlns:a="http://schemas.openxmlformats.org/drawingml/2006/main">
   <dsp:spTree>
     <dsp:nvGrpSpPr>
@@ -6474,8 +5112,8 @@
       </dsp:nvSpPr>
       <dsp:spPr>
         <a:xfrm>
-          <a:off x="866306" y="715518"/>
-          <a:ext cx="2116740" cy="3011138"/>
+          <a:off x="504047" y="1224144"/>
+          <a:ext cx="2116740" cy="2006050"/>
         </a:xfrm>
         <a:prstGeom prst="rect">
           <a:avLst/>
@@ -6499,12 +5137,12 @@
         <a:fontRef idx="minor"/>
       </dsp:style>
       <dsp:txBody>
-        <a:bodyPr spcFirstLastPara="0" vert="horz" wrap="square" lIns="58420" tIns="58420" rIns="58420" bIns="58420" numCol="1" spcCol="1270" anchor="t" anchorCtr="0">
+        <a:bodyPr spcFirstLastPara="0" vert="horz" wrap="square" lIns="45720" tIns="45720" rIns="45720" bIns="45720" numCol="1" spcCol="1270" anchor="t" anchorCtr="0">
           <a:noAutofit/>
         </a:bodyPr>
         <a:lstStyle/>
         <a:p>
-          <a:pPr marL="0" lvl="0" indent="0" algn="l" defTabSz="1022350">
+          <a:pPr marL="0" lvl="0" indent="0" algn="l" defTabSz="800100">
             <a:lnSpc>
               <a:spcPct val="90000"/>
             </a:lnSpc>
@@ -6518,12 +5156,12 @@
             <a:buNone/>
           </a:pPr>
           <a:r>
-            <a:rPr lang="pt-PT" sz="2300" kern="1200" dirty="0"/>
-            <a:t>Tempo Bateria</a:t>
+            <a:rPr lang="pt-PT" sz="1800" kern="1200" dirty="0"/>
+            <a:t>- Tempo Bateria</a:t>
           </a:r>
         </a:p>
         <a:p>
-          <a:pPr marL="0" lvl="0" indent="0" algn="l" defTabSz="1022350">
+          <a:pPr marL="0" lvl="0" indent="0" algn="l" defTabSz="800100">
             <a:lnSpc>
               <a:spcPct val="90000"/>
             </a:lnSpc>
@@ -6533,15 +5171,20 @@
             <a:spcAft>
               <a:spcPct val="35000"/>
             </a:spcAft>
+            <a:buFont typeface="Arial" panose="020B0604020202020204" pitchFamily="34" charset="0"/>
             <a:buNone/>
           </a:pPr>
           <a:r>
-            <a:rPr lang="pt-PT" sz="2300" kern="1200" dirty="0"/>
-            <a:t>Bug nos limites dos corredores</a:t>
+            <a:rPr lang="pt-PT" sz="1800" i="1" kern="1200" dirty="0"/>
+            <a:t>- Bug</a:t>
+          </a:r>
+          <a:r>
+            <a:rPr lang="pt-PT" sz="1800" kern="1200" dirty="0"/>
+            <a:t> nos limites dos corredores</a:t>
           </a:r>
         </a:p>
         <a:p>
-          <a:pPr marL="0" lvl="0" indent="0" algn="l" defTabSz="1022350">
+          <a:pPr marL="0" lvl="0" indent="0" algn="l" defTabSz="800100">
             <a:lnSpc>
               <a:spcPct val="90000"/>
             </a:lnSpc>
@@ -6551,15 +5194,16 @@
             <a:spcAft>
               <a:spcPct val="35000"/>
             </a:spcAft>
+            <a:buFont typeface="Arial" panose="020B0604020202020204" pitchFamily="34" charset="0"/>
             <a:buNone/>
           </a:pPr>
           <a:r>
-            <a:rPr lang="pt-PT" sz="2300" kern="1200" dirty="0"/>
-            <a:t>Dúvida Probabilidades</a:t>
+            <a:rPr lang="pt-PT" sz="1800" kern="1200" dirty="0"/>
+            <a:t>- Dúvida Probabilidades</a:t>
           </a:r>
         </a:p>
         <a:p>
-          <a:pPr marL="0" lvl="0" indent="0" algn="l" defTabSz="1022350">
+          <a:pPr marL="0" lvl="0" indent="0" algn="l" defTabSz="800100">
             <a:lnSpc>
               <a:spcPct val="90000"/>
             </a:lnSpc>
@@ -6569,17 +5213,18 @@
             <a:spcAft>
               <a:spcPct val="35000"/>
             </a:spcAft>
+            <a:buFont typeface="Arial" panose="020B0604020202020204" pitchFamily="34" charset="0"/>
             <a:buNone/>
           </a:pPr>
           <a:r>
-            <a:rPr lang="pt-PT" sz="2300" kern="1200" dirty="0"/>
-            <a:t>A* lento em matrizes</a:t>
+            <a:rPr lang="pt-PT" sz="1800" kern="1200" dirty="0"/>
+            <a:t>- A* lento em matrizes</a:t>
           </a:r>
         </a:p>
       </dsp:txBody>
       <dsp:txXfrm>
-        <a:off x="866306" y="715518"/>
-        <a:ext cx="2116740" cy="3011138"/>
+        <a:off x="504047" y="1224144"/>
+        <a:ext cx="2116740" cy="2006050"/>
       </dsp:txXfrm>
     </dsp:sp>
     <dsp:sp modelId="{98CB5E19-AFFF-4EB7-BD2C-1D11D077E0E2}">
@@ -6649,7 +5294,7 @@
       </dsp:nvSpPr>
       <dsp:spPr>
         <a:xfrm>
-          <a:off x="3132113" y="0"/>
+          <a:off x="3132113" y="97011"/>
           <a:ext cx="677194" cy="715518"/>
         </a:xfrm>
         <a:prstGeom prst="ellipse">
@@ -6685,7 +5330,7 @@
       </dsp:nvSpPr>
       <dsp:spPr>
         <a:xfrm flipH="1">
-          <a:off x="3168350" y="72009"/>
+          <a:off x="3168350" y="169021"/>
           <a:ext cx="593135" cy="587171"/>
         </a:xfrm>
         <a:prstGeom prst="chord">
@@ -6728,8 +5373,8 @@
       </dsp:nvSpPr>
       <dsp:spPr>
         <a:xfrm>
-          <a:off x="3977536" y="715518"/>
-          <a:ext cx="2116740" cy="3011138"/>
+          <a:off x="3518119" y="1368144"/>
+          <a:ext cx="2116740" cy="1618005"/>
         </a:xfrm>
         <a:prstGeom prst="rect">
           <a:avLst/>
@@ -6753,12 +5398,12 @@
         <a:fontRef idx="minor"/>
       </dsp:style>
       <dsp:txBody>
-        <a:bodyPr spcFirstLastPara="0" vert="horz" wrap="square" lIns="58420" tIns="58420" rIns="58420" bIns="58420" numCol="1" spcCol="1270" anchor="t" anchorCtr="0">
+        <a:bodyPr spcFirstLastPara="0" vert="horz" wrap="square" lIns="45720" tIns="45720" rIns="45720" bIns="45720" numCol="1" spcCol="1270" anchor="t" anchorCtr="0">
           <a:noAutofit/>
         </a:bodyPr>
         <a:lstStyle/>
         <a:p>
-          <a:pPr marL="0" lvl="0" indent="0" algn="l" defTabSz="1022350">
+          <a:pPr marL="0" lvl="0" indent="0" algn="l" defTabSz="800100">
             <a:lnSpc>
               <a:spcPct val="90000"/>
             </a:lnSpc>
@@ -6770,12 +5415,79 @@
             </a:spcAft>
             <a:buNone/>
           </a:pPr>
-          <a:endParaRPr lang="pt-PT" sz="2300" kern="1200"/>
+          <a:r>
+            <a:rPr lang="pt-PT" sz="1800" kern="1200" dirty="0"/>
+            <a:t>- Função Linear</a:t>
+          </a:r>
+        </a:p>
+        <a:p>
+          <a:pPr marL="0" lvl="0" indent="0" algn="l" defTabSz="800100">
+            <a:lnSpc>
+              <a:spcPct val="90000"/>
+            </a:lnSpc>
+            <a:spcBef>
+              <a:spcPct val="0"/>
+            </a:spcBef>
+            <a:spcAft>
+              <a:spcPct val="35000"/>
+            </a:spcAft>
+            <a:buNone/>
+          </a:pPr>
+          <a:r>
+            <a:rPr lang="pt-PT" sz="1800" kern="1200" dirty="0"/>
+            <a:t>- Direção do </a:t>
+          </a:r>
+          <a:r>
+            <a:rPr lang="pt-PT" sz="1800" i="1" kern="1200" dirty="0"/>
+            <a:t>robot</a:t>
+          </a:r>
+          <a:endParaRPr lang="pt-PT" sz="1800" kern="1200" dirty="0"/>
+        </a:p>
+        <a:p>
+          <a:pPr marL="0" lvl="0" indent="0" algn="l" defTabSz="800100">
+            <a:lnSpc>
+              <a:spcPct val="90000"/>
+            </a:lnSpc>
+            <a:spcBef>
+              <a:spcPct val="0"/>
+            </a:spcBef>
+            <a:spcAft>
+              <a:spcPct val="35000"/>
+            </a:spcAft>
+            <a:buNone/>
+          </a:pPr>
+          <a:r>
+            <a:rPr lang="pt-PT" sz="1800" kern="1200" dirty="0"/>
+            <a:t>- Rede </a:t>
+          </a:r>
+          <a:r>
+            <a:rPr lang="pt-PT" sz="1800" i="1" kern="1200" dirty="0" err="1"/>
+            <a:t>Bayesiana</a:t>
+          </a:r>
+          <a:endParaRPr lang="pt-PT" sz="1800" i="1" kern="1200" dirty="0"/>
+        </a:p>
+        <a:p>
+          <a:pPr marL="0" lvl="0" indent="0" algn="l" defTabSz="800100">
+            <a:lnSpc>
+              <a:spcPct val="90000"/>
+            </a:lnSpc>
+            <a:spcBef>
+              <a:spcPct val="0"/>
+            </a:spcBef>
+            <a:spcAft>
+              <a:spcPct val="35000"/>
+            </a:spcAft>
+            <a:buNone/>
+          </a:pPr>
+          <a:r>
+            <a:rPr lang="pt-PT" sz="1800" kern="1200" dirty="0"/>
+            <a:t>- Implementação de Grafos</a:t>
+          </a:r>
         </a:p>
       </dsp:txBody>
       <dsp:txXfrm>
-        <a:off x="3977536" y="715518"/>
-        <a:ext cx="2116740" cy="3011138"/>
+        <a:off x="3518119" y="1368144"/>
+        <a:ext cx="2116740" cy="1618005"/>
       </dsp:txXfrm>
     </dsp:sp>
     <dsp:sp modelId="{63002E0A-303A-42A5-9FAC-00A3E3DE08B6}">
@@ -6785,7 +5497,7 @@
       </dsp:nvSpPr>
       <dsp:spPr>
         <a:xfrm>
-          <a:off x="3977536" y="0"/>
+          <a:off x="3977536" y="97011"/>
           <a:ext cx="2116740" cy="715518"/>
         </a:xfrm>
         <a:prstGeom prst="rect">
@@ -6834,7 +5546,7 @@
         </a:p>
       </dsp:txBody>
       <dsp:txXfrm>
-        <a:off x="3977536" y="0"/>
+        <a:off x="3977536" y="97011"/>
         <a:ext cx="2116740" cy="715518"/>
       </dsp:txXfrm>
     </dsp:sp>
@@ -10230,233 +8942,6 @@
 </file>
 
 <file path=ppt/diagrams/layout3.xml><?xml version="1.0" encoding="utf-8"?>
-<dgm:layoutDef xmlns:dgm="http://schemas.openxmlformats.org/drawingml/2006/diagram" xmlns:a="http://schemas.openxmlformats.org/drawingml/2006/main" uniqueId="urn:microsoft.com/office/officeart/2005/8/layout/lProcess2">
-  <dgm:title val=""/>
-  <dgm:desc val=""/>
-  <dgm:catLst>
-    <dgm:cat type="list" pri="10000"/>
-    <dgm:cat type="relationship" pri="13000"/>
-  </dgm:catLst>
-  <dgm:sampData>
-    <dgm:dataModel>
-      <dgm:ptLst>
-        <dgm:pt modelId="0" type="doc"/>
-        <dgm:pt modelId="1">
-          <dgm:prSet phldr="1"/>
-        </dgm:pt>
-        <dgm:pt modelId="11">
-          <dgm:prSet phldr="1"/>
-        </dgm:pt>
-        <dgm:pt modelId="12">
-          <dgm:prSet phldr="1"/>
-        </dgm:pt>
-        <dgm:pt modelId="2">
-          <dgm:prSet phldr="1"/>
-        </dgm:pt>
-        <dgm:pt modelId="21">
-          <dgm:prSet phldr="1"/>
-        </dgm:pt>
-        <dgm:pt modelId="22">
-          <dgm:prSet phldr="1"/>
-        </dgm:pt>
-        <dgm:pt modelId="3">
-          <dgm:prSet phldr="1"/>
-        </dgm:pt>
-        <dgm:pt modelId="31">
-          <dgm:prSet phldr="1"/>
-        </dgm:pt>
-        <dgm:pt modelId="32">
-          <dgm:prSet phldr="1"/>
-        </dgm:pt>
-      </dgm:ptLst>
-      <dgm:cxnLst>
-        <dgm:cxn modelId="4" srcId="0" destId="1" srcOrd="0" destOrd="0"/>
-        <dgm:cxn modelId="5" srcId="0" destId="2" srcOrd="1" destOrd="0"/>
-        <dgm:cxn modelId="13" srcId="1" destId="11" srcOrd="0" destOrd="0"/>
-        <dgm:cxn modelId="14" srcId="1" destId="12" srcOrd="0" destOrd="0"/>
-        <dgm:cxn modelId="23" srcId="2" destId="21" srcOrd="0" destOrd="0"/>
-        <dgm:cxn modelId="24" srcId="2" destId="22" srcOrd="0" destOrd="0"/>
-        <dgm:cxn modelId="33" srcId="3" destId="31" srcOrd="0" destOrd="0"/>
-        <dgm:cxn modelId="34" srcId="3" destId="32" srcOrd="0" destOrd="0"/>
-      </dgm:cxnLst>
-      <dgm:bg/>
-      <dgm:whole/>
-    </dgm:dataModel>
-  </dgm:sampData>
-  <dgm:styleData useDef="1">
-    <dgm:dataModel>
-      <dgm:ptLst/>
-      <dgm:bg/>
-      <dgm:whole/>
-    </dgm:dataModel>
-  </dgm:styleData>
-  <dgm:clrData useDef="1">
-    <dgm:dataModel>
-      <dgm:ptLst/>
-      <dgm:bg/>
-      <dgm:whole/>
-    </dgm:dataModel>
-  </dgm:clrData>
-  <dgm:layoutNode name="theList">
-    <dgm:varLst>
-      <dgm:dir/>
-      <dgm:animLvl val="lvl"/>
-      <dgm:resizeHandles val="exact"/>
-    </dgm:varLst>
-    <dgm:choose name="Name0">
-      <dgm:if name="Name1" func="var" arg="dir" op="equ" val="norm">
-        <dgm:alg type="lin"/>
-      </dgm:if>
-      <dgm:else name="Name2">
-        <dgm:alg type="lin">
-          <dgm:param type="linDir" val="fromR"/>
-        </dgm:alg>
-      </dgm:else>
-    </dgm:choose>
-    <dgm:shape xmlns:r="http://schemas.openxmlformats.org/officeDocument/2006/relationships" r:blip="">
-      <dgm:adjLst/>
-    </dgm:shape>
-    <dgm:presOf/>
-    <dgm:constrLst>
-      <dgm:constr type="w" for="ch" forName="compNode" refType="w"/>
-      <dgm:constr type="h" for="ch" forName="compNode" refType="h"/>
-      <dgm:constr type="w" for="ch" forName="aSpace" refType="w" fact="0.075"/>
-      <dgm:constr type="h" for="des" forName="aSpace2" refType="h" fact="0.1"/>
-      <dgm:constr type="primFontSz" for="des" forName="textNode" op="equ"/>
-      <dgm:constr type="primFontSz" for="des" forName="childNode" op="equ"/>
-    </dgm:constrLst>
-    <dgm:ruleLst/>
-    <dgm:forEach name="aNodeForEach" axis="ch" ptType="node">
-      <dgm:layoutNode name="compNode">
-        <dgm:alg type="composite"/>
-        <dgm:shape xmlns:r="http://schemas.openxmlformats.org/officeDocument/2006/relationships" r:blip="">
-          <dgm:adjLst/>
-        </dgm:shape>
-        <dgm:presOf/>
-        <dgm:constrLst>
-          <dgm:constr type="w" for="ch" forName="aNode" refType="w"/>
-          <dgm:constr type="h" for="ch" forName="aNode" refType="h"/>
-          <dgm:constr type="w" for="ch" forName="textNode" refType="w"/>
-          <dgm:constr type="h" for="ch" forName="textNode" refType="h" fact="0.3"/>
-          <dgm:constr type="ctrX" for="ch" forName="textNode" refType="w" fact="0.5"/>
-          <dgm:constr type="w" for="ch" forName="compChildNode" refType="w" fact="0.8"/>
-          <dgm:constr type="h" for="ch" forName="compChildNode" refType="h" fact="0.65"/>
-          <dgm:constr type="t" for="ch" forName="compChildNode" refType="h" fact="0.3"/>
-          <dgm:constr type="ctrX" for="ch" forName="compChildNode" refType="w" fact="0.5"/>
-        </dgm:constrLst>
-        <dgm:ruleLst/>
-        <dgm:layoutNode name="aNode" styleLbl="bgShp">
-          <dgm:alg type="sp"/>
-          <dgm:shape xmlns:r="http://schemas.openxmlformats.org/officeDocument/2006/relationships" type="roundRect" r:blip="">
-            <dgm:adjLst>
-              <dgm:adj idx="1" val="0.1"/>
-            </dgm:adjLst>
-          </dgm:shape>
-          <dgm:presOf axis="self"/>
-          <dgm:constrLst/>
-          <dgm:ruleLst/>
-        </dgm:layoutNode>
-        <dgm:layoutNode name="textNode" styleLbl="bgShp">
-          <dgm:alg type="tx"/>
-          <dgm:shape xmlns:r="http://schemas.openxmlformats.org/officeDocument/2006/relationships" type="rect" r:blip="" hideGeom="1">
-            <dgm:adjLst>
-              <dgm:adj idx="1" val="0.1"/>
-            </dgm:adjLst>
-          </dgm:shape>
-          <dgm:presOf axis="self"/>
-          <dgm:constrLst>
-            <dgm:constr type="primFontSz" val="65"/>
-            <dgm:constr type="lMarg" refType="primFontSz" fact="0.3"/>
-            <dgm:constr type="rMarg" refType="primFontSz" fact="0.3"/>
-            <dgm:constr type="tMarg" refType="primFontSz" fact="0.3"/>
-            <dgm:constr type="bMarg" refType="primFontSz" fact="0.3"/>
-          </dgm:constrLst>
-          <dgm:ruleLst>
-            <dgm:rule type="primFontSz" val="5" fact="NaN" max="NaN"/>
-          </dgm:ruleLst>
-        </dgm:layoutNode>
-        <dgm:layoutNode name="compChildNode">
-          <dgm:alg type="composite"/>
-          <dgm:shape xmlns:r="http://schemas.openxmlformats.org/officeDocument/2006/relationships" r:blip="">
-            <dgm:adjLst/>
-          </dgm:shape>
-          <dgm:presOf/>
-          <dgm:constrLst>
-            <dgm:constr type="w" for="des" forName="childNode" refType="w"/>
-            <dgm:constr type="h" for="des" forName="childNode" refType="h"/>
-          </dgm:constrLst>
-          <dgm:ruleLst/>
-          <dgm:layoutNode name="theInnerList">
-            <dgm:alg type="lin">
-              <dgm:param type="linDir" val="fromT"/>
-            </dgm:alg>
-            <dgm:shape xmlns:r="http://schemas.openxmlformats.org/officeDocument/2006/relationships" r:blip="">
-              <dgm:adjLst/>
-            </dgm:shape>
-            <dgm:presOf/>
-            <dgm:constrLst/>
-            <dgm:ruleLst/>
-            <dgm:forEach name="childNodeForEach" axis="ch" ptType="node">
-              <dgm:layoutNode name="childNode" styleLbl="node1">
-                <dgm:varLst>
-                  <dgm:bulletEnabled val="1"/>
-                </dgm:varLst>
-                <dgm:alg type="tx"/>
-                <dgm:shape xmlns:r="http://schemas.openxmlformats.org/officeDocument/2006/relationships" type="roundRect" r:blip="">
-                  <dgm:adjLst>
-                    <dgm:adj idx="1" val="0.1"/>
-                  </dgm:adjLst>
-                </dgm:shape>
-                <dgm:presOf axis="desOrSelf" ptType="node"/>
-                <dgm:constrLst>
-                  <dgm:constr type="primFontSz" val="65"/>
-                  <dgm:constr type="tMarg" refType="primFontSz" fact="0.15"/>
-                  <dgm:constr type="bMarg" refType="primFontSz" fact="0.15"/>
-                  <dgm:constr type="lMarg" refType="primFontSz" fact="0.2"/>
-                  <dgm:constr type="rMarg" refType="primFontSz" fact="0.2"/>
-                </dgm:constrLst>
-                <dgm:ruleLst>
-                  <dgm:rule type="primFontSz" val="5" fact="NaN" max="NaN"/>
-                </dgm:ruleLst>
-              </dgm:layoutNode>
-              <dgm:choose name="Name3">
-                <dgm:if name="Name4" axis="self" ptType="node" func="revPos" op="equ" val="1"/>
-                <dgm:else name="Name5">
-                  <dgm:layoutNode name="aSpace2">
-                    <dgm:alg type="sp"/>
-                    <dgm:shape xmlns:r="http://schemas.openxmlformats.org/officeDocument/2006/relationships" r:blip="">
-                      <dgm:adjLst/>
-                    </dgm:shape>
-                    <dgm:presOf/>
-                    <dgm:constrLst/>
-                    <dgm:ruleLst/>
-                  </dgm:layoutNode>
-                </dgm:else>
-              </dgm:choose>
-            </dgm:forEach>
-          </dgm:layoutNode>
-        </dgm:layoutNode>
-      </dgm:layoutNode>
-      <dgm:choose name="Name6">
-        <dgm:if name="Name7" axis="self" ptType="node" func="revPos" op="equ" val="1"/>
-        <dgm:else name="Name8">
-          <dgm:layoutNode name="aSpace">
-            <dgm:alg type="sp"/>
-            <dgm:shape xmlns:r="http://schemas.openxmlformats.org/officeDocument/2006/relationships" r:blip="">
-              <dgm:adjLst/>
-            </dgm:shape>
-            <dgm:presOf/>
-            <dgm:constrLst/>
-            <dgm:ruleLst/>
-          </dgm:layoutNode>
-        </dgm:else>
-      </dgm:choose>
-    </dgm:forEach>
-  </dgm:layoutNode>
-</dgm:layoutDef>
-</file>
-
-<file path=ppt/diagrams/layout4.xml><?xml version="1.0" encoding="utf-8"?>
 <dgm:layoutDef xmlns:dgm="http://schemas.openxmlformats.org/drawingml/2006/diagram" xmlns:a="http://schemas.openxmlformats.org/drawingml/2006/main" uniqueId="urn:microsoft.com/office/officeart/2008/layout/IncreasingCircleProcess">
   <dgm:title val=""/>
   <dgm:desc val=""/>
@@ -13058,1040 +11543,6 @@
 </file>
 
 <file path=ppt/diagrams/quickStyle3.xml><?xml version="1.0" encoding="utf-8"?>
-<dgm:styleDef xmlns:dgm="http://schemas.openxmlformats.org/drawingml/2006/diagram" xmlns:a="http://schemas.openxmlformats.org/drawingml/2006/main" uniqueId="urn:microsoft.com/office/officeart/2005/8/quickstyle/simple1">
-  <dgm:title val=""/>
-  <dgm:desc val=""/>
-  <dgm:catLst>
-    <dgm:cat type="simple" pri="10100"/>
-  </dgm:catLst>
-  <dgm:scene3d>
-    <a:camera prst="orthographicFront"/>
-    <a:lightRig rig="threePt" dir="t"/>
-  </dgm:scene3d>
-  <dgm:styleLbl name="node0">
-    <dgm:scene3d>
-      <a:camera prst="orthographicFront"/>
-      <a:lightRig rig="threePt" dir="t"/>
-    </dgm:scene3d>
-    <dgm:sp3d/>
-    <dgm:txPr/>
-    <dgm:style>
-      <a:lnRef idx="2">
-        <a:scrgbClr r="0" g="0" b="0"/>
-      </a:lnRef>
-      <a:fillRef idx="1">
-        <a:scrgbClr r="0" g="0" b="0"/>
-      </a:fillRef>
-      <a:effectRef idx="0">
-        <a:scrgbClr r="0" g="0" b="0"/>
-      </a:effectRef>
-      <a:fontRef idx="minor">
-        <a:schemeClr val="lt1"/>
-      </a:fontRef>
-    </dgm:style>
-  </dgm:styleLbl>
-  <dgm:styleLbl name="lnNode1">
-    <dgm:scene3d>
-      <a:camera prst="orthographicFront"/>
-      <a:lightRig rig="threePt" dir="t"/>
-    </dgm:scene3d>
-    <dgm:sp3d/>
-    <dgm:txPr/>
-    <dgm:style>
-      <a:lnRef idx="2">
-        <a:scrgbClr r="0" g="0" b="0"/>
-      </a:lnRef>
-      <a:fillRef idx="1">
-        <a:scrgbClr r="0" g="0" b="0"/>
-      </a:fillRef>
-      <a:effectRef idx="0">
-        <a:scrgbClr r="0" g="0" b="0"/>
-      </a:effectRef>
-      <a:fontRef idx="minor">
-        <a:schemeClr val="lt1"/>
-      </a:fontRef>
-    </dgm:style>
-  </dgm:styleLbl>
-  <dgm:styleLbl name="vennNode1">
-    <dgm:scene3d>
-      <a:camera prst="orthographicFront"/>
-      <a:lightRig rig="threePt" dir="t"/>
-    </dgm:scene3d>
-    <dgm:sp3d/>
-    <dgm:txPr/>
-    <dgm:style>
-      <a:lnRef idx="2">
-        <a:scrgbClr r="0" g="0" b="0"/>
-      </a:lnRef>
-      <a:fillRef idx="1">
-        <a:scrgbClr r="0" g="0" b="0"/>
-      </a:fillRef>
-      <a:effectRef idx="0">
-        <a:scrgbClr r="0" g="0" b="0"/>
-      </a:effectRef>
-      <a:fontRef idx="minor">
-        <a:schemeClr val="tx1"/>
-      </a:fontRef>
-    </dgm:style>
-  </dgm:styleLbl>
-  <dgm:styleLbl name="alignNode1">
-    <dgm:scene3d>
-      <a:camera prst="orthographicFront"/>
-      <a:lightRig rig="threePt" dir="t"/>
-    </dgm:scene3d>
-    <dgm:sp3d/>
-    <dgm:txPr/>
-    <dgm:style>
-      <a:lnRef idx="2">
-        <a:scrgbClr r="0" g="0" b="0"/>
-      </a:lnRef>
-      <a:fillRef idx="1">
-        <a:scrgbClr r="0" g="0" b="0"/>
-      </a:fillRef>
-      <a:effectRef idx="0">
-        <a:scrgbClr r="0" g="0" b="0"/>
-      </a:effectRef>
-      <a:fontRef idx="minor">
-        <a:schemeClr val="lt1"/>
-      </a:fontRef>
-    </dgm:style>
-  </dgm:styleLbl>
-  <dgm:styleLbl name="node1">
-    <dgm:scene3d>
-      <a:camera prst="orthographicFront"/>
-      <a:lightRig rig="threePt" dir="t"/>
-    </dgm:scene3d>
-    <dgm:sp3d/>
-    <dgm:txPr/>
-    <dgm:style>
-      <a:lnRef idx="2">
-        <a:scrgbClr r="0" g="0" b="0"/>
-      </a:lnRef>
-      <a:fillRef idx="1">
-        <a:scrgbClr r="0" g="0" b="0"/>
-      </a:fillRef>
-      <a:effectRef idx="0">
-        <a:scrgbClr r="0" g="0" b="0"/>
-      </a:effectRef>
-      <a:fontRef idx="minor">
-        <a:schemeClr val="lt1"/>
-      </a:fontRef>
-    </dgm:style>
-  </dgm:styleLbl>
-  <dgm:styleLbl name="node2">
-    <dgm:scene3d>
-      <a:camera prst="orthographicFront"/>
-      <a:lightRig rig="threePt" dir="t"/>
-    </dgm:scene3d>
-    <dgm:sp3d/>
-    <dgm:txPr/>
-    <dgm:style>
-      <a:lnRef idx="2">
-        <a:scrgbClr r="0" g="0" b="0"/>
-      </a:lnRef>
-      <a:fillRef idx="1">
-        <a:scrgbClr r="0" g="0" b="0"/>
-      </a:fillRef>
-      <a:effectRef idx="0">
-        <a:scrgbClr r="0" g="0" b="0"/>
-      </a:effectRef>
-      <a:fontRef idx="minor">
-        <a:schemeClr val="lt1"/>
-      </a:fontRef>
-    </dgm:style>
-  </dgm:styleLbl>
-  <dgm:styleLbl name="node3">
-    <dgm:scene3d>
-      <a:camera prst="orthographicFront"/>
-      <a:lightRig rig="threePt" dir="t"/>
-    </dgm:scene3d>
-    <dgm:sp3d/>
-    <dgm:txPr/>
-    <dgm:style>
-      <a:lnRef idx="2">
-        <a:scrgbClr r="0" g="0" b="0"/>
-      </a:lnRef>
-      <a:fillRef idx="1">
-        <a:scrgbClr r="0" g="0" b="0"/>
-      </a:fillRef>
-      <a:effectRef idx="0">
-        <a:scrgbClr r="0" g="0" b="0"/>
-      </a:effectRef>
-      <a:fontRef idx="minor">
-        <a:schemeClr val="lt1"/>
-      </a:fontRef>
-    </dgm:style>
-  </dgm:styleLbl>
-  <dgm:styleLbl name="node4">
-    <dgm:scene3d>
-      <a:camera prst="orthographicFront"/>
-      <a:lightRig rig="threePt" dir="t"/>
-    </dgm:scene3d>
-    <dgm:sp3d/>
-    <dgm:txPr/>
-    <dgm:style>
-      <a:lnRef idx="2">
-        <a:scrgbClr r="0" g="0" b="0"/>
-      </a:lnRef>
-      <a:fillRef idx="1">
-        <a:scrgbClr r="0" g="0" b="0"/>
-      </a:fillRef>
-      <a:effectRef idx="0">
-        <a:scrgbClr r="0" g="0" b="0"/>
-      </a:effectRef>
-      <a:fontRef idx="minor">
-        <a:schemeClr val="lt1"/>
-      </a:fontRef>
-    </dgm:style>
-  </dgm:styleLbl>
-  <dgm:styleLbl name="fgImgPlace1">
-    <dgm:scene3d>
-      <a:camera prst="orthographicFront"/>
-      <a:lightRig rig="threePt" dir="t"/>
-    </dgm:scene3d>
-    <dgm:sp3d/>
-    <dgm:txPr/>
-    <dgm:style>
-      <a:lnRef idx="2">
-        <a:scrgbClr r="0" g="0" b="0"/>
-      </a:lnRef>
-      <a:fillRef idx="1">
-        <a:scrgbClr r="0" g="0" b="0"/>
-      </a:fillRef>
-      <a:effectRef idx="0">
-        <a:scrgbClr r="0" g="0" b="0"/>
-      </a:effectRef>
-      <a:fontRef idx="minor"/>
-    </dgm:style>
-  </dgm:styleLbl>
-  <dgm:styleLbl name="alignImgPlace1">
-    <dgm:scene3d>
-      <a:camera prst="orthographicFront"/>
-      <a:lightRig rig="threePt" dir="t"/>
-    </dgm:scene3d>
-    <dgm:sp3d/>
-    <dgm:txPr/>
-    <dgm:style>
-      <a:lnRef idx="2">
-        <a:scrgbClr r="0" g="0" b="0"/>
-      </a:lnRef>
-      <a:fillRef idx="1">
-        <a:scrgbClr r="0" g="0" b="0"/>
-      </a:fillRef>
-      <a:effectRef idx="0">
-        <a:scrgbClr r="0" g="0" b="0"/>
-      </a:effectRef>
-      <a:fontRef idx="minor"/>
-    </dgm:style>
-  </dgm:styleLbl>
-  <dgm:styleLbl name="bgImgPlace1">
-    <dgm:scene3d>
-      <a:camera prst="orthographicFront"/>
-      <a:lightRig rig="threePt" dir="t"/>
-    </dgm:scene3d>
-    <dgm:sp3d/>
-    <dgm:txPr/>
-    <dgm:style>
-      <a:lnRef idx="2">
-        <a:scrgbClr r="0" g="0" b="0"/>
-      </a:lnRef>
-      <a:fillRef idx="1">
-        <a:scrgbClr r="0" g="0" b="0"/>
-      </a:fillRef>
-      <a:effectRef idx="0">
-        <a:scrgbClr r="0" g="0" b="0"/>
-      </a:effectRef>
-      <a:fontRef idx="minor"/>
-    </dgm:style>
-  </dgm:styleLbl>
-  <dgm:styleLbl name="sibTrans2D1">
-    <dgm:scene3d>
-      <a:camera prst="orthographicFront"/>
-      <a:lightRig rig="threePt" dir="t"/>
-    </dgm:scene3d>
-    <dgm:sp3d/>
-    <dgm:txPr/>
-    <dgm:style>
-      <a:lnRef idx="0">
-        <a:scrgbClr r="0" g="0" b="0"/>
-      </a:lnRef>
-      <a:fillRef idx="1">
-        <a:scrgbClr r="0" g="0" b="0"/>
-      </a:fillRef>
-      <a:effectRef idx="0">
-        <a:scrgbClr r="0" g="0" b="0"/>
-      </a:effectRef>
-      <a:fontRef idx="minor">
-        <a:schemeClr val="lt1"/>
-      </a:fontRef>
-    </dgm:style>
-  </dgm:styleLbl>
-  <dgm:styleLbl name="fgSibTrans2D1">
-    <dgm:scene3d>
-      <a:camera prst="orthographicFront"/>
-      <a:lightRig rig="threePt" dir="t"/>
-    </dgm:scene3d>
-    <dgm:sp3d/>
-    <dgm:txPr/>
-    <dgm:style>
-      <a:lnRef idx="0">
-        <a:scrgbClr r="0" g="0" b="0"/>
-      </a:lnRef>
-      <a:fillRef idx="1">
-        <a:scrgbClr r="0" g="0" b="0"/>
-      </a:fillRef>
-      <a:effectRef idx="0">
-        <a:scrgbClr r="0" g="0" b="0"/>
-      </a:effectRef>
-      <a:fontRef idx="minor">
-        <a:schemeClr val="lt1"/>
-      </a:fontRef>
-    </dgm:style>
-  </dgm:styleLbl>
-  <dgm:styleLbl name="bgSibTrans2D1">
-    <dgm:scene3d>
-      <a:camera prst="orthographicFront"/>
-      <a:lightRig rig="threePt" dir="t"/>
-    </dgm:scene3d>
-    <dgm:sp3d/>
-    <dgm:txPr/>
-    <dgm:style>
-      <a:lnRef idx="0">
-        <a:scrgbClr r="0" g="0" b="0"/>
-      </a:lnRef>
-      <a:fillRef idx="1">
-        <a:scrgbClr r="0" g="0" b="0"/>
-      </a:fillRef>
-      <a:effectRef idx="0">
-        <a:scrgbClr r="0" g="0" b="0"/>
-      </a:effectRef>
-      <a:fontRef idx="minor">
-        <a:schemeClr val="lt1"/>
-      </a:fontRef>
-    </dgm:style>
-  </dgm:styleLbl>
-  <dgm:styleLbl name="sibTrans1D1">
-    <dgm:scene3d>
-      <a:camera prst="orthographicFront"/>
-      <a:lightRig rig="threePt" dir="t"/>
-    </dgm:scene3d>
-    <dgm:sp3d/>
-    <dgm:txPr/>
-    <dgm:style>
-      <a:lnRef idx="1">
-        <a:scrgbClr r="0" g="0" b="0"/>
-      </a:lnRef>
-      <a:fillRef idx="0">
-        <a:scrgbClr r="0" g="0" b="0"/>
-      </a:fillRef>
-      <a:effectRef idx="0">
-        <a:scrgbClr r="0" g="0" b="0"/>
-      </a:effectRef>
-      <a:fontRef idx="minor"/>
-    </dgm:style>
-  </dgm:styleLbl>
-  <dgm:styleLbl name="callout">
-    <dgm:scene3d>
-      <a:camera prst="orthographicFront"/>
-      <a:lightRig rig="threePt" dir="t"/>
-    </dgm:scene3d>
-    <dgm:sp3d/>
-    <dgm:txPr/>
-    <dgm:style>
-      <a:lnRef idx="2">
-        <a:scrgbClr r="0" g="0" b="0"/>
-      </a:lnRef>
-      <a:fillRef idx="1">
-        <a:scrgbClr r="0" g="0" b="0"/>
-      </a:fillRef>
-      <a:effectRef idx="0">
-        <a:scrgbClr r="0" g="0" b="0"/>
-      </a:effectRef>
-      <a:fontRef idx="minor"/>
-    </dgm:style>
-  </dgm:styleLbl>
-  <dgm:styleLbl name="asst0">
-    <dgm:scene3d>
-      <a:camera prst="orthographicFront"/>
-      <a:lightRig rig="threePt" dir="t"/>
-    </dgm:scene3d>
-    <dgm:sp3d/>
-    <dgm:txPr/>
-    <dgm:style>
-      <a:lnRef idx="2">
-        <a:scrgbClr r="0" g="0" b="0"/>
-      </a:lnRef>
-      <a:fillRef idx="1">
-        <a:scrgbClr r="0" g="0" b="0"/>
-      </a:fillRef>
-      <a:effectRef idx="0">
-        <a:scrgbClr r="0" g="0" b="0"/>
-      </a:effectRef>
-      <a:fontRef idx="minor">
-        <a:schemeClr val="lt1"/>
-      </a:fontRef>
-    </dgm:style>
-  </dgm:styleLbl>
-  <dgm:styleLbl name="asst1">
-    <dgm:scene3d>
-      <a:camera prst="orthographicFront"/>
-      <a:lightRig rig="threePt" dir="t"/>
-    </dgm:scene3d>
-    <dgm:sp3d/>
-    <dgm:txPr/>
-    <dgm:style>
-      <a:lnRef idx="2">
-        <a:scrgbClr r="0" g="0" b="0"/>
-      </a:lnRef>
-      <a:fillRef idx="1">
-        <a:scrgbClr r="0" g="0" b="0"/>
-      </a:fillRef>
-      <a:effectRef idx="0">
-        <a:scrgbClr r="0" g="0" b="0"/>
-      </a:effectRef>
-      <a:fontRef idx="minor">
-        <a:schemeClr val="lt1"/>
-      </a:fontRef>
-    </dgm:style>
-  </dgm:styleLbl>
-  <dgm:styleLbl name="asst2">
-    <dgm:scene3d>
-      <a:camera prst="orthographicFront"/>
-      <a:lightRig rig="threePt" dir="t"/>
-    </dgm:scene3d>
-    <dgm:sp3d/>
-    <dgm:txPr/>
-    <dgm:style>
-      <a:lnRef idx="2">
-        <a:scrgbClr r="0" g="0" b="0"/>
-      </a:lnRef>
-      <a:fillRef idx="1">
-        <a:scrgbClr r="0" g="0" b="0"/>
-      </a:fillRef>
-      <a:effectRef idx="0">
-        <a:scrgbClr r="0" g="0" b="0"/>
-      </a:effectRef>
-      <a:fontRef idx="minor">
-        <a:schemeClr val="lt1"/>
-      </a:fontRef>
-    </dgm:style>
-  </dgm:styleLbl>
-  <dgm:styleLbl name="asst3">
-    <dgm:scene3d>
-      <a:camera prst="orthographicFront"/>
-      <a:lightRig rig="threePt" dir="t"/>
-    </dgm:scene3d>
-    <dgm:sp3d/>
-    <dgm:txPr/>
-    <dgm:style>
-      <a:lnRef idx="2">
-        <a:scrgbClr r="0" g="0" b="0"/>
-      </a:lnRef>
-      <a:fillRef idx="1">
-        <a:scrgbClr r="0" g="0" b="0"/>
-      </a:fillRef>
-      <a:effectRef idx="0">
-        <a:scrgbClr r="0" g="0" b="0"/>
-      </a:effectRef>
-      <a:fontRef idx="minor">
-        <a:schemeClr val="lt1"/>
-      </a:fontRef>
-    </dgm:style>
-  </dgm:styleLbl>
-  <dgm:styleLbl name="asst4">
-    <dgm:scene3d>
-      <a:camera prst="orthographicFront"/>
-      <a:lightRig rig="threePt" dir="t"/>
-    </dgm:scene3d>
-    <dgm:sp3d/>
-    <dgm:txPr/>
-    <dgm:style>
-      <a:lnRef idx="2">
-        <a:scrgbClr r="0" g="0" b="0"/>
-      </a:lnRef>
-      <a:fillRef idx="1">
-        <a:scrgbClr r="0" g="0" b="0"/>
-      </a:fillRef>
-      <a:effectRef idx="0">
-        <a:scrgbClr r="0" g="0" b="0"/>
-      </a:effectRef>
-      <a:fontRef idx="minor">
-        <a:schemeClr val="lt1"/>
-      </a:fontRef>
-    </dgm:style>
-  </dgm:styleLbl>
-  <dgm:styleLbl name="parChTrans2D1">
-    <dgm:scene3d>
-      <a:camera prst="orthographicFront"/>
-      <a:lightRig rig="threePt" dir="t"/>
-    </dgm:scene3d>
-    <dgm:sp3d/>
-    <dgm:txPr/>
-    <dgm:style>
-      <a:lnRef idx="2">
-        <a:scrgbClr r="0" g="0" b="0"/>
-      </a:lnRef>
-      <a:fillRef idx="1">
-        <a:scrgbClr r="0" g="0" b="0"/>
-      </a:fillRef>
-      <a:effectRef idx="0">
-        <a:scrgbClr r="0" g="0" b="0"/>
-      </a:effectRef>
-      <a:fontRef idx="minor">
-        <a:schemeClr val="lt1"/>
-      </a:fontRef>
-    </dgm:style>
-  </dgm:styleLbl>
-  <dgm:styleLbl name="parChTrans2D2">
-    <dgm:scene3d>
-      <a:camera prst="orthographicFront"/>
-      <a:lightRig rig="threePt" dir="t"/>
-    </dgm:scene3d>
-    <dgm:sp3d/>
-    <dgm:txPr/>
-    <dgm:style>
-      <a:lnRef idx="2">
-        <a:scrgbClr r="0" g="0" b="0"/>
-      </a:lnRef>
-      <a:fillRef idx="1">
-        <a:scrgbClr r="0" g="0" b="0"/>
-      </a:fillRef>
-      <a:effectRef idx="0">
-        <a:scrgbClr r="0" g="0" b="0"/>
-      </a:effectRef>
-      <a:fontRef idx="minor">
-        <a:schemeClr val="lt1"/>
-      </a:fontRef>
-    </dgm:style>
-  </dgm:styleLbl>
-  <dgm:styleLbl name="parChTrans2D3">
-    <dgm:scene3d>
-      <a:camera prst="orthographicFront"/>
-      <a:lightRig rig="threePt" dir="t"/>
-    </dgm:scene3d>
-    <dgm:sp3d/>
-    <dgm:txPr/>
-    <dgm:style>
-      <a:lnRef idx="2">
-        <a:scrgbClr r="0" g="0" b="0"/>
-      </a:lnRef>
-      <a:fillRef idx="1">
-        <a:scrgbClr r="0" g="0" b="0"/>
-      </a:fillRef>
-      <a:effectRef idx="0">
-        <a:scrgbClr r="0" g="0" b="0"/>
-      </a:effectRef>
-      <a:fontRef idx="minor">
-        <a:schemeClr val="lt1"/>
-      </a:fontRef>
-    </dgm:style>
-  </dgm:styleLbl>
-  <dgm:styleLbl name="parChTrans2D4">
-    <dgm:scene3d>
-      <a:camera prst="orthographicFront"/>
-      <a:lightRig rig="threePt" dir="t"/>
-    </dgm:scene3d>
-    <dgm:sp3d/>
-    <dgm:txPr/>
-    <dgm:style>
-      <a:lnRef idx="2">
-        <a:scrgbClr r="0" g="0" b="0"/>
-      </a:lnRef>
-      <a:fillRef idx="1">
-        <a:scrgbClr r="0" g="0" b="0"/>
-      </a:fillRef>
-      <a:effectRef idx="0">
-        <a:scrgbClr r="0" g="0" b="0"/>
-      </a:effectRef>
-      <a:fontRef idx="minor">
-        <a:schemeClr val="lt1"/>
-      </a:fontRef>
-    </dgm:style>
-  </dgm:styleLbl>
-  <dgm:styleLbl name="parChTrans1D1">
-    <dgm:scene3d>
-      <a:camera prst="orthographicFront"/>
-      <a:lightRig rig="threePt" dir="t"/>
-    </dgm:scene3d>
-    <dgm:sp3d/>
-    <dgm:txPr/>
-    <dgm:style>
-      <a:lnRef idx="2">
-        <a:scrgbClr r="0" g="0" b="0"/>
-      </a:lnRef>
-      <a:fillRef idx="0">
-        <a:scrgbClr r="0" g="0" b="0"/>
-      </a:fillRef>
-      <a:effectRef idx="0">
-        <a:scrgbClr r="0" g="0" b="0"/>
-      </a:effectRef>
-      <a:fontRef idx="minor"/>
-    </dgm:style>
-  </dgm:styleLbl>
-  <dgm:styleLbl name="parChTrans1D2">
-    <dgm:scene3d>
-      <a:camera prst="orthographicFront"/>
-      <a:lightRig rig="threePt" dir="t"/>
-    </dgm:scene3d>
-    <dgm:sp3d/>
-    <dgm:txPr/>
-    <dgm:style>
-      <a:lnRef idx="2">
-        <a:scrgbClr r="0" g="0" b="0"/>
-      </a:lnRef>
-      <a:fillRef idx="0">
-        <a:scrgbClr r="0" g="0" b="0"/>
-      </a:fillRef>
-      <a:effectRef idx="0">
-        <a:scrgbClr r="0" g="0" b="0"/>
-      </a:effectRef>
-      <a:fontRef idx="minor"/>
-    </dgm:style>
-  </dgm:styleLbl>
-  <dgm:styleLbl name="parChTrans1D3">
-    <dgm:scene3d>
-      <a:camera prst="orthographicFront"/>
-      <a:lightRig rig="threePt" dir="t"/>
-    </dgm:scene3d>
-    <dgm:sp3d/>
-    <dgm:txPr/>
-    <dgm:style>
-      <a:lnRef idx="2">
-        <a:scrgbClr r="0" g="0" b="0"/>
-      </a:lnRef>
-      <a:fillRef idx="0">
-        <a:scrgbClr r="0" g="0" b="0"/>
-      </a:fillRef>
-      <a:effectRef idx="0">
-        <a:scrgbClr r="0" g="0" b="0"/>
-      </a:effectRef>
-      <a:fontRef idx="minor"/>
-    </dgm:style>
-  </dgm:styleLbl>
-  <dgm:styleLbl name="parChTrans1D4">
-    <dgm:scene3d>
-      <a:camera prst="orthographicFront"/>
-      <a:lightRig rig="threePt" dir="t"/>
-    </dgm:scene3d>
-    <dgm:sp3d/>
-    <dgm:txPr/>
-    <dgm:style>
-      <a:lnRef idx="2">
-        <a:scrgbClr r="0" g="0" b="0"/>
-      </a:lnRef>
-      <a:fillRef idx="0">
-        <a:scrgbClr r="0" g="0" b="0"/>
-      </a:fillRef>
-      <a:effectRef idx="0">
-        <a:scrgbClr r="0" g="0" b="0"/>
-      </a:effectRef>
-      <a:fontRef idx="minor"/>
-    </dgm:style>
-  </dgm:styleLbl>
-  <dgm:styleLbl name="fgAcc1">
-    <dgm:scene3d>
-      <a:camera prst="orthographicFront"/>
-      <a:lightRig rig="threePt" dir="t"/>
-    </dgm:scene3d>
-    <dgm:sp3d/>
-    <dgm:txPr/>
-    <dgm:style>
-      <a:lnRef idx="2">
-        <a:scrgbClr r="0" g="0" b="0"/>
-      </a:lnRef>
-      <a:fillRef idx="1">
-        <a:scrgbClr r="0" g="0" b="0"/>
-      </a:fillRef>
-      <a:effectRef idx="0">
-        <a:scrgbClr r="0" g="0" b="0"/>
-      </a:effectRef>
-      <a:fontRef idx="minor"/>
-    </dgm:style>
-  </dgm:styleLbl>
-  <dgm:styleLbl name="conFgAcc1">
-    <dgm:scene3d>
-      <a:camera prst="orthographicFront"/>
-      <a:lightRig rig="threePt" dir="t"/>
-    </dgm:scene3d>
-    <dgm:sp3d/>
-    <dgm:txPr/>
-    <dgm:style>
-      <a:lnRef idx="2">
-        <a:scrgbClr r="0" g="0" b="0"/>
-      </a:lnRef>
-      <a:fillRef idx="1">
-        <a:scrgbClr r="0" g="0" b="0"/>
-      </a:fillRef>
-      <a:effectRef idx="0">
-        <a:scrgbClr r="0" g="0" b="0"/>
-      </a:effectRef>
-      <a:fontRef idx="minor"/>
-    </dgm:style>
-  </dgm:styleLbl>
-  <dgm:styleLbl name="alignAcc1">
-    <dgm:scene3d>
-      <a:camera prst="orthographicFront"/>
-      <a:lightRig rig="threePt" dir="t"/>
-    </dgm:scene3d>
-    <dgm:sp3d/>
-    <dgm:txPr/>
-    <dgm:style>
-      <a:lnRef idx="2">
-        <a:scrgbClr r="0" g="0" b="0"/>
-      </a:lnRef>
-      <a:fillRef idx="1">
-        <a:scrgbClr r="0" g="0" b="0"/>
-      </a:fillRef>
-      <a:effectRef idx="0">
-        <a:scrgbClr r="0" g="0" b="0"/>
-      </a:effectRef>
-      <a:fontRef idx="minor"/>
-    </dgm:style>
-  </dgm:styleLbl>
-  <dgm:styleLbl name="trAlignAcc1">
-    <dgm:scene3d>
-      <a:camera prst="orthographicFront"/>
-      <a:lightRig rig="threePt" dir="t"/>
-    </dgm:scene3d>
-    <dgm:sp3d/>
-    <dgm:txPr/>
-    <dgm:style>
-      <a:lnRef idx="1">
-        <a:scrgbClr r="0" g="0" b="0"/>
-      </a:lnRef>
-      <a:fillRef idx="1">
-        <a:scrgbClr r="0" g="0" b="0"/>
-      </a:fillRef>
-      <a:effectRef idx="0">
-        <a:scrgbClr r="0" g="0" b="0"/>
-      </a:effectRef>
-      <a:fontRef idx="minor"/>
-    </dgm:style>
-  </dgm:styleLbl>
-  <dgm:styleLbl name="bgAcc1">
-    <dgm:scene3d>
-      <a:camera prst="orthographicFront"/>
-      <a:lightRig rig="threePt" dir="t"/>
-    </dgm:scene3d>
-    <dgm:sp3d/>
-    <dgm:txPr/>
-    <dgm:style>
-      <a:lnRef idx="2">
-        <a:scrgbClr r="0" g="0" b="0"/>
-      </a:lnRef>
-      <a:fillRef idx="1">
-        <a:scrgbClr r="0" g="0" b="0"/>
-      </a:fillRef>
-      <a:effectRef idx="0">
-        <a:scrgbClr r="0" g="0" b="0"/>
-      </a:effectRef>
-      <a:fontRef idx="minor"/>
-    </dgm:style>
-  </dgm:styleLbl>
-  <dgm:styleLbl name="solidFgAcc1">
-    <dgm:scene3d>
-      <a:camera prst="orthographicFront"/>
-      <a:lightRig rig="threePt" dir="t"/>
-    </dgm:scene3d>
-    <dgm:sp3d/>
-    <dgm:txPr/>
-    <dgm:style>
-      <a:lnRef idx="2">
-        <a:scrgbClr r="0" g="0" b="0"/>
-      </a:lnRef>
-      <a:fillRef idx="1">
-        <a:scrgbClr r="0" g="0" b="0"/>
-      </a:fillRef>
-      <a:effectRef idx="0">
-        <a:scrgbClr r="0" g="0" b="0"/>
-      </a:effectRef>
-      <a:fontRef idx="minor"/>
-    </dgm:style>
-  </dgm:styleLbl>
-  <dgm:styleLbl name="solidAlignAcc1">
-    <dgm:scene3d>
-      <a:camera prst="orthographicFront"/>
-      <a:lightRig rig="threePt" dir="t"/>
-    </dgm:scene3d>
-    <dgm:sp3d/>
-    <dgm:txPr/>
-    <dgm:style>
-      <a:lnRef idx="2">
-        <a:scrgbClr r="0" g="0" b="0"/>
-      </a:lnRef>
-      <a:fillRef idx="1">
-        <a:scrgbClr r="0" g="0" b="0"/>
-      </a:fillRef>
-      <a:effectRef idx="0">
-        <a:scrgbClr r="0" g="0" b="0"/>
-      </a:effectRef>
-      <a:fontRef idx="minor"/>
-    </dgm:style>
-  </dgm:styleLbl>
-  <dgm:styleLbl name="solidBgAcc1">
-    <dgm:scene3d>
-      <a:camera prst="orthographicFront"/>
-      <a:lightRig rig="threePt" dir="t"/>
-    </dgm:scene3d>
-    <dgm:sp3d/>
-    <dgm:txPr/>
-    <dgm:style>
-      <a:lnRef idx="2">
-        <a:scrgbClr r="0" g="0" b="0"/>
-      </a:lnRef>
-      <a:fillRef idx="1">
-        <a:scrgbClr r="0" g="0" b="0"/>
-      </a:fillRef>
-      <a:effectRef idx="0">
-        <a:scrgbClr r="0" g="0" b="0"/>
-      </a:effectRef>
-      <a:fontRef idx="minor"/>
-    </dgm:style>
-  </dgm:styleLbl>
-  <dgm:styleLbl name="fgAccFollowNode1">
-    <dgm:scene3d>
-      <a:camera prst="orthographicFront"/>
-      <a:lightRig rig="threePt" dir="t"/>
-    </dgm:scene3d>
-    <dgm:sp3d/>
-    <dgm:txPr/>
-    <dgm:style>
-      <a:lnRef idx="2">
-        <a:scrgbClr r="0" g="0" b="0"/>
-      </a:lnRef>
-      <a:fillRef idx="1">
-        <a:scrgbClr r="0" g="0" b="0"/>
-      </a:fillRef>
-      <a:effectRef idx="0">
-        <a:scrgbClr r="0" g="0" b="0"/>
-      </a:effectRef>
-      <a:fontRef idx="minor"/>
-    </dgm:style>
-  </dgm:styleLbl>
-  <dgm:styleLbl name="alignAccFollowNode1">
-    <dgm:scene3d>
-      <a:camera prst="orthographicFront"/>
-      <a:lightRig rig="threePt" dir="t"/>
-    </dgm:scene3d>
-    <dgm:sp3d/>
-    <dgm:txPr/>
-    <dgm:style>
-      <a:lnRef idx="2">
-        <a:scrgbClr r="0" g="0" b="0"/>
-      </a:lnRef>
-      <a:fillRef idx="1">
-        <a:scrgbClr r="0" g="0" b="0"/>
-      </a:fillRef>
-      <a:effectRef idx="0">
-        <a:scrgbClr r="0" g="0" b="0"/>
-      </a:effectRef>
-      <a:fontRef idx="minor"/>
-    </dgm:style>
-  </dgm:styleLbl>
-  <dgm:styleLbl name="bgAccFollowNode1">
-    <dgm:scene3d>
-      <a:camera prst="orthographicFront"/>
-      <a:lightRig rig="threePt" dir="t"/>
-    </dgm:scene3d>
-    <dgm:sp3d/>
-    <dgm:txPr/>
-    <dgm:style>
-      <a:lnRef idx="2">
-        <a:scrgbClr r="0" g="0" b="0"/>
-      </a:lnRef>
-      <a:fillRef idx="1">
-        <a:scrgbClr r="0" g="0" b="0"/>
-      </a:fillRef>
-      <a:effectRef idx="0">
-        <a:scrgbClr r="0" g="0" b="0"/>
-      </a:effectRef>
-      <a:fontRef idx="minor"/>
-    </dgm:style>
-  </dgm:styleLbl>
-  <dgm:styleLbl name="fgAcc0">
-    <dgm:scene3d>
-      <a:camera prst="orthographicFront"/>
-      <a:lightRig rig="threePt" dir="t"/>
-    </dgm:scene3d>
-    <dgm:sp3d/>
-    <dgm:txPr/>
-    <dgm:style>
-      <a:lnRef idx="2">
-        <a:scrgbClr r="0" g="0" b="0"/>
-      </a:lnRef>
-      <a:fillRef idx="1">
-        <a:scrgbClr r="0" g="0" b="0"/>
-      </a:fillRef>
-      <a:effectRef idx="0">
-        <a:scrgbClr r="0" g="0" b="0"/>
-      </a:effectRef>
-      <a:fontRef idx="minor"/>
-    </dgm:style>
-  </dgm:styleLbl>
-  <dgm:styleLbl name="fgAcc2">
-    <dgm:scene3d>
-      <a:camera prst="orthographicFront"/>
-      <a:lightRig rig="threePt" dir="t"/>
-    </dgm:scene3d>
-    <dgm:sp3d/>
-    <dgm:txPr/>
-    <dgm:style>
-      <a:lnRef idx="2">
-        <a:scrgbClr r="0" g="0" b="0"/>
-      </a:lnRef>
-      <a:fillRef idx="1">
-        <a:scrgbClr r="0" g="0" b="0"/>
-      </a:fillRef>
-      <a:effectRef idx="0">
-        <a:scrgbClr r="0" g="0" b="0"/>
-      </a:effectRef>
-      <a:fontRef idx="minor"/>
-    </dgm:style>
-  </dgm:styleLbl>
-  <dgm:styleLbl name="fgAcc3">
-    <dgm:scene3d>
-      <a:camera prst="orthographicFront"/>
-      <a:lightRig rig="threePt" dir="t"/>
-    </dgm:scene3d>
-    <dgm:sp3d/>
-    <dgm:txPr/>
-    <dgm:style>
-      <a:lnRef idx="2">
-        <a:scrgbClr r="0" g="0" b="0"/>
-      </a:lnRef>
-      <a:fillRef idx="1">
-        <a:scrgbClr r="0" g="0" b="0"/>
-      </a:fillRef>
-      <a:effectRef idx="0">
-        <a:scrgbClr r="0" g="0" b="0"/>
-      </a:effectRef>
-      <a:fontRef idx="minor"/>
-    </dgm:style>
-  </dgm:styleLbl>
-  <dgm:styleLbl name="fgAcc4">
-    <dgm:scene3d>
-      <a:camera prst="orthographicFront"/>
-      <a:lightRig rig="threePt" dir="t"/>
-    </dgm:scene3d>
-    <dgm:sp3d/>
-    <dgm:txPr/>
-    <dgm:style>
-      <a:lnRef idx="2">
-        <a:scrgbClr r="0" g="0" b="0"/>
-      </a:lnRef>
-      <a:fillRef idx="1">
-        <a:scrgbClr r="0" g="0" b="0"/>
-      </a:fillRef>
-      <a:effectRef idx="0">
-        <a:scrgbClr r="0" g="0" b="0"/>
-      </a:effectRef>
-      <a:fontRef idx="minor"/>
-    </dgm:style>
-  </dgm:styleLbl>
-  <dgm:styleLbl name="bgShp">
-    <dgm:scene3d>
-      <a:camera prst="orthographicFront"/>
-      <a:lightRig rig="threePt" dir="t"/>
-    </dgm:scene3d>
-    <dgm:sp3d/>
-    <dgm:txPr/>
-    <dgm:style>
-      <a:lnRef idx="0">
-        <a:scrgbClr r="0" g="0" b="0"/>
-      </a:lnRef>
-      <a:fillRef idx="1">
-        <a:scrgbClr r="0" g="0" b="0"/>
-      </a:fillRef>
-      <a:effectRef idx="0">
-        <a:scrgbClr r="0" g="0" b="0"/>
-      </a:effectRef>
-      <a:fontRef idx="minor"/>
-    </dgm:style>
-  </dgm:styleLbl>
-  <dgm:styleLbl name="dkBgShp">
-    <dgm:scene3d>
-      <a:camera prst="orthographicFront"/>
-      <a:lightRig rig="threePt" dir="t"/>
-    </dgm:scene3d>
-    <dgm:sp3d/>
-    <dgm:txPr/>
-    <dgm:style>
-      <a:lnRef idx="0">
-        <a:scrgbClr r="0" g="0" b="0"/>
-      </a:lnRef>
-      <a:fillRef idx="1">
-        <a:scrgbClr r="0" g="0" b="0"/>
-      </a:fillRef>
-      <a:effectRef idx="0">
-        <a:scrgbClr r="0" g="0" b="0"/>
-      </a:effectRef>
-      <a:fontRef idx="minor"/>
-    </dgm:style>
-  </dgm:styleLbl>
-  <dgm:styleLbl name="trBgShp">
-    <dgm:scene3d>
-      <a:camera prst="orthographicFront"/>
-      <a:lightRig rig="threePt" dir="t"/>
-    </dgm:scene3d>
-    <dgm:sp3d/>
-    <dgm:txPr/>
-    <dgm:style>
-      <a:lnRef idx="0">
-        <a:scrgbClr r="0" g="0" b="0"/>
-      </a:lnRef>
-      <a:fillRef idx="1">
-        <a:scrgbClr r="0" g="0" b="0"/>
-      </a:fillRef>
-      <a:effectRef idx="0">
-        <a:scrgbClr r="0" g="0" b="0"/>
-      </a:effectRef>
-      <a:fontRef idx="minor"/>
-    </dgm:style>
-  </dgm:styleLbl>
-  <dgm:styleLbl name="fgShp">
-    <dgm:scene3d>
-      <a:camera prst="orthographicFront"/>
-      <a:lightRig rig="threePt" dir="t"/>
-    </dgm:scene3d>
-    <dgm:sp3d/>
-    <dgm:txPr/>
-    <dgm:style>
-      <a:lnRef idx="2">
-        <a:scrgbClr r="0" g="0" b="0"/>
-      </a:lnRef>
-      <a:fillRef idx="1">
-        <a:scrgbClr r="0" g="0" b="0"/>
-      </a:fillRef>
-      <a:effectRef idx="0">
-        <a:scrgbClr r="0" g="0" b="0"/>
-      </a:effectRef>
-      <a:fontRef idx="minor"/>
-    </dgm:style>
-  </dgm:styleLbl>
-  <dgm:styleLbl name="revTx">
-    <dgm:scene3d>
-      <a:camera prst="orthographicFront"/>
-      <a:lightRig rig="threePt" dir="t"/>
-    </dgm:scene3d>
-    <dgm:sp3d/>
-    <dgm:txPr/>
-    <dgm:style>
-      <a:lnRef idx="0">
-        <a:scrgbClr r="0" g="0" b="0"/>
-      </a:lnRef>
-      <a:fillRef idx="0">
-        <a:scrgbClr r="0" g="0" b="0"/>
-      </a:fillRef>
-      <a:effectRef idx="0">
-        <a:scrgbClr r="0" g="0" b="0"/>
-      </a:effectRef>
-      <a:fontRef idx="minor"/>
-    </dgm:style>
-  </dgm:styleLbl>
-</dgm:styleDef>
-</file>
-
-<file path=ppt/diagrams/quickStyle4.xml><?xml version="1.0" encoding="utf-8"?>
 <dgm:styleDef xmlns:dgm="http://schemas.openxmlformats.org/drawingml/2006/diagram" xmlns:a="http://schemas.openxmlformats.org/drawingml/2006/main" uniqueId="urn:microsoft.com/office/officeart/2005/8/quickstyle/simple1">
   <dgm:title val=""/>
   <dgm:desc val=""/>
@@ -25082,7 +22533,7 @@
           <p:nvPr>
             <p:extLst>
               <p:ext uri="{D42A27DB-BD31-4B8C-83A1-F6EECF244321}">
-                <p14:modId xmlns:p14="http://schemas.microsoft.com/office/powerpoint/2010/main" val="3953747680"/>
+                <p14:modId xmlns:p14="http://schemas.microsoft.com/office/powerpoint/2010/main" val="3475241119"/>
               </p:ext>
             </p:extLst>
           </p:nvPr>
@@ -25704,13 +23155,50 @@
               </a:tabLst>
             </a:pPr>
             <a:r>
-              <a:rPr lang="en-US" altLang="pt-PT" sz="2800">
+              <a:rPr lang="en-US" altLang="pt-PT" sz="2800" dirty="0" err="1">
+                <a:solidFill>
+                  <a:srgbClr val="000000"/>
+                </a:solidFill>
+              </a:rPr>
+              <a:t>Estruturas</a:t>
+            </a:r>
+            <a:r>
+              <a:rPr lang="en-US" altLang="pt-PT" sz="2800" dirty="0">
+                <a:solidFill>
+                  <a:srgbClr val="000000"/>
+                </a:solidFill>
+              </a:rPr>
+              <a:t> de Dados: </a:t>
+            </a:r>
+            <a:r>
+              <a:rPr lang="en-US" altLang="pt-PT" sz="2800" dirty="0" err="1">
+                <a:solidFill>
+                  <a:srgbClr val="000000"/>
+                </a:solidFill>
+              </a:rPr>
+              <a:t>Matrizes</a:t>
+            </a:r>
+            <a:r>
+              <a:rPr lang="en-US" altLang="pt-PT" sz="2800" dirty="0">
+                <a:solidFill>
+                  <a:srgbClr val="000000"/>
+                </a:solidFill>
+              </a:rPr>
+              <a:t> vs </a:t>
+            </a:r>
+            <a:r>
+              <a:rPr lang="en-US" altLang="pt-PT" sz="2800" dirty="0" err="1">
                 <a:solidFill>
                   <a:srgbClr val="000000"/>
                 </a:solidFill>
               </a:rPr>
               <a:t>Grafos</a:t>
             </a:r>
+            <a:endParaRPr lang="en-US" altLang="pt-PT" sz="2800" dirty="0">
+              <a:solidFill>
+                <a:srgbClr val="000000"/>
+              </a:solidFill>
+            </a:endParaRPr>
           </a:p>
         </p:txBody>
       </p:sp>
@@ -25727,7 +23215,7 @@
           <p:nvPr>
             <p:extLst>
               <p:ext uri="{D42A27DB-BD31-4B8C-83A1-F6EECF244321}">
-                <p14:modId xmlns:p14="http://schemas.microsoft.com/office/powerpoint/2010/main" val="2328376030"/>
+                <p14:modId xmlns:p14="http://schemas.microsoft.com/office/powerpoint/2010/main" val="4020991921"/>
               </p:ext>
             </p:extLst>
           </p:nvPr>
@@ -26290,7 +23778,39 @@
                   <a:srgbClr val="000000"/>
                 </a:solidFill>
               </a:rPr>
+              <a:t>Estimação</a:t>
+            </a:r>
+            <a:r>
+              <a:rPr lang="en-US" altLang="pt-PT" sz="2800" dirty="0">
+                <a:solidFill>
+                  <a:srgbClr val="000000"/>
+                </a:solidFill>
+              </a:rPr>
+              <a:t> da </a:t>
+            </a:r>
+            <a:r>
+              <a:rPr lang="en-US" altLang="pt-PT" sz="2800" dirty="0" err="1">
+                <a:solidFill>
+                  <a:srgbClr val="000000"/>
+                </a:solidFill>
+              </a:rPr>
               <a:t>Bateria</a:t>
+            </a:r>
+            <a:r>
+              <a:rPr lang="en-US" altLang="pt-PT" sz="2800" dirty="0">
+                <a:solidFill>
+                  <a:srgbClr val="000000"/>
+                </a:solidFill>
+              </a:rPr>
+              <a:t> e </a:t>
+            </a:r>
+            <a:r>
+              <a:rPr lang="en-US" altLang="pt-PT" sz="2800" dirty="0" err="1">
+                <a:solidFill>
+                  <a:srgbClr val="000000"/>
+                </a:solidFill>
+              </a:rPr>
+              <a:t>Velocidade</a:t>
             </a:r>
             <a:endParaRPr lang="en-US" altLang="pt-PT" sz="2800" dirty="0">
               <a:solidFill>
@@ -26300,6 +23820,1599 @@
           </a:p>
         </p:txBody>
       </p:sp>
+      <mc:AlternateContent xmlns:mc="http://schemas.openxmlformats.org/markup-compatibility/2006">
+        <mc:Choice xmlns:a14="http://schemas.microsoft.com/office/drawing/2010/main" Requires="a14">
+          <p:sp>
+            <p:nvSpPr>
+              <p:cNvPr id="3" name="CaixaDeTexto 2">
+                <a:extLst>
+                  <a:ext uri="{FF2B5EF4-FFF2-40B4-BE49-F238E27FC236}">
+                    <a16:creationId xmlns:a16="http://schemas.microsoft.com/office/drawing/2014/main" id="{3BF66D05-ECDD-4C4D-A892-2817EEC3FA6F}"/>
+                  </a:ext>
+                </a:extLst>
+              </p:cNvPr>
+              <p:cNvSpPr txBox="1"/>
+              <p:nvPr/>
+            </p:nvSpPr>
+            <p:spPr>
+              <a:xfrm>
+                <a:off x="672650" y="3173322"/>
+                <a:ext cx="1608454" cy="655372"/>
+              </a:xfrm>
+              <a:prstGeom prst="rect">
+                <a:avLst/>
+              </a:prstGeom>
+              <a:noFill/>
+            </p:spPr>
+            <p:txBody>
+              <a:bodyPr wrap="none" lIns="0" tIns="0" rIns="0" bIns="0" rtlCol="0">
+                <a:spAutoFit/>
+              </a:bodyPr>
+              <a:lstStyle/>
+              <a:p>
+                <a14:m>
+                  <m:oMathPara xmlns:m="http://schemas.openxmlformats.org/officeDocument/2006/math">
+                    <m:oMathParaPr>
+                      <m:jc m:val="centerGroup"/>
+                    </m:oMathParaPr>
+                    <m:oMath xmlns:m="http://schemas.openxmlformats.org/officeDocument/2006/math">
+                      <m:r>
+                        <a:rPr lang="pt-PT" b="0" i="1" smtClean="0">
+                          <a:solidFill>
+                            <a:schemeClr val="tx1"/>
+                          </a:solidFill>
+                          <a:latin typeface="Cambria Math" panose="02040503050406030204" pitchFamily="18" charset="0"/>
+                        </a:rPr>
+                        <m:t>𝑑</m:t>
+                      </m:r>
+                      <m:r>
+                        <a:rPr lang="pt-PT" b="0" i="1" smtClean="0">
+                          <a:solidFill>
+                            <a:schemeClr val="tx1"/>
+                          </a:solidFill>
+                          <a:latin typeface="Cambria Math" panose="02040503050406030204" pitchFamily="18" charset="0"/>
+                        </a:rPr>
+                        <m:t>=</m:t>
+                      </m:r>
+                      <m:nary>
+                        <m:naryPr>
+                          <m:ctrlPr>
+                            <a:rPr lang="pt-PT" i="1" smtClean="0">
+                              <a:solidFill>
+                                <a:schemeClr val="tx1"/>
+                              </a:solidFill>
+                              <a:latin typeface="Cambria Math" panose="02040503050406030204" pitchFamily="18" charset="0"/>
+                            </a:rPr>
+                          </m:ctrlPr>
+                        </m:naryPr>
+                        <m:sub>
+                          <m:sSub>
+                            <m:sSubPr>
+                              <m:ctrlPr>
+                                <a:rPr lang="pt-PT" i="1" smtClean="0">
+                                  <a:solidFill>
+                                    <a:schemeClr val="tx1"/>
+                                  </a:solidFill>
+                                  <a:latin typeface="Cambria Math" panose="02040503050406030204" pitchFamily="18" charset="0"/>
+                                </a:rPr>
+                              </m:ctrlPr>
+                            </m:sSubPr>
+                            <m:e>
+                              <m:r>
+                                <a:rPr lang="pt-PT" b="0" i="1" smtClean="0">
+                                  <a:solidFill>
+                                    <a:schemeClr val="tx1"/>
+                                  </a:solidFill>
+                                  <a:latin typeface="Cambria Math" panose="02040503050406030204" pitchFamily="18" charset="0"/>
+                                </a:rPr>
+                                <m:t>𝑡</m:t>
+                              </m:r>
+                            </m:e>
+                            <m:sub>
+                              <m:r>
+                                <a:rPr lang="pt-PT" b="0" i="1" smtClean="0">
+                                  <a:solidFill>
+                                    <a:schemeClr val="tx1"/>
+                                  </a:solidFill>
+                                  <a:latin typeface="Cambria Math" panose="02040503050406030204" pitchFamily="18" charset="0"/>
+                                </a:rPr>
+                                <m:t>𝑖</m:t>
+                              </m:r>
+                            </m:sub>
+                          </m:sSub>
+                        </m:sub>
+                        <m:sup>
+                          <m:sSub>
+                            <m:sSubPr>
+                              <m:ctrlPr>
+                                <a:rPr lang="pt-PT" b="0" i="1" smtClean="0">
+                                  <a:solidFill>
+                                    <a:schemeClr val="tx1"/>
+                                  </a:solidFill>
+                                  <a:latin typeface="Cambria Math" panose="02040503050406030204" pitchFamily="18" charset="0"/>
+                                </a:rPr>
+                              </m:ctrlPr>
+                            </m:sSubPr>
+                            <m:e>
+                              <m:r>
+                                <a:rPr lang="pt-PT" b="0" i="1" smtClean="0">
+                                  <a:solidFill>
+                                    <a:schemeClr val="tx1"/>
+                                  </a:solidFill>
+                                  <a:latin typeface="Cambria Math" panose="02040503050406030204" pitchFamily="18" charset="0"/>
+                                </a:rPr>
+                                <m:t>𝑡</m:t>
+                              </m:r>
+                            </m:e>
+                            <m:sub>
+                              <m:r>
+                                <a:rPr lang="pt-PT" b="0" i="1" smtClean="0">
+                                  <a:solidFill>
+                                    <a:schemeClr val="tx1"/>
+                                  </a:solidFill>
+                                  <a:latin typeface="Cambria Math" panose="02040503050406030204" pitchFamily="18" charset="0"/>
+                                </a:rPr>
+                                <m:t>𝑓</m:t>
+                              </m:r>
+                            </m:sub>
+                          </m:sSub>
+                        </m:sup>
+                        <m:e>
+                          <m:r>
+                            <a:rPr lang="pt-PT" b="0" i="1" smtClean="0">
+                              <a:solidFill>
+                                <a:schemeClr val="tx1"/>
+                              </a:solidFill>
+                              <a:latin typeface="Cambria Math" panose="02040503050406030204" pitchFamily="18" charset="0"/>
+                            </a:rPr>
+                            <m:t>𝑣</m:t>
+                          </m:r>
+                          <m:d>
+                            <m:dPr>
+                              <m:ctrlPr>
+                                <a:rPr lang="pt-PT" b="0" i="1" smtClean="0">
+                                  <a:solidFill>
+                                    <a:schemeClr val="tx1"/>
+                                  </a:solidFill>
+                                  <a:latin typeface="Cambria Math" panose="02040503050406030204" pitchFamily="18" charset="0"/>
+                                </a:rPr>
+                              </m:ctrlPr>
+                            </m:dPr>
+                            <m:e>
+                              <m:r>
+                                <a:rPr lang="pt-PT" b="0" i="1" smtClean="0">
+                                  <a:solidFill>
+                                    <a:schemeClr val="tx1"/>
+                                  </a:solidFill>
+                                  <a:latin typeface="Cambria Math" panose="02040503050406030204" pitchFamily="18" charset="0"/>
+                                </a:rPr>
+                                <m:t>𝑡</m:t>
+                              </m:r>
+                            </m:e>
+                          </m:d>
+                          <m:r>
+                            <a:rPr lang="pt-PT" b="0" i="1" smtClean="0">
+                              <a:solidFill>
+                                <a:schemeClr val="tx1"/>
+                              </a:solidFill>
+                              <a:latin typeface="Cambria Math" panose="02040503050406030204" pitchFamily="18" charset="0"/>
+                            </a:rPr>
+                            <m:t> ⅆ</m:t>
+                          </m:r>
+                          <m:r>
+                            <a:rPr lang="pt-PT" b="0" i="1" smtClean="0">
+                              <a:solidFill>
+                                <a:schemeClr val="tx1"/>
+                              </a:solidFill>
+                              <a:latin typeface="Cambria Math" panose="02040503050406030204" pitchFamily="18" charset="0"/>
+                            </a:rPr>
+                            <m:t>𝑡</m:t>
+                          </m:r>
+                        </m:e>
+                      </m:nary>
+                    </m:oMath>
+                  </m:oMathPara>
+                </a14:m>
+                <a:endParaRPr lang="pt-PT" dirty="0"/>
+              </a:p>
+            </p:txBody>
+          </p:sp>
+        </mc:Choice>
+        <mc:Fallback>
+          <p:sp>
+            <p:nvSpPr>
+              <p:cNvPr id="3" name="CaixaDeTexto 2">
+                <a:extLst>
+                  <a:ext uri="{FF2B5EF4-FFF2-40B4-BE49-F238E27FC236}">
+                    <a16:creationId xmlns:a16="http://schemas.microsoft.com/office/drawing/2014/main" id="{3BF66D05-ECDD-4C4D-A892-2817EEC3FA6F}"/>
+                  </a:ext>
+                </a:extLst>
+              </p:cNvPr>
+              <p:cNvSpPr txBox="1">
+                <a:spLocks noRot="1" noChangeAspect="1" noMove="1" noResize="1" noEditPoints="1" noAdjustHandles="1" noChangeArrowheads="1" noChangeShapeType="1" noTextEdit="1"/>
+              </p:cNvSpPr>
+              <p:nvPr/>
+            </p:nvSpPr>
+            <p:spPr>
+              <a:xfrm>
+                <a:off x="672650" y="3173322"/>
+                <a:ext cx="1608454" cy="655372"/>
+              </a:xfrm>
+              <a:prstGeom prst="rect">
+                <a:avLst/>
+              </a:prstGeom>
+              <a:blipFill>
+                <a:blip r:embed="rId3"/>
+                <a:stretch>
+                  <a:fillRect/>
+                </a:stretch>
+              </a:blipFill>
+            </p:spPr>
+            <p:txBody>
+              <a:bodyPr/>
+              <a:lstStyle/>
+              <a:p>
+                <a:r>
+                  <a:rPr lang="pt-PT">
+                    <a:noFill/>
+                  </a:rPr>
+                  <a:t> </a:t>
+                </a:r>
+              </a:p>
+            </p:txBody>
+          </p:sp>
+        </mc:Fallback>
+      </mc:AlternateContent>
+      <p:grpSp>
+        <p:nvGrpSpPr>
+          <p:cNvPr id="7174" name="Agrupar 7173">
+            <a:extLst>
+              <a:ext uri="{FF2B5EF4-FFF2-40B4-BE49-F238E27FC236}">
+                <a16:creationId xmlns:a16="http://schemas.microsoft.com/office/drawing/2014/main" id="{2596CF79-B2B8-4D39-B430-5AC2A54F0FE0}"/>
+              </a:ext>
+            </a:extLst>
+          </p:cNvPr>
+          <p:cNvGrpSpPr/>
+          <p:nvPr/>
+        </p:nvGrpSpPr>
+        <p:grpSpPr>
+          <a:xfrm>
+            <a:off x="2751288" y="1947194"/>
+            <a:ext cx="3796889" cy="3265453"/>
+            <a:chOff x="2751288" y="1947194"/>
+            <a:chExt cx="3796889" cy="3265453"/>
+          </a:xfrm>
+        </p:grpSpPr>
+        <p:cxnSp>
+          <p:nvCxnSpPr>
+            <p:cNvPr id="8" name="Conexão reta unidirecional 7">
+              <a:extLst>
+                <a:ext uri="{FF2B5EF4-FFF2-40B4-BE49-F238E27FC236}">
+                  <a16:creationId xmlns:a16="http://schemas.microsoft.com/office/drawing/2014/main" id="{37DA0D0F-4AD5-4590-910B-C4A9AF03C254}"/>
+                </a:ext>
+              </a:extLst>
+            </p:cNvPr>
+            <p:cNvCxnSpPr/>
+            <p:nvPr/>
+          </p:nvCxnSpPr>
+          <p:spPr bwMode="auto">
+            <a:xfrm flipV="1">
+              <a:off x="3131840" y="2060848"/>
+              <a:ext cx="0" cy="2736304"/>
+            </a:xfrm>
+            <a:prstGeom prst="straightConnector1">
+              <a:avLst/>
+            </a:prstGeom>
+            <a:solidFill>
+              <a:srgbClr val="00B8FF"/>
+            </a:solidFill>
+            <a:ln w="9525" cap="flat" cmpd="sng" algn="ctr">
+              <a:solidFill>
+                <a:schemeClr val="tx1"/>
+              </a:solidFill>
+              <a:prstDash val="solid"/>
+              <a:round/>
+              <a:headEnd type="none" w="med" len="med"/>
+              <a:tailEnd type="triangle"/>
+            </a:ln>
+            <a:effectLst/>
+            <a:extLst>
+              <a:ext uri="{AF507438-7753-43E0-B8FC-AC1667EBCBE1}">
+                <a14:hiddenEffects xmlns:a14="http://schemas.microsoft.com/office/drawing/2010/main">
+                  <a:effectLst>
+                    <a:outerShdw dist="35921" dir="2700000" algn="ctr" rotWithShape="0">
+                      <a:schemeClr val="bg2"/>
+                    </a:outerShdw>
+                  </a:effectLst>
+                </a14:hiddenEffects>
+              </a:ext>
+            </a:extLst>
+          </p:spPr>
+        </p:cxnSp>
+        <p:grpSp>
+          <p:nvGrpSpPr>
+            <p:cNvPr id="27" name="Agrupar 26">
+              <a:extLst>
+                <a:ext uri="{FF2B5EF4-FFF2-40B4-BE49-F238E27FC236}">
+                  <a16:creationId xmlns:a16="http://schemas.microsoft.com/office/drawing/2014/main" id="{8D5CDC72-C197-4237-822C-4988ED6EA629}"/>
+                </a:ext>
+              </a:extLst>
+            </p:cNvPr>
+            <p:cNvGrpSpPr/>
+            <p:nvPr/>
+          </p:nvGrpSpPr>
+          <p:grpSpPr>
+            <a:xfrm>
+              <a:off x="3131840" y="3212976"/>
+              <a:ext cx="3312368" cy="1584176"/>
+              <a:chOff x="3419872" y="2996952"/>
+              <a:chExt cx="3312368" cy="1584176"/>
+            </a:xfrm>
+          </p:grpSpPr>
+          <p:cxnSp>
+            <p:nvCxnSpPr>
+              <p:cNvPr id="10" name="Conexão reta unidirecional 9">
+                <a:extLst>
+                  <a:ext uri="{FF2B5EF4-FFF2-40B4-BE49-F238E27FC236}">
+                    <a16:creationId xmlns:a16="http://schemas.microsoft.com/office/drawing/2014/main" id="{A9B50F2C-ACCE-41FD-821C-FB118CF199A5}"/>
+                  </a:ext>
+                </a:extLst>
+              </p:cNvPr>
+              <p:cNvCxnSpPr/>
+              <p:nvPr/>
+            </p:nvCxnSpPr>
+            <p:spPr bwMode="auto">
+              <a:xfrm>
+                <a:off x="3419872" y="4581128"/>
+                <a:ext cx="3312368" cy="0"/>
+              </a:xfrm>
+              <a:prstGeom prst="straightConnector1">
+                <a:avLst/>
+              </a:prstGeom>
+              <a:solidFill>
+                <a:srgbClr val="00B8FF"/>
+              </a:solidFill>
+              <a:ln w="9525" cap="flat" cmpd="sng" algn="ctr">
+                <a:solidFill>
+                  <a:schemeClr val="tx1"/>
+                </a:solidFill>
+                <a:prstDash val="solid"/>
+                <a:round/>
+                <a:headEnd type="none" w="med" len="med"/>
+                <a:tailEnd type="triangle"/>
+              </a:ln>
+              <a:effectLst/>
+              <a:extLst>
+                <a:ext uri="{AF507438-7753-43E0-B8FC-AC1667EBCBE1}">
+                  <a14:hiddenEffects xmlns:a14="http://schemas.microsoft.com/office/drawing/2010/main">
+                    <a:effectLst>
+                      <a:outerShdw dist="35921" dir="2700000" algn="ctr" rotWithShape="0">
+                        <a:schemeClr val="bg2"/>
+                      </a:outerShdw>
+                    </a:effectLst>
+                  </a14:hiddenEffects>
+                </a:ext>
+              </a:extLst>
+            </p:spPr>
+          </p:cxnSp>
+          <p:sp>
+            <p:nvSpPr>
+              <p:cNvPr id="15" name="Fluxograma: Introdução Manual 14">
+                <a:extLst>
+                  <a:ext uri="{FF2B5EF4-FFF2-40B4-BE49-F238E27FC236}">
+                    <a16:creationId xmlns:a16="http://schemas.microsoft.com/office/drawing/2014/main" id="{D382ABD6-2232-41F3-B12E-85B9AF26CD92}"/>
+                  </a:ext>
+                </a:extLst>
+              </p:cNvPr>
+              <p:cNvSpPr/>
+              <p:nvPr/>
+            </p:nvSpPr>
+            <p:spPr bwMode="auto">
+              <a:xfrm flipH="1">
+                <a:off x="4154328" y="3140976"/>
+                <a:ext cx="1605805" cy="1431800"/>
+              </a:xfrm>
+              <a:prstGeom prst="flowChartManualInput">
+                <a:avLst/>
+              </a:prstGeom>
+              <a:solidFill>
+                <a:srgbClr val="212E67">
+                  <a:alpha val="45882"/>
+                </a:srgbClr>
+              </a:solidFill>
+              <a:ln w="9525" cap="flat" cmpd="sng" algn="ctr">
+                <a:solidFill>
+                  <a:schemeClr val="tx1"/>
+                </a:solidFill>
+                <a:prstDash val="solid"/>
+                <a:round/>
+                <a:headEnd type="none" w="med" len="med"/>
+                <a:tailEnd type="none" w="med" len="med"/>
+              </a:ln>
+              <a:effectLst/>
+            </p:spPr>
+            <p:txBody>
+              <a:bodyPr vert="horz" wrap="square" lIns="91440" tIns="45720" rIns="91440" bIns="45720" numCol="1" rtlCol="0" anchor="t" anchorCtr="0" compatLnSpc="1">
+                <a:prstTxWarp prst="textNoShape">
+                  <a:avLst/>
+                </a:prstTxWarp>
+              </a:bodyPr>
+              <a:lstStyle/>
+              <a:p>
+                <a:pPr marL="0" marR="0" indent="0" algn="l" defTabSz="457200" rtl="0" eaLnBrk="0" fontAlgn="base" latinLnBrk="0" hangingPunct="0">
+                  <a:lnSpc>
+                    <a:spcPct val="100000"/>
+                  </a:lnSpc>
+                  <a:spcBef>
+                    <a:spcPct val="0"/>
+                  </a:spcBef>
+                  <a:spcAft>
+                    <a:spcPct val="0"/>
+                  </a:spcAft>
+                  <a:buClr>
+                    <a:srgbClr val="000000"/>
+                  </a:buClr>
+                  <a:buSzPct val="100000"/>
+                  <a:buFont typeface="Times New Roman" panose="02020603050405020304" pitchFamily="18" charset="0"/>
+                  <a:buNone/>
+                  <a:tabLst/>
+                </a:pPr>
+                <a:endParaRPr kumimoji="0" lang="pt-PT" sz="1800" b="0" i="0" u="none" strike="noStrike" cap="none" normalizeH="0" baseline="0">
+                  <a:ln>
+                    <a:noFill/>
+                  </a:ln>
+                  <a:solidFill>
+                    <a:schemeClr val="bg1"/>
+                  </a:solidFill>
+                  <a:effectLst/>
+                  <a:latin typeface="Arial" panose="020B0604020202020204" pitchFamily="34" charset="0"/>
+                  <a:cs typeface="Bitstream Vera Sans" charset="0"/>
+                </a:endParaRPr>
+              </a:p>
+            </p:txBody>
+          </p:sp>
+          <p:cxnSp>
+            <p:nvCxnSpPr>
+              <p:cNvPr id="12" name="Conexão reta 11">
+                <a:extLst>
+                  <a:ext uri="{FF2B5EF4-FFF2-40B4-BE49-F238E27FC236}">
+                    <a16:creationId xmlns:a16="http://schemas.microsoft.com/office/drawing/2014/main" id="{9D0D0437-D829-4BD9-AFAF-CEAB8C853B1B}"/>
+                  </a:ext>
+                </a:extLst>
+              </p:cNvPr>
+              <p:cNvCxnSpPr/>
+              <p:nvPr/>
+            </p:nvCxnSpPr>
+            <p:spPr bwMode="auto">
+              <a:xfrm>
+                <a:off x="3419872" y="2996952"/>
+                <a:ext cx="2952328" cy="537962"/>
+              </a:xfrm>
+              <a:prstGeom prst="line">
+                <a:avLst/>
+              </a:prstGeom>
+              <a:solidFill>
+                <a:srgbClr val="00B8FF"/>
+              </a:solidFill>
+              <a:ln w="38100" cap="flat" cmpd="sng" algn="ctr">
+                <a:solidFill>
+                  <a:srgbClr val="C00000"/>
+                </a:solidFill>
+                <a:prstDash val="solid"/>
+                <a:round/>
+                <a:headEnd type="none" w="med" len="med"/>
+                <a:tailEnd type="none" w="med" len="med"/>
+              </a:ln>
+              <a:effectLst/>
+              <a:extLst>
+                <a:ext uri="{AF507438-7753-43E0-B8FC-AC1667EBCBE1}">
+                  <a14:hiddenEffects xmlns:a14="http://schemas.microsoft.com/office/drawing/2010/main">
+                    <a:effectLst>
+                      <a:outerShdw dist="35921" dir="2700000" algn="ctr" rotWithShape="0">
+                        <a:schemeClr val="bg2"/>
+                      </a:outerShdw>
+                    </a:effectLst>
+                  </a14:hiddenEffects>
+                </a:ext>
+              </a:extLst>
+            </p:spPr>
+          </p:cxnSp>
+        </p:grpSp>
+        <mc:AlternateContent xmlns:mc="http://schemas.openxmlformats.org/markup-compatibility/2006">
+          <mc:Choice xmlns:a14="http://schemas.microsoft.com/office/drawing/2010/main" Requires="a14">
+            <p:sp>
+              <p:nvSpPr>
+                <p:cNvPr id="29" name="CaixaDeTexto 28">
+                  <a:extLst>
+                    <a:ext uri="{FF2B5EF4-FFF2-40B4-BE49-F238E27FC236}">
+                      <a16:creationId xmlns:a16="http://schemas.microsoft.com/office/drawing/2014/main" id="{AC2B5811-73CA-453F-AC75-4CCFD1FC7D9D}"/>
+                    </a:ext>
+                  </a:extLst>
+                </p:cNvPr>
+                <p:cNvSpPr txBox="1"/>
+                <p:nvPr/>
+              </p:nvSpPr>
+              <p:spPr>
+                <a:xfrm>
+                  <a:off x="3384077" y="4003973"/>
+                  <a:ext cx="446212" cy="369332"/>
+                </a:xfrm>
+                <a:prstGeom prst="rect">
+                  <a:avLst/>
+                </a:prstGeom>
+                <a:noFill/>
+              </p:spPr>
+              <p:txBody>
+                <a:bodyPr wrap="none" rtlCol="0">
+                  <a:spAutoFit/>
+                </a:bodyPr>
+                <a:lstStyle/>
+                <a:p>
+                  <a14:m>
+                    <m:oMathPara xmlns:m="http://schemas.openxmlformats.org/officeDocument/2006/math">
+                      <m:oMathParaPr>
+                        <m:jc m:val="centerGroup"/>
+                      </m:oMathParaPr>
+                      <m:oMath xmlns:m="http://schemas.openxmlformats.org/officeDocument/2006/math">
+                        <m:sSub>
+                          <m:sSubPr>
+                            <m:ctrlPr>
+                              <a:rPr lang="pt-PT" i="1" smtClean="0">
+                                <a:solidFill>
+                                  <a:schemeClr val="tx1"/>
+                                </a:solidFill>
+                                <a:latin typeface="Cambria Math" panose="02040503050406030204" pitchFamily="18" charset="0"/>
+                              </a:rPr>
+                            </m:ctrlPr>
+                          </m:sSubPr>
+                          <m:e>
+                            <m:r>
+                              <a:rPr lang="pt-PT" b="0" i="1" smtClean="0">
+                                <a:solidFill>
+                                  <a:schemeClr val="tx1"/>
+                                </a:solidFill>
+                                <a:latin typeface="Cambria Math" panose="02040503050406030204" pitchFamily="18" charset="0"/>
+                              </a:rPr>
+                              <m:t>𝑣</m:t>
+                            </m:r>
+                          </m:e>
+                          <m:sub>
+                            <m:r>
+                              <a:rPr lang="pt-PT" b="0" i="1" smtClean="0">
+                                <a:solidFill>
+                                  <a:schemeClr val="tx1"/>
+                                </a:solidFill>
+                                <a:latin typeface="Cambria Math" panose="02040503050406030204" pitchFamily="18" charset="0"/>
+                              </a:rPr>
+                              <m:t>𝑖</m:t>
+                            </m:r>
+                          </m:sub>
+                        </m:sSub>
+                      </m:oMath>
+                    </m:oMathPara>
+                  </a14:m>
+                  <a:endParaRPr lang="pt-PT" dirty="0"/>
+                </a:p>
+              </p:txBody>
+            </p:sp>
+          </mc:Choice>
+          <mc:Fallback>
+            <p:sp>
+              <p:nvSpPr>
+                <p:cNvPr id="29" name="CaixaDeTexto 28">
+                  <a:extLst>
+                    <a:ext uri="{FF2B5EF4-FFF2-40B4-BE49-F238E27FC236}">
+                      <a16:creationId xmlns:a16="http://schemas.microsoft.com/office/drawing/2014/main" id="{AC2B5811-73CA-453F-AC75-4CCFD1FC7D9D}"/>
+                    </a:ext>
+                  </a:extLst>
+                </p:cNvPr>
+                <p:cNvSpPr txBox="1">
+                  <a:spLocks noRot="1" noChangeAspect="1" noMove="1" noResize="1" noEditPoints="1" noAdjustHandles="1" noChangeArrowheads="1" noChangeShapeType="1" noTextEdit="1"/>
+                </p:cNvSpPr>
+                <p:nvPr/>
+              </p:nvSpPr>
+              <p:spPr>
+                <a:xfrm>
+                  <a:off x="3384077" y="4003973"/>
+                  <a:ext cx="446212" cy="369332"/>
+                </a:xfrm>
+                <a:prstGeom prst="rect">
+                  <a:avLst/>
+                </a:prstGeom>
+                <a:blipFill>
+                  <a:blip r:embed="rId4"/>
+                  <a:stretch>
+                    <a:fillRect b="-3333"/>
+                  </a:stretch>
+                </a:blipFill>
+              </p:spPr>
+              <p:txBody>
+                <a:bodyPr/>
+                <a:lstStyle/>
+                <a:p>
+                  <a:r>
+                    <a:rPr lang="pt-PT">
+                      <a:noFill/>
+                    </a:rPr>
+                    <a:t> </a:t>
+                  </a:r>
+                </a:p>
+              </p:txBody>
+            </p:sp>
+          </mc:Fallback>
+        </mc:AlternateContent>
+        <mc:AlternateContent xmlns:mc="http://schemas.openxmlformats.org/markup-compatibility/2006">
+          <mc:Choice xmlns:a14="http://schemas.microsoft.com/office/drawing/2010/main" Requires="a14">
+            <p:sp>
+              <p:nvSpPr>
+                <p:cNvPr id="33" name="CaixaDeTexto 32">
+                  <a:extLst>
+                    <a:ext uri="{FF2B5EF4-FFF2-40B4-BE49-F238E27FC236}">
+                      <a16:creationId xmlns:a16="http://schemas.microsoft.com/office/drawing/2014/main" id="{6D9BE6A5-95C1-4033-82C5-D9B8F3EFBEA6}"/>
+                    </a:ext>
+                  </a:extLst>
+                </p:cNvPr>
+                <p:cNvSpPr txBox="1"/>
+                <p:nvPr/>
+              </p:nvSpPr>
+              <p:spPr>
+                <a:xfrm>
+                  <a:off x="5472101" y="4005971"/>
+                  <a:ext cx="472694" cy="391582"/>
+                </a:xfrm>
+                <a:prstGeom prst="rect">
+                  <a:avLst/>
+                </a:prstGeom>
+                <a:noFill/>
+              </p:spPr>
+              <p:txBody>
+                <a:bodyPr wrap="none" rtlCol="0">
+                  <a:spAutoFit/>
+                </a:bodyPr>
+                <a:lstStyle/>
+                <a:p>
+                  <a14:m>
+                    <m:oMathPara xmlns:m="http://schemas.openxmlformats.org/officeDocument/2006/math">
+                      <m:oMathParaPr>
+                        <m:jc m:val="centerGroup"/>
+                      </m:oMathParaPr>
+                      <m:oMath xmlns:m="http://schemas.openxmlformats.org/officeDocument/2006/math">
+                        <m:sSub>
+                          <m:sSubPr>
+                            <m:ctrlPr>
+                              <a:rPr lang="pt-PT" i="1" smtClean="0">
+                                <a:solidFill>
+                                  <a:schemeClr val="tx1"/>
+                                </a:solidFill>
+                                <a:latin typeface="Cambria Math" panose="02040503050406030204" pitchFamily="18" charset="0"/>
+                              </a:rPr>
+                            </m:ctrlPr>
+                          </m:sSubPr>
+                          <m:e>
+                            <m:r>
+                              <a:rPr lang="pt-PT" b="0" i="1" smtClean="0">
+                                <a:solidFill>
+                                  <a:schemeClr val="tx1"/>
+                                </a:solidFill>
+                                <a:latin typeface="Cambria Math" panose="02040503050406030204" pitchFamily="18" charset="0"/>
+                              </a:rPr>
+                              <m:t>𝑣</m:t>
+                            </m:r>
+                          </m:e>
+                          <m:sub>
+                            <m:r>
+                              <a:rPr lang="pt-PT" b="0" i="1" smtClean="0">
+                                <a:solidFill>
+                                  <a:schemeClr val="tx1"/>
+                                </a:solidFill>
+                                <a:latin typeface="Cambria Math" panose="02040503050406030204" pitchFamily="18" charset="0"/>
+                              </a:rPr>
+                              <m:t>𝑓</m:t>
+                            </m:r>
+                          </m:sub>
+                        </m:sSub>
+                      </m:oMath>
+                    </m:oMathPara>
+                  </a14:m>
+                  <a:endParaRPr lang="pt-PT" dirty="0"/>
+                </a:p>
+              </p:txBody>
+            </p:sp>
+          </mc:Choice>
+          <mc:Fallback>
+            <p:sp>
+              <p:nvSpPr>
+                <p:cNvPr id="33" name="CaixaDeTexto 32">
+                  <a:extLst>
+                    <a:ext uri="{FF2B5EF4-FFF2-40B4-BE49-F238E27FC236}">
+                      <a16:creationId xmlns:a16="http://schemas.microsoft.com/office/drawing/2014/main" id="{6D9BE6A5-95C1-4033-82C5-D9B8F3EFBEA6}"/>
+                    </a:ext>
+                  </a:extLst>
+                </p:cNvPr>
+                <p:cNvSpPr txBox="1">
+                  <a:spLocks noRot="1" noChangeAspect="1" noMove="1" noResize="1" noEditPoints="1" noAdjustHandles="1" noChangeArrowheads="1" noChangeShapeType="1" noTextEdit="1"/>
+                </p:cNvSpPr>
+                <p:nvPr/>
+              </p:nvSpPr>
+              <p:spPr>
+                <a:xfrm>
+                  <a:off x="5472101" y="4005971"/>
+                  <a:ext cx="472694" cy="391582"/>
+                </a:xfrm>
+                <a:prstGeom prst="rect">
+                  <a:avLst/>
+                </a:prstGeom>
+                <a:blipFill>
+                  <a:blip r:embed="rId5"/>
+                  <a:stretch>
+                    <a:fillRect b="-10938"/>
+                  </a:stretch>
+                </a:blipFill>
+              </p:spPr>
+              <p:txBody>
+                <a:bodyPr/>
+                <a:lstStyle/>
+                <a:p>
+                  <a:r>
+                    <a:rPr lang="pt-PT">
+                      <a:noFill/>
+                    </a:rPr>
+                    <a:t> </a:t>
+                  </a:r>
+                </a:p>
+              </p:txBody>
+            </p:sp>
+          </mc:Fallback>
+        </mc:AlternateContent>
+        <mc:AlternateContent xmlns:mc="http://schemas.openxmlformats.org/markup-compatibility/2006">
+          <mc:Choice xmlns:a14="http://schemas.microsoft.com/office/drawing/2010/main" Requires="a14">
+            <p:sp>
+              <p:nvSpPr>
+                <p:cNvPr id="34" name="CaixaDeTexto 33">
+                  <a:extLst>
+                    <a:ext uri="{FF2B5EF4-FFF2-40B4-BE49-F238E27FC236}">
+                      <a16:creationId xmlns:a16="http://schemas.microsoft.com/office/drawing/2014/main" id="{9BE3D441-B6B1-4858-A30C-212C18082E4B}"/>
+                    </a:ext>
+                  </a:extLst>
+                </p:cNvPr>
+                <p:cNvSpPr txBox="1"/>
+                <p:nvPr/>
+              </p:nvSpPr>
+              <p:spPr>
+                <a:xfrm>
+                  <a:off x="4427368" y="4843315"/>
+                  <a:ext cx="483659" cy="369332"/>
+                </a:xfrm>
+                <a:prstGeom prst="rect">
+                  <a:avLst/>
+                </a:prstGeom>
+                <a:noFill/>
+              </p:spPr>
+              <p:txBody>
+                <a:bodyPr wrap="none" rtlCol="0">
+                  <a:spAutoFit/>
+                </a:bodyPr>
+                <a:lstStyle/>
+                <a:p>
+                  <a14:m>
+                    <m:oMathPara xmlns:m="http://schemas.openxmlformats.org/officeDocument/2006/math">
+                      <m:oMathParaPr>
+                        <m:jc m:val="centerGroup"/>
+                      </m:oMathParaPr>
+                      <m:oMath xmlns:m="http://schemas.openxmlformats.org/officeDocument/2006/math">
+                        <m:r>
+                          <m:rPr>
+                            <m:sty m:val="p"/>
+                          </m:rPr>
+                          <a:rPr lang="el-GR" i="1" smtClean="0">
+                            <a:solidFill>
+                              <a:schemeClr val="tx1"/>
+                            </a:solidFill>
+                            <a:latin typeface="Cambria Math" panose="02040503050406030204" pitchFamily="18" charset="0"/>
+                            <a:ea typeface="Cambria Math" panose="02040503050406030204" pitchFamily="18" charset="0"/>
+                          </a:rPr>
+                          <m:t>Δ</m:t>
+                        </m:r>
+                        <m:r>
+                          <a:rPr lang="pt-PT" i="1" smtClean="0">
+                            <a:solidFill>
+                              <a:schemeClr val="tx1"/>
+                            </a:solidFill>
+                            <a:latin typeface="Cambria Math" panose="02040503050406030204" pitchFamily="18" charset="0"/>
+                          </a:rPr>
+                          <m:t>𝑡</m:t>
+                        </m:r>
+                      </m:oMath>
+                    </m:oMathPara>
+                  </a14:m>
+                  <a:endParaRPr lang="pt-PT" dirty="0"/>
+                </a:p>
+              </p:txBody>
+            </p:sp>
+          </mc:Choice>
+          <mc:Fallback>
+            <p:sp>
+              <p:nvSpPr>
+                <p:cNvPr id="34" name="CaixaDeTexto 33">
+                  <a:extLst>
+                    <a:ext uri="{FF2B5EF4-FFF2-40B4-BE49-F238E27FC236}">
+                      <a16:creationId xmlns:a16="http://schemas.microsoft.com/office/drawing/2014/main" id="{9BE3D441-B6B1-4858-A30C-212C18082E4B}"/>
+                    </a:ext>
+                  </a:extLst>
+                </p:cNvPr>
+                <p:cNvSpPr txBox="1">
+                  <a:spLocks noRot="1" noChangeAspect="1" noMove="1" noResize="1" noEditPoints="1" noAdjustHandles="1" noChangeArrowheads="1" noChangeShapeType="1" noTextEdit="1"/>
+                </p:cNvSpPr>
+                <p:nvPr/>
+              </p:nvSpPr>
+              <p:spPr>
+                <a:xfrm>
+                  <a:off x="4427368" y="4843315"/>
+                  <a:ext cx="483659" cy="369332"/>
+                </a:xfrm>
+                <a:prstGeom prst="rect">
+                  <a:avLst/>
+                </a:prstGeom>
+                <a:blipFill>
+                  <a:blip r:embed="rId6"/>
+                  <a:stretch>
+                    <a:fillRect/>
+                  </a:stretch>
+                </a:blipFill>
+              </p:spPr>
+              <p:txBody>
+                <a:bodyPr/>
+                <a:lstStyle/>
+                <a:p>
+                  <a:r>
+                    <a:rPr lang="pt-PT">
+                      <a:noFill/>
+                    </a:rPr>
+                    <a:t> </a:t>
+                  </a:r>
+                </a:p>
+              </p:txBody>
+            </p:sp>
+          </mc:Fallback>
+        </mc:AlternateContent>
+        <mc:AlternateContent xmlns:mc="http://schemas.openxmlformats.org/markup-compatibility/2006">
+          <mc:Choice xmlns:a14="http://schemas.microsoft.com/office/drawing/2010/main" Requires="a14">
+            <p:sp>
+              <p:nvSpPr>
+                <p:cNvPr id="35" name="CaixaDeTexto 34">
+                  <a:extLst>
+                    <a:ext uri="{FF2B5EF4-FFF2-40B4-BE49-F238E27FC236}">
+                      <a16:creationId xmlns:a16="http://schemas.microsoft.com/office/drawing/2014/main" id="{7F1A9435-BD19-49F4-9125-6362B252E8A7}"/>
+                    </a:ext>
+                  </a:extLst>
+                </p:cNvPr>
+                <p:cNvSpPr txBox="1"/>
+                <p:nvPr/>
+              </p:nvSpPr>
+              <p:spPr>
+                <a:xfrm>
+                  <a:off x="6202378" y="4805505"/>
+                  <a:ext cx="345799" cy="369332"/>
+                </a:xfrm>
+                <a:prstGeom prst="rect">
+                  <a:avLst/>
+                </a:prstGeom>
+                <a:noFill/>
+              </p:spPr>
+              <p:txBody>
+                <a:bodyPr wrap="none" rtlCol="0">
+                  <a:spAutoFit/>
+                </a:bodyPr>
+                <a:lstStyle/>
+                <a:p>
+                  <a14:m>
+                    <m:oMathPara xmlns:m="http://schemas.openxmlformats.org/officeDocument/2006/math">
+                      <m:oMathParaPr>
+                        <m:jc m:val="centerGroup"/>
+                      </m:oMathParaPr>
+                      <m:oMath xmlns:m="http://schemas.openxmlformats.org/officeDocument/2006/math">
+                        <m:r>
+                          <a:rPr lang="pt-PT" b="0" i="1" smtClean="0">
+                            <a:solidFill>
+                              <a:schemeClr val="tx1"/>
+                            </a:solidFill>
+                            <a:latin typeface="Cambria Math" panose="02040503050406030204" pitchFamily="18" charset="0"/>
+                            <a:ea typeface="Cambria Math" panose="02040503050406030204" pitchFamily="18" charset="0"/>
+                          </a:rPr>
+                          <m:t>𝑡</m:t>
+                        </m:r>
+                      </m:oMath>
+                    </m:oMathPara>
+                  </a14:m>
+                  <a:endParaRPr lang="pt-PT" dirty="0"/>
+                </a:p>
+              </p:txBody>
+            </p:sp>
+          </mc:Choice>
+          <mc:Fallback>
+            <p:sp>
+              <p:nvSpPr>
+                <p:cNvPr id="35" name="CaixaDeTexto 34">
+                  <a:extLst>
+                    <a:ext uri="{FF2B5EF4-FFF2-40B4-BE49-F238E27FC236}">
+                      <a16:creationId xmlns:a16="http://schemas.microsoft.com/office/drawing/2014/main" id="{7F1A9435-BD19-49F4-9125-6362B252E8A7}"/>
+                    </a:ext>
+                  </a:extLst>
+                </p:cNvPr>
+                <p:cNvSpPr txBox="1">
+                  <a:spLocks noRot="1" noChangeAspect="1" noMove="1" noResize="1" noEditPoints="1" noAdjustHandles="1" noChangeArrowheads="1" noChangeShapeType="1" noTextEdit="1"/>
+                </p:cNvSpPr>
+                <p:nvPr/>
+              </p:nvSpPr>
+              <p:spPr>
+                <a:xfrm>
+                  <a:off x="6202378" y="4805505"/>
+                  <a:ext cx="345799" cy="369332"/>
+                </a:xfrm>
+                <a:prstGeom prst="rect">
+                  <a:avLst/>
+                </a:prstGeom>
+                <a:blipFill>
+                  <a:blip r:embed="rId7"/>
+                  <a:stretch>
+                    <a:fillRect/>
+                  </a:stretch>
+                </a:blipFill>
+              </p:spPr>
+              <p:txBody>
+                <a:bodyPr/>
+                <a:lstStyle/>
+                <a:p>
+                  <a:r>
+                    <a:rPr lang="pt-PT">
+                      <a:noFill/>
+                    </a:rPr>
+                    <a:t> </a:t>
+                  </a:r>
+                </a:p>
+              </p:txBody>
+            </p:sp>
+          </mc:Fallback>
+        </mc:AlternateContent>
+        <mc:AlternateContent xmlns:mc="http://schemas.openxmlformats.org/markup-compatibility/2006">
+          <mc:Choice xmlns:a14="http://schemas.microsoft.com/office/drawing/2010/main" Requires="a14">
+            <p:sp>
+              <p:nvSpPr>
+                <p:cNvPr id="36" name="CaixaDeTexto 35">
+                  <a:extLst>
+                    <a:ext uri="{FF2B5EF4-FFF2-40B4-BE49-F238E27FC236}">
+                      <a16:creationId xmlns:a16="http://schemas.microsoft.com/office/drawing/2014/main" id="{7888A2EA-BE6D-43B3-BFDF-C8217F7F40C3}"/>
+                    </a:ext>
+                  </a:extLst>
+                </p:cNvPr>
+                <p:cNvSpPr txBox="1"/>
+                <p:nvPr/>
+              </p:nvSpPr>
+              <p:spPr>
+                <a:xfrm>
+                  <a:off x="2751288" y="1947194"/>
+                  <a:ext cx="380552" cy="369332"/>
+                </a:xfrm>
+                <a:prstGeom prst="rect">
+                  <a:avLst/>
+                </a:prstGeom>
+                <a:noFill/>
+              </p:spPr>
+              <p:txBody>
+                <a:bodyPr wrap="none" rtlCol="0">
+                  <a:spAutoFit/>
+                </a:bodyPr>
+                <a:lstStyle/>
+                <a:p>
+                  <a14:m>
+                    <m:oMathPara xmlns:m="http://schemas.openxmlformats.org/officeDocument/2006/math">
+                      <m:oMathParaPr>
+                        <m:jc m:val="centerGroup"/>
+                      </m:oMathParaPr>
+                      <m:oMath xmlns:m="http://schemas.openxmlformats.org/officeDocument/2006/math">
+                        <m:r>
+                          <a:rPr lang="pt-PT" b="0" i="1" smtClean="0">
+                            <a:solidFill>
+                              <a:schemeClr val="tx1"/>
+                            </a:solidFill>
+                            <a:latin typeface="Cambria Math" panose="02040503050406030204" pitchFamily="18" charset="0"/>
+                            <a:ea typeface="Cambria Math" panose="02040503050406030204" pitchFamily="18" charset="0"/>
+                          </a:rPr>
+                          <m:t>𝑣</m:t>
+                        </m:r>
+                      </m:oMath>
+                    </m:oMathPara>
+                  </a14:m>
+                  <a:endParaRPr lang="pt-PT" dirty="0"/>
+                </a:p>
+              </p:txBody>
+            </p:sp>
+          </mc:Choice>
+          <mc:Fallback>
+            <p:sp>
+              <p:nvSpPr>
+                <p:cNvPr id="36" name="CaixaDeTexto 35">
+                  <a:extLst>
+                    <a:ext uri="{FF2B5EF4-FFF2-40B4-BE49-F238E27FC236}">
+                      <a16:creationId xmlns:a16="http://schemas.microsoft.com/office/drawing/2014/main" id="{7888A2EA-BE6D-43B3-BFDF-C8217F7F40C3}"/>
+                    </a:ext>
+                  </a:extLst>
+                </p:cNvPr>
+                <p:cNvSpPr txBox="1">
+                  <a:spLocks noRot="1" noChangeAspect="1" noMove="1" noResize="1" noEditPoints="1" noAdjustHandles="1" noChangeArrowheads="1" noChangeShapeType="1" noTextEdit="1"/>
+                </p:cNvSpPr>
+                <p:nvPr/>
+              </p:nvSpPr>
+              <p:spPr>
+                <a:xfrm>
+                  <a:off x="2751288" y="1947194"/>
+                  <a:ext cx="380552" cy="369332"/>
+                </a:xfrm>
+                <a:prstGeom prst="rect">
+                  <a:avLst/>
+                </a:prstGeom>
+                <a:blipFill>
+                  <a:blip r:embed="rId8"/>
+                  <a:stretch>
+                    <a:fillRect/>
+                  </a:stretch>
+                </a:blipFill>
+              </p:spPr>
+              <p:txBody>
+                <a:bodyPr/>
+                <a:lstStyle/>
+                <a:p>
+                  <a:r>
+                    <a:rPr lang="pt-PT">
+                      <a:noFill/>
+                    </a:rPr>
+                    <a:t> </a:t>
+                  </a:r>
+                </a:p>
+              </p:txBody>
+            </p:sp>
+          </mc:Fallback>
+        </mc:AlternateContent>
+        <mc:AlternateContent xmlns:mc="http://schemas.openxmlformats.org/markup-compatibility/2006">
+          <mc:Choice xmlns:a14="http://schemas.microsoft.com/office/drawing/2010/main" Requires="a14">
+            <p:sp>
+              <p:nvSpPr>
+                <p:cNvPr id="37" name="CaixaDeTexto 36">
+                  <a:extLst>
+                    <a:ext uri="{FF2B5EF4-FFF2-40B4-BE49-F238E27FC236}">
+                      <a16:creationId xmlns:a16="http://schemas.microsoft.com/office/drawing/2014/main" id="{950A45D1-1DD5-4F79-B658-D42530856871}"/>
+                    </a:ext>
+                  </a:extLst>
+                </p:cNvPr>
+                <p:cNvSpPr txBox="1"/>
+                <p:nvPr/>
+              </p:nvSpPr>
+              <p:spPr>
+                <a:xfrm>
+                  <a:off x="5761245" y="3323458"/>
+                  <a:ext cx="669927" cy="369332"/>
+                </a:xfrm>
+                <a:prstGeom prst="rect">
+                  <a:avLst/>
+                </a:prstGeom>
+                <a:noFill/>
+              </p:spPr>
+              <p:txBody>
+                <a:bodyPr wrap="none" rtlCol="0">
+                  <a:spAutoFit/>
+                </a:bodyPr>
+                <a:lstStyle/>
+                <a:p>
+                  <a14:m>
+                    <m:oMathPara xmlns:m="http://schemas.openxmlformats.org/officeDocument/2006/math">
+                      <m:oMathParaPr>
+                        <m:jc m:val="centerGroup"/>
+                      </m:oMathParaPr>
+                      <m:oMath xmlns:m="http://schemas.openxmlformats.org/officeDocument/2006/math">
+                        <m:r>
+                          <a:rPr lang="pt-PT" b="0" i="1" smtClean="0">
+                            <a:solidFill>
+                              <a:schemeClr val="tx1"/>
+                            </a:solidFill>
+                            <a:latin typeface="Cambria Math" panose="02040503050406030204" pitchFamily="18" charset="0"/>
+                            <a:ea typeface="Cambria Math" panose="02040503050406030204" pitchFamily="18" charset="0"/>
+                          </a:rPr>
+                          <m:t>𝑣</m:t>
+                        </m:r>
+                        <m:r>
+                          <a:rPr lang="pt-PT" b="0" i="1" smtClean="0">
+                            <a:solidFill>
+                              <a:schemeClr val="tx1"/>
+                            </a:solidFill>
+                            <a:latin typeface="Cambria Math" panose="02040503050406030204" pitchFamily="18" charset="0"/>
+                            <a:ea typeface="Cambria Math" panose="02040503050406030204" pitchFamily="18" charset="0"/>
+                          </a:rPr>
+                          <m:t>(</m:t>
+                        </m:r>
+                        <m:r>
+                          <a:rPr lang="pt-PT" b="0" i="1" smtClean="0">
+                            <a:solidFill>
+                              <a:schemeClr val="tx1"/>
+                            </a:solidFill>
+                            <a:latin typeface="Cambria Math" panose="02040503050406030204" pitchFamily="18" charset="0"/>
+                            <a:ea typeface="Cambria Math" panose="02040503050406030204" pitchFamily="18" charset="0"/>
+                          </a:rPr>
+                          <m:t>𝑡</m:t>
+                        </m:r>
+                        <m:r>
+                          <a:rPr lang="pt-PT" b="0" i="1" smtClean="0">
+                            <a:solidFill>
+                              <a:schemeClr val="tx1"/>
+                            </a:solidFill>
+                            <a:latin typeface="Cambria Math" panose="02040503050406030204" pitchFamily="18" charset="0"/>
+                            <a:ea typeface="Cambria Math" panose="02040503050406030204" pitchFamily="18" charset="0"/>
+                          </a:rPr>
+                          <m:t>)</m:t>
+                        </m:r>
+                      </m:oMath>
+                    </m:oMathPara>
+                  </a14:m>
+                  <a:endParaRPr lang="pt-PT" dirty="0">
+                    <a:solidFill>
+                      <a:schemeClr val="tx1"/>
+                    </a:solidFill>
+                  </a:endParaRPr>
+                </a:p>
+              </p:txBody>
+            </p:sp>
+          </mc:Choice>
+          <mc:Fallback>
+            <p:sp>
+              <p:nvSpPr>
+                <p:cNvPr id="37" name="CaixaDeTexto 36">
+                  <a:extLst>
+                    <a:ext uri="{FF2B5EF4-FFF2-40B4-BE49-F238E27FC236}">
+                      <a16:creationId xmlns:a16="http://schemas.microsoft.com/office/drawing/2014/main" id="{950A45D1-1DD5-4F79-B658-D42530856871}"/>
+                    </a:ext>
+                  </a:extLst>
+                </p:cNvPr>
+                <p:cNvSpPr txBox="1">
+                  <a:spLocks noRot="1" noChangeAspect="1" noMove="1" noResize="1" noEditPoints="1" noAdjustHandles="1" noChangeArrowheads="1" noChangeShapeType="1" noTextEdit="1"/>
+                </p:cNvSpPr>
+                <p:nvPr/>
+              </p:nvSpPr>
+              <p:spPr>
+                <a:xfrm>
+                  <a:off x="5761245" y="3323458"/>
+                  <a:ext cx="669927" cy="369332"/>
+                </a:xfrm>
+                <a:prstGeom prst="rect">
+                  <a:avLst/>
+                </a:prstGeom>
+                <a:blipFill>
+                  <a:blip r:embed="rId9"/>
+                  <a:stretch>
+                    <a:fillRect b="-14754"/>
+                  </a:stretch>
+                </a:blipFill>
+              </p:spPr>
+              <p:txBody>
+                <a:bodyPr/>
+                <a:lstStyle/>
+                <a:p>
+                  <a:r>
+                    <a:rPr lang="pt-PT">
+                      <a:noFill/>
+                    </a:rPr>
+                    <a:t> </a:t>
+                  </a:r>
+                </a:p>
+              </p:txBody>
+            </p:sp>
+          </mc:Fallback>
+        </mc:AlternateContent>
+      </p:grpSp>
+      <mc:AlternateContent xmlns:mc="http://schemas.openxmlformats.org/markup-compatibility/2006">
+        <mc:Choice xmlns:a14="http://schemas.microsoft.com/office/drawing/2010/main" Requires="a14">
+          <p:sp>
+            <p:nvSpPr>
+              <p:cNvPr id="39" name="CaixaDeTexto 38">
+                <a:extLst>
+                  <a:ext uri="{FF2B5EF4-FFF2-40B4-BE49-F238E27FC236}">
+                    <a16:creationId xmlns:a16="http://schemas.microsoft.com/office/drawing/2014/main" id="{004F9EF9-B4CF-4E06-BDA8-FA6F5D82A701}"/>
+                  </a:ext>
+                </a:extLst>
+              </p:cNvPr>
+              <p:cNvSpPr txBox="1"/>
+              <p:nvPr/>
+            </p:nvSpPr>
+            <p:spPr>
+              <a:xfrm>
+                <a:off x="4812541" y="5612105"/>
+                <a:ext cx="3397533" cy="696344"/>
+              </a:xfrm>
+              <a:prstGeom prst="rect">
+                <a:avLst/>
+              </a:prstGeom>
+              <a:noFill/>
+            </p:spPr>
+            <p:txBody>
+              <a:bodyPr wrap="none" rtlCol="0">
+                <a:spAutoFit/>
+              </a:bodyPr>
+              <a:lstStyle/>
+              <a:p>
+                <a14:m>
+                  <m:oMathPara xmlns:m="http://schemas.openxmlformats.org/officeDocument/2006/math">
+                    <m:oMathParaPr>
+                      <m:jc m:val="centerGroup"/>
+                    </m:oMathParaPr>
+                    <m:oMath xmlns:m="http://schemas.openxmlformats.org/officeDocument/2006/math">
+                      <m:r>
+                        <a:rPr lang="pt-PT" b="0" i="1" smtClean="0">
+                          <a:solidFill>
+                            <a:schemeClr val="tx1"/>
+                          </a:solidFill>
+                          <a:latin typeface="Cambria Math" panose="02040503050406030204" pitchFamily="18" charset="0"/>
+                          <a:ea typeface="Cambria Math" panose="02040503050406030204" pitchFamily="18" charset="0"/>
+                        </a:rPr>
+                        <m:t>𝑑</m:t>
+                      </m:r>
+                      <m:r>
+                        <a:rPr lang="pt-PT" b="0" i="1" smtClean="0">
+                          <a:solidFill>
+                            <a:schemeClr val="tx1"/>
+                          </a:solidFill>
+                          <a:latin typeface="Cambria Math" panose="02040503050406030204" pitchFamily="18" charset="0"/>
+                          <a:ea typeface="Cambria Math" panose="02040503050406030204" pitchFamily="18" charset="0"/>
+                        </a:rPr>
+                        <m:t>=</m:t>
+                      </m:r>
+                      <m:f>
+                        <m:fPr>
+                          <m:ctrlPr>
+                            <a:rPr lang="pt-PT" b="0" i="1" smtClean="0">
+                              <a:solidFill>
+                                <a:schemeClr val="tx1"/>
+                              </a:solidFill>
+                              <a:latin typeface="Cambria Math" panose="02040503050406030204" pitchFamily="18" charset="0"/>
+                            </a:rPr>
+                          </m:ctrlPr>
+                        </m:fPr>
+                        <m:num>
+                          <m:sSub>
+                            <m:sSubPr>
+                              <m:ctrlPr>
+                                <a:rPr lang="pt-PT" i="1">
+                                  <a:solidFill>
+                                    <a:schemeClr val="tx1"/>
+                                  </a:solidFill>
+                                  <a:latin typeface="Cambria Math" panose="02040503050406030204" pitchFamily="18" charset="0"/>
+                                </a:rPr>
+                              </m:ctrlPr>
+                            </m:sSubPr>
+                            <m:e>
+                              <m:sSub>
+                                <m:sSubPr>
+                                  <m:ctrlPr>
+                                    <a:rPr lang="pt-PT" i="1">
+                                      <a:solidFill>
+                                        <a:schemeClr val="tx1"/>
+                                      </a:solidFill>
+                                      <a:latin typeface="Cambria Math" panose="02040503050406030204" pitchFamily="18" charset="0"/>
+                                    </a:rPr>
+                                  </m:ctrlPr>
+                                </m:sSubPr>
+                                <m:e>
+                                  <m:r>
+                                    <a:rPr lang="pt-PT" i="1">
+                                      <a:solidFill>
+                                        <a:schemeClr val="tx1"/>
+                                      </a:solidFill>
+                                      <a:latin typeface="Cambria Math" panose="02040503050406030204" pitchFamily="18" charset="0"/>
+                                    </a:rPr>
+                                    <m:t>𝑣</m:t>
+                                  </m:r>
+                                </m:e>
+                                <m:sub>
+                                  <m:r>
+                                    <a:rPr lang="pt-PT" i="1">
+                                      <a:solidFill>
+                                        <a:schemeClr val="tx1"/>
+                                      </a:solidFill>
+                                      <a:latin typeface="Cambria Math" panose="02040503050406030204" pitchFamily="18" charset="0"/>
+                                    </a:rPr>
+                                    <m:t>𝑓</m:t>
+                                  </m:r>
+                                </m:sub>
+                              </m:sSub>
+                              <m:r>
+                                <a:rPr lang="pt-PT" i="1">
+                                  <a:solidFill>
+                                    <a:schemeClr val="tx1"/>
+                                  </a:solidFill>
+                                  <a:latin typeface="Cambria Math" panose="02040503050406030204" pitchFamily="18" charset="0"/>
+                                </a:rPr>
+                                <m:t>+</m:t>
+                              </m:r>
+                              <m:r>
+                                <a:rPr lang="pt-PT" i="1">
+                                  <a:solidFill>
+                                    <a:schemeClr val="tx1"/>
+                                  </a:solidFill>
+                                  <a:latin typeface="Cambria Math" panose="02040503050406030204" pitchFamily="18" charset="0"/>
+                                </a:rPr>
+                                <m:t>𝑣</m:t>
+                              </m:r>
+                            </m:e>
+                            <m:sub>
+                              <m:r>
+                                <a:rPr lang="pt-PT" b="0" i="1" smtClean="0">
+                                  <a:solidFill>
+                                    <a:schemeClr val="tx1"/>
+                                  </a:solidFill>
+                                  <a:latin typeface="Cambria Math" panose="02040503050406030204" pitchFamily="18" charset="0"/>
+                                </a:rPr>
+                                <m:t>𝑖</m:t>
+                              </m:r>
+                            </m:sub>
+                          </m:sSub>
+                        </m:num>
+                        <m:den>
+                          <m:r>
+                            <a:rPr lang="pt-PT" b="0" i="1" smtClean="0">
+                              <a:solidFill>
+                                <a:schemeClr val="tx1"/>
+                              </a:solidFill>
+                              <a:latin typeface="Cambria Math" panose="02040503050406030204" pitchFamily="18" charset="0"/>
+                            </a:rPr>
+                            <m:t>2</m:t>
+                          </m:r>
+                        </m:den>
+                      </m:f>
+                      <m:r>
+                        <m:rPr>
+                          <m:sty m:val="p"/>
+                        </m:rPr>
+                        <a:rPr lang="el-GR" i="1" smtClean="0">
+                          <a:solidFill>
+                            <a:schemeClr val="tx1"/>
+                          </a:solidFill>
+                          <a:latin typeface="Cambria Math" panose="02040503050406030204" pitchFamily="18" charset="0"/>
+                          <a:ea typeface="Cambria Math" panose="02040503050406030204" pitchFamily="18" charset="0"/>
+                        </a:rPr>
+                        <m:t>Δ</m:t>
+                      </m:r>
+                      <m:r>
+                        <a:rPr lang="pt-PT" i="1" smtClean="0">
+                          <a:solidFill>
+                            <a:schemeClr val="tx1"/>
+                          </a:solidFill>
+                          <a:latin typeface="Cambria Math" panose="02040503050406030204" pitchFamily="18" charset="0"/>
+                        </a:rPr>
+                        <m:t>𝑡</m:t>
+                      </m:r>
+                      <m:r>
+                        <a:rPr lang="pt-PT" b="0" i="1" smtClean="0">
+                          <a:solidFill>
+                            <a:schemeClr val="tx1"/>
+                          </a:solidFill>
+                          <a:latin typeface="Cambria Math" panose="02040503050406030204" pitchFamily="18" charset="0"/>
+                        </a:rPr>
+                        <m:t> </m:t>
+                      </m:r>
+                      <m:r>
+                        <a:rPr lang="pt-PT" i="1" smtClean="0">
+                          <a:solidFill>
+                            <a:schemeClr val="tx1"/>
+                          </a:solidFill>
+                          <a:latin typeface="Cambria Math" panose="02040503050406030204" pitchFamily="18" charset="0"/>
+                          <a:ea typeface="Cambria Math" panose="02040503050406030204" pitchFamily="18" charset="0"/>
+                        </a:rPr>
+                        <m:t>⟺</m:t>
+                      </m:r>
+                      <m:r>
+                        <a:rPr lang="pt-PT" b="0" i="1" smtClean="0">
+                          <a:solidFill>
+                            <a:schemeClr val="tx1"/>
+                          </a:solidFill>
+                          <a:latin typeface="Cambria Math" panose="02040503050406030204" pitchFamily="18" charset="0"/>
+                          <a:ea typeface="Cambria Math" panose="02040503050406030204" pitchFamily="18" charset="0"/>
+                        </a:rPr>
+                        <m:t> </m:t>
+                      </m:r>
+                      <m:r>
+                        <m:rPr>
+                          <m:sty m:val="p"/>
+                        </m:rPr>
+                        <a:rPr lang="el-GR" i="1">
+                          <a:solidFill>
+                            <a:schemeClr val="tx1"/>
+                          </a:solidFill>
+                          <a:latin typeface="Cambria Math" panose="02040503050406030204" pitchFamily="18" charset="0"/>
+                          <a:ea typeface="Cambria Math" panose="02040503050406030204" pitchFamily="18" charset="0"/>
+                        </a:rPr>
+                        <m:t>Δ</m:t>
+                      </m:r>
+                      <m:r>
+                        <a:rPr lang="pt-PT" b="0" i="1" smtClean="0">
+                          <a:solidFill>
+                            <a:schemeClr val="tx1"/>
+                          </a:solidFill>
+                          <a:latin typeface="Cambria Math" panose="02040503050406030204" pitchFamily="18" charset="0"/>
+                          <a:ea typeface="Cambria Math" panose="02040503050406030204" pitchFamily="18" charset="0"/>
+                        </a:rPr>
+                        <m:t>𝑡</m:t>
+                      </m:r>
+                      <m:r>
+                        <a:rPr lang="pt-PT" b="0" i="1" smtClean="0">
+                          <a:solidFill>
+                            <a:schemeClr val="tx1"/>
+                          </a:solidFill>
+                          <a:latin typeface="Cambria Math" panose="02040503050406030204" pitchFamily="18" charset="0"/>
+                          <a:ea typeface="Cambria Math" panose="02040503050406030204" pitchFamily="18" charset="0"/>
+                        </a:rPr>
+                        <m:t>=</m:t>
+                      </m:r>
+                      <m:f>
+                        <m:fPr>
+                          <m:ctrlPr>
+                            <a:rPr lang="pt-PT" i="1">
+                              <a:solidFill>
+                                <a:schemeClr val="tx1"/>
+                              </a:solidFill>
+                              <a:latin typeface="Cambria Math" panose="02040503050406030204" pitchFamily="18" charset="0"/>
+                            </a:rPr>
+                          </m:ctrlPr>
+                        </m:fPr>
+                        <m:num>
+                          <m:r>
+                            <a:rPr lang="pt-PT" b="0" i="1" smtClean="0">
+                              <a:solidFill>
+                                <a:schemeClr val="tx1"/>
+                              </a:solidFill>
+                              <a:latin typeface="Cambria Math" panose="02040503050406030204" pitchFamily="18" charset="0"/>
+                            </a:rPr>
+                            <m:t>2</m:t>
+                          </m:r>
+                          <m:r>
+                            <a:rPr lang="pt-PT" b="0" i="1" smtClean="0">
+                              <a:solidFill>
+                                <a:schemeClr val="tx1"/>
+                              </a:solidFill>
+                              <a:latin typeface="Cambria Math" panose="02040503050406030204" pitchFamily="18" charset="0"/>
+                            </a:rPr>
+                            <m:t>𝑑</m:t>
+                          </m:r>
+                        </m:num>
+                        <m:den>
+                          <m:sSub>
+                            <m:sSubPr>
+                              <m:ctrlPr>
+                                <a:rPr lang="pt-PT" i="1">
+                                  <a:solidFill>
+                                    <a:schemeClr val="tx1"/>
+                                  </a:solidFill>
+                                  <a:latin typeface="Cambria Math" panose="02040503050406030204" pitchFamily="18" charset="0"/>
+                                </a:rPr>
+                              </m:ctrlPr>
+                            </m:sSubPr>
+                            <m:e>
+                              <m:sSub>
+                                <m:sSubPr>
+                                  <m:ctrlPr>
+                                    <a:rPr lang="pt-PT" i="1">
+                                      <a:solidFill>
+                                        <a:schemeClr val="tx1"/>
+                                      </a:solidFill>
+                                      <a:latin typeface="Cambria Math" panose="02040503050406030204" pitchFamily="18" charset="0"/>
+                                    </a:rPr>
+                                  </m:ctrlPr>
+                                </m:sSubPr>
+                                <m:e>
+                                  <m:r>
+                                    <a:rPr lang="pt-PT" i="1">
+                                      <a:solidFill>
+                                        <a:schemeClr val="tx1"/>
+                                      </a:solidFill>
+                                      <a:latin typeface="Cambria Math" panose="02040503050406030204" pitchFamily="18" charset="0"/>
+                                    </a:rPr>
+                                    <m:t>𝑣</m:t>
+                                  </m:r>
+                                </m:e>
+                                <m:sub>
+                                  <m:r>
+                                    <a:rPr lang="pt-PT" i="1">
+                                      <a:solidFill>
+                                        <a:schemeClr val="tx1"/>
+                                      </a:solidFill>
+                                      <a:latin typeface="Cambria Math" panose="02040503050406030204" pitchFamily="18" charset="0"/>
+                                    </a:rPr>
+                                    <m:t>𝑓</m:t>
+                                  </m:r>
+                                </m:sub>
+                              </m:sSub>
+                              <m:r>
+                                <a:rPr lang="pt-PT" i="1">
+                                  <a:solidFill>
+                                    <a:schemeClr val="tx1"/>
+                                  </a:solidFill>
+                                  <a:latin typeface="Cambria Math" panose="02040503050406030204" pitchFamily="18" charset="0"/>
+                                </a:rPr>
+                                <m:t>+</m:t>
+                              </m:r>
+                              <m:r>
+                                <a:rPr lang="pt-PT" i="1">
+                                  <a:solidFill>
+                                    <a:schemeClr val="tx1"/>
+                                  </a:solidFill>
+                                  <a:latin typeface="Cambria Math" panose="02040503050406030204" pitchFamily="18" charset="0"/>
+                                </a:rPr>
+                                <m:t>𝑣</m:t>
+                              </m:r>
+                            </m:e>
+                            <m:sub>
+                              <m:r>
+                                <a:rPr lang="pt-PT" i="1">
+                                  <a:solidFill>
+                                    <a:schemeClr val="tx1"/>
+                                  </a:solidFill>
+                                  <a:latin typeface="Cambria Math" panose="02040503050406030204" pitchFamily="18" charset="0"/>
+                                </a:rPr>
+                                <m:t>𝑖</m:t>
+                              </m:r>
+                            </m:sub>
+                          </m:sSub>
+                        </m:den>
+                      </m:f>
+                    </m:oMath>
+                  </m:oMathPara>
+                </a14:m>
+                <a:endParaRPr lang="pt-PT" dirty="0"/>
+              </a:p>
+            </p:txBody>
+          </p:sp>
+        </mc:Choice>
+        <mc:Fallback>
+          <p:sp>
+            <p:nvSpPr>
+              <p:cNvPr id="39" name="CaixaDeTexto 38">
+                <a:extLst>
+                  <a:ext uri="{FF2B5EF4-FFF2-40B4-BE49-F238E27FC236}">
+                    <a16:creationId xmlns:a16="http://schemas.microsoft.com/office/drawing/2014/main" id="{004F9EF9-B4CF-4E06-BDA8-FA6F5D82A701}"/>
+                  </a:ext>
+                </a:extLst>
+              </p:cNvPr>
+              <p:cNvSpPr txBox="1">
+                <a:spLocks noRot="1" noChangeAspect="1" noMove="1" noResize="1" noEditPoints="1" noAdjustHandles="1" noChangeArrowheads="1" noChangeShapeType="1" noTextEdit="1"/>
+              </p:cNvSpPr>
+              <p:nvPr/>
+            </p:nvSpPr>
+            <p:spPr>
+              <a:xfrm>
+                <a:off x="4812541" y="5612105"/>
+                <a:ext cx="3397533" cy="696344"/>
+              </a:xfrm>
+              <a:prstGeom prst="rect">
+                <a:avLst/>
+              </a:prstGeom>
+              <a:blipFill>
+                <a:blip r:embed="rId10"/>
+                <a:stretch>
+                  <a:fillRect/>
+                </a:stretch>
+              </a:blipFill>
+            </p:spPr>
+            <p:txBody>
+              <a:bodyPr/>
+              <a:lstStyle/>
+              <a:p>
+                <a:r>
+                  <a:rPr lang="pt-PT">
+                    <a:noFill/>
+                  </a:rPr>
+                  <a:t> </a:t>
+                </a:r>
+              </a:p>
+            </p:txBody>
+          </p:sp>
+        </mc:Fallback>
+      </mc:AlternateContent>
     </p:spTree>
   </p:cSld>
   <p:clrMapOvr>
@@ -26785,70 +25898,6 @@
       </p:sp>
       <p:sp>
         <p:nvSpPr>
-          <p:cNvPr id="8195" name="Text Box 3">
-            <a:extLst>
-              <a:ext uri="{FF2B5EF4-FFF2-40B4-BE49-F238E27FC236}">
-                <a16:creationId xmlns:a16="http://schemas.microsoft.com/office/drawing/2014/main" id="{E1B6E084-EAF3-4B55-951E-133B4AE3CF5B}"/>
-              </a:ext>
-            </a:extLst>
-          </p:cNvPr>
-          <p:cNvSpPr txBox="1">
-            <a:spLocks noChangeArrowheads="1"/>
-          </p:cNvSpPr>
-          <p:nvPr/>
-        </p:nvSpPr>
-        <p:spPr bwMode="auto">
-          <a:xfrm>
-            <a:off x="1907704" y="1773237"/>
-            <a:ext cx="5328592" cy="4352925"/>
-          </a:xfrm>
-          <a:prstGeom prst="rect">
-            <a:avLst/>
-          </a:prstGeom>
-          <a:noFill/>
-          <a:ln>
-            <a:noFill/>
-          </a:ln>
-          <a:effectLst/>
-          <a:extLst>
-            <a:ext uri="{909E8E84-426E-40DD-AFC4-6F175D3DCCD1}">
-              <a14:hiddenFill xmlns:a14="http://schemas.microsoft.com/office/drawing/2010/main">
-                <a:solidFill>
-                  <a:srgbClr val="FFFFFF"/>
-                </a:solidFill>
-              </a14:hiddenFill>
-            </a:ext>
-            <a:ext uri="{91240B29-F687-4F45-9708-019B960494DF}">
-              <a14:hiddenLine xmlns:a14="http://schemas.microsoft.com/office/drawing/2010/main" w="9525" cap="flat">
-                <a:solidFill>
-                  <a:srgbClr val="3465A4"/>
-                </a:solidFill>
-                <a:round/>
-                <a:headEnd/>
-                <a:tailEnd/>
-              </a14:hiddenLine>
-            </a:ext>
-            <a:ext uri="{AF507438-7753-43E0-B8FC-AC1667EBCBE1}">
-              <a14:hiddenEffects xmlns:a14="http://schemas.microsoft.com/office/drawing/2010/main">
-                <a:effectLst>
-                  <a:outerShdw dist="35921" dir="2700000" algn="ctr" rotWithShape="0">
-                    <a:srgbClr val="808080"/>
-                  </a:outerShdw>
-                </a:effectLst>
-              </a14:hiddenEffects>
-            </a:ext>
-          </a:extLst>
-        </p:spPr>
-        <p:txBody>
-          <a:bodyPr wrap="none" anchor="ctr"/>
-          <a:lstStyle/>
-          <a:p>
-            <a:endParaRPr lang="pt-PT"/>
-          </a:p>
-        </p:txBody>
-      </p:sp>
-      <p:sp>
-        <p:nvSpPr>
           <p:cNvPr id="8196" name="Rectangle 4">
             <a:extLst>
               <a:ext uri="{FF2B5EF4-FFF2-40B4-BE49-F238E27FC236}">
@@ -26907,44 +25956,2094 @@
               </a:tabLst>
             </a:pPr>
             <a:r>
-              <a:rPr lang="en-US" altLang="pt-PT" sz="2800">
+              <a:rPr lang="en-US" altLang="pt-PT" sz="2800" dirty="0" err="1">
                 <a:solidFill>
                   <a:srgbClr val="000000"/>
                 </a:solidFill>
               </a:rPr>
               <a:t>Questões</a:t>
             </a:r>
+            <a:r>
+              <a:rPr lang="en-US" altLang="pt-PT" sz="2800" dirty="0">
+                <a:solidFill>
+                  <a:srgbClr val="000000"/>
+                </a:solidFill>
+              </a:rPr>
+              <a:t> </a:t>
+            </a:r>
+            <a:r>
+              <a:rPr lang="en-US" altLang="pt-PT" sz="2800" dirty="0" err="1">
+                <a:solidFill>
+                  <a:srgbClr val="000000"/>
+                </a:solidFill>
+              </a:rPr>
+              <a:t>Probabilísticas</a:t>
+            </a:r>
+            <a:endParaRPr lang="en-US" altLang="pt-PT" sz="2800" dirty="0">
+              <a:solidFill>
+                <a:srgbClr val="000000"/>
+              </a:solidFill>
+            </a:endParaRPr>
           </a:p>
         </p:txBody>
       </p:sp>
-      <p:graphicFrame>
-        <p:nvGraphicFramePr>
-          <p:cNvPr id="2" name="Diagrama 1">
+      <p:sp>
+        <p:nvSpPr>
+          <p:cNvPr id="3" name="Oval 2">
             <a:extLst>
               <a:ext uri="{FF2B5EF4-FFF2-40B4-BE49-F238E27FC236}">
-                <a16:creationId xmlns:a16="http://schemas.microsoft.com/office/drawing/2014/main" id="{512210D9-76C5-402C-80D6-6A6A36CC5F75}"/>
+                <a16:creationId xmlns:a16="http://schemas.microsoft.com/office/drawing/2014/main" id="{A6CF6555-C4E1-42EB-87B4-42A3B193B8DC}"/>
               </a:ext>
             </a:extLst>
           </p:cNvPr>
-          <p:cNvGraphicFramePr/>
+          <p:cNvSpPr/>
+          <p:nvPr/>
+        </p:nvSpPr>
+        <p:spPr bwMode="auto">
+          <a:xfrm>
+            <a:off x="2953817" y="2277050"/>
+            <a:ext cx="1296144" cy="794523"/>
+          </a:xfrm>
+          <a:prstGeom prst="ellipse">
+            <a:avLst/>
+          </a:prstGeom>
+          <a:solidFill>
+            <a:schemeClr val="bg1">
+              <a:lumMod val="75000"/>
+            </a:schemeClr>
+          </a:solidFill>
+          <a:ln w="9525" cap="flat" cmpd="sng" algn="ctr">
+            <a:solidFill>
+              <a:schemeClr val="tx1"/>
+            </a:solidFill>
+            <a:prstDash val="solid"/>
+            <a:round/>
+            <a:headEnd type="none" w="med" len="med"/>
+            <a:tailEnd type="none" w="med" len="med"/>
+          </a:ln>
+          <a:effectLst/>
+        </p:spPr>
+        <p:txBody>
+          <a:bodyPr vert="horz" wrap="square" lIns="91440" tIns="45720" rIns="91440" bIns="45720" numCol="1" rtlCol="0" anchor="t" anchorCtr="0" compatLnSpc="1">
+            <a:prstTxWarp prst="textNoShape">
+              <a:avLst/>
+            </a:prstTxWarp>
+          </a:bodyPr>
+          <a:lstStyle/>
+          <a:p>
+            <a:pPr marL="0" marR="0" indent="0" algn="ctr" defTabSz="457200" rtl="0" eaLnBrk="0" fontAlgn="base" latinLnBrk="0" hangingPunct="0">
+              <a:lnSpc>
+                <a:spcPct val="200000"/>
+              </a:lnSpc>
+              <a:spcBef>
+                <a:spcPct val="0"/>
+              </a:spcBef>
+              <a:spcAft>
+                <a:spcPct val="0"/>
+              </a:spcAft>
+              <a:buClr>
+                <a:srgbClr val="000000"/>
+              </a:buClr>
+              <a:buSzPct val="100000"/>
+              <a:buFont typeface="Times New Roman" panose="02020603050405020304" pitchFamily="18" charset="0"/>
+              <a:buNone/>
+              <a:tabLst/>
+            </a:pPr>
+            <a:r>
+              <a:rPr kumimoji="0" lang="pt-PT" sz="1400" b="0" i="0" u="none" strike="noStrike" cap="none" normalizeH="0" baseline="0" dirty="0">
+                <a:ln>
+                  <a:noFill/>
+                </a:ln>
+                <a:solidFill>
+                  <a:schemeClr val="tx1"/>
+                </a:solidFill>
+                <a:effectLst/>
+                <a:latin typeface="Arial" panose="020B0604020202020204" pitchFamily="34" charset="0"/>
+                <a:cs typeface="Bitstream Vera Sans" charset="0"/>
+              </a:rPr>
+              <a:t>Cadeira</a:t>
+            </a:r>
+          </a:p>
+        </p:txBody>
+      </p:sp>
+      <p:cxnSp>
+        <p:nvCxnSpPr>
+          <p:cNvPr id="5" name="Conexão reta unidirecional 4">
+            <a:extLst>
+              <a:ext uri="{FF2B5EF4-FFF2-40B4-BE49-F238E27FC236}">
+                <a16:creationId xmlns:a16="http://schemas.microsoft.com/office/drawing/2014/main" id="{B553AC33-08DC-4141-9494-517BF6466017}"/>
+              </a:ext>
+            </a:extLst>
+          </p:cNvPr>
+          <p:cNvCxnSpPr>
+            <a:cxnSpLocks/>
+            <a:stCxn id="3" idx="3"/>
+            <a:endCxn id="30" idx="0"/>
+          </p:cNvCxnSpPr>
+          <p:nvPr/>
+        </p:nvCxnSpPr>
+        <p:spPr bwMode="auto">
+          <a:xfrm flipH="1">
+            <a:off x="2699792" y="2955218"/>
+            <a:ext cx="443841" cy="679450"/>
+          </a:xfrm>
+          <a:prstGeom prst="straightConnector1">
+            <a:avLst/>
+          </a:prstGeom>
+          <a:solidFill>
+            <a:srgbClr val="00B8FF"/>
+          </a:solidFill>
+          <a:ln w="9525" cap="flat" cmpd="sng" algn="ctr">
+            <a:solidFill>
+              <a:schemeClr val="tx1"/>
+            </a:solidFill>
+            <a:prstDash val="solid"/>
+            <a:round/>
+            <a:headEnd type="none" w="med" len="med"/>
+            <a:tailEnd type="triangle"/>
+          </a:ln>
+          <a:effectLst/>
+          <a:extLst>
+            <a:ext uri="{AF507438-7753-43E0-B8FC-AC1667EBCBE1}">
+              <a14:hiddenEffects xmlns:a14="http://schemas.microsoft.com/office/drawing/2010/main">
+                <a:effectLst>
+                  <a:outerShdw dist="35921" dir="2700000" algn="ctr" rotWithShape="0">
+                    <a:schemeClr val="bg2"/>
+                  </a:outerShdw>
+                </a:effectLst>
+              </a14:hiddenEffects>
+            </a:ext>
+          </a:extLst>
+        </p:spPr>
+      </p:cxnSp>
+      <p:cxnSp>
+        <p:nvCxnSpPr>
+          <p:cNvPr id="18" name="Conexão reta unidirecional 17">
+            <a:extLst>
+              <a:ext uri="{FF2B5EF4-FFF2-40B4-BE49-F238E27FC236}">
+                <a16:creationId xmlns:a16="http://schemas.microsoft.com/office/drawing/2014/main" id="{2EAB35D5-9A5C-4257-BD95-21E0300840CB}"/>
+              </a:ext>
+            </a:extLst>
+          </p:cNvPr>
+          <p:cNvCxnSpPr>
+            <a:cxnSpLocks/>
+            <a:stCxn id="24" idx="5"/>
+            <a:endCxn id="30" idx="0"/>
+          </p:cNvCxnSpPr>
+          <p:nvPr/>
+        </p:nvCxnSpPr>
+        <p:spPr bwMode="auto">
+          <a:xfrm>
+            <a:off x="2244041" y="2955218"/>
+            <a:ext cx="455751" cy="679450"/>
+          </a:xfrm>
+          <a:prstGeom prst="straightConnector1">
+            <a:avLst/>
+          </a:prstGeom>
+          <a:solidFill>
+            <a:srgbClr val="00B8FF"/>
+          </a:solidFill>
+          <a:ln w="9525" cap="flat" cmpd="sng" algn="ctr">
+            <a:solidFill>
+              <a:schemeClr val="tx1"/>
+            </a:solidFill>
+            <a:prstDash val="solid"/>
+            <a:round/>
+            <a:headEnd type="none" w="med" len="med"/>
+            <a:tailEnd type="triangle"/>
+          </a:ln>
+          <a:effectLst/>
+          <a:extLst>
+            <a:ext uri="{AF507438-7753-43E0-B8FC-AC1667EBCBE1}">
+              <a14:hiddenEffects xmlns:a14="http://schemas.microsoft.com/office/drawing/2010/main">
+                <a:effectLst>
+                  <a:outerShdw dist="35921" dir="2700000" algn="ctr" rotWithShape="0">
+                    <a:schemeClr val="bg2"/>
+                  </a:outerShdw>
+                </a:effectLst>
+              </a14:hiddenEffects>
+            </a:ext>
+          </a:extLst>
+        </p:spPr>
+      </p:cxnSp>
+      <p:sp>
+        <p:nvSpPr>
+          <p:cNvPr id="23" name="Retângulo: Cantos Arredondados 4">
+            <a:extLst>
+              <a:ext uri="{FF2B5EF4-FFF2-40B4-BE49-F238E27FC236}">
+                <a16:creationId xmlns:a16="http://schemas.microsoft.com/office/drawing/2014/main" id="{06AD48F3-4D26-4A15-AD2C-B2461135870B}"/>
+              </a:ext>
+            </a:extLst>
+          </p:cNvPr>
+          <p:cNvSpPr txBox="1"/>
+          <p:nvPr/>
+        </p:nvSpPr>
+        <p:spPr>
+          <a:xfrm>
+            <a:off x="1323455" y="1686975"/>
+            <a:ext cx="2752674" cy="546943"/>
+          </a:xfrm>
+          <a:prstGeom prst="rect">
+            <a:avLst/>
+          </a:prstGeom>
+        </p:spPr>
+        <p:style>
+          <a:lnRef idx="0">
+            <a:scrgbClr r="0" g="0" b="0"/>
+          </a:lnRef>
+          <a:fillRef idx="0">
+            <a:scrgbClr r="0" g="0" b="0"/>
+          </a:fillRef>
+          <a:effectRef idx="0">
+            <a:scrgbClr r="0" g="0" b="0"/>
+          </a:effectRef>
+          <a:fontRef idx="minor">
+            <a:schemeClr val="dk1">
+              <a:hueOff val="0"/>
+              <a:satOff val="0"/>
+              <a:lumOff val="0"/>
+              <a:alphaOff val="0"/>
+            </a:schemeClr>
+          </a:fontRef>
+        </p:style>
+        <p:txBody>
+          <a:bodyPr spcFirstLastPara="0" vert="horz" wrap="square" lIns="95250" tIns="95250" rIns="95250" bIns="95250" numCol="1" spcCol="1270" anchor="ctr" anchorCtr="0">
+            <a:noAutofit/>
+          </a:bodyPr>
+          <a:lstStyle/>
+          <a:p>
+            <a:pPr marL="0" lvl="0" indent="0" algn="ctr" defTabSz="1111250">
+              <a:lnSpc>
+                <a:spcPct val="90000"/>
+              </a:lnSpc>
+              <a:spcBef>
+                <a:spcPct val="0"/>
+              </a:spcBef>
+              <a:spcAft>
+                <a:spcPct val="35000"/>
+              </a:spcAft>
+              <a:buNone/>
+            </a:pPr>
+            <a:r>
+              <a:rPr lang="pt-PT" sz="2400" kern="1200" dirty="0"/>
+              <a:t>Rede</a:t>
+            </a:r>
+            <a:r>
+              <a:rPr lang="pt-PT" sz="2400" i="1" kern="1200" dirty="0"/>
+              <a:t> </a:t>
+            </a:r>
+            <a:r>
+              <a:rPr lang="pt-PT" sz="2400" i="1" kern="1200" dirty="0" err="1"/>
+              <a:t>Bayesiana</a:t>
+            </a:r>
+            <a:endParaRPr lang="pt-PT" sz="2400" i="1" kern="1200" dirty="0"/>
+          </a:p>
+        </p:txBody>
+      </p:sp>
+      <p:sp>
+        <p:nvSpPr>
+          <p:cNvPr id="24" name="Oval 23">
+            <a:extLst>
+              <a:ext uri="{FF2B5EF4-FFF2-40B4-BE49-F238E27FC236}">
+                <a16:creationId xmlns:a16="http://schemas.microsoft.com/office/drawing/2014/main" id="{F4483A33-1E9B-483F-94BD-F7CB4C5E9077}"/>
+              </a:ext>
+            </a:extLst>
+          </p:cNvPr>
+          <p:cNvSpPr/>
+          <p:nvPr/>
+        </p:nvSpPr>
+        <p:spPr bwMode="auto">
+          <a:xfrm>
+            <a:off x="1137713" y="2277050"/>
+            <a:ext cx="1296144" cy="794523"/>
+          </a:xfrm>
+          <a:prstGeom prst="ellipse">
+            <a:avLst/>
+          </a:prstGeom>
+          <a:solidFill>
+            <a:schemeClr val="bg1">
+              <a:lumMod val="75000"/>
+            </a:schemeClr>
+          </a:solidFill>
+          <a:ln w="9525" cap="flat" cmpd="sng" algn="ctr">
+            <a:solidFill>
+              <a:schemeClr val="tx1"/>
+            </a:solidFill>
+            <a:prstDash val="solid"/>
+            <a:round/>
+            <a:headEnd type="none" w="med" len="med"/>
+            <a:tailEnd type="none" w="med" len="med"/>
+          </a:ln>
+          <a:effectLst/>
+        </p:spPr>
+        <p:txBody>
+          <a:bodyPr vert="horz" wrap="square" lIns="91440" tIns="45720" rIns="91440" bIns="45720" numCol="1" rtlCol="0" anchor="t" anchorCtr="0" compatLnSpc="1">
+            <a:prstTxWarp prst="textNoShape">
+              <a:avLst/>
+            </a:prstTxWarp>
+          </a:bodyPr>
+          <a:lstStyle/>
+          <a:p>
+            <a:pPr marL="0" marR="0" indent="0" algn="ctr" defTabSz="457200" rtl="0" eaLnBrk="0" fontAlgn="base" latinLnBrk="0" hangingPunct="0">
+              <a:lnSpc>
+                <a:spcPct val="200000"/>
+              </a:lnSpc>
+              <a:spcBef>
+                <a:spcPct val="0"/>
+              </a:spcBef>
+              <a:spcAft>
+                <a:spcPct val="0"/>
+              </a:spcAft>
+              <a:buClr>
+                <a:srgbClr val="000000"/>
+              </a:buClr>
+              <a:buSzPct val="100000"/>
+              <a:buFont typeface="Times New Roman" panose="02020603050405020304" pitchFamily="18" charset="0"/>
+              <a:buNone/>
+              <a:tabLst/>
+            </a:pPr>
+            <a:r>
+              <a:rPr kumimoji="0" lang="pt-PT" sz="1400" b="0" i="0" u="none" strike="noStrike" cap="none" normalizeH="0" baseline="0" dirty="0">
+                <a:ln>
+                  <a:noFill/>
+                </a:ln>
+                <a:solidFill>
+                  <a:schemeClr val="tx1"/>
+                </a:solidFill>
+                <a:effectLst/>
+                <a:latin typeface="Arial" panose="020B0604020202020204" pitchFamily="34" charset="0"/>
+                <a:cs typeface="Bitstream Vera Sans" charset="0"/>
+              </a:rPr>
+              <a:t>Cama</a:t>
+            </a:r>
+          </a:p>
+        </p:txBody>
+      </p:sp>
+      <p:sp>
+        <p:nvSpPr>
+          <p:cNvPr id="30" name="Oval 29">
+            <a:extLst>
+              <a:ext uri="{FF2B5EF4-FFF2-40B4-BE49-F238E27FC236}">
+                <a16:creationId xmlns:a16="http://schemas.microsoft.com/office/drawing/2014/main" id="{F4325AEF-B5CA-457B-9D1D-AF42C8521021}"/>
+              </a:ext>
+            </a:extLst>
+          </p:cNvPr>
+          <p:cNvSpPr/>
+          <p:nvPr/>
+        </p:nvSpPr>
+        <p:spPr bwMode="auto">
+          <a:xfrm>
+            <a:off x="2051720" y="3634668"/>
+            <a:ext cx="1296144" cy="794523"/>
+          </a:xfrm>
+          <a:prstGeom prst="ellipse">
+            <a:avLst/>
+          </a:prstGeom>
+          <a:solidFill>
+            <a:srgbClr val="212E67"/>
+          </a:solidFill>
+          <a:ln w="9525" cap="flat" cmpd="sng" algn="ctr">
+            <a:solidFill>
+              <a:schemeClr val="tx1"/>
+            </a:solidFill>
+            <a:prstDash val="solid"/>
+            <a:round/>
+            <a:headEnd type="none" w="med" len="med"/>
+            <a:tailEnd type="none" w="med" len="med"/>
+          </a:ln>
+          <a:effectLst/>
+        </p:spPr>
+        <p:txBody>
+          <a:bodyPr vert="horz" wrap="square" lIns="91440" tIns="45720" rIns="91440" bIns="45720" numCol="1" rtlCol="0" anchor="t" anchorCtr="0" compatLnSpc="1">
+            <a:prstTxWarp prst="textNoShape">
+              <a:avLst/>
+            </a:prstTxWarp>
+          </a:bodyPr>
+          <a:lstStyle/>
+          <a:p>
+            <a:pPr marL="0" marR="0" indent="0" algn="ctr" defTabSz="457200" rtl="0" eaLnBrk="0" fontAlgn="base" latinLnBrk="0" hangingPunct="0">
+              <a:lnSpc>
+                <a:spcPct val="200000"/>
+              </a:lnSpc>
+              <a:spcBef>
+                <a:spcPct val="0"/>
+              </a:spcBef>
+              <a:spcAft>
+                <a:spcPct val="0"/>
+              </a:spcAft>
+              <a:buClr>
+                <a:srgbClr val="000000"/>
+              </a:buClr>
+              <a:buSzPct val="100000"/>
+              <a:buFont typeface="Times New Roman" panose="02020603050405020304" pitchFamily="18" charset="0"/>
+              <a:buNone/>
+              <a:tabLst/>
+            </a:pPr>
+            <a:r>
+              <a:rPr kumimoji="0" lang="pt-PT" sz="1400" b="0" i="0" u="none" strike="noStrike" cap="none" normalizeH="0" baseline="0" dirty="0">
+                <a:ln>
+                  <a:noFill/>
+                </a:ln>
+                <a:effectLst/>
+                <a:latin typeface="Arial" panose="020B0604020202020204" pitchFamily="34" charset="0"/>
+                <a:cs typeface="Bitstream Vera Sans" charset="0"/>
+              </a:rPr>
+              <a:t>Livros</a:t>
+            </a:r>
+          </a:p>
+        </p:txBody>
+      </p:sp>
+      <mc:AlternateContent xmlns:mc="http://schemas.openxmlformats.org/markup-compatibility/2006">
+        <mc:Choice xmlns:a14="http://schemas.microsoft.com/office/drawing/2010/main" Requires="a14">
+          <p:graphicFrame>
+            <p:nvGraphicFramePr>
+              <p:cNvPr id="26" name="Tabela 26">
+                <a:extLst>
+                  <a:ext uri="{FF2B5EF4-FFF2-40B4-BE49-F238E27FC236}">
+                    <a16:creationId xmlns:a16="http://schemas.microsoft.com/office/drawing/2014/main" id="{CB910812-48C9-4E65-848E-10B4AB132326}"/>
+                  </a:ext>
+                </a:extLst>
+              </p:cNvPr>
+              <p:cNvGraphicFramePr>
+                <a:graphicFrameLocks noGrp="1"/>
+              </p:cNvGraphicFramePr>
+              <p:nvPr>
+                <p:extLst>
+                  <p:ext uri="{D42A27DB-BD31-4B8C-83A1-F6EECF244321}">
+                    <p14:modId xmlns:p14="http://schemas.microsoft.com/office/powerpoint/2010/main" val="1436734852"/>
+                  </p:ext>
+                </p:extLst>
+              </p:nvPr>
+            </p:nvGraphicFramePr>
+            <p:xfrm>
+              <a:off x="620313" y="4850854"/>
+              <a:ext cx="4158958" cy="1269032"/>
+            </p:xfrm>
+            <a:graphic>
+              <a:graphicData uri="http://schemas.openxmlformats.org/drawingml/2006/table">
+                <a:tbl>
+                  <a:tblPr firstRow="1" bandRow="1">
+                    <a:tableStyleId>{5C22544A-7EE6-4342-B048-85BDC9FD1C3A}</a:tableStyleId>
+                  </a:tblPr>
+                  <a:tblGrid>
+                    <a:gridCol w="724414">
+                      <a:extLst>
+                        <a:ext uri="{9D8B030D-6E8A-4147-A177-3AD203B41FA5}">
+                          <a16:colId xmlns:a16="http://schemas.microsoft.com/office/drawing/2014/main" val="1709336172"/>
+                        </a:ext>
+                      </a:extLst>
+                    </a:gridCol>
+                    <a:gridCol w="943136">
+                      <a:extLst>
+                        <a:ext uri="{9D8B030D-6E8A-4147-A177-3AD203B41FA5}">
+                          <a16:colId xmlns:a16="http://schemas.microsoft.com/office/drawing/2014/main" val="1346515201"/>
+                        </a:ext>
+                      </a:extLst>
+                    </a:gridCol>
+                    <a:gridCol w="2491408">
+                      <a:extLst>
+                        <a:ext uri="{9D8B030D-6E8A-4147-A177-3AD203B41FA5}">
+                          <a16:colId xmlns:a16="http://schemas.microsoft.com/office/drawing/2014/main" val="3412692299"/>
+                        </a:ext>
+                      </a:extLst>
+                    </a:gridCol>
+                  </a:tblGrid>
+                  <a:tr h="264111">
+                    <a:tc>
+                      <a:txBody>
+                        <a:bodyPr/>
+                        <a:lstStyle/>
+                        <a:p>
+                          <a:pPr algn="ctr"/>
+                          <a:r>
+                            <a:rPr lang="pt-PT" sz="1400" dirty="0"/>
+                            <a:t>Cama (X)</a:t>
+                          </a:r>
+                        </a:p>
+                      </a:txBody>
+                      <a:tcPr>
+                        <a:solidFill>
+                          <a:srgbClr val="212E67"/>
+                        </a:solidFill>
+                      </a:tcPr>
+                    </a:tc>
+                    <a:tc>
+                      <a:txBody>
+                        <a:bodyPr/>
+                        <a:lstStyle/>
+                        <a:p>
+                          <a:pPr algn="ctr"/>
+                          <a:r>
+                            <a:rPr lang="pt-PT" sz="1400" dirty="0"/>
+                            <a:t>Cadeira (C) </a:t>
+                          </a:r>
+                        </a:p>
+                      </a:txBody>
+                      <a:tcPr>
+                        <a:solidFill>
+                          <a:srgbClr val="212E67"/>
+                        </a:solidFill>
+                      </a:tcPr>
+                    </a:tc>
+                    <a:tc>
+                      <a:txBody>
+                        <a:bodyPr/>
+                        <a:lstStyle/>
+                        <a:p>
+                          <a:pPr algn="ctr"/>
+                          <a:r>
+                            <a:rPr lang="pt-PT" sz="1400" dirty="0"/>
+                            <a:t>P(Livro| Cama, Cadeira)</a:t>
+                          </a:r>
+                        </a:p>
+                        <a:p>
+                          <a:pPr algn="ctr"/>
+                          <a:r>
+                            <a:rPr lang="pt-PT" sz="1400" dirty="0"/>
+                            <a:t>P(L|X,C)</a:t>
+                          </a:r>
+                        </a:p>
+                      </a:txBody>
+                      <a:tcPr>
+                        <a:solidFill>
+                          <a:srgbClr val="212E67"/>
+                        </a:solidFill>
+                      </a:tcPr>
+                    </a:tc>
+                    <a:extLst>
+                      <a:ext uri="{0D108BD9-81ED-4DB2-BD59-A6C34878D82A}">
+                        <a16:rowId xmlns:a16="http://schemas.microsoft.com/office/drawing/2014/main" val="3782139646"/>
+                      </a:ext>
+                    </a:extLst>
+                  </a:tr>
+                  <a:tr h="316933">
+                    <a:tc>
+                      <a:txBody>
+                        <a:bodyPr/>
+                        <a:lstStyle/>
+                        <a:p>
+                          <a:pPr algn="ctr"/>
+                          <a:r>
+                            <a:rPr lang="pt-PT" dirty="0">
+                              <a:solidFill>
+                                <a:schemeClr val="tx1"/>
+                              </a:solidFill>
+                            </a:rPr>
+                            <a:t>V</a:t>
+                          </a:r>
+                        </a:p>
+                      </a:txBody>
+                      <a:tcPr>
+                        <a:solidFill>
+                          <a:schemeClr val="bg1">
+                            <a:lumMod val="75000"/>
+                          </a:schemeClr>
+                        </a:solidFill>
+                      </a:tcPr>
+                    </a:tc>
+                    <a:tc>
+                      <a:txBody>
+                        <a:bodyPr/>
+                        <a:lstStyle/>
+                        <a:p>
+                          <a:pPr algn="ctr"/>
+                          <a:r>
+                            <a:rPr lang="pt-PT" dirty="0"/>
+                            <a:t>V</a:t>
+                          </a:r>
+                        </a:p>
+                      </a:txBody>
+                      <a:tcPr>
+                        <a:solidFill>
+                          <a:schemeClr val="bg1">
+                            <a:lumMod val="75000"/>
+                          </a:schemeClr>
+                        </a:solidFill>
+                      </a:tcPr>
+                    </a:tc>
+                    <a:tc>
+                      <a:txBody>
+                        <a:bodyPr/>
+                        <a:lstStyle/>
+                        <a:p>
+                          <a:pPr algn="ctr"/>
+                          <a:r>
+                            <a:rPr lang="pt-PT" dirty="0"/>
+                            <a:t>P(L|X,C)</a:t>
+                          </a:r>
+                        </a:p>
+                      </a:txBody>
+                      <a:tcPr>
+                        <a:solidFill>
+                          <a:schemeClr val="bg1">
+                            <a:lumMod val="75000"/>
+                          </a:schemeClr>
+                        </a:solidFill>
+                      </a:tcPr>
+                    </a:tc>
+                    <a:extLst>
+                      <a:ext uri="{0D108BD9-81ED-4DB2-BD59-A6C34878D82A}">
+                        <a16:rowId xmlns:a16="http://schemas.microsoft.com/office/drawing/2014/main" val="3701229803"/>
+                      </a:ext>
+                    </a:extLst>
+                  </a:tr>
+                  <a:tr h="385112">
+                    <a:tc>
+                      <a:txBody>
+                        <a:bodyPr/>
+                        <a:lstStyle/>
+                        <a:p>
+                          <a:pPr algn="ctr"/>
+                          <a:r>
+                            <a:rPr lang="pt-PT" dirty="0"/>
+                            <a:t>F</a:t>
+                          </a:r>
+                        </a:p>
+                      </a:txBody>
+                      <a:tcPr>
+                        <a:solidFill>
+                          <a:schemeClr val="bg1">
+                            <a:lumMod val="75000"/>
+                          </a:schemeClr>
+                        </a:solidFill>
+                      </a:tcPr>
+                    </a:tc>
+                    <a:tc>
+                      <a:txBody>
+                        <a:bodyPr/>
+                        <a:lstStyle/>
+                        <a:p>
+                          <a:pPr algn="ctr"/>
+                          <a:r>
+                            <a:rPr lang="pt-PT" dirty="0"/>
+                            <a:t>V</a:t>
+                          </a:r>
+                        </a:p>
+                      </a:txBody>
+                      <a:tcPr>
+                        <a:solidFill>
+                          <a:schemeClr val="bg1">
+                            <a:lumMod val="75000"/>
+                          </a:schemeClr>
+                        </a:solidFill>
+                      </a:tcPr>
+                    </a:tc>
+                    <a:tc>
+                      <a:txBody>
+                        <a:bodyPr/>
+                        <a:lstStyle/>
+                        <a:p>
+                          <a:pPr marL="0" marR="0" lvl="0" indent="0" algn="ctr" defTabSz="914400" rtl="0" eaLnBrk="1" fontAlgn="auto" latinLnBrk="0" hangingPunct="1">
+                            <a:lnSpc>
+                              <a:spcPct val="100000"/>
+                            </a:lnSpc>
+                            <a:spcBef>
+                              <a:spcPts val="0"/>
+                            </a:spcBef>
+                            <a:spcAft>
+                              <a:spcPts val="0"/>
+                            </a:spcAft>
+                            <a:buClrTx/>
+                            <a:buSzTx/>
+                            <a:buFontTx/>
+                            <a:buNone/>
+                            <a:tabLst/>
+                            <a:defRPr/>
+                          </a:pPr>
+                          <a:r>
+                            <a:rPr lang="pt-PT" dirty="0"/>
+                            <a:t>P(L|</a:t>
+                          </a:r>
+                          <a14:m>
+                            <m:oMath xmlns:m="http://schemas.openxmlformats.org/officeDocument/2006/math">
+                              <m:r>
+                                <m:rPr>
+                                  <m:nor/>
+                                </m:rPr>
+                                <a:rPr lang="pt-PT" smtClean="0"/>
+                                <m:t>¬</m:t>
+                              </m:r>
+                            </m:oMath>
+                          </a14:m>
+                          <a:r>
+                            <a:rPr lang="pt-PT" dirty="0"/>
+                            <a:t>X,C)</a:t>
+                          </a:r>
+                        </a:p>
+                      </a:txBody>
+                      <a:tcPr>
+                        <a:solidFill>
+                          <a:schemeClr val="bg1">
+                            <a:lumMod val="75000"/>
+                          </a:schemeClr>
+                        </a:solidFill>
+                      </a:tcPr>
+                    </a:tc>
+                    <a:extLst>
+                      <a:ext uri="{0D108BD9-81ED-4DB2-BD59-A6C34878D82A}">
+                        <a16:rowId xmlns:a16="http://schemas.microsoft.com/office/drawing/2014/main" val="472352979"/>
+                      </a:ext>
+                    </a:extLst>
+                  </a:tr>
+                </a:tbl>
+              </a:graphicData>
+            </a:graphic>
+          </p:graphicFrame>
+        </mc:Choice>
+        <mc:Fallback>
+          <p:graphicFrame>
+            <p:nvGraphicFramePr>
+              <p:cNvPr id="26" name="Tabela 26">
+                <a:extLst>
+                  <a:ext uri="{FF2B5EF4-FFF2-40B4-BE49-F238E27FC236}">
+                    <a16:creationId xmlns:a16="http://schemas.microsoft.com/office/drawing/2014/main" id="{CB910812-48C9-4E65-848E-10B4AB132326}"/>
+                  </a:ext>
+                </a:extLst>
+              </p:cNvPr>
+              <p:cNvGraphicFramePr>
+                <a:graphicFrameLocks noGrp="1"/>
+              </p:cNvGraphicFramePr>
+              <p:nvPr>
+                <p:extLst>
+                  <p:ext uri="{D42A27DB-BD31-4B8C-83A1-F6EECF244321}">
+                    <p14:modId xmlns:p14="http://schemas.microsoft.com/office/powerpoint/2010/main" val="1436734852"/>
+                  </p:ext>
+                </p:extLst>
+              </p:nvPr>
+            </p:nvGraphicFramePr>
+            <p:xfrm>
+              <a:off x="620313" y="4850854"/>
+              <a:ext cx="4158958" cy="1269032"/>
+            </p:xfrm>
+            <a:graphic>
+              <a:graphicData uri="http://schemas.openxmlformats.org/drawingml/2006/table">
+                <a:tbl>
+                  <a:tblPr firstRow="1" bandRow="1">
+                    <a:tableStyleId>{5C22544A-7EE6-4342-B048-85BDC9FD1C3A}</a:tableStyleId>
+                  </a:tblPr>
+                  <a:tblGrid>
+                    <a:gridCol w="724414">
+                      <a:extLst>
+                        <a:ext uri="{9D8B030D-6E8A-4147-A177-3AD203B41FA5}">
+                          <a16:colId xmlns:a16="http://schemas.microsoft.com/office/drawing/2014/main" val="1709336172"/>
+                        </a:ext>
+                      </a:extLst>
+                    </a:gridCol>
+                    <a:gridCol w="943136">
+                      <a:extLst>
+                        <a:ext uri="{9D8B030D-6E8A-4147-A177-3AD203B41FA5}">
+                          <a16:colId xmlns:a16="http://schemas.microsoft.com/office/drawing/2014/main" val="1346515201"/>
+                        </a:ext>
+                      </a:extLst>
+                    </a:gridCol>
+                    <a:gridCol w="2491408">
+                      <a:extLst>
+                        <a:ext uri="{9D8B030D-6E8A-4147-A177-3AD203B41FA5}">
+                          <a16:colId xmlns:a16="http://schemas.microsoft.com/office/drawing/2014/main" val="3412692299"/>
+                        </a:ext>
+                      </a:extLst>
+                    </a:gridCol>
+                  </a:tblGrid>
+                  <a:tr h="518160">
+                    <a:tc>
+                      <a:txBody>
+                        <a:bodyPr/>
+                        <a:lstStyle/>
+                        <a:p>
+                          <a:pPr algn="ctr"/>
+                          <a:r>
+                            <a:rPr lang="pt-PT" sz="1400" dirty="0"/>
+                            <a:t>Cama (X)</a:t>
+                          </a:r>
+                        </a:p>
+                      </a:txBody>
+                      <a:tcPr>
+                        <a:solidFill>
+                          <a:srgbClr val="212E67"/>
+                        </a:solidFill>
+                      </a:tcPr>
+                    </a:tc>
+                    <a:tc>
+                      <a:txBody>
+                        <a:bodyPr/>
+                        <a:lstStyle/>
+                        <a:p>
+                          <a:pPr algn="ctr"/>
+                          <a:r>
+                            <a:rPr lang="pt-PT" sz="1400" dirty="0"/>
+                            <a:t>Cadeira (C) </a:t>
+                          </a:r>
+                        </a:p>
+                      </a:txBody>
+                      <a:tcPr>
+                        <a:solidFill>
+                          <a:srgbClr val="212E67"/>
+                        </a:solidFill>
+                      </a:tcPr>
+                    </a:tc>
+                    <a:tc>
+                      <a:txBody>
+                        <a:bodyPr/>
+                        <a:lstStyle/>
+                        <a:p>
+                          <a:pPr algn="ctr"/>
+                          <a:r>
+                            <a:rPr lang="pt-PT" sz="1400" dirty="0"/>
+                            <a:t>P(Livro| Cama, Cadeira)</a:t>
+                          </a:r>
+                        </a:p>
+                        <a:p>
+                          <a:pPr algn="ctr"/>
+                          <a:r>
+                            <a:rPr lang="pt-PT" sz="1400" dirty="0"/>
+                            <a:t>P(L|X,C)</a:t>
+                          </a:r>
+                        </a:p>
+                      </a:txBody>
+                      <a:tcPr>
+                        <a:solidFill>
+                          <a:srgbClr val="212E67"/>
+                        </a:solidFill>
+                      </a:tcPr>
+                    </a:tc>
+                    <a:extLst>
+                      <a:ext uri="{0D108BD9-81ED-4DB2-BD59-A6C34878D82A}">
+                        <a16:rowId xmlns:a16="http://schemas.microsoft.com/office/drawing/2014/main" val="3782139646"/>
+                      </a:ext>
+                    </a:extLst>
+                  </a:tr>
+                  <a:tr h="365760">
+                    <a:tc>
+                      <a:txBody>
+                        <a:bodyPr/>
+                        <a:lstStyle/>
+                        <a:p>
+                          <a:pPr algn="ctr"/>
+                          <a:r>
+                            <a:rPr lang="pt-PT" dirty="0">
+                              <a:solidFill>
+                                <a:schemeClr val="tx1"/>
+                              </a:solidFill>
+                            </a:rPr>
+                            <a:t>V</a:t>
+                          </a:r>
+                        </a:p>
+                      </a:txBody>
+                      <a:tcPr>
+                        <a:solidFill>
+                          <a:schemeClr val="bg1">
+                            <a:lumMod val="75000"/>
+                          </a:schemeClr>
+                        </a:solidFill>
+                      </a:tcPr>
+                    </a:tc>
+                    <a:tc>
+                      <a:txBody>
+                        <a:bodyPr/>
+                        <a:lstStyle/>
+                        <a:p>
+                          <a:pPr algn="ctr"/>
+                          <a:r>
+                            <a:rPr lang="pt-PT" dirty="0"/>
+                            <a:t>V</a:t>
+                          </a:r>
+                        </a:p>
+                      </a:txBody>
+                      <a:tcPr>
+                        <a:solidFill>
+                          <a:schemeClr val="bg1">
+                            <a:lumMod val="75000"/>
+                          </a:schemeClr>
+                        </a:solidFill>
+                      </a:tcPr>
+                    </a:tc>
+                    <a:tc>
+                      <a:txBody>
+                        <a:bodyPr/>
+                        <a:lstStyle/>
+                        <a:p>
+                          <a:pPr algn="ctr"/>
+                          <a:r>
+                            <a:rPr lang="pt-PT" dirty="0"/>
+                            <a:t>P(L|X,C)</a:t>
+                          </a:r>
+                        </a:p>
+                      </a:txBody>
+                      <a:tcPr>
+                        <a:solidFill>
+                          <a:schemeClr val="bg1">
+                            <a:lumMod val="75000"/>
+                          </a:schemeClr>
+                        </a:solidFill>
+                      </a:tcPr>
+                    </a:tc>
+                    <a:extLst>
+                      <a:ext uri="{0D108BD9-81ED-4DB2-BD59-A6C34878D82A}">
+                        <a16:rowId xmlns:a16="http://schemas.microsoft.com/office/drawing/2014/main" val="3701229803"/>
+                      </a:ext>
+                    </a:extLst>
+                  </a:tr>
+                  <a:tr h="385112">
+                    <a:tc>
+                      <a:txBody>
+                        <a:bodyPr/>
+                        <a:lstStyle/>
+                        <a:p>
+                          <a:pPr algn="ctr"/>
+                          <a:r>
+                            <a:rPr lang="pt-PT" dirty="0"/>
+                            <a:t>F</a:t>
+                          </a:r>
+                        </a:p>
+                      </a:txBody>
+                      <a:tcPr>
+                        <a:solidFill>
+                          <a:schemeClr val="bg1">
+                            <a:lumMod val="75000"/>
+                          </a:schemeClr>
+                        </a:solidFill>
+                      </a:tcPr>
+                    </a:tc>
+                    <a:tc>
+                      <a:txBody>
+                        <a:bodyPr/>
+                        <a:lstStyle/>
+                        <a:p>
+                          <a:pPr algn="ctr"/>
+                          <a:r>
+                            <a:rPr lang="pt-PT" dirty="0"/>
+                            <a:t>V</a:t>
+                          </a:r>
+                        </a:p>
+                      </a:txBody>
+                      <a:tcPr>
+                        <a:solidFill>
+                          <a:schemeClr val="bg1">
+                            <a:lumMod val="75000"/>
+                          </a:schemeClr>
+                        </a:solidFill>
+                      </a:tcPr>
+                    </a:tc>
+                    <a:tc>
+                      <a:txBody>
+                        <a:bodyPr/>
+                        <a:lstStyle/>
+                        <a:p>
+                          <a:endParaRPr lang="pt-PT"/>
+                        </a:p>
+                      </a:txBody>
+                      <a:tcPr>
+                        <a:blipFill>
+                          <a:blip r:embed="rId3"/>
+                          <a:stretch>
+                            <a:fillRect l="-67073" t="-234921" r="-976" b="-20635"/>
+                          </a:stretch>
+                        </a:blipFill>
+                      </a:tcPr>
+                    </a:tc>
+                    <a:extLst>
+                      <a:ext uri="{0D108BD9-81ED-4DB2-BD59-A6C34878D82A}">
+                        <a16:rowId xmlns:a16="http://schemas.microsoft.com/office/drawing/2014/main" val="472352979"/>
+                      </a:ext>
+                    </a:extLst>
+                  </a:tr>
+                </a:tbl>
+              </a:graphicData>
+            </a:graphic>
+          </p:graphicFrame>
+        </mc:Fallback>
+      </mc:AlternateContent>
+      <p:grpSp>
+        <p:nvGrpSpPr>
+          <p:cNvPr id="37" name="Agrupar 36">
+            <a:extLst>
+              <a:ext uri="{FF2B5EF4-FFF2-40B4-BE49-F238E27FC236}">
+                <a16:creationId xmlns:a16="http://schemas.microsoft.com/office/drawing/2014/main" id="{5D07EFAF-F6E2-4F7B-8E7E-BB1245EA4C35}"/>
+              </a:ext>
+            </a:extLst>
+          </p:cNvPr>
+          <p:cNvGrpSpPr/>
+          <p:nvPr/>
+        </p:nvGrpSpPr>
+        <p:grpSpPr>
+          <a:xfrm>
+            <a:off x="5945939" y="2508708"/>
+            <a:ext cx="2072873" cy="1314799"/>
+            <a:chOff x="6495248" y="2016911"/>
+            <a:chExt cx="2072873" cy="1314799"/>
+          </a:xfrm>
+        </p:grpSpPr>
+        <p:grpSp>
+          <p:nvGrpSpPr>
+            <p:cNvPr id="7" name="Agrupar 6">
+              <a:extLst>
+                <a:ext uri="{FF2B5EF4-FFF2-40B4-BE49-F238E27FC236}">
+                  <a16:creationId xmlns:a16="http://schemas.microsoft.com/office/drawing/2014/main" id="{B6372078-FC88-40B4-B043-94781A445E0E}"/>
+                </a:ext>
+              </a:extLst>
+            </p:cNvPr>
+            <p:cNvGrpSpPr/>
+            <p:nvPr/>
+          </p:nvGrpSpPr>
+          <p:grpSpPr>
+            <a:xfrm>
+              <a:off x="6495248" y="2016911"/>
+              <a:ext cx="2072873" cy="1314799"/>
+              <a:chOff x="-7779" y="307461"/>
+              <a:chExt cx="2240027" cy="4088573"/>
+            </a:xfrm>
+          </p:grpSpPr>
+          <p:sp>
+            <p:nvSpPr>
+              <p:cNvPr id="8" name="Retângulo: Cantos Arredondados 7">
+                <a:extLst>
+                  <a:ext uri="{FF2B5EF4-FFF2-40B4-BE49-F238E27FC236}">
+                    <a16:creationId xmlns:a16="http://schemas.microsoft.com/office/drawing/2014/main" id="{7BB569DB-C1D7-45CB-A197-C436B4DC469A}"/>
+                  </a:ext>
+                </a:extLst>
+              </p:cNvPr>
+              <p:cNvSpPr/>
+              <p:nvPr/>
+            </p:nvSpPr>
+            <p:spPr>
+              <a:xfrm>
+                <a:off x="1" y="307461"/>
+                <a:ext cx="2232247" cy="4088573"/>
+              </a:xfrm>
+              <a:prstGeom prst="roundRect">
+                <a:avLst>
+                  <a:gd name="adj" fmla="val 10000"/>
+                </a:avLst>
+              </a:prstGeom>
+              <a:solidFill>
+                <a:schemeClr val="bg1">
+                  <a:lumMod val="85000"/>
+                </a:schemeClr>
+              </a:solidFill>
+              <a:ln>
+                <a:solidFill>
+                  <a:schemeClr val="tx1">
+                    <a:lumMod val="95000"/>
+                    <a:lumOff val="5000"/>
+                  </a:schemeClr>
+                </a:solidFill>
+              </a:ln>
+            </p:spPr>
+            <p:style>
+              <a:lnRef idx="0">
+                <a:scrgbClr r="0" g="0" b="0"/>
+              </a:lnRef>
+              <a:fillRef idx="1">
+                <a:scrgbClr r="0" g="0" b="0"/>
+              </a:fillRef>
+              <a:effectRef idx="0">
+                <a:schemeClr val="accent1">
+                  <a:tint val="40000"/>
+                  <a:hueOff val="0"/>
+                  <a:satOff val="0"/>
+                  <a:lumOff val="0"/>
+                  <a:alphaOff val="0"/>
+                </a:schemeClr>
+              </a:effectRef>
+              <a:fontRef idx="minor">
+                <a:schemeClr val="dk1">
+                  <a:hueOff val="0"/>
+                  <a:satOff val="0"/>
+                  <a:lumOff val="0"/>
+                  <a:alphaOff val="0"/>
+                </a:schemeClr>
+              </a:fontRef>
+            </p:style>
+          </p:sp>
+          <p:sp>
+            <p:nvSpPr>
+              <p:cNvPr id="9" name="Retângulo: Cantos Arredondados 4">
+                <a:extLst>
+                  <a:ext uri="{FF2B5EF4-FFF2-40B4-BE49-F238E27FC236}">
+                    <a16:creationId xmlns:a16="http://schemas.microsoft.com/office/drawing/2014/main" id="{0D0AAF83-AE8F-45FB-AA84-3CBB41C23E22}"/>
+                  </a:ext>
+                </a:extLst>
+              </p:cNvPr>
+              <p:cNvSpPr txBox="1"/>
+              <p:nvPr/>
+            </p:nvSpPr>
+            <p:spPr>
+              <a:xfrm>
+                <a:off x="-7779" y="725639"/>
+                <a:ext cx="2232248" cy="1226572"/>
+              </a:xfrm>
+              <a:prstGeom prst="rect">
+                <a:avLst/>
+              </a:prstGeom>
+            </p:spPr>
+            <p:style>
+              <a:lnRef idx="0">
+                <a:scrgbClr r="0" g="0" b="0"/>
+              </a:lnRef>
+              <a:fillRef idx="0">
+                <a:scrgbClr r="0" g="0" b="0"/>
+              </a:fillRef>
+              <a:effectRef idx="0">
+                <a:scrgbClr r="0" g="0" b="0"/>
+              </a:effectRef>
+              <a:fontRef idx="minor">
+                <a:schemeClr val="dk1">
+                  <a:hueOff val="0"/>
+                  <a:satOff val="0"/>
+                  <a:lumOff val="0"/>
+                  <a:alphaOff val="0"/>
+                </a:schemeClr>
+              </a:fontRef>
+            </p:style>
+            <p:txBody>
+              <a:bodyPr spcFirstLastPara="0" vert="horz" wrap="square" lIns="95250" tIns="95250" rIns="95250" bIns="95250" numCol="1" spcCol="1270" anchor="ctr" anchorCtr="0">
+                <a:noAutofit/>
+              </a:bodyPr>
+              <a:lstStyle/>
+              <a:p>
+                <a:pPr marL="0" lvl="0" indent="0" algn="ctr" defTabSz="1111250">
+                  <a:lnSpc>
+                    <a:spcPct val="90000"/>
+                  </a:lnSpc>
+                  <a:spcBef>
+                    <a:spcPct val="0"/>
+                  </a:spcBef>
+                  <a:spcAft>
+                    <a:spcPct val="35000"/>
+                  </a:spcAft>
+                  <a:buNone/>
+                </a:pPr>
+                <a:r>
+                  <a:rPr lang="pt-PT" i="1" kern="1200" dirty="0"/>
+                  <a:t>Probabilidade Condicionada</a:t>
+                </a:r>
+              </a:p>
+            </p:txBody>
+          </p:sp>
+        </p:grpSp>
+        <mc:AlternateContent xmlns:mc="http://schemas.openxmlformats.org/markup-compatibility/2006">
+          <mc:Choice xmlns:a14="http://schemas.microsoft.com/office/drawing/2010/main" Requires="a14">
+            <p:sp>
+              <p:nvSpPr>
+                <p:cNvPr id="27" name="CaixaDeTexto 26">
+                  <a:extLst>
+                    <a:ext uri="{FF2B5EF4-FFF2-40B4-BE49-F238E27FC236}">
+                      <a16:creationId xmlns:a16="http://schemas.microsoft.com/office/drawing/2014/main" id="{05524496-885D-4A5F-BD64-8E076EE770E5}"/>
+                    </a:ext>
+                  </a:extLst>
+                </p:cNvPr>
+                <p:cNvSpPr txBox="1"/>
+                <p:nvPr/>
+              </p:nvSpPr>
+              <p:spPr>
+                <a:xfrm>
+                  <a:off x="6571336" y="2620671"/>
+                  <a:ext cx="1913497" cy="669094"/>
+                </a:xfrm>
+                <a:prstGeom prst="rect">
+                  <a:avLst/>
+                </a:prstGeom>
+                <a:noFill/>
+              </p:spPr>
+              <p:txBody>
+                <a:bodyPr wrap="square" rtlCol="0">
+                  <a:spAutoFit/>
+                </a:bodyPr>
+                <a:lstStyle/>
+                <a:p>
+                  <a14:m>
+                    <m:oMathPara xmlns:m="http://schemas.openxmlformats.org/officeDocument/2006/math">
+                      <m:oMathParaPr>
+                        <m:jc m:val="centerGroup"/>
+                      </m:oMathParaPr>
+                      <m:oMath xmlns:m="http://schemas.openxmlformats.org/officeDocument/2006/math">
+                        <m:r>
+                          <a:rPr lang="pt-PT" b="0" i="1" smtClean="0">
+                            <a:solidFill>
+                              <a:schemeClr val="tx1"/>
+                            </a:solidFill>
+                            <a:latin typeface="Cambria Math" panose="02040503050406030204" pitchFamily="18" charset="0"/>
+                          </a:rPr>
+                          <m:t>𝑃</m:t>
+                        </m:r>
+                        <m:d>
+                          <m:dPr>
+                            <m:ctrlPr>
+                              <a:rPr lang="pt-PT" b="0" i="1" smtClean="0">
+                                <a:solidFill>
+                                  <a:schemeClr val="tx1"/>
+                                </a:solidFill>
+                                <a:latin typeface="Cambria Math" panose="02040503050406030204" pitchFamily="18" charset="0"/>
+                              </a:rPr>
+                            </m:ctrlPr>
+                          </m:dPr>
+                          <m:e>
+                            <m:r>
+                              <a:rPr lang="pt-PT" b="0" i="1" smtClean="0">
+                                <a:solidFill>
+                                  <a:schemeClr val="tx1"/>
+                                </a:solidFill>
+                                <a:latin typeface="Cambria Math" panose="02040503050406030204" pitchFamily="18" charset="0"/>
+                              </a:rPr>
+                              <m:t>𝐿</m:t>
+                            </m:r>
+                          </m:e>
+                          <m:e>
+                            <m:r>
+                              <a:rPr lang="pt-PT" b="0" i="1" smtClean="0">
+                                <a:solidFill>
+                                  <a:schemeClr val="tx1"/>
+                                </a:solidFill>
+                                <a:latin typeface="Cambria Math" panose="02040503050406030204" pitchFamily="18" charset="0"/>
+                              </a:rPr>
+                              <m:t>𝐶</m:t>
+                            </m:r>
+                          </m:e>
+                        </m:d>
+                        <m:r>
+                          <a:rPr lang="pt-PT" b="0" i="1" smtClean="0">
+                            <a:solidFill>
+                              <a:schemeClr val="tx1"/>
+                            </a:solidFill>
+                            <a:latin typeface="Cambria Math" panose="02040503050406030204" pitchFamily="18" charset="0"/>
+                          </a:rPr>
+                          <m:t>=</m:t>
+                        </m:r>
+                        <m:f>
+                          <m:fPr>
+                            <m:ctrlPr>
+                              <a:rPr lang="pt-PT" b="0" i="1" smtClean="0">
+                                <a:solidFill>
+                                  <a:schemeClr val="tx1"/>
+                                </a:solidFill>
+                                <a:latin typeface="Cambria Math" panose="02040503050406030204" pitchFamily="18" charset="0"/>
+                              </a:rPr>
+                            </m:ctrlPr>
+                          </m:fPr>
+                          <m:num>
+                            <m:r>
+                              <a:rPr lang="pt-PT" b="0" i="1" smtClean="0">
+                                <a:solidFill>
+                                  <a:schemeClr val="tx1"/>
+                                </a:solidFill>
+                                <a:latin typeface="Cambria Math" panose="02040503050406030204" pitchFamily="18" charset="0"/>
+                              </a:rPr>
+                              <m:t>𝑃</m:t>
+                            </m:r>
+                            <m:d>
+                              <m:dPr>
+                                <m:ctrlPr>
+                                  <a:rPr lang="pt-PT" b="0" i="1" smtClean="0">
+                                    <a:solidFill>
+                                      <a:schemeClr val="tx1"/>
+                                    </a:solidFill>
+                                    <a:latin typeface="Cambria Math" panose="02040503050406030204" pitchFamily="18" charset="0"/>
+                                  </a:rPr>
+                                </m:ctrlPr>
+                              </m:dPr>
+                              <m:e>
+                                <m:r>
+                                  <a:rPr lang="pt-PT" b="0" i="1" smtClean="0">
+                                    <a:solidFill>
+                                      <a:schemeClr val="tx1"/>
+                                    </a:solidFill>
+                                    <a:latin typeface="Cambria Math" panose="02040503050406030204" pitchFamily="18" charset="0"/>
+                                  </a:rPr>
+                                  <m:t>𝐿</m:t>
+                                </m:r>
+                                <m:r>
+                                  <a:rPr lang="pt-PT" b="0" i="1" smtClean="0">
+                                    <a:solidFill>
+                                      <a:schemeClr val="tx1"/>
+                                    </a:solidFill>
+                                    <a:latin typeface="Cambria Math" panose="02040503050406030204" pitchFamily="18" charset="0"/>
+                                  </a:rPr>
+                                  <m:t>,</m:t>
+                                </m:r>
+                                <m:r>
+                                  <a:rPr lang="pt-PT" b="0" i="1" smtClean="0">
+                                    <a:solidFill>
+                                      <a:schemeClr val="tx1"/>
+                                    </a:solidFill>
+                                    <a:latin typeface="Cambria Math" panose="02040503050406030204" pitchFamily="18" charset="0"/>
+                                  </a:rPr>
+                                  <m:t>𝐶</m:t>
+                                </m:r>
+                              </m:e>
+                            </m:d>
+                          </m:num>
+                          <m:den>
+                            <m:r>
+                              <a:rPr lang="pt-PT" b="0" i="1" smtClean="0">
+                                <a:solidFill>
+                                  <a:schemeClr val="tx1"/>
+                                </a:solidFill>
+                                <a:latin typeface="Cambria Math" panose="02040503050406030204" pitchFamily="18" charset="0"/>
+                              </a:rPr>
+                              <m:t>𝑃</m:t>
+                            </m:r>
+                            <m:d>
+                              <m:dPr>
+                                <m:ctrlPr>
+                                  <a:rPr lang="pt-PT" b="0" i="1" smtClean="0">
+                                    <a:solidFill>
+                                      <a:schemeClr val="tx1"/>
+                                    </a:solidFill>
+                                    <a:latin typeface="Cambria Math" panose="02040503050406030204" pitchFamily="18" charset="0"/>
+                                  </a:rPr>
+                                </m:ctrlPr>
+                              </m:dPr>
+                              <m:e>
+                                <m:r>
+                                  <a:rPr lang="pt-PT" b="0" i="1" smtClean="0">
+                                    <a:solidFill>
+                                      <a:schemeClr val="tx1"/>
+                                    </a:solidFill>
+                                    <a:latin typeface="Cambria Math" panose="02040503050406030204" pitchFamily="18" charset="0"/>
+                                  </a:rPr>
+                                  <m:t>𝐶</m:t>
+                                </m:r>
+                              </m:e>
+                            </m:d>
+                          </m:den>
+                        </m:f>
+                      </m:oMath>
+                    </m:oMathPara>
+                  </a14:m>
+                  <a:endParaRPr lang="pt-PT" b="0" i="1" dirty="0">
+                    <a:solidFill>
+                      <a:schemeClr val="tx1"/>
+                    </a:solidFill>
+                    <a:latin typeface="Cambria Math" panose="02040503050406030204" pitchFamily="18" charset="0"/>
+                  </a:endParaRPr>
+                </a:p>
+              </p:txBody>
+            </p:sp>
+          </mc:Choice>
+          <mc:Fallback>
+            <p:sp>
+              <p:nvSpPr>
+                <p:cNvPr id="27" name="CaixaDeTexto 26">
+                  <a:extLst>
+                    <a:ext uri="{FF2B5EF4-FFF2-40B4-BE49-F238E27FC236}">
+                      <a16:creationId xmlns:a16="http://schemas.microsoft.com/office/drawing/2014/main" id="{05524496-885D-4A5F-BD64-8E076EE770E5}"/>
+                    </a:ext>
+                  </a:extLst>
+                </p:cNvPr>
+                <p:cNvSpPr txBox="1">
+                  <a:spLocks noRot="1" noChangeAspect="1" noMove="1" noResize="1" noEditPoints="1" noAdjustHandles="1" noChangeArrowheads="1" noChangeShapeType="1" noTextEdit="1"/>
+                </p:cNvSpPr>
+                <p:nvPr/>
+              </p:nvSpPr>
+              <p:spPr>
+                <a:xfrm>
+                  <a:off x="6571336" y="2620671"/>
+                  <a:ext cx="1913497" cy="669094"/>
+                </a:xfrm>
+                <a:prstGeom prst="rect">
+                  <a:avLst/>
+                </a:prstGeom>
+                <a:blipFill>
+                  <a:blip r:embed="rId4"/>
+                  <a:stretch>
+                    <a:fillRect/>
+                  </a:stretch>
+                </a:blipFill>
+              </p:spPr>
+              <p:txBody>
+                <a:bodyPr/>
+                <a:lstStyle/>
+                <a:p>
+                  <a:r>
+                    <a:rPr lang="pt-PT">
+                      <a:noFill/>
+                    </a:rPr>
+                    <a:t> </a:t>
+                  </a:r>
+                </a:p>
+              </p:txBody>
+            </p:sp>
+          </mc:Fallback>
+        </mc:AlternateContent>
+      </p:grpSp>
+      <p:graphicFrame>
+        <p:nvGraphicFramePr>
+          <p:cNvPr id="33" name="Tabela 26">
+            <a:extLst>
+              <a:ext uri="{FF2B5EF4-FFF2-40B4-BE49-F238E27FC236}">
+                <a16:creationId xmlns:a16="http://schemas.microsoft.com/office/drawing/2014/main" id="{06BBFA9B-3A05-46F1-9F1C-3BBB27D5AC74}"/>
+              </a:ext>
+            </a:extLst>
+          </p:cNvPr>
+          <p:cNvGraphicFramePr>
+            <a:graphicFrameLocks noGrp="1"/>
+          </p:cNvGraphicFramePr>
           <p:nvPr>
             <p:extLst>
               <p:ext uri="{D42A27DB-BD31-4B8C-83A1-F6EECF244321}">
-                <p14:modId xmlns:p14="http://schemas.microsoft.com/office/powerpoint/2010/main" val="2457504917"/>
+                <p14:modId xmlns:p14="http://schemas.microsoft.com/office/powerpoint/2010/main" val="2445533572"/>
               </p:ext>
             </p:extLst>
           </p:nvPr>
         </p:nvGraphicFramePr>
         <p:xfrm>
-          <a:off x="2123728" y="1917700"/>
-          <a:ext cx="4896544" cy="4064000"/>
+          <a:off x="492591" y="3042273"/>
+          <a:ext cx="724414" cy="781234"/>
         </p:xfrm>
         <a:graphic>
-          <a:graphicData uri="http://schemas.openxmlformats.org/drawingml/2006/diagram">
-            <dgm:relIds xmlns:dgm="http://schemas.openxmlformats.org/drawingml/2006/diagram" xmlns:r="http://schemas.openxmlformats.org/officeDocument/2006/relationships" r:dm="rId3" r:lo="rId4" r:qs="rId5" r:cs="rId6"/>
+          <a:graphicData uri="http://schemas.openxmlformats.org/drawingml/2006/table">
+            <a:tbl>
+              <a:tblPr firstRow="1" bandRow="1">
+                <a:tableStyleId>{5C22544A-7EE6-4342-B048-85BDC9FD1C3A}</a:tableStyleId>
+              </a:tblPr>
+              <a:tblGrid>
+                <a:gridCol w="724414">
+                  <a:extLst>
+                    <a:ext uri="{9D8B030D-6E8A-4147-A177-3AD203B41FA5}">
+                      <a16:colId xmlns:a16="http://schemas.microsoft.com/office/drawing/2014/main" val="1709336172"/>
+                    </a:ext>
+                  </a:extLst>
+                </a:gridCol>
+              </a:tblGrid>
+              <a:tr h="415474">
+                <a:tc>
+                  <a:txBody>
+                    <a:bodyPr/>
+                    <a:lstStyle/>
+                    <a:p>
+                      <a:pPr algn="ctr"/>
+                      <a:r>
+                        <a:rPr lang="pt-PT" sz="1400" dirty="0"/>
+                        <a:t>P(X)</a:t>
+                      </a:r>
+                    </a:p>
+                  </a:txBody>
+                  <a:tcPr>
+                    <a:solidFill>
+                      <a:srgbClr val="212E67"/>
+                    </a:solidFill>
+                  </a:tcPr>
+                </a:tc>
+                <a:extLst>
+                  <a:ext uri="{0D108BD9-81ED-4DB2-BD59-A6C34878D82A}">
+                    <a16:rowId xmlns:a16="http://schemas.microsoft.com/office/drawing/2014/main" val="3782139646"/>
+                  </a:ext>
+                </a:extLst>
+              </a:tr>
+              <a:tr h="293276">
+                <a:tc>
+                  <a:txBody>
+                    <a:bodyPr/>
+                    <a:lstStyle/>
+                    <a:p>
+                      <a:pPr algn="ctr"/>
+                      <a:r>
+                        <a:rPr lang="pt-PT" dirty="0">
+                          <a:solidFill>
+                            <a:schemeClr val="tx1"/>
+                          </a:solidFill>
+                        </a:rPr>
+                        <a:t>?</a:t>
+                      </a:r>
+                    </a:p>
+                  </a:txBody>
+                  <a:tcPr>
+                    <a:solidFill>
+                      <a:schemeClr val="bg1">
+                        <a:lumMod val="75000"/>
+                      </a:schemeClr>
+                    </a:solidFill>
+                  </a:tcPr>
+                </a:tc>
+                <a:extLst>
+                  <a:ext uri="{0D108BD9-81ED-4DB2-BD59-A6C34878D82A}">
+                    <a16:rowId xmlns:a16="http://schemas.microsoft.com/office/drawing/2014/main" val="3701229803"/>
+                  </a:ext>
+                </a:extLst>
+              </a:tr>
+            </a:tbl>
           </a:graphicData>
         </a:graphic>
       </p:graphicFrame>
+      <p:graphicFrame>
+        <p:nvGraphicFramePr>
+          <p:cNvPr id="34" name="Tabela 26">
+            <a:extLst>
+              <a:ext uri="{FF2B5EF4-FFF2-40B4-BE49-F238E27FC236}">
+                <a16:creationId xmlns:a16="http://schemas.microsoft.com/office/drawing/2014/main" id="{7E665FFA-4C9C-44F6-9D01-332564CB712C}"/>
+              </a:ext>
+            </a:extLst>
+          </p:cNvPr>
+          <p:cNvGraphicFramePr>
+            <a:graphicFrameLocks noGrp="1"/>
+          </p:cNvGraphicFramePr>
+          <p:nvPr>
+            <p:extLst>
+              <p:ext uri="{D42A27DB-BD31-4B8C-83A1-F6EECF244321}">
+                <p14:modId xmlns:p14="http://schemas.microsoft.com/office/powerpoint/2010/main" val="164025535"/>
+              </p:ext>
+            </p:extLst>
+          </p:nvPr>
+        </p:nvGraphicFramePr>
+        <p:xfrm>
+          <a:off x="4182579" y="3042273"/>
+          <a:ext cx="724414" cy="781234"/>
+        </p:xfrm>
+        <a:graphic>
+          <a:graphicData uri="http://schemas.openxmlformats.org/drawingml/2006/table">
+            <a:tbl>
+              <a:tblPr firstRow="1" bandRow="1">
+                <a:tableStyleId>{5C22544A-7EE6-4342-B048-85BDC9FD1C3A}</a:tableStyleId>
+              </a:tblPr>
+              <a:tblGrid>
+                <a:gridCol w="724414">
+                  <a:extLst>
+                    <a:ext uri="{9D8B030D-6E8A-4147-A177-3AD203B41FA5}">
+                      <a16:colId xmlns:a16="http://schemas.microsoft.com/office/drawing/2014/main" val="1709336172"/>
+                    </a:ext>
+                  </a:extLst>
+                </a:gridCol>
+              </a:tblGrid>
+              <a:tr h="415474">
+                <a:tc>
+                  <a:txBody>
+                    <a:bodyPr/>
+                    <a:lstStyle/>
+                    <a:p>
+                      <a:pPr algn="ctr"/>
+                      <a:r>
+                        <a:rPr lang="pt-PT" sz="1400" dirty="0"/>
+                        <a:t>P(C)</a:t>
+                      </a:r>
+                    </a:p>
+                  </a:txBody>
+                  <a:tcPr>
+                    <a:solidFill>
+                      <a:srgbClr val="212E67"/>
+                    </a:solidFill>
+                  </a:tcPr>
+                </a:tc>
+                <a:extLst>
+                  <a:ext uri="{0D108BD9-81ED-4DB2-BD59-A6C34878D82A}">
+                    <a16:rowId xmlns:a16="http://schemas.microsoft.com/office/drawing/2014/main" val="3782139646"/>
+                  </a:ext>
+                </a:extLst>
+              </a:tr>
+              <a:tr h="293276">
+                <a:tc>
+                  <a:txBody>
+                    <a:bodyPr/>
+                    <a:lstStyle/>
+                    <a:p>
+                      <a:pPr algn="ctr"/>
+                      <a:r>
+                        <a:rPr lang="pt-PT" dirty="0">
+                          <a:solidFill>
+                            <a:schemeClr val="tx1"/>
+                          </a:solidFill>
+                        </a:rPr>
+                        <a:t>?</a:t>
+                      </a:r>
+                    </a:p>
+                  </a:txBody>
+                  <a:tcPr>
+                    <a:solidFill>
+                      <a:schemeClr val="bg1">
+                        <a:lumMod val="75000"/>
+                      </a:schemeClr>
+                    </a:solidFill>
+                  </a:tcPr>
+                </a:tc>
+                <a:extLst>
+                  <a:ext uri="{0D108BD9-81ED-4DB2-BD59-A6C34878D82A}">
+                    <a16:rowId xmlns:a16="http://schemas.microsoft.com/office/drawing/2014/main" val="3701229803"/>
+                  </a:ext>
+                </a:extLst>
+              </a:tr>
+            </a:tbl>
+          </a:graphicData>
+        </a:graphic>
+      </p:graphicFrame>
+      <mc:AlternateContent xmlns:mc="http://schemas.openxmlformats.org/markup-compatibility/2006">
+        <mc:Choice xmlns:a14="http://schemas.microsoft.com/office/drawing/2010/main" Requires="a14">
+          <p:sp>
+            <p:nvSpPr>
+              <p:cNvPr id="41" name="CaixaDeTexto 40">
+                <a:extLst>
+                  <a:ext uri="{FF2B5EF4-FFF2-40B4-BE49-F238E27FC236}">
+                    <a16:creationId xmlns:a16="http://schemas.microsoft.com/office/drawing/2014/main" id="{11D4A1C3-B6D8-47AE-8123-151E5DED1D17}"/>
+                  </a:ext>
+                </a:extLst>
+              </p:cNvPr>
+              <p:cNvSpPr txBox="1"/>
+              <p:nvPr/>
+            </p:nvSpPr>
+            <p:spPr>
+              <a:xfrm>
+                <a:off x="5453263" y="4152108"/>
+                <a:ext cx="3051024" cy="963277"/>
+              </a:xfrm>
+              <a:prstGeom prst="rect">
+                <a:avLst/>
+              </a:prstGeom>
+              <a:noFill/>
+            </p:spPr>
+            <p:txBody>
+              <a:bodyPr wrap="square">
+                <a:spAutoFit/>
+              </a:bodyPr>
+              <a:lstStyle/>
+              <a:p>
+                <a:pPr/>
+                <a14:m>
+                  <m:oMathPara xmlns:m="http://schemas.openxmlformats.org/officeDocument/2006/math">
+                    <m:oMathParaPr>
+                      <m:jc m:val="centerGroup"/>
+                    </m:oMathParaPr>
+                    <m:oMath xmlns:m="http://schemas.openxmlformats.org/officeDocument/2006/math">
+                      <m:r>
+                        <a:rPr lang="pt-PT" sz="1600" i="1" smtClean="0">
+                          <a:solidFill>
+                            <a:schemeClr val="tx1"/>
+                          </a:solidFill>
+                          <a:latin typeface="Cambria Math" panose="02040503050406030204" pitchFamily="18" charset="0"/>
+                        </a:rPr>
+                        <m:t>𝑃</m:t>
+                      </m:r>
+                      <m:d>
+                        <m:dPr>
+                          <m:ctrlPr>
+                            <a:rPr lang="pt-PT" sz="1600" i="1">
+                              <a:solidFill>
+                                <a:schemeClr val="tx1"/>
+                              </a:solidFill>
+                              <a:latin typeface="Cambria Math" panose="02040503050406030204" pitchFamily="18" charset="0"/>
+                            </a:rPr>
+                          </m:ctrlPr>
+                        </m:dPr>
+                        <m:e>
+                          <m:r>
+                            <a:rPr lang="pt-PT" sz="1600" i="1">
+                              <a:solidFill>
+                                <a:schemeClr val="tx1"/>
+                              </a:solidFill>
+                              <a:latin typeface="Cambria Math" panose="02040503050406030204" pitchFamily="18" charset="0"/>
+                            </a:rPr>
+                            <m:t>𝐿</m:t>
+                          </m:r>
+                          <m:r>
+                            <a:rPr lang="pt-PT" sz="1600" i="1">
+                              <a:solidFill>
+                                <a:schemeClr val="tx1"/>
+                              </a:solidFill>
+                              <a:latin typeface="Cambria Math" panose="02040503050406030204" pitchFamily="18" charset="0"/>
+                            </a:rPr>
+                            <m:t>,</m:t>
+                          </m:r>
+                          <m:r>
+                            <a:rPr lang="pt-PT" sz="1600" i="1">
+                              <a:solidFill>
+                                <a:schemeClr val="tx1"/>
+                              </a:solidFill>
+                              <a:latin typeface="Cambria Math" panose="02040503050406030204" pitchFamily="18" charset="0"/>
+                            </a:rPr>
+                            <m:t>𝐶</m:t>
+                          </m:r>
+                        </m:e>
+                      </m:d>
+                      <m:r>
+                        <a:rPr lang="pt-PT" sz="1600" i="1">
+                          <a:solidFill>
+                            <a:schemeClr val="tx1"/>
+                          </a:solidFill>
+                          <a:latin typeface="Cambria Math" panose="02040503050406030204" pitchFamily="18" charset="0"/>
+                        </a:rPr>
+                        <m:t>= </m:t>
+                      </m:r>
+                      <m:nary>
+                        <m:naryPr>
+                          <m:chr m:val="∑"/>
+                          <m:supHide m:val="on"/>
+                          <m:ctrlPr>
+                            <a:rPr lang="pt-PT" sz="1600" b="0" i="1" smtClean="0">
+                              <a:solidFill>
+                                <a:schemeClr val="tx1"/>
+                              </a:solidFill>
+                              <a:latin typeface="Cambria Math" panose="02040503050406030204" pitchFamily="18" charset="0"/>
+                            </a:rPr>
+                          </m:ctrlPr>
+                        </m:naryPr>
+                        <m:sub>
+                          <m:r>
+                            <a:rPr lang="pt-PT" sz="1600" i="1" dirty="0">
+                              <a:solidFill>
+                                <a:schemeClr val="tx1"/>
+                              </a:solidFill>
+                              <a:latin typeface="Cambria Math" panose="02040503050406030204" pitchFamily="18" charset="0"/>
+                            </a:rPr>
+                            <m:t>𝑋</m:t>
+                          </m:r>
+                          <m:r>
+                            <a:rPr lang="pt-PT" sz="1600" i="1" dirty="0">
+                              <a:solidFill>
+                                <a:schemeClr val="tx1"/>
+                              </a:solidFill>
+                              <a:latin typeface="Cambria Math" panose="02040503050406030204" pitchFamily="18" charset="0"/>
+                            </a:rPr>
+                            <m:t>∈</m:t>
+                          </m:r>
+                          <m:d>
+                            <m:dPr>
+                              <m:begChr m:val="{"/>
+                              <m:endChr m:val="}"/>
+                              <m:ctrlPr>
+                                <a:rPr lang="pt-PT" sz="1600" i="1" dirty="0">
+                                  <a:solidFill>
+                                    <a:schemeClr val="tx1"/>
+                                  </a:solidFill>
+                                  <a:latin typeface="Cambria Math" panose="02040503050406030204" pitchFamily="18" charset="0"/>
+                                </a:rPr>
+                              </m:ctrlPr>
+                            </m:dPr>
+                            <m:e>
+                              <m:r>
+                                <a:rPr lang="pt-PT" sz="1600" i="1" dirty="0">
+                                  <a:solidFill>
+                                    <a:schemeClr val="tx1"/>
+                                  </a:solidFill>
+                                  <a:latin typeface="Cambria Math" panose="02040503050406030204" pitchFamily="18" charset="0"/>
+                                </a:rPr>
+                                <m:t>𝑉</m:t>
+                              </m:r>
+                              <m:r>
+                                <a:rPr lang="pt-PT" sz="1600" i="1" dirty="0">
+                                  <a:solidFill>
+                                    <a:schemeClr val="tx1"/>
+                                  </a:solidFill>
+                                  <a:latin typeface="Cambria Math" panose="02040503050406030204" pitchFamily="18" charset="0"/>
+                                </a:rPr>
+                                <m:t>,</m:t>
+                              </m:r>
+                              <m:r>
+                                <a:rPr lang="pt-PT" sz="1600" i="1" dirty="0">
+                                  <a:solidFill>
+                                    <a:schemeClr val="tx1"/>
+                                  </a:solidFill>
+                                  <a:latin typeface="Cambria Math" panose="02040503050406030204" pitchFamily="18" charset="0"/>
+                                </a:rPr>
+                                <m:t>𝐹</m:t>
+                              </m:r>
+                            </m:e>
+                          </m:d>
+                        </m:sub>
+                        <m:sup/>
+                        <m:e>
+                          <m:r>
+                            <a:rPr lang="pt-PT" sz="1600" i="1" dirty="0">
+                              <a:solidFill>
+                                <a:schemeClr val="tx1"/>
+                              </a:solidFill>
+                              <a:latin typeface="Cambria Math" panose="02040503050406030204" pitchFamily="18" charset="0"/>
+                            </a:rPr>
+                            <m:t>𝑃</m:t>
+                          </m:r>
+                          <m:d>
+                            <m:dPr>
+                              <m:ctrlPr>
+                                <a:rPr lang="pt-PT" sz="1600" i="1" dirty="0">
+                                  <a:solidFill>
+                                    <a:schemeClr val="tx1"/>
+                                  </a:solidFill>
+                                  <a:latin typeface="Cambria Math" panose="02040503050406030204" pitchFamily="18" charset="0"/>
+                                </a:rPr>
+                              </m:ctrlPr>
+                            </m:dPr>
+                            <m:e>
+                              <m:r>
+                                <a:rPr lang="pt-PT" sz="1600" i="1" dirty="0">
+                                  <a:solidFill>
+                                    <a:schemeClr val="tx1"/>
+                                  </a:solidFill>
+                                  <a:latin typeface="Cambria Math" panose="02040503050406030204" pitchFamily="18" charset="0"/>
+                                </a:rPr>
+                                <m:t>𝐶</m:t>
+                              </m:r>
+                              <m:r>
+                                <a:rPr lang="pt-PT" sz="1600" i="1" dirty="0">
+                                  <a:solidFill>
+                                    <a:schemeClr val="tx1"/>
+                                  </a:solidFill>
+                                  <a:latin typeface="Cambria Math" panose="02040503050406030204" pitchFamily="18" charset="0"/>
+                                </a:rPr>
+                                <m:t>,</m:t>
+                              </m:r>
+                              <m:r>
+                                <a:rPr lang="pt-PT" sz="1600" i="1" dirty="0">
+                                  <a:solidFill>
+                                    <a:schemeClr val="tx1"/>
+                                  </a:solidFill>
+                                  <a:latin typeface="Cambria Math" panose="02040503050406030204" pitchFamily="18" charset="0"/>
+                                </a:rPr>
+                                <m:t>𝑋</m:t>
+                              </m:r>
+                              <m:r>
+                                <a:rPr lang="pt-PT" sz="1600" i="1" dirty="0">
+                                  <a:solidFill>
+                                    <a:schemeClr val="tx1"/>
+                                  </a:solidFill>
+                                  <a:latin typeface="Cambria Math" panose="02040503050406030204" pitchFamily="18" charset="0"/>
+                                </a:rPr>
+                                <m:t>,</m:t>
+                              </m:r>
+                              <m:r>
+                                <a:rPr lang="pt-PT" sz="1600" i="1" dirty="0">
+                                  <a:solidFill>
+                                    <a:schemeClr val="tx1"/>
+                                  </a:solidFill>
+                                  <a:latin typeface="Cambria Math" panose="02040503050406030204" pitchFamily="18" charset="0"/>
+                                </a:rPr>
+                                <m:t>𝐿</m:t>
+                              </m:r>
+                            </m:e>
+                          </m:d>
+                        </m:e>
+                      </m:nary>
+                      <m:r>
+                        <a:rPr lang="pt-PT" sz="1600" b="0" i="1" dirty="0" smtClean="0">
+                          <a:solidFill>
+                            <a:schemeClr val="tx1"/>
+                          </a:solidFill>
+                          <a:latin typeface="Cambria Math" panose="02040503050406030204" pitchFamily="18" charset="0"/>
+                          <a:ea typeface="Cambria Math" panose="02040503050406030204" pitchFamily="18" charset="0"/>
+                        </a:rPr>
+                        <m:t>=</m:t>
+                      </m:r>
+                    </m:oMath>
+                  </m:oMathPara>
+                </a14:m>
+                <a:endParaRPr lang="pt-PT" sz="1600" i="1" dirty="0">
+                  <a:solidFill>
+                    <a:schemeClr val="tx1"/>
+                  </a:solidFill>
+                  <a:latin typeface="Cambria Math" panose="02040503050406030204" pitchFamily="18" charset="0"/>
+                </a:endParaRPr>
+              </a:p>
+              <a:p>
+                <a:pPr/>
+                <a14:m>
+                  <m:oMathPara xmlns:m="http://schemas.openxmlformats.org/officeDocument/2006/math">
+                    <m:oMathParaPr>
+                      <m:jc m:val="centerGroup"/>
+                    </m:oMathParaPr>
+                    <m:oMath xmlns:m="http://schemas.openxmlformats.org/officeDocument/2006/math">
+                      <m:r>
+                        <a:rPr lang="pt-PT" sz="1600" b="0" i="1" dirty="0" smtClean="0">
+                          <a:solidFill>
+                            <a:schemeClr val="tx1"/>
+                          </a:solidFill>
+                          <a:latin typeface="Cambria Math" panose="02040503050406030204" pitchFamily="18" charset="0"/>
+                          <a:ea typeface="Cambria Math" panose="02040503050406030204" pitchFamily="18" charset="0"/>
+                        </a:rPr>
+                        <m:t>=</m:t>
+                      </m:r>
+                      <m:r>
+                        <a:rPr lang="pt-PT" sz="1600" i="1" dirty="0">
+                          <a:solidFill>
+                            <a:schemeClr val="tx1"/>
+                          </a:solidFill>
+                          <a:latin typeface="Cambria Math" panose="02040503050406030204" pitchFamily="18" charset="0"/>
+                        </a:rPr>
+                        <m:t>𝑃</m:t>
+                      </m:r>
+                      <m:d>
+                        <m:dPr>
+                          <m:ctrlPr>
+                            <a:rPr lang="pt-PT" sz="1600" i="1" dirty="0">
+                              <a:solidFill>
+                                <a:schemeClr val="tx1"/>
+                              </a:solidFill>
+                              <a:latin typeface="Cambria Math" panose="02040503050406030204" pitchFamily="18" charset="0"/>
+                            </a:rPr>
+                          </m:ctrlPr>
+                        </m:dPr>
+                        <m:e>
+                          <m:r>
+                            <a:rPr lang="pt-PT" sz="1600" i="1" dirty="0">
+                              <a:solidFill>
+                                <a:schemeClr val="tx1"/>
+                              </a:solidFill>
+                              <a:latin typeface="Cambria Math" panose="02040503050406030204" pitchFamily="18" charset="0"/>
+                            </a:rPr>
+                            <m:t>𝐶</m:t>
+                          </m:r>
+                          <m:r>
+                            <a:rPr lang="pt-PT" sz="1600" i="1" dirty="0">
+                              <a:solidFill>
+                                <a:schemeClr val="tx1"/>
+                              </a:solidFill>
+                              <a:latin typeface="Cambria Math" panose="02040503050406030204" pitchFamily="18" charset="0"/>
+                            </a:rPr>
+                            <m:t>,</m:t>
+                          </m:r>
+                          <m:r>
+                            <a:rPr lang="pt-PT" sz="1600" i="1" dirty="0">
+                              <a:solidFill>
+                                <a:schemeClr val="tx1"/>
+                              </a:solidFill>
+                              <a:latin typeface="Cambria Math" panose="02040503050406030204" pitchFamily="18" charset="0"/>
+                            </a:rPr>
+                            <m:t>𝑋</m:t>
+                          </m:r>
+                          <m:r>
+                            <a:rPr lang="pt-PT" sz="1600" i="1" dirty="0">
+                              <a:solidFill>
+                                <a:schemeClr val="tx1"/>
+                              </a:solidFill>
+                              <a:latin typeface="Cambria Math" panose="02040503050406030204" pitchFamily="18" charset="0"/>
+                            </a:rPr>
+                            <m:t>,</m:t>
+                          </m:r>
+                          <m:r>
+                            <a:rPr lang="pt-PT" sz="1600" i="1" dirty="0">
+                              <a:solidFill>
+                                <a:schemeClr val="tx1"/>
+                              </a:solidFill>
+                              <a:latin typeface="Cambria Math" panose="02040503050406030204" pitchFamily="18" charset="0"/>
+                            </a:rPr>
+                            <m:t>𝐿</m:t>
+                          </m:r>
+                        </m:e>
+                      </m:d>
+                      <m:r>
+                        <a:rPr lang="pt-PT" sz="1600" i="1" dirty="0">
+                          <a:solidFill>
+                            <a:schemeClr val="tx1"/>
+                          </a:solidFill>
+                          <a:latin typeface="Cambria Math" panose="02040503050406030204" pitchFamily="18" charset="0"/>
+                        </a:rPr>
+                        <m:t>+</m:t>
+                      </m:r>
+                      <m:r>
+                        <a:rPr lang="pt-PT" sz="1600" i="1" dirty="0">
+                          <a:solidFill>
+                            <a:schemeClr val="tx1"/>
+                          </a:solidFill>
+                          <a:latin typeface="Cambria Math" panose="02040503050406030204" pitchFamily="18" charset="0"/>
+                        </a:rPr>
+                        <m:t>𝑃</m:t>
+                      </m:r>
+                      <m:d>
+                        <m:dPr>
+                          <m:ctrlPr>
+                            <a:rPr lang="pt-PT" sz="1600" i="1" dirty="0">
+                              <a:solidFill>
+                                <a:schemeClr val="tx1"/>
+                              </a:solidFill>
+                              <a:latin typeface="Cambria Math" panose="02040503050406030204" pitchFamily="18" charset="0"/>
+                            </a:rPr>
+                          </m:ctrlPr>
+                        </m:dPr>
+                        <m:e>
+                          <m:r>
+                            <a:rPr lang="pt-PT" sz="1600" i="1" dirty="0">
+                              <a:solidFill>
+                                <a:schemeClr val="tx1"/>
+                              </a:solidFill>
+                              <a:latin typeface="Cambria Math" panose="02040503050406030204" pitchFamily="18" charset="0"/>
+                            </a:rPr>
+                            <m:t>𝐶</m:t>
+                          </m:r>
+                          <m:r>
+                            <a:rPr lang="pt-PT" sz="1600" i="1" dirty="0">
+                              <a:solidFill>
+                                <a:schemeClr val="tx1"/>
+                              </a:solidFill>
+                              <a:latin typeface="Cambria Math" panose="02040503050406030204" pitchFamily="18" charset="0"/>
+                            </a:rPr>
+                            <m:t>,¬</m:t>
+                          </m:r>
+                          <m:r>
+                            <a:rPr lang="pt-PT" sz="1600" i="1" dirty="0">
+                              <a:solidFill>
+                                <a:schemeClr val="tx1"/>
+                              </a:solidFill>
+                              <a:latin typeface="Cambria Math" panose="02040503050406030204" pitchFamily="18" charset="0"/>
+                            </a:rPr>
+                            <m:t>𝑋</m:t>
+                          </m:r>
+                          <m:r>
+                            <a:rPr lang="pt-PT" sz="1600" i="1" dirty="0">
+                              <a:solidFill>
+                                <a:schemeClr val="tx1"/>
+                              </a:solidFill>
+                              <a:latin typeface="Cambria Math" panose="02040503050406030204" pitchFamily="18" charset="0"/>
+                            </a:rPr>
+                            <m:t>,</m:t>
+                          </m:r>
+                          <m:r>
+                            <a:rPr lang="pt-PT" sz="1600" i="1" dirty="0">
+                              <a:solidFill>
+                                <a:schemeClr val="tx1"/>
+                              </a:solidFill>
+                              <a:latin typeface="Cambria Math" panose="02040503050406030204" pitchFamily="18" charset="0"/>
+                            </a:rPr>
+                            <m:t>𝐿</m:t>
+                          </m:r>
+                        </m:e>
+                      </m:d>
+                    </m:oMath>
+                  </m:oMathPara>
+                </a14:m>
+                <a:endParaRPr lang="pt-PT" sz="1600" dirty="0"/>
+              </a:p>
+            </p:txBody>
+          </p:sp>
+        </mc:Choice>
+        <mc:Fallback>
+          <p:sp>
+            <p:nvSpPr>
+              <p:cNvPr id="41" name="CaixaDeTexto 40">
+                <a:extLst>
+                  <a:ext uri="{FF2B5EF4-FFF2-40B4-BE49-F238E27FC236}">
+                    <a16:creationId xmlns:a16="http://schemas.microsoft.com/office/drawing/2014/main" id="{11D4A1C3-B6D8-47AE-8123-151E5DED1D17}"/>
+                  </a:ext>
+                </a:extLst>
+              </p:cNvPr>
+              <p:cNvSpPr txBox="1">
+                <a:spLocks noRot="1" noChangeAspect="1" noMove="1" noResize="1" noEditPoints="1" noAdjustHandles="1" noChangeArrowheads="1" noChangeShapeType="1" noTextEdit="1"/>
+              </p:cNvSpPr>
+              <p:nvPr/>
+            </p:nvSpPr>
+            <p:spPr>
+              <a:xfrm>
+                <a:off x="5453263" y="4152108"/>
+                <a:ext cx="3051024" cy="963277"/>
+              </a:xfrm>
+              <a:prstGeom prst="rect">
+                <a:avLst/>
+              </a:prstGeom>
+              <a:blipFill>
+                <a:blip r:embed="rId5"/>
+                <a:stretch>
+                  <a:fillRect/>
+                </a:stretch>
+              </a:blipFill>
+            </p:spPr>
+            <p:txBody>
+              <a:bodyPr/>
+              <a:lstStyle/>
+              <a:p>
+                <a:r>
+                  <a:rPr lang="pt-PT">
+                    <a:noFill/>
+                  </a:rPr>
+                  <a:t> </a:t>
+                </a:r>
+              </a:p>
+            </p:txBody>
+          </p:sp>
+        </mc:Fallback>
+      </mc:AlternateContent>
     </p:spTree>
   </p:cSld>
   <p:clrMapOvr>
@@ -27488,13 +28587,34 @@
               </a:tabLst>
             </a:pPr>
             <a:r>
-              <a:rPr lang="en-US" altLang="pt-PT" sz="2800">
+              <a:rPr lang="en-US" altLang="pt-PT" sz="2800" dirty="0" err="1">
                 <a:solidFill>
                   <a:srgbClr val="000000"/>
                 </a:solidFill>
               </a:rPr>
-              <a:t>Análise Crítica</a:t>
+              <a:t>Análise</a:t>
             </a:r>
+            <a:r>
+              <a:rPr lang="en-US" altLang="pt-PT" sz="2800" dirty="0">
+                <a:solidFill>
+                  <a:srgbClr val="000000"/>
+                </a:solidFill>
+              </a:rPr>
+              <a:t> </a:t>
+            </a:r>
+            <a:r>
+              <a:rPr lang="en-US" altLang="pt-PT" sz="2800" dirty="0" err="1">
+                <a:solidFill>
+                  <a:srgbClr val="000000"/>
+                </a:solidFill>
+              </a:rPr>
+              <a:t>Crítica</a:t>
+            </a:r>
+            <a:endParaRPr lang="en-US" altLang="pt-PT" sz="2800" dirty="0">
+              <a:solidFill>
+                <a:srgbClr val="000000"/>
+              </a:solidFill>
+            </a:endParaRPr>
           </a:p>
         </p:txBody>
       </p:sp>
@@ -27511,13 +28631,13 @@
           <p:nvPr>
             <p:extLst>
               <p:ext uri="{D42A27DB-BD31-4B8C-83A1-F6EECF244321}">
-                <p14:modId xmlns:p14="http://schemas.microsoft.com/office/powerpoint/2010/main" val="3909494849"/>
+                <p14:modId xmlns:p14="http://schemas.microsoft.com/office/powerpoint/2010/main" val="4060435769"/>
               </p:ext>
             </p:extLst>
           </p:nvPr>
         </p:nvGraphicFramePr>
         <p:xfrm>
-          <a:off x="1691680" y="2060848"/>
+          <a:off x="1691680" y="1988840"/>
           <a:ext cx="6096000" cy="4064000"/>
         </p:xfrm>
         <a:graphic>
@@ -28091,7 +29211,7 @@
         </p:nvSpPr>
         <p:spPr>
           <a:xfrm>
-            <a:off x="1157288" y="1279525"/>
+            <a:off x="898525" y="1253331"/>
             <a:ext cx="7346950" cy="4351338"/>
           </a:xfrm>
           <a:ln/>
@@ -28133,8 +29253,20 @@
               </a:tabLst>
             </a:pPr>
             <a:r>
-              <a:rPr lang="en-US" altLang="pt-PT"/>
-              <a:t>Obrigada pela atenção.</a:t>
+              <a:rPr lang="en-US" altLang="pt-PT" dirty="0" err="1"/>
+              <a:t>Obrigada</a:t>
+            </a:r>
+            <a:r>
+              <a:rPr lang="en-US" altLang="pt-PT" dirty="0"/>
+              <a:t> pela </a:t>
+            </a:r>
+            <a:r>
+              <a:rPr lang="en-US" altLang="pt-PT" dirty="0" err="1"/>
+              <a:t>atenção</a:t>
+            </a:r>
+            <a:r>
+              <a:rPr lang="en-US" altLang="pt-PT" dirty="0"/>
+              <a:t>.</a:t>
             </a:r>
           </a:p>
           <a:p>
@@ -28171,8 +29303,12 @@
               </a:tabLst>
             </a:pPr>
             <a:r>
-              <a:rPr lang="en-US" altLang="pt-PT"/>
-              <a:t>Questões?</a:t>
+              <a:rPr lang="en-US" altLang="pt-PT" dirty="0" err="1"/>
+              <a:t>Questões</a:t>
+            </a:r>
+            <a:r>
+              <a:rPr lang="en-US" altLang="pt-PT" dirty="0"/>
+              <a:t>?</a:t>
             </a:r>
           </a:p>
         </p:txBody>

--- a/Presentation.pptx
+++ b/Presentation.pptx
@@ -6,16 +6,18 @@
     <p:sldMasterId id="2147483649" r:id="rId2"/>
   </p:sldMasterIdLst>
   <p:notesMasterIdLst>
-    <p:notesMasterId r:id="rId10"/>
+    <p:notesMasterId r:id="rId12"/>
   </p:notesMasterIdLst>
   <p:sldIdLst>
     <p:sldId id="256" r:id="rId3"/>
     <p:sldId id="257" r:id="rId4"/>
     <p:sldId id="258" r:id="rId5"/>
-    <p:sldId id="259" r:id="rId6"/>
-    <p:sldId id="260" r:id="rId7"/>
-    <p:sldId id="261" r:id="rId8"/>
-    <p:sldId id="262" r:id="rId9"/>
+    <p:sldId id="263" r:id="rId6"/>
+    <p:sldId id="264" r:id="rId7"/>
+    <p:sldId id="259" r:id="rId8"/>
+    <p:sldId id="260" r:id="rId9"/>
+    <p:sldId id="261" r:id="rId10"/>
+    <p:sldId id="262" r:id="rId11"/>
   </p:sldIdLst>
   <p:sldSz cx="9144000" cy="6858000" type="screen4x3"/>
   <p:notesSz cx="6858000" cy="9144000"/>
@@ -13211,7 +13213,7 @@
             <a:fld id="{58140BB5-09D2-406C-89DC-06DCD98692CE}" type="slidenum">
               <a:rPr lang="en-US" altLang="pt-PT"/>
               <a:pPr/>
-              <a:t>‹nº›</a:t>
+              <a:t>‹#›</a:t>
             </a:fld>
             <a:endParaRPr lang="en-US" altLang="pt-PT"/>
           </a:p>
@@ -13949,7 +13951,7 @@
             <a:fld id="{A5E8C126-7A2B-4F38-B3DE-32C3ECD4338F}" type="slidenum">
               <a:rPr lang="en-US" altLang="pt-PT"/>
               <a:pPr/>
-              <a:t>4</a:t>
+              <a:t>6</a:t>
             </a:fld>
             <a:endParaRPr lang="en-US" altLang="pt-PT"/>
           </a:p>
@@ -14125,7 +14127,7 @@
             <a:fld id="{C666620A-0D44-497E-B75E-F48D75F57A2B}" type="slidenum">
               <a:rPr lang="en-US" altLang="pt-PT"/>
               <a:pPr/>
-              <a:t>5</a:t>
+              <a:t>7</a:t>
             </a:fld>
             <a:endParaRPr lang="en-US" altLang="pt-PT"/>
           </a:p>
@@ -14301,7 +14303,7 @@
             <a:fld id="{59AAE9DC-2702-45D3-B0AC-DC9EF474E36A}" type="slidenum">
               <a:rPr lang="en-US" altLang="pt-PT"/>
               <a:pPr/>
-              <a:t>6</a:t>
+              <a:t>8</a:t>
             </a:fld>
             <a:endParaRPr lang="en-US" altLang="pt-PT"/>
           </a:p>
@@ -14477,7 +14479,7 @@
             <a:fld id="{C7C0A122-119C-4D94-B14F-6DFDBDF20C72}" type="slidenum">
               <a:rPr lang="en-US" altLang="pt-PT"/>
               <a:pPr/>
-              <a:t>7</a:t>
+              <a:t>9</a:t>
             </a:fld>
             <a:endParaRPr lang="en-US" altLang="pt-PT"/>
           </a:p>
@@ -14754,7 +14756,7 @@
             <a:fld id="{B192BCD6-8CBB-4D54-B627-71BAAAB56F28}" type="slidenum">
               <a:rPr lang="en-US" altLang="pt-PT"/>
               <a:pPr/>
-              <a:t>‹nº›</a:t>
+              <a:t>‹#›</a:t>
             </a:fld>
             <a:endParaRPr lang="en-US" altLang="pt-PT"/>
           </a:p>
@@ -14903,7 +14905,7 @@
             <a:fld id="{78909551-C67C-4668-890C-55FA74636BBD}" type="slidenum">
               <a:rPr lang="en-US" altLang="pt-PT"/>
               <a:pPr/>
-              <a:t>‹nº›</a:t>
+              <a:t>‹#›</a:t>
             </a:fld>
             <a:endParaRPr lang="en-US" altLang="pt-PT"/>
           </a:p>
@@ -15062,7 +15064,7 @@
             <a:fld id="{019FD7E3-44AA-4EDF-993E-A6757F9A9A9E}" type="slidenum">
               <a:rPr lang="en-US" altLang="pt-PT"/>
               <a:pPr/>
-              <a:t>‹nº›</a:t>
+              <a:t>‹#›</a:t>
             </a:fld>
             <a:endParaRPr lang="en-US" altLang="pt-PT"/>
           </a:p>
@@ -15164,7 +15166,7 @@
             <a:fld id="{C3A5D424-D97A-4E48-939C-A3A5781490F5}" type="slidenum">
               <a:rPr lang="en-US" altLang="pt-PT"/>
               <a:pPr/>
-              <a:t>‹nº›</a:t>
+              <a:t>‹#›</a:t>
             </a:fld>
             <a:endParaRPr lang="en-US" altLang="pt-PT"/>
           </a:p>
@@ -16302,7 +16304,7 @@
             <a:fld id="{51913339-D9E7-4F60-9D8D-1B53EA7DCE14}" type="slidenum">
               <a:rPr lang="en-US" altLang="pt-PT"/>
               <a:pPr/>
-              <a:t>‹nº›</a:t>
+              <a:t>‹#›</a:t>
             </a:fld>
             <a:endParaRPr lang="en-US" altLang="pt-PT"/>
           </a:p>
@@ -17147,7 +17149,7 @@
             <a:fld id="{BFD81906-BC0B-45A7-AE10-339C545676A1}" type="slidenum">
               <a:rPr lang="en-US" altLang="pt-PT"/>
               <a:pPr/>
-              <a:t>‹nº›</a:t>
+              <a:t>‹#›</a:t>
             </a:fld>
             <a:endParaRPr lang="en-US" altLang="pt-PT"/>
           </a:p>
@@ -17363,7 +17365,7 @@
             <a:fld id="{68597336-8B58-430A-B949-ED7848C1AEA8}" type="slidenum">
               <a:rPr lang="en-US" altLang="pt-PT"/>
               <a:pPr/>
-              <a:t>‹nº›</a:t>
+              <a:t>‹#›</a:t>
             </a:fld>
             <a:endParaRPr lang="en-US" altLang="pt-PT"/>
           </a:p>
@@ -17726,7 +17728,7 @@
             <a:fld id="{B2D49790-CB55-4B89-9AD9-809CBA1E6367}" type="slidenum">
               <a:rPr lang="en-US" altLang="pt-PT"/>
               <a:pPr/>
-              <a:t>‹nº›</a:t>
+              <a:t>‹#›</a:t>
             </a:fld>
             <a:endParaRPr lang="en-US" altLang="pt-PT"/>
           </a:p>
@@ -17818,7 +17820,7 @@
             <a:fld id="{73502A57-346B-46A4-B256-C73332BFA2F4}" type="slidenum">
               <a:rPr lang="en-US" altLang="pt-PT"/>
               <a:pPr/>
-              <a:t>‹nº›</a:t>
+              <a:t>‹#›</a:t>
             </a:fld>
             <a:endParaRPr lang="en-US" altLang="pt-PT"/>
           </a:p>
@@ -17882,7 +17884,7 @@
             <a:fld id="{47AA2A25-6B2C-4496-8D5C-C5CA7E4D6077}" type="slidenum">
               <a:rPr lang="en-US" altLang="pt-PT"/>
               <a:pPr/>
-              <a:t>‹nº›</a:t>
+              <a:t>‹#›</a:t>
             </a:fld>
             <a:endParaRPr lang="en-US" altLang="pt-PT"/>
           </a:p>
@@ -18144,7 +18146,7 @@
             <a:fld id="{6F9735D4-0B23-4024-B6EE-A35E489367E4}" type="slidenum">
               <a:rPr lang="en-US" altLang="pt-PT"/>
               <a:pPr/>
-              <a:t>‹nº›</a:t>
+              <a:t>‹#›</a:t>
             </a:fld>
             <a:endParaRPr lang="en-US" altLang="pt-PT"/>
           </a:p>
@@ -18383,7 +18385,7 @@
             <a:fld id="{46388AA0-D956-4A73-BAA1-4B6D1581FC67}" type="slidenum">
               <a:rPr lang="en-US" altLang="pt-PT"/>
               <a:pPr/>
-              <a:t>‹nº›</a:t>
+              <a:t>‹#›</a:t>
             </a:fld>
             <a:endParaRPr lang="en-US" altLang="pt-PT"/>
           </a:p>
@@ -18938,7 +18940,7 @@
             <a:fld id="{37D25A61-6166-4F19-8EF5-AC690CC73924}" type="slidenum">
               <a:rPr lang="en-US" altLang="pt-PT"/>
               <a:pPr/>
-              <a:t>‹nº›</a:t>
+              <a:t>‹#›</a:t>
             </a:fld>
             <a:endParaRPr lang="en-US" altLang="pt-PT"/>
           </a:p>
@@ -23269,6 +23271,244 @@
 <file path=ppt/slides/slide4.xml><?xml version="1.0" encoding="utf-8"?>
 <p:sld xmlns:a="http://schemas.openxmlformats.org/drawingml/2006/main" xmlns:r="http://schemas.openxmlformats.org/officeDocument/2006/relationships" xmlns:p="http://schemas.openxmlformats.org/presentationml/2006/main">
   <p:cSld>
+    <p:spTree>
+      <p:nvGrpSpPr>
+        <p:cNvPr id="1" name=""/>
+        <p:cNvGrpSpPr/>
+        <p:nvPr/>
+      </p:nvGrpSpPr>
+      <p:grpSpPr>
+        <a:xfrm>
+          <a:off x="0" y="0"/>
+          <a:ext cx="0" cy="0"/>
+          <a:chOff x="0" y="0"/>
+          <a:chExt cx="0" cy="0"/>
+        </a:xfrm>
+      </p:grpSpPr>
+      <p:sp>
+        <p:nvSpPr>
+          <p:cNvPr id="2" name="Title 1">
+            <a:extLst>
+              <a:ext uri="{FF2B5EF4-FFF2-40B4-BE49-F238E27FC236}">
+                <a16:creationId xmlns:a16="http://schemas.microsoft.com/office/drawing/2014/main" id="{4D39158C-4B9D-4C12-8277-4F49F6B16687}"/>
+              </a:ext>
+            </a:extLst>
+          </p:cNvPr>
+          <p:cNvSpPr>
+            <a:spLocks noGrp="1"/>
+          </p:cNvSpPr>
+          <p:nvPr>
+            <p:ph type="title"/>
+          </p:nvPr>
+        </p:nvSpPr>
+        <p:spPr/>
+        <p:txBody>
+          <a:bodyPr/>
+          <a:lstStyle/>
+          <a:p>
+            <a:r>
+              <a:rPr lang="pt-PT" sz="2800" dirty="0">
+                <a:solidFill>
+                  <a:schemeClr val="tx1"/>
+                </a:solidFill>
+              </a:rPr>
+              <a:t>Grafo </a:t>
+            </a:r>
+            <a:r>
+              <a:rPr lang="pt-PT" sz="2800" i="1" dirty="0" err="1">
+                <a:solidFill>
+                  <a:schemeClr val="tx1"/>
+                </a:solidFill>
+              </a:rPr>
+              <a:t>floor</a:t>
+            </a:r>
+            <a:r>
+              <a:rPr lang="pt-PT" sz="2800" dirty="0">
+                <a:solidFill>
+                  <a:schemeClr val="tx1"/>
+                </a:solidFill>
+              </a:rPr>
+              <a:t> do mundo virtual fornecido</a:t>
+            </a:r>
+            <a:endParaRPr lang="en-US" sz="2800" dirty="0">
+              <a:solidFill>
+                <a:schemeClr val="tx1"/>
+              </a:solidFill>
+            </a:endParaRPr>
+          </a:p>
+        </p:txBody>
+      </p:sp>
+      <p:pic>
+        <p:nvPicPr>
+          <p:cNvPr id="8" name="Picture 7" descr="Chart, radar chart&#10;&#10;Description automatically generated">
+            <a:extLst>
+              <a:ext uri="{FF2B5EF4-FFF2-40B4-BE49-F238E27FC236}">
+                <a16:creationId xmlns:a16="http://schemas.microsoft.com/office/drawing/2014/main" id="{94871032-14FC-46EF-A2BE-D160E839A251}"/>
+              </a:ext>
+            </a:extLst>
+          </p:cNvPr>
+          <p:cNvPicPr>
+            <a:picLocks noChangeAspect="1"/>
+          </p:cNvPicPr>
+          <p:nvPr/>
+        </p:nvPicPr>
+        <p:blipFill>
+          <a:blip r:embed="rId2">
+            <a:extLst>
+              <a:ext uri="{28A0092B-C50C-407E-A947-70E740481C1C}">
+                <a14:useLocalDpi xmlns:a14="http://schemas.microsoft.com/office/drawing/2010/main" val="0"/>
+              </a:ext>
+            </a:extLst>
+          </a:blip>
+          <a:stretch>
+            <a:fillRect/>
+          </a:stretch>
+        </p:blipFill>
+        <p:spPr>
+          <a:xfrm>
+            <a:off x="1331640" y="1772816"/>
+            <a:ext cx="5852172" cy="4389129"/>
+          </a:xfrm>
+          <a:prstGeom prst="rect">
+            <a:avLst/>
+          </a:prstGeom>
+        </p:spPr>
+      </p:pic>
+    </p:spTree>
+    <p:extLst>
+      <p:ext uri="{BB962C8B-B14F-4D97-AF65-F5344CB8AC3E}">
+        <p14:creationId xmlns:p14="http://schemas.microsoft.com/office/powerpoint/2010/main" val="145071602"/>
+      </p:ext>
+    </p:extLst>
+  </p:cSld>
+  <p:clrMapOvr>
+    <a:masterClrMapping/>
+  </p:clrMapOvr>
+</p:sld>
+</file>
+
+<file path=ppt/slides/slide5.xml><?xml version="1.0" encoding="utf-8"?>
+<p:sld xmlns:a="http://schemas.openxmlformats.org/drawingml/2006/main" xmlns:r="http://schemas.openxmlformats.org/officeDocument/2006/relationships" xmlns:p="http://schemas.openxmlformats.org/presentationml/2006/main">
+  <p:cSld>
+    <p:spTree>
+      <p:nvGrpSpPr>
+        <p:cNvPr id="1" name=""/>
+        <p:cNvGrpSpPr/>
+        <p:nvPr/>
+      </p:nvGrpSpPr>
+      <p:grpSpPr>
+        <a:xfrm>
+          <a:off x="0" y="0"/>
+          <a:ext cx="0" cy="0"/>
+          <a:chOff x="0" y="0"/>
+          <a:chExt cx="0" cy="0"/>
+        </a:xfrm>
+      </p:grpSpPr>
+      <p:sp>
+        <p:nvSpPr>
+          <p:cNvPr id="2" name="Title 1">
+            <a:extLst>
+              <a:ext uri="{FF2B5EF4-FFF2-40B4-BE49-F238E27FC236}">
+                <a16:creationId xmlns:a16="http://schemas.microsoft.com/office/drawing/2014/main" id="{4D39158C-4B9D-4C12-8277-4F49F6B16687}"/>
+              </a:ext>
+            </a:extLst>
+          </p:cNvPr>
+          <p:cNvSpPr>
+            <a:spLocks noGrp="1"/>
+          </p:cNvSpPr>
+          <p:nvPr>
+            <p:ph type="title"/>
+          </p:nvPr>
+        </p:nvSpPr>
+        <p:spPr/>
+        <p:txBody>
+          <a:bodyPr/>
+          <a:lstStyle/>
+          <a:p>
+            <a:r>
+              <a:rPr lang="pt-PT" sz="2800" dirty="0">
+                <a:solidFill>
+                  <a:schemeClr val="tx1"/>
+                </a:solidFill>
+              </a:rPr>
+              <a:t>Grafo </a:t>
+            </a:r>
+            <a:r>
+              <a:rPr lang="pt-PT" sz="2800" i="1" dirty="0" err="1">
+                <a:solidFill>
+                  <a:schemeClr val="tx1"/>
+                </a:solidFill>
+              </a:rPr>
+              <a:t>map</a:t>
+            </a:r>
+            <a:r>
+              <a:rPr lang="pt-PT" sz="2800" dirty="0">
+                <a:solidFill>
+                  <a:schemeClr val="tx1"/>
+                </a:solidFill>
+              </a:rPr>
+              <a:t> do mundo virtual fornecido</a:t>
+            </a:r>
+            <a:endParaRPr lang="en-US" sz="2800" dirty="0">
+              <a:solidFill>
+                <a:schemeClr val="tx1"/>
+              </a:solidFill>
+            </a:endParaRPr>
+          </a:p>
+        </p:txBody>
+      </p:sp>
+      <p:pic>
+        <p:nvPicPr>
+          <p:cNvPr id="6" name="Picture 5" descr="Diagram&#10;&#10;Description automatically generated">
+            <a:extLst>
+              <a:ext uri="{FF2B5EF4-FFF2-40B4-BE49-F238E27FC236}">
+                <a16:creationId xmlns:a16="http://schemas.microsoft.com/office/drawing/2014/main" id="{5309A712-5FC7-4FC8-AD2C-3710C0D83CF1}"/>
+              </a:ext>
+            </a:extLst>
+          </p:cNvPr>
+          <p:cNvPicPr>
+            <a:picLocks noChangeAspect="1"/>
+          </p:cNvPicPr>
+          <p:nvPr/>
+        </p:nvPicPr>
+        <p:blipFill>
+          <a:blip r:embed="rId2">
+            <a:extLst>
+              <a:ext uri="{28A0092B-C50C-407E-A947-70E740481C1C}">
+                <a14:useLocalDpi xmlns:a14="http://schemas.microsoft.com/office/drawing/2010/main" val="0"/>
+              </a:ext>
+            </a:extLst>
+          </a:blip>
+          <a:stretch>
+            <a:fillRect/>
+          </a:stretch>
+        </p:blipFill>
+        <p:spPr>
+          <a:xfrm>
+            <a:off x="1645914" y="1844824"/>
+            <a:ext cx="5852172" cy="4389129"/>
+          </a:xfrm>
+          <a:prstGeom prst="rect">
+            <a:avLst/>
+          </a:prstGeom>
+        </p:spPr>
+      </p:pic>
+    </p:spTree>
+    <p:extLst>
+      <p:ext uri="{BB962C8B-B14F-4D97-AF65-F5344CB8AC3E}">
+        <p14:creationId xmlns:p14="http://schemas.microsoft.com/office/powerpoint/2010/main" val="695361716"/>
+      </p:ext>
+    </p:extLst>
+  </p:cSld>
+  <p:clrMapOvr>
+    <a:masterClrMapping/>
+  </p:clrMapOvr>
+</p:sld>
+</file>
+
+<file path=ppt/slides/slide6.xml><?xml version="1.0" encoding="utf-8"?>
+<p:sld xmlns:a="http://schemas.openxmlformats.org/drawingml/2006/main" xmlns:r="http://schemas.openxmlformats.org/officeDocument/2006/relationships" xmlns:p="http://schemas.openxmlformats.org/presentationml/2006/main">
+  <p:cSld>
     <p:bg>
       <p:bgPr>
         <a:solidFill>
@@ -23638,7 +23878,7 @@
                 <a:buFontTx/>
                 <a:buNone/>
               </a:pPr>
-              <a:t>4</a:t>
+              <a:t>6</a:t>
             </a:fld>
             <a:endParaRPr lang="en-US" altLang="pt-PT" sz="1200" b="1">
               <a:solidFill>
@@ -23836,7 +24076,7 @@
             </p:nvSpPr>
             <p:spPr>
               <a:xfrm>
-                <a:off x="672650" y="3173322"/>
+                <a:off x="1259632" y="3101314"/>
                 <a:ext cx="1608454" cy="655372"/>
               </a:xfrm>
               <a:prstGeom prst="rect">
@@ -23850,6 +24090,7 @@
               </a:bodyPr>
               <a:lstStyle/>
               <a:p>
+                <a:pPr/>
                 <a14:m>
                   <m:oMathPara xmlns:m="http://schemas.openxmlformats.org/officeDocument/2006/math">
                     <m:oMathParaPr>
@@ -24035,7 +24276,7 @@
             </p:nvSpPr>
             <p:spPr>
               <a:xfrm>
-                <a:off x="672650" y="3173322"/>
+                <a:off x="1259632" y="3101314"/>
                 <a:ext cx="1608454" cy="655372"/>
               </a:xfrm>
               <a:prstGeom prst="rect">
@@ -24053,7 +24294,7 @@
               <a:lstStyle/>
               <a:p>
                 <a:r>
-                  <a:rPr lang="pt-PT">
+                  <a:rPr lang="en-US">
                     <a:noFill/>
                   </a:rPr>
                   <a:t> </a:t>
@@ -24077,7 +24318,7 @@
         </p:nvGrpSpPr>
         <p:grpSpPr>
           <a:xfrm>
-            <a:off x="2751288" y="1947194"/>
+            <a:off x="3273756" y="1699907"/>
             <a:ext cx="3796889" cy="3265453"/>
             <a:chOff x="2751288" y="1947194"/>
             <a:chExt cx="3796889" cy="3265453"/>
@@ -24318,8 +24559,8 @@
             </p:spPr>
           </p:cxnSp>
         </p:grpSp>
-        <mc:AlternateContent xmlns:mc="http://schemas.openxmlformats.org/markup-compatibility/2006">
-          <mc:Choice xmlns:a14="http://schemas.microsoft.com/office/drawing/2010/main" Requires="a14">
+        <mc:AlternateContent xmlns:mc="http://schemas.openxmlformats.org/markup-compatibility/2006" xmlns:a14="http://schemas.microsoft.com/office/drawing/2010/main">
+          <mc:Choice Requires="a14">
             <p:sp>
               <p:nvSpPr>
                 <p:cNvPr id="29" name="CaixaDeTexto 28">
@@ -24348,6 +24589,7 @@
                 </a:bodyPr>
                 <a:lstStyle/>
                 <a:p>
+                  <a:pPr/>
                   <a14:m>
                     <m:oMathPara xmlns:m="http://schemas.openxmlformats.org/officeDocument/2006/math">
                       <m:oMathParaPr>
@@ -24396,7 +24638,7 @@
               </p:txBody>
             </p:sp>
           </mc:Choice>
-          <mc:Fallback>
+          <mc:Fallback xmlns="">
             <p:sp>
               <p:nvSpPr>
                 <p:cNvPr id="29" name="CaixaDeTexto 28">
@@ -24441,8 +24683,8 @@
             </p:sp>
           </mc:Fallback>
         </mc:AlternateContent>
-        <mc:AlternateContent xmlns:mc="http://schemas.openxmlformats.org/markup-compatibility/2006">
-          <mc:Choice xmlns:a14="http://schemas.microsoft.com/office/drawing/2010/main" Requires="a14">
+        <mc:AlternateContent xmlns:mc="http://schemas.openxmlformats.org/markup-compatibility/2006" xmlns:a14="http://schemas.microsoft.com/office/drawing/2010/main">
+          <mc:Choice Requires="a14">
             <p:sp>
               <p:nvSpPr>
                 <p:cNvPr id="33" name="CaixaDeTexto 32">
@@ -24471,6 +24713,7 @@
                 </a:bodyPr>
                 <a:lstStyle/>
                 <a:p>
+                  <a:pPr/>
                   <a14:m>
                     <m:oMathPara xmlns:m="http://schemas.openxmlformats.org/officeDocument/2006/math">
                       <m:oMathParaPr>
@@ -24519,7 +24762,7 @@
               </p:txBody>
             </p:sp>
           </mc:Choice>
-          <mc:Fallback>
+          <mc:Fallback xmlns="">
             <p:sp>
               <p:nvSpPr>
                 <p:cNvPr id="33" name="CaixaDeTexto 32">
@@ -24564,8 +24807,8 @@
             </p:sp>
           </mc:Fallback>
         </mc:AlternateContent>
-        <mc:AlternateContent xmlns:mc="http://schemas.openxmlformats.org/markup-compatibility/2006">
-          <mc:Choice xmlns:a14="http://schemas.microsoft.com/office/drawing/2010/main" Requires="a14">
+        <mc:AlternateContent xmlns:mc="http://schemas.openxmlformats.org/markup-compatibility/2006" xmlns:a14="http://schemas.microsoft.com/office/drawing/2010/main">
+          <mc:Choice Requires="a14">
             <p:sp>
               <p:nvSpPr>
                 <p:cNvPr id="34" name="CaixaDeTexto 33">
@@ -24594,6 +24837,7 @@
                 </a:bodyPr>
                 <a:lstStyle/>
                 <a:p>
+                  <a:pPr/>
                   <a14:m>
                     <m:oMathPara xmlns:m="http://schemas.openxmlformats.org/officeDocument/2006/math">
                       <m:oMathParaPr>
@@ -24630,7 +24874,7 @@
               </p:txBody>
             </p:sp>
           </mc:Choice>
-          <mc:Fallback>
+          <mc:Fallback xmlns="">
             <p:sp>
               <p:nvSpPr>
                 <p:cNvPr id="34" name="CaixaDeTexto 33">
@@ -24675,8 +24919,8 @@
             </p:sp>
           </mc:Fallback>
         </mc:AlternateContent>
-        <mc:AlternateContent xmlns:mc="http://schemas.openxmlformats.org/markup-compatibility/2006">
-          <mc:Choice xmlns:a14="http://schemas.microsoft.com/office/drawing/2010/main" Requires="a14">
+        <mc:AlternateContent xmlns:mc="http://schemas.openxmlformats.org/markup-compatibility/2006" xmlns:a14="http://schemas.microsoft.com/office/drawing/2010/main">
+          <mc:Choice Requires="a14">
             <p:sp>
               <p:nvSpPr>
                 <p:cNvPr id="35" name="CaixaDeTexto 34">
@@ -24705,6 +24949,7 @@
                 </a:bodyPr>
                 <a:lstStyle/>
                 <a:p>
+                  <a:pPr/>
                   <a14:m>
                     <m:oMathPara xmlns:m="http://schemas.openxmlformats.org/officeDocument/2006/math">
                       <m:oMathParaPr>
@@ -24729,7 +24974,7 @@
               </p:txBody>
             </p:sp>
           </mc:Choice>
-          <mc:Fallback>
+          <mc:Fallback xmlns="">
             <p:sp>
               <p:nvSpPr>
                 <p:cNvPr id="35" name="CaixaDeTexto 34">
@@ -24774,8 +25019,8 @@
             </p:sp>
           </mc:Fallback>
         </mc:AlternateContent>
-        <mc:AlternateContent xmlns:mc="http://schemas.openxmlformats.org/markup-compatibility/2006">
-          <mc:Choice xmlns:a14="http://schemas.microsoft.com/office/drawing/2010/main" Requires="a14">
+        <mc:AlternateContent xmlns:mc="http://schemas.openxmlformats.org/markup-compatibility/2006" xmlns:a14="http://schemas.microsoft.com/office/drawing/2010/main">
+          <mc:Choice Requires="a14">
             <p:sp>
               <p:nvSpPr>
                 <p:cNvPr id="36" name="CaixaDeTexto 35">
@@ -24804,6 +25049,7 @@
                 </a:bodyPr>
                 <a:lstStyle/>
                 <a:p>
+                  <a:pPr/>
                   <a14:m>
                     <m:oMathPara xmlns:m="http://schemas.openxmlformats.org/officeDocument/2006/math">
                       <m:oMathParaPr>
@@ -24828,7 +25074,7 @@
               </p:txBody>
             </p:sp>
           </mc:Choice>
-          <mc:Fallback>
+          <mc:Fallback xmlns="">
             <p:sp>
               <p:nvSpPr>
                 <p:cNvPr id="36" name="CaixaDeTexto 35">
@@ -24873,8 +25119,8 @@
             </p:sp>
           </mc:Fallback>
         </mc:AlternateContent>
-        <mc:AlternateContent xmlns:mc="http://schemas.openxmlformats.org/markup-compatibility/2006">
-          <mc:Choice xmlns:a14="http://schemas.microsoft.com/office/drawing/2010/main" Requires="a14">
+        <mc:AlternateContent xmlns:mc="http://schemas.openxmlformats.org/markup-compatibility/2006" xmlns:a14="http://schemas.microsoft.com/office/drawing/2010/main">
+          <mc:Choice Requires="a14">
             <p:sp>
               <p:nvSpPr>
                 <p:cNvPr id="37" name="CaixaDeTexto 36">
@@ -24903,6 +25149,7 @@
                 </a:bodyPr>
                 <a:lstStyle/>
                 <a:p>
+                  <a:pPr/>
                   <a14:m>
                     <m:oMathPara xmlns:m="http://schemas.openxmlformats.org/officeDocument/2006/math">
                       <m:oMathParaPr>
@@ -24961,7 +25208,7 @@
               </p:txBody>
             </p:sp>
           </mc:Choice>
-          <mc:Fallback>
+          <mc:Fallback xmlns="">
             <p:sp>
               <p:nvSpPr>
                 <p:cNvPr id="37" name="CaixaDeTexto 36">
@@ -25023,7 +25270,7 @@
             </p:nvSpPr>
             <p:spPr>
               <a:xfrm>
-                <a:off x="4812541" y="5612105"/>
+                <a:off x="3653196" y="5198397"/>
                 <a:ext cx="3397533" cy="696344"/>
               </a:xfrm>
               <a:prstGeom prst="rect">
@@ -25037,6 +25284,7 @@
               </a:bodyPr>
               <a:lstStyle/>
               <a:p>
+                <a:pPr/>
                 <a14:m>
                   <m:oMathPara xmlns:m="http://schemas.openxmlformats.org/officeDocument/2006/math">
                     <m:oMathParaPr>
@@ -25385,7 +25633,7 @@
             </p:nvSpPr>
             <p:spPr>
               <a:xfrm>
-                <a:off x="4812541" y="5612105"/>
+                <a:off x="3653196" y="5198397"/>
                 <a:ext cx="3397533" cy="696344"/>
               </a:xfrm>
               <a:prstGeom prst="rect">
@@ -25403,7 +25651,7 @@
               <a:lstStyle/>
               <a:p>
                 <a:r>
-                  <a:rPr lang="pt-PT">
+                  <a:rPr lang="en-US">
                     <a:noFill/>
                   </a:rPr>
                   <a:t> </a:t>
@@ -25449,7 +25697,7 @@
 </p:sld>
 </file>
 
-<file path=ppt/slides/slide5.xml><?xml version="1.0" encoding="utf-8"?>
+<file path=ppt/slides/slide7.xml><?xml version="1.0" encoding="utf-8"?>
 <p:sld xmlns:a="http://schemas.openxmlformats.org/drawingml/2006/main" xmlns:r="http://schemas.openxmlformats.org/officeDocument/2006/relationships" xmlns:p="http://schemas.openxmlformats.org/presentationml/2006/main">
   <p:cSld>
     <p:bg>
@@ -25821,7 +26069,7 @@
                 <a:buFontTx/>
                 <a:buNone/>
               </a:pPr>
-              <a:t>5</a:t>
+              <a:t>7</a:t>
             </a:fld>
             <a:endParaRPr lang="en-US" altLang="pt-PT" sz="1200" b="1">
               <a:solidFill>
@@ -26393,8 +26641,8 @@
           </a:p>
         </p:txBody>
       </p:sp>
-      <mc:AlternateContent xmlns:mc="http://schemas.openxmlformats.org/markup-compatibility/2006">
-        <mc:Choice xmlns:a14="http://schemas.microsoft.com/office/drawing/2010/main" Requires="a14">
+      <mc:AlternateContent xmlns:mc="http://schemas.openxmlformats.org/markup-compatibility/2006" xmlns:a14="http://schemas.microsoft.com/office/drawing/2010/main">
+        <mc:Choice Requires="a14">
           <p:graphicFrame>
             <p:nvGraphicFramePr>
               <p:cNvPr id="26" name="Tabela 26">
@@ -26690,7 +26938,7 @@
             </a:graphic>
           </p:graphicFrame>
         </mc:Choice>
-        <mc:Fallback>
+        <mc:Fallback xmlns="">
           <p:graphicFrame>
             <p:nvGraphicFramePr>
               <p:cNvPr id="26" name="Tabela 26">
@@ -27121,8 +27369,8 @@
             </p:txBody>
           </p:sp>
         </p:grpSp>
-        <mc:AlternateContent xmlns:mc="http://schemas.openxmlformats.org/markup-compatibility/2006">
-          <mc:Choice xmlns:a14="http://schemas.microsoft.com/office/drawing/2010/main" Requires="a14">
+        <mc:AlternateContent xmlns:mc="http://schemas.openxmlformats.org/markup-compatibility/2006" xmlns:a14="http://schemas.microsoft.com/office/drawing/2010/main">
+          <mc:Choice Requires="a14">
             <p:sp>
               <p:nvSpPr>
                 <p:cNvPr id="27" name="CaixaDeTexto 26">
@@ -27151,6 +27399,7 @@
                 </a:bodyPr>
                 <a:lstStyle/>
                 <a:p>
+                  <a:pPr/>
                   <a14:m>
                     <m:oMathPara xmlns:m="http://schemas.openxmlformats.org/officeDocument/2006/math">
                       <m:oMathParaPr>
@@ -27320,7 +27569,7 @@
               </p:txBody>
             </p:sp>
           </mc:Choice>
-          <mc:Fallback>
+          <mc:Fallback xmlns="">
             <p:sp>
               <p:nvSpPr>
                 <p:cNvPr id="27" name="CaixaDeTexto 26">
@@ -27564,8 +27813,8 @@
           </a:graphicData>
         </a:graphic>
       </p:graphicFrame>
-      <mc:AlternateContent xmlns:mc="http://schemas.openxmlformats.org/markup-compatibility/2006">
-        <mc:Choice xmlns:a14="http://schemas.microsoft.com/office/drawing/2010/main" Requires="a14">
+      <mc:AlternateContent xmlns:mc="http://schemas.openxmlformats.org/markup-compatibility/2006" xmlns:a14="http://schemas.microsoft.com/office/drawing/2010/main">
+        <mc:Choice Requires="a14">
           <p:sp>
             <p:nvSpPr>
               <p:cNvPr id="41" name="CaixaDeTexto 40">
@@ -27999,7 +28248,7 @@
             </p:txBody>
           </p:sp>
         </mc:Choice>
-        <mc:Fallback>
+        <mc:Fallback xmlns="">
           <p:sp>
             <p:nvSpPr>
               <p:cNvPr id="41" name="CaixaDeTexto 40">
@@ -28080,7 +28329,7 @@
 </p:sld>
 </file>
 
-<file path=ppt/slides/slide6.xml><?xml version="1.0" encoding="utf-8"?>
+<file path=ppt/slides/slide8.xml><?xml version="1.0" encoding="utf-8"?>
 <p:sld xmlns:a="http://schemas.openxmlformats.org/drawingml/2006/main" xmlns:r="http://schemas.openxmlformats.org/officeDocument/2006/relationships" xmlns:p="http://schemas.openxmlformats.org/presentationml/2006/main">
   <p:cSld>
     <p:bg>
@@ -28452,7 +28701,7 @@
                 <a:buFontTx/>
                 <a:buNone/>
               </a:pPr>
-              <a:t>6</a:t>
+              <a:t>8</a:t>
             </a:fld>
             <a:endParaRPr lang="en-US" altLang="pt-PT" sz="1200" b="1">
               <a:solidFill>
@@ -28682,7 +28931,7 @@
 </p:sld>
 </file>
 
-<file path=ppt/slides/slide7.xml><?xml version="1.0" encoding="utf-8"?>
+<file path=ppt/slides/slide9.xml><?xml version="1.0" encoding="utf-8"?>
 <p:sld xmlns:a="http://schemas.openxmlformats.org/drawingml/2006/main" xmlns:r="http://schemas.openxmlformats.org/officeDocument/2006/relationships" xmlns:p="http://schemas.openxmlformats.org/presentationml/2006/main">
   <p:cSld>
     <p:bg>
@@ -29054,7 +29303,7 @@
                 <a:buFontTx/>
                 <a:buNone/>
               </a:pPr>
-              <a:t>7</a:t>
+              <a:t>9</a:t>
             </a:fld>
             <a:endParaRPr lang="en-US" altLang="pt-PT" sz="1200" b="1">
               <a:solidFill>
